--- a/5-3DLetter/3DLetter.pptx
+++ b/5-3DLetter/3DLetter.pptx
@@ -9,15 +9,16 @@
     <p:sldId id="257" r:id="rId3"/>
     <p:sldId id="258" r:id="rId4"/>
     <p:sldId id="259" r:id="rId5"/>
-    <p:sldId id="270" r:id="rId6"/>
-    <p:sldId id="271" r:id="rId7"/>
-    <p:sldId id="296" r:id="rId8"/>
-    <p:sldId id="298" r:id="rId9"/>
-    <p:sldId id="297" r:id="rId10"/>
-    <p:sldId id="299" r:id="rId11"/>
-    <p:sldId id="295" r:id="rId12"/>
-    <p:sldId id="300" r:id="rId13"/>
-    <p:sldId id="267" r:id="rId14"/>
+    <p:sldId id="301" r:id="rId6"/>
+    <p:sldId id="270" r:id="rId7"/>
+    <p:sldId id="271" r:id="rId8"/>
+    <p:sldId id="296" r:id="rId9"/>
+    <p:sldId id="298" r:id="rId10"/>
+    <p:sldId id="297" r:id="rId11"/>
+    <p:sldId id="299" r:id="rId12"/>
+    <p:sldId id="295" r:id="rId13"/>
+    <p:sldId id="300" r:id="rId14"/>
+    <p:sldId id="267" r:id="rId15"/>
   </p:sldIdLst>
   <p:sldSz cx="9144000" cy="6858000" type="screen4x3"/>
   <p:notesSz cx="6858000" cy="9144000"/>
@@ -118,7 +119,7 @@
   </p:defaultTextStyle>
   <p:extLst>
     <p:ext uri="{EFAFB233-063F-42B5-8137-9DF3F51BA10A}">
-      <p15:sldGuideLst xmlns:p15="http://schemas.microsoft.com/office/powerpoint/2012/main" xmlns="">
+      <p15:sldGuideLst xmlns="" xmlns:p15="http://schemas.microsoft.com/office/powerpoint/2012/main">
         <p15:guide id="1" orient="horz" pos="2160">
           <p15:clr>
             <a:srgbClr val="A4A3A4"/>
@@ -316,7 +317,7 @@
           <a:p>
             <a:fld id="{17C7C8FB-1C37-4023-AA22-09D5A8E13DCF}" type="datetimeFigureOut">
               <a:rPr lang="zh-CN" altLang="en-US" smtClean="0"/>
-              <a:t>2018/5/4</a:t>
+              <a:t>2018/5/9</a:t>
             </a:fld>
             <a:endParaRPr lang="zh-CN" altLang="en-US"/>
           </a:p>
@@ -486,7 +487,7 @@
           <a:p>
             <a:fld id="{17C7C8FB-1C37-4023-AA22-09D5A8E13DCF}" type="datetimeFigureOut">
               <a:rPr lang="zh-CN" altLang="en-US" smtClean="0"/>
-              <a:t>2018/5/4</a:t>
+              <a:t>2018/5/9</a:t>
             </a:fld>
             <a:endParaRPr lang="zh-CN" altLang="en-US"/>
           </a:p>
@@ -666,7 +667,7 @@
           <a:p>
             <a:fld id="{17C7C8FB-1C37-4023-AA22-09D5A8E13DCF}" type="datetimeFigureOut">
               <a:rPr lang="zh-CN" altLang="en-US" smtClean="0"/>
-              <a:t>2018/5/4</a:t>
+              <a:t>2018/5/9</a:t>
             </a:fld>
             <a:endParaRPr lang="zh-CN" altLang="en-US"/>
           </a:p>
@@ -836,7 +837,7 @@
           <a:p>
             <a:fld id="{17C7C8FB-1C37-4023-AA22-09D5A8E13DCF}" type="datetimeFigureOut">
               <a:rPr lang="zh-CN" altLang="en-US" smtClean="0"/>
-              <a:t>2018/5/4</a:t>
+              <a:t>2018/5/9</a:t>
             </a:fld>
             <a:endParaRPr lang="zh-CN" altLang="en-US"/>
           </a:p>
@@ -1082,7 +1083,7 @@
           <a:p>
             <a:fld id="{17C7C8FB-1C37-4023-AA22-09D5A8E13DCF}" type="datetimeFigureOut">
               <a:rPr lang="zh-CN" altLang="en-US" smtClean="0"/>
-              <a:t>2018/5/4</a:t>
+              <a:t>2018/5/9</a:t>
             </a:fld>
             <a:endParaRPr lang="zh-CN" altLang="en-US"/>
           </a:p>
@@ -1370,7 +1371,7 @@
           <a:p>
             <a:fld id="{17C7C8FB-1C37-4023-AA22-09D5A8E13DCF}" type="datetimeFigureOut">
               <a:rPr lang="zh-CN" altLang="en-US" smtClean="0"/>
-              <a:t>2018/5/4</a:t>
+              <a:t>2018/5/9</a:t>
             </a:fld>
             <a:endParaRPr lang="zh-CN" altLang="en-US"/>
           </a:p>
@@ -1792,7 +1793,7 @@
           <a:p>
             <a:fld id="{17C7C8FB-1C37-4023-AA22-09D5A8E13DCF}" type="datetimeFigureOut">
               <a:rPr lang="zh-CN" altLang="en-US" smtClean="0"/>
-              <a:t>2018/5/4</a:t>
+              <a:t>2018/5/9</a:t>
             </a:fld>
             <a:endParaRPr lang="zh-CN" altLang="en-US"/>
           </a:p>
@@ -1910,7 +1911,7 @@
           <a:p>
             <a:fld id="{17C7C8FB-1C37-4023-AA22-09D5A8E13DCF}" type="datetimeFigureOut">
               <a:rPr lang="zh-CN" altLang="en-US" smtClean="0"/>
-              <a:t>2018/5/4</a:t>
+              <a:t>2018/5/9</a:t>
             </a:fld>
             <a:endParaRPr lang="zh-CN" altLang="en-US"/>
           </a:p>
@@ -2005,7 +2006,7 @@
           <a:p>
             <a:fld id="{17C7C8FB-1C37-4023-AA22-09D5A8E13DCF}" type="datetimeFigureOut">
               <a:rPr lang="zh-CN" altLang="en-US" smtClean="0"/>
-              <a:t>2018/5/4</a:t>
+              <a:t>2018/5/9</a:t>
             </a:fld>
             <a:endParaRPr lang="zh-CN" altLang="en-US"/>
           </a:p>
@@ -2282,7 +2283,7 @@
           <a:p>
             <a:fld id="{17C7C8FB-1C37-4023-AA22-09D5A8E13DCF}" type="datetimeFigureOut">
               <a:rPr lang="zh-CN" altLang="en-US" smtClean="0"/>
-              <a:t>2018/5/4</a:t>
+              <a:t>2018/5/9</a:t>
             </a:fld>
             <a:endParaRPr lang="zh-CN" altLang="en-US"/>
           </a:p>
@@ -2535,7 +2536,7 @@
           <a:p>
             <a:fld id="{17C7C8FB-1C37-4023-AA22-09D5A8E13DCF}" type="datetimeFigureOut">
               <a:rPr lang="zh-CN" altLang="en-US" smtClean="0"/>
-              <a:t>2018/5/4</a:t>
+              <a:t>2018/5/9</a:t>
             </a:fld>
             <a:endParaRPr lang="zh-CN" altLang="en-US"/>
           </a:p>
@@ -2748,7 +2749,7 @@
           <a:p>
             <a:fld id="{17C7C8FB-1C37-4023-AA22-09D5A8E13DCF}" type="datetimeFigureOut">
               <a:rPr lang="zh-CN" altLang="en-US" smtClean="0"/>
-              <a:t>2018/5/4</a:t>
+              <a:t>2018/5/9</a:t>
             </a:fld>
             <a:endParaRPr lang="zh-CN" altLang="en-US"/>
           </a:p>
@@ -3246,7 +3247,7 @@
                 <a:latin typeface="微软雅黑" pitchFamily="34" charset="-122"/>
                 <a:ea typeface="微软雅黑" pitchFamily="34" charset="-122"/>
               </a:rPr>
-              <a:t>3</a:t>
+              <a:t>5</a:t>
             </a:r>
             <a:r>
               <a:rPr lang="zh-CN" altLang="en-US" sz="3200" dirty="0" smtClean="0">
@@ -3259,7 +3260,7 @@
                 <a:latin typeface="微软雅黑" pitchFamily="34" charset="-122"/>
                 <a:ea typeface="微软雅黑" pitchFamily="34" charset="-122"/>
               </a:rPr>
-              <a:t>讲  旋转的骰子（二）</a:t>
+              <a:t>讲  字母的剪纸翻折</a:t>
             </a:r>
             <a:r>
               <a:rPr lang="en-US" altLang="zh-CN" dirty="0" smtClean="0">
@@ -3390,6 +3391,363 @@
           <a:chExt cx="0" cy="0"/>
         </a:xfrm>
       </p:grpSpPr>
+      <p:pic>
+        <p:nvPicPr>
+          <p:cNvPr id="2" name="图片 1" descr="屏幕剪辑"/>
+          <p:cNvPicPr>
+            <a:picLocks noChangeAspect="1"/>
+          </p:cNvPicPr>
+          <p:nvPr/>
+        </p:nvPicPr>
+        <p:blipFill>
+          <a:blip r:embed="rId2">
+            <a:extLst>
+              <a:ext uri="{28A0092B-C50C-407E-A947-70E740481C1C}">
+                <a14:useLocalDpi xmlns:a14="http://schemas.microsoft.com/office/drawing/2010/main" val="0"/>
+              </a:ext>
+            </a:extLst>
+          </a:blip>
+          <a:stretch>
+            <a:fillRect/>
+          </a:stretch>
+        </p:blipFill>
+        <p:spPr>
+          <a:xfrm>
+            <a:off x="1446729" y="1559817"/>
+            <a:ext cx="4115374" cy="2848373"/>
+          </a:xfrm>
+          <a:prstGeom prst="rect">
+            <a:avLst/>
+          </a:prstGeom>
+          <a:ln>
+            <a:noFill/>
+          </a:ln>
+          <a:effectLst>
+            <a:outerShdw blurRad="292100" dist="139700" dir="2700000" algn="tl" rotWithShape="0">
+              <a:srgbClr val="333333">
+                <a:alpha val="65000"/>
+              </a:srgbClr>
+            </a:outerShdw>
+          </a:effectLst>
+        </p:spPr>
+      </p:pic>
+      <p:sp>
+        <p:nvSpPr>
+          <p:cNvPr id="3" name="圆角矩形标注 2"/>
+          <p:cNvSpPr/>
+          <p:nvPr/>
+        </p:nvSpPr>
+        <p:spPr>
+          <a:xfrm>
+            <a:off x="4543073" y="1271784"/>
+            <a:ext cx="2520280" cy="481485"/>
+          </a:xfrm>
+          <a:prstGeom prst="wedgeRoundRectCallout">
+            <a:avLst>
+              <a:gd name="adj1" fmla="val -31903"/>
+              <a:gd name="adj2" fmla="val 92096"/>
+              <a:gd name="adj3" fmla="val 16667"/>
+            </a:avLst>
+          </a:prstGeom>
+        </p:spPr>
+        <p:style>
+          <a:lnRef idx="2">
+            <a:schemeClr val="accent5"/>
+          </a:lnRef>
+          <a:fillRef idx="1">
+            <a:schemeClr val="lt1"/>
+          </a:fillRef>
+          <a:effectRef idx="0">
+            <a:schemeClr val="accent5"/>
+          </a:effectRef>
+          <a:fontRef idx="minor">
+            <a:schemeClr val="dk1"/>
+          </a:fontRef>
+        </p:style>
+        <p:txBody>
+          <a:bodyPr rtlCol="0" anchor="ctr"/>
+          <a:lstStyle/>
+          <a:p>
+            <a:pPr>
+              <a:lnSpc>
+                <a:spcPct val="150000"/>
+              </a:lnSpc>
+            </a:pPr>
+            <a:r>
+              <a:rPr lang="zh-CN" altLang="en-US" sz="1400" dirty="0" smtClean="0">
+                <a:latin typeface="微软雅黑" panose="020B0503020204020204" pitchFamily="34" charset="-122"/>
+                <a:ea typeface="微软雅黑" panose="020B0503020204020204" pitchFamily="34" charset="-122"/>
+              </a:rPr>
+              <a:t>垂直方向骰子的弹跳动画</a:t>
+            </a:r>
+            <a:endParaRPr lang="zh-CN" altLang="en-US" sz="1400" dirty="0">
+              <a:latin typeface="微软雅黑" panose="020B0503020204020204" pitchFamily="34" charset="-122"/>
+              <a:ea typeface="微软雅黑" panose="020B0503020204020204" pitchFamily="34" charset="-122"/>
+            </a:endParaRPr>
+          </a:p>
+        </p:txBody>
+      </p:sp>
+      <p:sp>
+        <p:nvSpPr>
+          <p:cNvPr id="4" name="圆角矩形标注 3"/>
+          <p:cNvSpPr/>
+          <p:nvPr/>
+        </p:nvSpPr>
+        <p:spPr>
+          <a:xfrm>
+            <a:off x="5047129" y="2207889"/>
+            <a:ext cx="2016224" cy="481485"/>
+          </a:xfrm>
+          <a:prstGeom prst="wedgeRoundRectCallout">
+            <a:avLst>
+              <a:gd name="adj1" fmla="val -31903"/>
+              <a:gd name="adj2" fmla="val 92096"/>
+              <a:gd name="adj3" fmla="val 16667"/>
+            </a:avLst>
+          </a:prstGeom>
+        </p:spPr>
+        <p:style>
+          <a:lnRef idx="2">
+            <a:schemeClr val="accent5"/>
+          </a:lnRef>
+          <a:fillRef idx="1">
+            <a:schemeClr val="lt1"/>
+          </a:fillRef>
+          <a:effectRef idx="0">
+            <a:schemeClr val="accent5"/>
+          </a:effectRef>
+          <a:fontRef idx="minor">
+            <a:schemeClr val="dk1"/>
+          </a:fontRef>
+        </p:style>
+        <p:txBody>
+          <a:bodyPr rtlCol="0" anchor="ctr"/>
+          <a:lstStyle/>
+          <a:p>
+            <a:pPr>
+              <a:lnSpc>
+                <a:spcPct val="150000"/>
+              </a:lnSpc>
+            </a:pPr>
+            <a:r>
+              <a:rPr lang="zh-CN" altLang="en-US" sz="1400" dirty="0" smtClean="0">
+                <a:latin typeface="微软雅黑" panose="020B0503020204020204" pitchFamily="34" charset="-122"/>
+                <a:ea typeface="微软雅黑" panose="020B0503020204020204" pitchFamily="34" charset="-122"/>
+              </a:rPr>
+              <a:t>水平方向的旋转动画</a:t>
+            </a:r>
+            <a:endParaRPr lang="zh-CN" altLang="en-US" sz="1400" dirty="0">
+              <a:latin typeface="微软雅黑" panose="020B0503020204020204" pitchFamily="34" charset="-122"/>
+              <a:ea typeface="微软雅黑" panose="020B0503020204020204" pitchFamily="34" charset="-122"/>
+            </a:endParaRPr>
+          </a:p>
+        </p:txBody>
+      </p:sp>
+      <p:sp>
+        <p:nvSpPr>
+          <p:cNvPr id="5" name="圆角矩形标注 4"/>
+          <p:cNvSpPr/>
+          <p:nvPr/>
+        </p:nvSpPr>
+        <p:spPr>
+          <a:xfrm>
+            <a:off x="5263153" y="3189335"/>
+            <a:ext cx="2556284" cy="792088"/>
+          </a:xfrm>
+          <a:prstGeom prst="wedgeRoundRectCallout">
+            <a:avLst>
+              <a:gd name="adj1" fmla="val -58101"/>
+              <a:gd name="adj2" fmla="val 30310"/>
+              <a:gd name="adj3" fmla="val 16667"/>
+            </a:avLst>
+          </a:prstGeom>
+        </p:spPr>
+        <p:style>
+          <a:lnRef idx="2">
+            <a:schemeClr val="accent5"/>
+          </a:lnRef>
+          <a:fillRef idx="1">
+            <a:schemeClr val="lt1"/>
+          </a:fillRef>
+          <a:effectRef idx="0">
+            <a:schemeClr val="accent5"/>
+          </a:effectRef>
+          <a:fontRef idx="minor">
+            <a:schemeClr val="dk1"/>
+          </a:fontRef>
+        </p:style>
+        <p:txBody>
+          <a:bodyPr rtlCol="0" anchor="ctr"/>
+          <a:lstStyle/>
+          <a:p>
+            <a:pPr>
+              <a:lnSpc>
+                <a:spcPct val="150000"/>
+              </a:lnSpc>
+            </a:pPr>
+            <a:r>
+              <a:rPr lang="zh-CN" altLang="en-US" sz="1400" dirty="0">
+                <a:latin typeface="微软雅黑" panose="020B0503020204020204" pitchFamily="34" charset="-122"/>
+                <a:ea typeface="微软雅黑" panose="020B0503020204020204" pitchFamily="34" charset="-122"/>
+              </a:rPr>
+              <a:t>想要</a:t>
+            </a:r>
+            <a:r>
+              <a:rPr lang="zh-CN" altLang="en-US" sz="1400" dirty="0" smtClean="0">
+                <a:latin typeface="微软雅黑" panose="020B0503020204020204" pitchFamily="34" charset="-122"/>
+                <a:ea typeface="微软雅黑" panose="020B0503020204020204" pitchFamily="34" charset="-122"/>
+              </a:rPr>
+              <a:t>包含特定点数的面朝向屏幕外侧，骰子自身旋转</a:t>
+            </a:r>
+            <a:endParaRPr lang="zh-CN" altLang="en-US" sz="1400" dirty="0">
+              <a:latin typeface="微软雅黑" panose="020B0503020204020204" pitchFamily="34" charset="-122"/>
+              <a:ea typeface="微软雅黑" panose="020B0503020204020204" pitchFamily="34" charset="-122"/>
+            </a:endParaRPr>
+          </a:p>
+        </p:txBody>
+      </p:sp>
+      <p:sp>
+        <p:nvSpPr>
+          <p:cNvPr id="8" name="圆角矩形标注 7"/>
+          <p:cNvSpPr/>
+          <p:nvPr/>
+        </p:nvSpPr>
+        <p:spPr>
+          <a:xfrm>
+            <a:off x="3275856" y="4293096"/>
+            <a:ext cx="4365400" cy="792088"/>
+          </a:xfrm>
+          <a:prstGeom prst="wedgeRoundRectCallout">
+            <a:avLst>
+              <a:gd name="adj1" fmla="val -24837"/>
+              <a:gd name="adj2" fmla="val -67025"/>
+              <a:gd name="adj3" fmla="val 16667"/>
+            </a:avLst>
+          </a:prstGeom>
+        </p:spPr>
+        <p:style>
+          <a:lnRef idx="2">
+            <a:schemeClr val="accent5"/>
+          </a:lnRef>
+          <a:fillRef idx="1">
+            <a:schemeClr val="lt1"/>
+          </a:fillRef>
+          <a:effectRef idx="0">
+            <a:schemeClr val="accent5"/>
+          </a:effectRef>
+          <a:fontRef idx="minor">
+            <a:schemeClr val="dk1"/>
+          </a:fontRef>
+        </p:style>
+        <p:txBody>
+          <a:bodyPr rtlCol="0" anchor="ctr"/>
+          <a:lstStyle/>
+          <a:p>
+            <a:pPr>
+              <a:lnSpc>
+                <a:spcPct val="150000"/>
+              </a:lnSpc>
+            </a:pPr>
+            <a:r>
+              <a:rPr lang="zh-CN" altLang="en-US" sz="1400" dirty="0" smtClean="0">
+                <a:latin typeface="微软雅黑" panose="020B0503020204020204" pitchFamily="34" charset="-122"/>
+                <a:ea typeface="微软雅黑" panose="020B0503020204020204" pitchFamily="34" charset="-122"/>
+              </a:rPr>
+              <a:t>筛子自身旋转时间最长，也就是当筛子动画结束时，其他动画肯定结束了，我们监控骰子动画即可</a:t>
+            </a:r>
+            <a:endParaRPr lang="zh-CN" altLang="en-US" sz="1400" dirty="0">
+              <a:latin typeface="微软雅黑" panose="020B0503020204020204" pitchFamily="34" charset="-122"/>
+              <a:ea typeface="微软雅黑" panose="020B0503020204020204" pitchFamily="34" charset="-122"/>
+            </a:endParaRPr>
+          </a:p>
+        </p:txBody>
+      </p:sp>
+      <p:sp>
+        <p:nvSpPr>
+          <p:cNvPr id="9" name="圆角矩形标注 8"/>
+          <p:cNvSpPr/>
+          <p:nvPr/>
+        </p:nvSpPr>
+        <p:spPr>
+          <a:xfrm>
+            <a:off x="1331640" y="889729"/>
+            <a:ext cx="2520280" cy="538082"/>
+          </a:xfrm>
+          <a:prstGeom prst="wedgeRoundRectCallout">
+            <a:avLst>
+              <a:gd name="adj1" fmla="val -15496"/>
+              <a:gd name="adj2" fmla="val 78451"/>
+              <a:gd name="adj3" fmla="val 16667"/>
+            </a:avLst>
+          </a:prstGeom>
+        </p:spPr>
+        <p:style>
+          <a:lnRef idx="2">
+            <a:schemeClr val="accent5"/>
+          </a:lnRef>
+          <a:fillRef idx="1">
+            <a:schemeClr val="lt1"/>
+          </a:fillRef>
+          <a:effectRef idx="0">
+            <a:schemeClr val="accent5"/>
+          </a:effectRef>
+          <a:fontRef idx="minor">
+            <a:schemeClr val="dk1"/>
+          </a:fontRef>
+        </p:style>
+        <p:txBody>
+          <a:bodyPr rtlCol="0" anchor="ctr"/>
+          <a:lstStyle/>
+          <a:p>
+            <a:pPr>
+              <a:lnSpc>
+                <a:spcPct val="150000"/>
+              </a:lnSpc>
+            </a:pPr>
+            <a:r>
+              <a:rPr lang="zh-CN" altLang="en-US" sz="1400" dirty="0" smtClean="0">
+                <a:latin typeface="微软雅黑" panose="020B0503020204020204" pitchFamily="34" charset="-122"/>
+                <a:ea typeface="微软雅黑" panose="020B0503020204020204" pitchFamily="34" charset="-122"/>
+              </a:rPr>
+              <a:t>添加动画类，即可启动动画</a:t>
+            </a:r>
+            <a:endParaRPr lang="zh-CN" altLang="en-US" sz="1400" dirty="0">
+              <a:latin typeface="微软雅黑" panose="020B0503020204020204" pitchFamily="34" charset="-122"/>
+              <a:ea typeface="微软雅黑" panose="020B0503020204020204" pitchFamily="34" charset="-122"/>
+            </a:endParaRPr>
+          </a:p>
+        </p:txBody>
+      </p:sp>
+    </p:spTree>
+    <p:extLst>
+      <p:ext uri="{BB962C8B-B14F-4D97-AF65-F5344CB8AC3E}">
+        <p14:creationId xmlns:p14="http://schemas.microsoft.com/office/powerpoint/2010/main" val="3152900680"/>
+      </p:ext>
+    </p:extLst>
+  </p:cSld>
+  <p:clrMapOvr>
+    <a:masterClrMapping/>
+  </p:clrMapOvr>
+</p:sld>
+</file>
+
+<file path=ppt/slides/slide11.xml><?xml version="1.0" encoding="utf-8"?>
+<p:sld xmlns:a="http://schemas.openxmlformats.org/drawingml/2006/main" xmlns:r="http://schemas.openxmlformats.org/officeDocument/2006/relationships" xmlns:p="http://schemas.openxmlformats.org/presentationml/2006/main">
+  <p:cSld>
+    <p:spTree>
+      <p:nvGrpSpPr>
+        <p:cNvPr id="1" name=""/>
+        <p:cNvGrpSpPr/>
+        <p:nvPr/>
+      </p:nvGrpSpPr>
+      <p:grpSpPr>
+        <a:xfrm>
+          <a:off x="0" y="0"/>
+          <a:ext cx="0" cy="0"/>
+          <a:chOff x="0" y="0"/>
+          <a:chExt cx="0" cy="0"/>
+        </a:xfrm>
+      </p:grpSpPr>
       <p:sp>
         <p:nvSpPr>
           <p:cNvPr id="4" name="TextBox 3"/>
@@ -3611,7 +3969,7 @@
 </p:sld>
 </file>
 
-<file path=ppt/slides/slide11.xml><?xml version="1.0" encoding="utf-8"?>
+<file path=ppt/slides/slide12.xml><?xml version="1.0" encoding="utf-8"?>
 <p:sld xmlns:a="http://schemas.openxmlformats.org/drawingml/2006/main" xmlns:r="http://schemas.openxmlformats.org/officeDocument/2006/relationships" xmlns:p="http://schemas.openxmlformats.org/presentationml/2006/main">
   <p:cSld>
     <p:spTree>
@@ -3936,7 +4294,7 @@
 </p:sld>
 </file>
 
-<file path=ppt/slides/slide12.xml><?xml version="1.0" encoding="utf-8"?>
+<file path=ppt/slides/slide13.xml><?xml version="1.0" encoding="utf-8"?>
 <p:sld xmlns:a="http://schemas.openxmlformats.org/drawingml/2006/main" xmlns:r="http://schemas.openxmlformats.org/officeDocument/2006/relationships" xmlns:p="http://schemas.openxmlformats.org/presentationml/2006/main">
   <p:cSld>
     <p:spTree>
@@ -4237,7 +4595,7 @@
 </p:sld>
 </file>
 
-<file path=ppt/slides/slide13.xml><?xml version="1.0" encoding="utf-8"?>
+<file path=ppt/slides/slide14.xml><?xml version="1.0" encoding="utf-8"?>
 <p:sld xmlns:a="http://schemas.openxmlformats.org/drawingml/2006/main" xmlns:r="http://schemas.openxmlformats.org/officeDocument/2006/relationships" xmlns:p="http://schemas.openxmlformats.org/presentationml/2006/main">
   <p:cSld>
     <p:spTree>
@@ -4480,20 +4838,7 @@
                 <a:latin typeface="微软雅黑" pitchFamily="34" charset="-122"/>
                 <a:ea typeface="微软雅黑" pitchFamily="34" charset="-122"/>
               </a:rPr>
-              <a:t>下期预告</a:t>
-            </a:r>
-            <a:r>
-              <a:rPr lang="zh-CN" altLang="en-US" sz="2800" dirty="0" smtClean="0">
-                <a:solidFill>
-                  <a:schemeClr val="tx1">
-                    <a:lumMod val="75000"/>
-                    <a:lumOff val="25000"/>
-                  </a:schemeClr>
-                </a:solidFill>
-                <a:latin typeface="微软雅黑" pitchFamily="34" charset="-122"/>
-                <a:ea typeface="微软雅黑" pitchFamily="34" charset="-122"/>
-              </a:rPr>
-              <a:t>，星空效果！</a:t>
+              <a:t>下期预告，星空效果！</a:t>
             </a:r>
             <a:endParaRPr lang="zh-CN" altLang="en-US" sz="2800" dirty="0">
               <a:solidFill>
@@ -4610,7 +4955,33 @@
                 <a:latin typeface="微软雅黑" pitchFamily="34" charset="-122"/>
                 <a:ea typeface="微软雅黑" pitchFamily="34" charset="-122"/>
               </a:rPr>
-              <a:t>旋转的骰子</a:t>
+              <a:t>剪纸</a:t>
+            </a:r>
+            <a:r>
+              <a:rPr lang="zh-CN" altLang="en-US" sz="2800" dirty="0" smtClean="0">
+                <a:solidFill>
+                  <a:schemeClr val="tx1">
+                    <a:lumMod val="75000"/>
+                    <a:lumOff val="25000"/>
+                  </a:schemeClr>
+                </a:solidFill>
+                <a:latin typeface="微软雅黑" pitchFamily="34" charset="-122"/>
+                <a:ea typeface="微软雅黑" pitchFamily="34" charset="-122"/>
+              </a:rPr>
+              <a:t>翻</a:t>
+            </a:r>
+            <a:r>
+              <a:rPr lang="zh-CN" altLang="en-US" sz="2800" dirty="0">
+                <a:solidFill>
+                  <a:schemeClr val="tx1">
+                    <a:lumMod val="75000"/>
+                    <a:lumOff val="25000"/>
+                  </a:schemeClr>
+                </a:solidFill>
+                <a:latin typeface="微软雅黑" pitchFamily="34" charset="-122"/>
+                <a:ea typeface="微软雅黑" pitchFamily="34" charset="-122"/>
+              </a:rPr>
+              <a:t>折的字母</a:t>
             </a:r>
             <a:endParaRPr lang="zh-CN" altLang="en-US" sz="2800" dirty="0">
               <a:solidFill>
@@ -4634,7 +5005,7 @@
         <p:spPr>
           <a:xfrm>
             <a:off x="611560" y="1268760"/>
-            <a:ext cx="7128792" cy="961289"/>
+            <a:ext cx="7128792" cy="1938992"/>
           </a:xfrm>
           <a:prstGeom prst="rect">
             <a:avLst/>
@@ -4663,20 +5034,20 @@
                 <a:latin typeface="微软雅黑" pitchFamily="34" charset="-122"/>
                 <a:ea typeface="微软雅黑" pitchFamily="34" charset="-122"/>
               </a:rPr>
-              <a:t>上一次我们做了一个旋转的骰子（参看第</a:t>
-            </a:r>
-            <a:r>
-              <a:rPr lang="en-US" altLang="zh-CN" sz="2000" dirty="0" smtClean="0">
-                <a:solidFill>
-                  <a:schemeClr val="tx1">
-                    <a:lumMod val="75000"/>
-                    <a:lumOff val="25000"/>
-                  </a:schemeClr>
-                </a:solidFill>
-                <a:latin typeface="微软雅黑" pitchFamily="34" charset="-122"/>
-                <a:ea typeface="微软雅黑" pitchFamily="34" charset="-122"/>
-              </a:rPr>
-              <a:t>2</a:t>
+              <a:t>本期我们要实现一个翻折字母的效果，看上去好像是纸板上剪纸剪出的字母形状，鼠标悬浮时可以翻转，翻转的部分具有投影，纸板被剪掉</a:t>
+            </a:r>
+            <a:r>
+              <a:rPr lang="zh-CN" altLang="en-US" sz="2000" dirty="0">
+                <a:solidFill>
+                  <a:schemeClr val="tx1">
+                    <a:lumMod val="75000"/>
+                    <a:lumOff val="25000"/>
+                  </a:schemeClr>
+                </a:solidFill>
+                <a:latin typeface="微软雅黑" pitchFamily="34" charset="-122"/>
+                <a:ea typeface="微软雅黑" pitchFamily="34" charset="-122"/>
+              </a:rPr>
+              <a:t>而</a:t>
             </a:r>
             <a:r>
               <a:rPr lang="zh-CN" altLang="en-US" sz="2000" dirty="0" smtClean="0">
@@ -4689,9 +5060,9 @@
                 <a:latin typeface="微软雅黑" pitchFamily="34" charset="-122"/>
                 <a:ea typeface="微软雅黑" pitchFamily="34" charset="-122"/>
               </a:rPr>
-              <a:t>讲），这次我们想要点击按钮，让骰子旋转到特定的点数停下来！</a:t>
-            </a:r>
-            <a:endParaRPr lang="zh-CN" altLang="en-US" sz="2000" dirty="0">
+              <a:t>镂空部分，露出不一样的底色，看上去更加真实！</a:t>
+            </a:r>
+            <a:endParaRPr lang="en-US" altLang="zh-CN" sz="2000" dirty="0" smtClean="0">
               <a:solidFill>
                 <a:schemeClr val="tx1">
                   <a:lumMod val="75000"/>
@@ -4706,7 +5077,7 @@
       </p:sp>
       <p:pic>
         <p:nvPicPr>
-          <p:cNvPr id="7" name="图片 6"/>
+          <p:cNvPr id="3" name="图片 2"/>
           <p:cNvPicPr>
             <a:picLocks noChangeAspect="1"/>
           </p:cNvPicPr>
@@ -4726,22 +5097,12 @@
         </p:blipFill>
         <p:spPr>
           <a:xfrm>
-            <a:off x="3059832" y="2852936"/>
-            <a:ext cx="2400300" cy="2695575"/>
+            <a:off x="1089856" y="3213679"/>
+            <a:ext cx="6172200" cy="2219325"/>
           </a:xfrm>
           <a:prstGeom prst="rect">
             <a:avLst/>
           </a:prstGeom>
-          <a:ln>
-            <a:noFill/>
-          </a:ln>
-          <a:effectLst>
-            <a:outerShdw blurRad="292100" dist="139700" dir="2700000" algn="tl" rotWithShape="0">
-              <a:srgbClr val="333333">
-                <a:alpha val="65000"/>
-              </a:srgbClr>
-            </a:outerShdw>
-          </a:effectLst>
         </p:spPr>
       </p:pic>
     </p:spTree>
@@ -4876,8 +5237,8 @@
         </p:nvSpPr>
         <p:spPr>
           <a:xfrm>
-            <a:off x="467544" y="1412776"/>
-            <a:ext cx="8352928" cy="3831818"/>
+            <a:off x="467544" y="1196752"/>
+            <a:ext cx="8352928" cy="5078313"/>
           </a:xfrm>
           <a:prstGeom prst="rect">
             <a:avLst/>
@@ -4919,132 +5280,7 @@
                 <a:latin typeface="微软雅黑" pitchFamily="34" charset="-122"/>
                 <a:ea typeface="微软雅黑" pitchFamily="34" charset="-122"/>
               </a:rPr>
-              <a:t>立方体</a:t>
-            </a:r>
-            <a:r>
-              <a:rPr lang="zh-CN" altLang="en-US" dirty="0" smtClean="0">
-                <a:solidFill>
-                  <a:srgbClr val="C00000"/>
-                </a:solidFill>
-                <a:latin typeface="微软雅黑" pitchFamily="34" charset="-122"/>
-                <a:ea typeface="微软雅黑" pitchFamily="34" charset="-122"/>
-              </a:rPr>
-              <a:t>特定的朝向</a:t>
-            </a:r>
-            <a:r>
-              <a:rPr lang="zh-CN" altLang="en-US" dirty="0" smtClean="0">
-                <a:solidFill>
-                  <a:schemeClr val="tx1">
-                    <a:lumMod val="75000"/>
-                    <a:lumOff val="25000"/>
-                  </a:schemeClr>
-                </a:solidFill>
-                <a:latin typeface="微软雅黑" pitchFamily="34" charset="-122"/>
-                <a:ea typeface="微软雅黑" pitchFamily="34" charset="-122"/>
-              </a:rPr>
-              <a:t>对应着特定的</a:t>
-            </a:r>
-            <a:r>
-              <a:rPr lang="zh-CN" altLang="en-US" dirty="0" smtClean="0">
-                <a:solidFill>
-                  <a:srgbClr val="C00000"/>
-                </a:solidFill>
-                <a:latin typeface="微软雅黑" pitchFamily="34" charset="-122"/>
-                <a:ea typeface="微软雅黑" pitchFamily="34" charset="-122"/>
-              </a:rPr>
-              <a:t>旋转角度</a:t>
-            </a:r>
-            <a:endParaRPr lang="en-US" altLang="zh-CN" dirty="0" smtClean="0">
-              <a:solidFill>
-                <a:srgbClr val="C00000"/>
-              </a:solidFill>
-              <a:latin typeface="微软雅黑" pitchFamily="34" charset="-122"/>
-              <a:ea typeface="微软雅黑" pitchFamily="34" charset="-122"/>
-            </a:endParaRPr>
-          </a:p>
-          <a:p>
-            <a:pPr>
-              <a:lnSpc>
-                <a:spcPct val="150000"/>
-              </a:lnSpc>
-            </a:pPr>
-            <a:r>
-              <a:rPr lang="en-US" altLang="zh-CN" dirty="0">
-                <a:solidFill>
-                  <a:schemeClr val="tx1">
-                    <a:lumMod val="75000"/>
-                    <a:lumOff val="25000"/>
-                  </a:schemeClr>
-                </a:solidFill>
-                <a:latin typeface="微软雅黑" pitchFamily="34" charset="-122"/>
-                <a:ea typeface="微软雅黑" pitchFamily="34" charset="-122"/>
-              </a:rPr>
-              <a:t> </a:t>
-            </a:r>
-            <a:r>
-              <a:rPr lang="en-US" altLang="zh-CN" dirty="0" smtClean="0">
-                <a:solidFill>
-                  <a:schemeClr val="tx1">
-                    <a:lumMod val="75000"/>
-                    <a:lumOff val="25000"/>
-                  </a:schemeClr>
-                </a:solidFill>
-                <a:latin typeface="微软雅黑" pitchFamily="34" charset="-122"/>
-                <a:ea typeface="微软雅黑" pitchFamily="34" charset="-122"/>
-              </a:rPr>
-              <a:t>  </a:t>
-            </a:r>
-            <a:r>
-              <a:rPr lang="zh-CN" altLang="en-US" dirty="0" smtClean="0">
-                <a:solidFill>
-                  <a:schemeClr val="tx1">
-                    <a:lumMod val="75000"/>
-                    <a:lumOff val="25000"/>
-                  </a:schemeClr>
-                </a:solidFill>
-                <a:latin typeface="微软雅黑" pitchFamily="34" charset="-122"/>
-                <a:ea typeface="微软雅黑" pitchFamily="34" charset="-122"/>
-              </a:rPr>
-              <a:t>骰子显示特定点数，无非就是旋转骰子，让特定点数的面朝向</a:t>
-            </a:r>
-            <a:r>
-              <a:rPr lang="zh-CN" altLang="en-US" dirty="0" smtClean="0">
-                <a:solidFill>
-                  <a:schemeClr val="tx1">
-                    <a:lumMod val="75000"/>
-                    <a:lumOff val="25000"/>
-                  </a:schemeClr>
-                </a:solidFill>
-                <a:latin typeface="微软雅黑" pitchFamily="34" charset="-122"/>
-                <a:ea typeface="微软雅黑" pitchFamily="34" charset="-122"/>
-              </a:rPr>
-              <a:t>屏幕</a:t>
-            </a:r>
-            <a:r>
-              <a:rPr lang="zh-CN" altLang="en-US" dirty="0">
-                <a:solidFill>
-                  <a:schemeClr val="tx1">
-                    <a:lumMod val="75000"/>
-                    <a:lumOff val="25000"/>
-                  </a:schemeClr>
-                </a:solidFill>
-                <a:latin typeface="微软雅黑" pitchFamily="34" charset="-122"/>
-                <a:ea typeface="微软雅黑" pitchFamily="34" charset="-122"/>
-              </a:rPr>
-              <a:t>外侧</a:t>
-            </a:r>
-            <a:r>
-              <a:rPr lang="zh-CN" altLang="en-US" dirty="0" smtClean="0">
-                <a:solidFill>
-                  <a:schemeClr val="tx1">
-                    <a:lumMod val="75000"/>
-                    <a:lumOff val="25000"/>
-                  </a:schemeClr>
-                </a:solidFill>
-                <a:latin typeface="微软雅黑" pitchFamily="34" charset="-122"/>
-                <a:ea typeface="微软雅黑" pitchFamily="34" charset="-122"/>
-              </a:rPr>
-              <a:t> </a:t>
+              <a:t>字母需要独立</a:t>
             </a:r>
             <a:endParaRPr lang="en-US" altLang="zh-CN" dirty="0" smtClean="0">
               <a:solidFill>
@@ -5064,19 +5300,6 @@
               </a:lnSpc>
             </a:pPr>
             <a:r>
-              <a:rPr lang="en-US" altLang="zh-CN" dirty="0" smtClean="0">
-                <a:solidFill>
-                  <a:schemeClr val="tx1">
-                    <a:lumMod val="75000"/>
-                    <a:lumOff val="25000"/>
-                  </a:schemeClr>
-                </a:solidFill>
-                <a:latin typeface="微软雅黑" pitchFamily="34" charset="-122"/>
-                <a:ea typeface="微软雅黑" pitchFamily="34" charset="-122"/>
-              </a:rPr>
-              <a:t>b.</a:t>
-            </a:r>
-            <a:r>
               <a:rPr lang="zh-CN" altLang="en-US" dirty="0" smtClean="0">
                 <a:solidFill>
                   <a:schemeClr val="tx1">
@@ -5087,53 +5310,7 @@
                 <a:latin typeface="微软雅黑" pitchFamily="34" charset="-122"/>
                 <a:ea typeface="微软雅黑" pitchFamily="34" charset="-122"/>
               </a:rPr>
-              <a:t>通过</a:t>
-            </a:r>
-            <a:r>
-              <a:rPr lang="zh-CN" altLang="en-US" dirty="0" smtClean="0">
-                <a:solidFill>
-                  <a:srgbClr val="C00000"/>
-                </a:solidFill>
-                <a:latin typeface="微软雅黑" pitchFamily="34" charset="-122"/>
-                <a:ea typeface="微软雅黑" pitchFamily="34" charset="-122"/>
-              </a:rPr>
-              <a:t>自定义</a:t>
-            </a:r>
-            <a:r>
-              <a:rPr lang="zh-CN" altLang="en-US" dirty="0" smtClean="0">
-                <a:solidFill>
-                  <a:srgbClr val="C00000"/>
-                </a:solidFill>
-                <a:latin typeface="微软雅黑" pitchFamily="34" charset="-122"/>
-                <a:ea typeface="微软雅黑" pitchFamily="34" charset="-122"/>
-              </a:rPr>
-              <a:t>属性</a:t>
-            </a:r>
-            <a:r>
-              <a:rPr lang="zh-CN" altLang="en-US" dirty="0" smtClean="0">
-                <a:solidFill>
-                  <a:schemeClr val="tx1">
-                    <a:lumMod val="75000"/>
-                    <a:lumOff val="25000"/>
-                  </a:schemeClr>
-                </a:solidFill>
-                <a:latin typeface="微软雅黑" pitchFamily="34" charset="-122"/>
-                <a:ea typeface="微软雅黑" pitchFamily="34" charset="-122"/>
-              </a:rPr>
-              <a:t>控制旋转</a:t>
-            </a:r>
-            <a:r>
-              <a:rPr lang="zh-CN" altLang="en-US" dirty="0" smtClean="0">
-                <a:solidFill>
-                  <a:schemeClr val="tx1">
-                    <a:lumMod val="75000"/>
-                    <a:lumOff val="25000"/>
-                  </a:schemeClr>
-                </a:solidFill>
-                <a:latin typeface="微软雅黑" pitchFamily="34" charset="-122"/>
-                <a:ea typeface="微软雅黑" pitchFamily="34" charset="-122"/>
-              </a:rPr>
-              <a:t>角度</a:t>
+              <a:t>翻折的是字母，而不是整段文本，所以需要将目标文本一个字母一个字母地放在单独的标签中，方便进行操作</a:t>
             </a:r>
             <a:endParaRPr lang="en-US" altLang="zh-CN" dirty="0" smtClean="0">
               <a:solidFill>
@@ -5153,95 +5330,30 @@
               </a:lnSpc>
             </a:pPr>
             <a:r>
-              <a:rPr lang="en-US" altLang="zh-CN" dirty="0" smtClean="0">
-                <a:solidFill>
-                  <a:schemeClr val="tx1">
-                    <a:lumMod val="75000"/>
-                    <a:lumOff val="25000"/>
-                  </a:schemeClr>
-                </a:solidFill>
-                <a:latin typeface="微软雅黑" pitchFamily="34" charset="-122"/>
-                <a:ea typeface="微软雅黑" pitchFamily="34" charset="-122"/>
-              </a:rPr>
-              <a:t>   </a:t>
-            </a:r>
-            <a:r>
-              <a:rPr lang="zh-CN" altLang="en-US" dirty="0" smtClean="0">
-                <a:solidFill>
-                  <a:schemeClr val="tx1">
-                    <a:lumMod val="75000"/>
-                    <a:lumOff val="25000"/>
-                  </a:schemeClr>
-                </a:solidFill>
-                <a:latin typeface="微软雅黑" pitchFamily="34" charset="-122"/>
-                <a:ea typeface="微软雅黑" pitchFamily="34" charset="-122"/>
-              </a:rPr>
-              <a:t>利用</a:t>
-            </a:r>
-            <a:r>
-              <a:rPr lang="en-US" altLang="zh-CN" dirty="0" err="1" smtClean="0">
-                <a:solidFill>
-                  <a:schemeClr val="tx1">
-                    <a:lumMod val="75000"/>
-                    <a:lumOff val="25000"/>
-                  </a:schemeClr>
-                </a:solidFill>
-                <a:latin typeface="微软雅黑" pitchFamily="34" charset="-122"/>
-                <a:ea typeface="微软雅黑" pitchFamily="34" charset="-122"/>
-              </a:rPr>
-              <a:t>css</a:t>
-            </a:r>
-            <a:r>
-              <a:rPr lang="zh-CN" altLang="en-US" dirty="0" smtClean="0">
-                <a:solidFill>
-                  <a:schemeClr val="tx1">
-                    <a:lumMod val="75000"/>
-                    <a:lumOff val="25000"/>
-                  </a:schemeClr>
-                </a:solidFill>
-                <a:latin typeface="微软雅黑" pitchFamily="34" charset="-122"/>
-                <a:ea typeface="微软雅黑" pitchFamily="34" charset="-122"/>
-              </a:rPr>
-              <a:t>属性</a:t>
-            </a:r>
-            <a:r>
-              <a:rPr lang="zh-CN" altLang="en-US" dirty="0" smtClean="0">
-                <a:solidFill>
-                  <a:schemeClr val="tx1">
-                    <a:lumMod val="75000"/>
-                    <a:lumOff val="25000"/>
-                  </a:schemeClr>
-                </a:solidFill>
-                <a:latin typeface="微软雅黑" pitchFamily="34" charset="-122"/>
-                <a:ea typeface="微软雅黑" pitchFamily="34" charset="-122"/>
-              </a:rPr>
-              <a:t>选择器，将特定属性值和骰子</a:t>
-            </a:r>
-            <a:r>
-              <a:rPr lang="zh-CN" altLang="en-US" dirty="0" smtClean="0">
-                <a:solidFill>
-                  <a:schemeClr val="tx1">
-                    <a:lumMod val="75000"/>
-                    <a:lumOff val="25000"/>
-                  </a:schemeClr>
-                </a:solidFill>
-                <a:latin typeface="微软雅黑" pitchFamily="34" charset="-122"/>
-                <a:ea typeface="微软雅黑" pitchFamily="34" charset="-122"/>
-              </a:rPr>
-              <a:t>旋转样式，建立</a:t>
-            </a:r>
-            <a:r>
-              <a:rPr lang="zh-CN" altLang="en-US" dirty="0" smtClean="0">
-                <a:solidFill>
-                  <a:schemeClr val="tx1">
-                    <a:lumMod val="75000"/>
-                    <a:lumOff val="25000"/>
-                  </a:schemeClr>
-                </a:solidFill>
-                <a:latin typeface="微软雅黑" pitchFamily="34" charset="-122"/>
-                <a:ea typeface="微软雅黑" pitchFamily="34" charset="-122"/>
-              </a:rPr>
-              <a:t>一一对应关系</a:t>
+              <a:rPr lang="en-US" altLang="zh-CN" dirty="0">
+                <a:solidFill>
+                  <a:schemeClr val="tx1">
+                    <a:lumMod val="75000"/>
+                    <a:lumOff val="25000"/>
+                  </a:schemeClr>
+                </a:solidFill>
+                <a:latin typeface="微软雅黑" pitchFamily="34" charset="-122"/>
+                <a:ea typeface="微软雅黑" pitchFamily="34" charset="-122"/>
+              </a:rPr>
+              <a:t>b.</a:t>
+            </a:r>
+            <a:r>
+              <a:rPr lang="zh-CN" altLang="en-US" dirty="0">
+                <a:solidFill>
+                  <a:schemeClr val="tx1">
+                    <a:lumMod val="75000"/>
+                    <a:lumOff val="25000"/>
+                  </a:schemeClr>
+                </a:solidFill>
+                <a:latin typeface="微软雅黑" pitchFamily="34" charset="-122"/>
+                <a:ea typeface="微软雅黑" pitchFamily="34" charset="-122"/>
+              </a:rPr>
+              <a:t>镂空部分</a:t>
             </a:r>
             <a:endParaRPr lang="en-US" altLang="zh-CN" dirty="0">
               <a:solidFill>
@@ -5261,53 +5373,17 @@
               </a:lnSpc>
             </a:pPr>
             <a:r>
-              <a:rPr lang="en-US" altLang="zh-CN" dirty="0" smtClean="0">
-                <a:solidFill>
-                  <a:schemeClr val="tx1">
-                    <a:lumMod val="75000"/>
-                    <a:lumOff val="25000"/>
-                  </a:schemeClr>
-                </a:solidFill>
-                <a:latin typeface="微软雅黑" pitchFamily="34" charset="-122"/>
-                <a:ea typeface="微软雅黑" pitchFamily="34" charset="-122"/>
-              </a:rPr>
-              <a:t>c.</a:t>
-            </a:r>
-            <a:r>
-              <a:rPr lang="zh-CN" altLang="en-US" dirty="0" smtClean="0">
-                <a:solidFill>
-                  <a:schemeClr val="tx1">
-                    <a:lumMod val="75000"/>
-                    <a:lumOff val="25000"/>
-                  </a:schemeClr>
-                </a:solidFill>
-                <a:latin typeface="微软雅黑" pitchFamily="34" charset="-122"/>
-                <a:ea typeface="微软雅黑" pitchFamily="34" charset="-122"/>
-              </a:rPr>
-              <a:t>通过</a:t>
-            </a:r>
-            <a:r>
-              <a:rPr lang="zh-CN" altLang="en-US" dirty="0" smtClean="0">
-                <a:solidFill>
-                  <a:srgbClr val="C00000"/>
-                </a:solidFill>
-                <a:latin typeface="微软雅黑" pitchFamily="34" charset="-122"/>
-                <a:ea typeface="微软雅黑" pitchFamily="34" charset="-122"/>
-              </a:rPr>
-              <a:t>类</a:t>
-            </a:r>
-            <a:r>
-              <a:rPr lang="zh-CN" altLang="en-US" dirty="0" smtClean="0">
-                <a:solidFill>
-                  <a:schemeClr val="tx1">
-                    <a:lumMod val="75000"/>
-                    <a:lumOff val="25000"/>
-                  </a:schemeClr>
-                </a:solidFill>
-                <a:latin typeface="微软雅黑" pitchFamily="34" charset="-122"/>
-                <a:ea typeface="微软雅黑" pitchFamily="34" charset="-122"/>
-              </a:rPr>
-              <a:t>进行动画控制</a:t>
+              <a:rPr lang="zh-CN" altLang="en-US" dirty="0">
+                <a:solidFill>
+                  <a:schemeClr val="tx1">
+                    <a:lumMod val="75000"/>
+                    <a:lumOff val="25000"/>
+                  </a:schemeClr>
+                </a:solidFill>
+                <a:latin typeface="微软雅黑" pitchFamily="34" charset="-122"/>
+                <a:ea typeface="微软雅黑" pitchFamily="34" charset="-122"/>
+              </a:rPr>
+              <a:t>镂空部分通过文本字母自身来实现即可</a:t>
             </a:r>
             <a:endParaRPr lang="en-US" altLang="zh-CN" dirty="0" smtClean="0">
               <a:solidFill>
@@ -5327,6 +5403,19 @@
               </a:lnSpc>
             </a:pPr>
             <a:r>
+              <a:rPr lang="en-US" altLang="zh-CN" dirty="0">
+                <a:solidFill>
+                  <a:schemeClr val="tx1">
+                    <a:lumMod val="75000"/>
+                    <a:lumOff val="25000"/>
+                  </a:schemeClr>
+                </a:solidFill>
+                <a:latin typeface="微软雅黑" pitchFamily="34" charset="-122"/>
+                <a:ea typeface="微软雅黑" pitchFamily="34" charset="-122"/>
+              </a:rPr>
+              <a:t>c</a:t>
+            </a:r>
+            <a:r>
               <a:rPr lang="en-US" altLang="zh-CN" dirty="0" smtClean="0">
                 <a:solidFill>
                   <a:schemeClr val="tx1">
@@ -5337,7 +5426,7 @@
                 <a:latin typeface="微软雅黑" pitchFamily="34" charset="-122"/>
                 <a:ea typeface="微软雅黑" pitchFamily="34" charset="-122"/>
               </a:rPr>
-              <a:t>   </a:t>
+              <a:t>.</a:t>
             </a:r>
             <a:r>
               <a:rPr lang="zh-CN" altLang="en-US" dirty="0" smtClean="0">
@@ -5350,7 +5439,86 @@
                 <a:latin typeface="微软雅黑" pitchFamily="34" charset="-122"/>
                 <a:ea typeface="微软雅黑" pitchFamily="34" charset="-122"/>
               </a:rPr>
-              <a:t>通过添加类，删除类，启动动画</a:t>
+              <a:t>翻折部分</a:t>
+            </a:r>
+            <a:endParaRPr lang="en-US" altLang="zh-CN" dirty="0">
+              <a:solidFill>
+                <a:srgbClr val="C00000"/>
+              </a:solidFill>
+              <a:latin typeface="微软雅黑" pitchFamily="34" charset="-122"/>
+              <a:ea typeface="微软雅黑" pitchFamily="34" charset="-122"/>
+            </a:endParaRPr>
+          </a:p>
+          <a:p>
+            <a:pPr>
+              <a:lnSpc>
+                <a:spcPct val="150000"/>
+              </a:lnSpc>
+            </a:pPr>
+            <a:r>
+              <a:rPr lang="zh-CN" altLang="en-US" dirty="0" smtClean="0">
+                <a:solidFill>
+                  <a:schemeClr val="tx1">
+                    <a:lumMod val="75000"/>
+                    <a:lumOff val="25000"/>
+                  </a:schemeClr>
+                </a:solidFill>
+                <a:latin typeface="微软雅黑" pitchFamily="34" charset="-122"/>
+                <a:ea typeface="微软雅黑" pitchFamily="34" charset="-122"/>
+              </a:rPr>
+              <a:t>翻折的字母和文本字母要一致，为了不增加额外的标签，我们可以使用文本的伪元素 </a:t>
+            </a:r>
+            <a:r>
+              <a:rPr lang="en-US" altLang="zh-CN" dirty="0" smtClean="0">
+                <a:solidFill>
+                  <a:schemeClr val="tx1">
+                    <a:lumMod val="75000"/>
+                    <a:lumOff val="25000"/>
+                  </a:schemeClr>
+                </a:solidFill>
+                <a:latin typeface="微软雅黑" pitchFamily="34" charset="-122"/>
+                <a:ea typeface="微软雅黑" pitchFamily="34" charset="-122"/>
+              </a:rPr>
+              <a:t>before</a:t>
+            </a:r>
+            <a:r>
+              <a:rPr lang="zh-CN" altLang="en-US" dirty="0" smtClean="0">
+                <a:solidFill>
+                  <a:schemeClr val="tx1">
+                    <a:lumMod val="75000"/>
+                    <a:lumOff val="25000"/>
+                  </a:schemeClr>
+                </a:solidFill>
+                <a:latin typeface="微软雅黑" pitchFamily="34" charset="-122"/>
+                <a:ea typeface="微软雅黑" pitchFamily="34" charset="-122"/>
+              </a:rPr>
+              <a:t>，然后使用</a:t>
+            </a:r>
+            <a:r>
+              <a:rPr lang="en-US" altLang="zh-CN" dirty="0" err="1" smtClean="0">
+                <a:solidFill>
+                  <a:schemeClr val="tx1">
+                    <a:lumMod val="75000"/>
+                    <a:lumOff val="25000"/>
+                  </a:schemeClr>
+                </a:solidFill>
+                <a:latin typeface="微软雅黑" pitchFamily="34" charset="-122"/>
+                <a:ea typeface="微软雅黑" pitchFamily="34" charset="-122"/>
+              </a:rPr>
+              <a:t>transfom</a:t>
+            </a:r>
+            <a:r>
+              <a:rPr lang="zh-CN" altLang="en-US" dirty="0" smtClean="0">
+                <a:solidFill>
+                  <a:schemeClr val="tx1">
+                    <a:lumMod val="75000"/>
+                    <a:lumOff val="25000"/>
+                  </a:schemeClr>
+                </a:solidFill>
+                <a:latin typeface="微软雅黑" pitchFamily="34" charset="-122"/>
+                <a:ea typeface="微软雅黑" pitchFamily="34" charset="-122"/>
+              </a:rPr>
+              <a:t>实现</a:t>
             </a:r>
             <a:endParaRPr lang="en-US" altLang="zh-CN" dirty="0" smtClean="0">
               <a:solidFill>
@@ -5383,19 +5551,6 @@
               <a:t>d.</a:t>
             </a:r>
             <a:r>
-              <a:rPr lang="zh-CN" altLang="en-US" dirty="0">
-                <a:solidFill>
-                  <a:schemeClr val="tx1">
-                    <a:lumMod val="75000"/>
-                    <a:lumOff val="25000"/>
-                  </a:schemeClr>
-                </a:solidFill>
-                <a:latin typeface="微软雅黑" pitchFamily="34" charset="-122"/>
-                <a:ea typeface="微软雅黑" pitchFamily="34" charset="-122"/>
-              </a:rPr>
-              <a:t>添加控制按钮</a:t>
-            </a:r>
-            <a:r>
               <a:rPr lang="zh-CN" altLang="en-US" dirty="0" smtClean="0">
                 <a:solidFill>
                   <a:schemeClr val="tx1">
@@ -5406,7 +5561,63 @@
                 <a:latin typeface="微软雅黑" pitchFamily="34" charset="-122"/>
                 <a:ea typeface="微软雅黑" pitchFamily="34" charset="-122"/>
               </a:rPr>
-              <a:t>，触发动画</a:t>
+              <a:t>投影部分</a:t>
+            </a:r>
+            <a:endParaRPr lang="en-US" altLang="zh-CN" dirty="0" smtClean="0">
+              <a:solidFill>
+                <a:schemeClr val="tx1">
+                  <a:lumMod val="75000"/>
+                  <a:lumOff val="25000"/>
+                </a:schemeClr>
+              </a:solidFill>
+              <a:latin typeface="微软雅黑" pitchFamily="34" charset="-122"/>
+              <a:ea typeface="微软雅黑" pitchFamily="34" charset="-122"/>
+            </a:endParaRPr>
+          </a:p>
+          <a:p>
+            <a:pPr>
+              <a:lnSpc>
+                <a:spcPct val="150000"/>
+              </a:lnSpc>
+            </a:pPr>
+            <a:r>
+              <a:rPr lang="zh-CN" altLang="en-US" dirty="0" smtClean="0">
+                <a:solidFill>
+                  <a:schemeClr val="tx1">
+                    <a:lumMod val="75000"/>
+                    <a:lumOff val="25000"/>
+                  </a:schemeClr>
+                </a:solidFill>
+                <a:latin typeface="微软雅黑" pitchFamily="34" charset="-122"/>
+                <a:ea typeface="微软雅黑" pitchFamily="34" charset="-122"/>
+              </a:rPr>
+              <a:t>投影的字母和文本字母要一致，同样可以使用</a:t>
+            </a:r>
+            <a:r>
+              <a:rPr lang="en-US" altLang="zh-CN" dirty="0" smtClean="0">
+                <a:solidFill>
+                  <a:schemeClr val="tx1">
+                    <a:lumMod val="75000"/>
+                    <a:lumOff val="25000"/>
+                  </a:schemeClr>
+                </a:solidFill>
+                <a:latin typeface="微软雅黑" pitchFamily="34" charset="-122"/>
+                <a:ea typeface="微软雅黑" pitchFamily="34" charset="-122"/>
+              </a:rPr>
+              <a:t>after</a:t>
+            </a:r>
+            <a:r>
+              <a:rPr lang="zh-CN" altLang="en-US" dirty="0" smtClean="0">
+                <a:solidFill>
+                  <a:schemeClr val="tx1">
+                    <a:lumMod val="75000"/>
+                    <a:lumOff val="25000"/>
+                  </a:schemeClr>
+                </a:solidFill>
+                <a:latin typeface="微软雅黑" pitchFamily="34" charset="-122"/>
+                <a:ea typeface="微软雅黑" pitchFamily="34" charset="-122"/>
+              </a:rPr>
+              <a:t>实现</a:t>
             </a:r>
             <a:endParaRPr lang="en-US" altLang="zh-CN" dirty="0">
               <a:solidFill>
@@ -5426,58 +5637,32 @@
               </a:lnSpc>
             </a:pPr>
             <a:r>
-              <a:rPr lang="en-US" altLang="zh-CN" dirty="0">
-                <a:solidFill>
-                  <a:schemeClr val="tx1">
-                    <a:lumMod val="75000"/>
-                    <a:lumOff val="25000"/>
-                  </a:schemeClr>
-                </a:solidFill>
-                <a:latin typeface="微软雅黑" pitchFamily="34" charset="-122"/>
-                <a:ea typeface="微软雅黑" pitchFamily="34" charset="-122"/>
-              </a:rPr>
-              <a:t>   </a:t>
-            </a:r>
-            <a:r>
-              <a:rPr lang="zh-CN" altLang="en-US" dirty="0">
-                <a:solidFill>
-                  <a:schemeClr val="tx1">
-                    <a:lumMod val="75000"/>
-                    <a:lumOff val="25000"/>
-                  </a:schemeClr>
-                </a:solidFill>
-                <a:latin typeface="微软雅黑" pitchFamily="34" charset="-122"/>
-                <a:ea typeface="微软雅黑" pitchFamily="34" charset="-122"/>
-              </a:rPr>
-              <a:t>添加</a:t>
-            </a:r>
-            <a:r>
-              <a:rPr lang="en-US" altLang="zh-CN" dirty="0">
-                <a:solidFill>
-                  <a:schemeClr val="tx1">
-                    <a:lumMod val="75000"/>
-                    <a:lumOff val="25000"/>
-                  </a:schemeClr>
-                </a:solidFill>
-                <a:latin typeface="微软雅黑" pitchFamily="34" charset="-122"/>
-                <a:ea typeface="微软雅黑" pitchFamily="34" charset="-122"/>
-              </a:rPr>
-              <a:t>6</a:t>
-            </a:r>
-            <a:r>
-              <a:rPr lang="zh-CN" altLang="en-US" dirty="0">
-                <a:solidFill>
-                  <a:schemeClr val="tx1">
-                    <a:lumMod val="75000"/>
-                    <a:lumOff val="25000"/>
-                  </a:schemeClr>
-                </a:solidFill>
-                <a:latin typeface="微软雅黑" pitchFamily="34" charset="-122"/>
-                <a:ea typeface="微软雅黑" pitchFamily="34" charset="-122"/>
-              </a:rPr>
-              <a:t>个按钮，点击，触发筛子旋转，方便调试</a:t>
-            </a:r>
-            <a:endParaRPr lang="en-US" altLang="zh-CN" dirty="0">
+              <a:rPr lang="en-US" altLang="zh-CN" dirty="0" smtClean="0">
+                <a:solidFill>
+                  <a:schemeClr val="tx1">
+                    <a:lumMod val="75000"/>
+                    <a:lumOff val="25000"/>
+                  </a:schemeClr>
+                </a:solidFill>
+                <a:latin typeface="微软雅黑" pitchFamily="34" charset="-122"/>
+                <a:ea typeface="微软雅黑" pitchFamily="34" charset="-122"/>
+              </a:rPr>
+              <a:t>e.</a:t>
+            </a:r>
+            <a:r>
+              <a:rPr lang="zh-CN" altLang="en-US" dirty="0" smtClean="0">
+                <a:solidFill>
+                  <a:schemeClr val="tx1">
+                    <a:lumMod val="75000"/>
+                    <a:lumOff val="25000"/>
+                  </a:schemeClr>
+                </a:solidFill>
+                <a:latin typeface="微软雅黑" pitchFamily="34" charset="-122"/>
+                <a:ea typeface="微软雅黑" pitchFamily="34" charset="-122"/>
+              </a:rPr>
+              <a:t>在标签中添加指定类，即可使文本的每个字母实现翻折剪纸的效果</a:t>
+            </a:r>
+            <a:endParaRPr lang="en-US" altLang="zh-CN" dirty="0" smtClean="0">
               <a:solidFill>
                 <a:schemeClr val="tx1">
                   <a:lumMod val="75000"/>
@@ -5494,7 +5679,46 @@
                 <a:spcPct val="150000"/>
               </a:lnSpc>
             </a:pPr>
-            <a:endParaRPr lang="zh-CN" altLang="en-US" dirty="0">
+            <a:r>
+              <a:rPr lang="zh-CN" altLang="en-US" dirty="0" smtClean="0">
+                <a:solidFill>
+                  <a:schemeClr val="tx1">
+                    <a:lumMod val="75000"/>
+                    <a:lumOff val="25000"/>
+                  </a:schemeClr>
+                </a:solidFill>
+                <a:latin typeface="微软雅黑" pitchFamily="34" charset="-122"/>
+                <a:ea typeface="微软雅黑" pitchFamily="34" charset="-122"/>
+              </a:rPr>
+              <a:t>使用</a:t>
+            </a:r>
+            <a:r>
+              <a:rPr lang="en-US" altLang="zh-CN" dirty="0" err="1" smtClean="0">
+                <a:solidFill>
+                  <a:schemeClr val="tx1">
+                    <a:lumMod val="75000"/>
+                    <a:lumOff val="25000"/>
+                  </a:schemeClr>
+                </a:solidFill>
+                <a:latin typeface="微软雅黑" pitchFamily="34" charset="-122"/>
+                <a:ea typeface="微软雅黑" pitchFamily="34" charset="-122"/>
+              </a:rPr>
+              <a:t>js</a:t>
+            </a:r>
+            <a:r>
+              <a:rPr lang="zh-CN" altLang="en-US" dirty="0" smtClean="0">
+                <a:solidFill>
+                  <a:schemeClr val="tx1">
+                    <a:lumMod val="75000"/>
+                    <a:lumOff val="25000"/>
+                  </a:schemeClr>
+                </a:solidFill>
+                <a:latin typeface="微软雅黑" pitchFamily="34" charset="-122"/>
+                <a:ea typeface="微软雅黑" pitchFamily="34" charset="-122"/>
+              </a:rPr>
+              <a:t>分割文本，然后使用独立标签包裹，制定类和属性即可</a:t>
+            </a:r>
+            <a:endParaRPr lang="en-US" altLang="zh-CN" dirty="0" smtClean="0">
               <a:solidFill>
                 <a:schemeClr val="tx1">
                   <a:lumMod val="75000"/>
@@ -5544,154 +5768,9 @@
           <a:chExt cx="0" cy="0"/>
         </a:xfrm>
       </p:grpSpPr>
-      <p:sp>
-        <p:nvSpPr>
-          <p:cNvPr id="4" name="TextBox 3"/>
-          <p:cNvSpPr txBox="1"/>
-          <p:nvPr/>
-        </p:nvSpPr>
-        <p:spPr>
-          <a:xfrm>
-            <a:off x="467544" y="476672"/>
-            <a:ext cx="7200800" cy="738664"/>
-          </a:xfrm>
-          <a:prstGeom prst="rect">
-            <a:avLst/>
-          </a:prstGeom>
-          <a:noFill/>
-        </p:spPr>
-        <p:txBody>
-          <a:bodyPr wrap="square" rtlCol="0">
-            <a:spAutoFit/>
-          </a:bodyPr>
-          <a:lstStyle/>
-          <a:p>
-            <a:pPr>
-              <a:lnSpc>
-                <a:spcPct val="150000"/>
-              </a:lnSpc>
-            </a:pPr>
-            <a:r>
-              <a:rPr lang="en-US" altLang="zh-CN" sz="2800" dirty="0" smtClean="0">
-                <a:solidFill>
-                  <a:schemeClr val="tx1">
-                    <a:lumMod val="75000"/>
-                    <a:lumOff val="25000"/>
-                  </a:schemeClr>
-                </a:solidFill>
-                <a:latin typeface="微软雅黑" pitchFamily="34" charset="-122"/>
-                <a:ea typeface="微软雅黑" pitchFamily="34" charset="-122"/>
-              </a:rPr>
-              <a:t>3</a:t>
-            </a:r>
-            <a:r>
-              <a:rPr lang="en-US" altLang="zh-CN" sz="2800" dirty="0" smtClean="0">
-                <a:solidFill>
-                  <a:schemeClr val="tx1">
-                    <a:lumMod val="75000"/>
-                    <a:lumOff val="25000"/>
-                  </a:schemeClr>
-                </a:solidFill>
-                <a:latin typeface="微软雅黑" pitchFamily="34" charset="-122"/>
-                <a:ea typeface="微软雅黑" pitchFamily="34" charset="-122"/>
-              </a:rPr>
-              <a:t>.</a:t>
-            </a:r>
-            <a:r>
-              <a:rPr lang="zh-CN" altLang="en-US" sz="2800" dirty="0" smtClean="0">
-                <a:solidFill>
-                  <a:schemeClr val="tx1">
-                    <a:lumMod val="75000"/>
-                    <a:lumOff val="25000"/>
-                  </a:schemeClr>
-                </a:solidFill>
-                <a:latin typeface="微软雅黑" pitchFamily="34" charset="-122"/>
-                <a:ea typeface="微软雅黑" pitchFamily="34" charset="-122"/>
-              </a:rPr>
-              <a:t>旋转</a:t>
-            </a:r>
-            <a:r>
-              <a:rPr lang="zh-CN" altLang="en-US" sz="2800" dirty="0" smtClean="0">
-                <a:solidFill>
-                  <a:schemeClr val="tx1">
-                    <a:lumMod val="75000"/>
-                    <a:lumOff val="25000"/>
-                  </a:schemeClr>
-                </a:solidFill>
-                <a:latin typeface="微软雅黑" pitchFamily="34" charset="-122"/>
-                <a:ea typeface="微软雅黑" pitchFamily="34" charset="-122"/>
-              </a:rPr>
-              <a:t>特定角度，露出</a:t>
-            </a:r>
-            <a:r>
-              <a:rPr lang="zh-CN" altLang="en-US" sz="2800" dirty="0" smtClean="0">
-                <a:solidFill>
-                  <a:schemeClr val="tx1">
-                    <a:lumMod val="75000"/>
-                    <a:lumOff val="25000"/>
-                  </a:schemeClr>
-                </a:solidFill>
-                <a:latin typeface="微软雅黑" pitchFamily="34" charset="-122"/>
-                <a:ea typeface="微软雅黑" pitchFamily="34" charset="-122"/>
-              </a:rPr>
-              <a:t>特定平面</a:t>
-            </a:r>
-            <a:endParaRPr lang="zh-CN" altLang="en-US" sz="2800" dirty="0">
-              <a:solidFill>
-                <a:schemeClr val="tx1">
-                  <a:lumMod val="75000"/>
-                  <a:lumOff val="25000"/>
-                </a:schemeClr>
-              </a:solidFill>
-              <a:latin typeface="微软雅黑" pitchFamily="34" charset="-122"/>
-              <a:ea typeface="微软雅黑" pitchFamily="34" charset="-122"/>
-            </a:endParaRPr>
-          </a:p>
-        </p:txBody>
-      </p:sp>
-      <p:sp>
-        <p:nvSpPr>
-          <p:cNvPr id="5" name="TextBox 4"/>
-          <p:cNvSpPr txBox="1"/>
-          <p:nvPr/>
-        </p:nvSpPr>
-        <p:spPr>
-          <a:xfrm>
-            <a:off x="467544" y="1379721"/>
-            <a:ext cx="7992888" cy="458908"/>
-          </a:xfrm>
-          <a:prstGeom prst="rect">
-            <a:avLst/>
-          </a:prstGeom>
-          <a:noFill/>
-        </p:spPr>
-        <p:txBody>
-          <a:bodyPr wrap="square" rtlCol="0">
-            <a:spAutoFit/>
-          </a:bodyPr>
-          <a:lstStyle/>
-          <a:p>
-            <a:pPr>
-              <a:lnSpc>
-                <a:spcPct val="150000"/>
-              </a:lnSpc>
-            </a:pPr>
-            <a:endParaRPr lang="en-US" altLang="zh-CN" dirty="0" smtClean="0">
-              <a:solidFill>
-                <a:schemeClr val="tx1">
-                  <a:lumMod val="75000"/>
-                  <a:lumOff val="25000"/>
-                </a:schemeClr>
-              </a:solidFill>
-              <a:latin typeface="微软雅黑" pitchFamily="34" charset="-122"/>
-              <a:ea typeface="微软雅黑" pitchFamily="34" charset="-122"/>
-            </a:endParaRPr>
-          </a:p>
-        </p:txBody>
-      </p:sp>
       <p:pic>
         <p:nvPicPr>
-          <p:cNvPr id="2" name="图片 1" descr="屏幕剪辑"/>
+          <p:cNvPr id="9" name="图片 8" descr="屏幕剪辑"/>
           <p:cNvPicPr>
             <a:picLocks noChangeAspect="1"/>
           </p:cNvPicPr>
@@ -5711,8 +5790,8 @@
         </p:blipFill>
         <p:spPr>
           <a:xfrm>
-            <a:off x="798469" y="1523737"/>
-            <a:ext cx="5808564" cy="5001607"/>
+            <a:off x="609538" y="3219421"/>
+            <a:ext cx="7211431" cy="419158"/>
           </a:xfrm>
           <a:prstGeom prst="rect">
             <a:avLst/>
@@ -5731,19 +5810,229 @@
       </p:pic>
       <p:sp>
         <p:nvSpPr>
+          <p:cNvPr id="4" name="TextBox 3"/>
+          <p:cNvSpPr txBox="1"/>
+          <p:nvPr/>
+        </p:nvSpPr>
+        <p:spPr>
+          <a:xfrm>
+            <a:off x="467544" y="476672"/>
+            <a:ext cx="7200800" cy="662554"/>
+          </a:xfrm>
+          <a:prstGeom prst="rect">
+            <a:avLst/>
+          </a:prstGeom>
+          <a:noFill/>
+        </p:spPr>
+        <p:txBody>
+          <a:bodyPr wrap="square" rtlCol="0">
+            <a:spAutoFit/>
+          </a:bodyPr>
+          <a:lstStyle/>
+          <a:p>
+            <a:pPr>
+              <a:lnSpc>
+                <a:spcPct val="150000"/>
+              </a:lnSpc>
+            </a:pPr>
+            <a:r>
+              <a:rPr lang="en-US" altLang="zh-CN" sz="2800" dirty="0" smtClean="0">
+                <a:solidFill>
+                  <a:schemeClr val="tx1">
+                    <a:lumMod val="75000"/>
+                    <a:lumOff val="25000"/>
+                  </a:schemeClr>
+                </a:solidFill>
+                <a:latin typeface="微软雅黑" pitchFamily="34" charset="-122"/>
+                <a:ea typeface="微软雅黑" pitchFamily="34" charset="-122"/>
+              </a:rPr>
+              <a:t>3.</a:t>
+            </a:r>
+            <a:r>
+              <a:rPr lang="zh-CN" altLang="en-US" sz="2800" dirty="0" smtClean="0">
+                <a:solidFill>
+                  <a:schemeClr val="tx1">
+                    <a:lumMod val="75000"/>
+                    <a:lumOff val="25000"/>
+                  </a:schemeClr>
+                </a:solidFill>
+                <a:latin typeface="微软雅黑" pitchFamily="34" charset="-122"/>
+                <a:ea typeface="微软雅黑" pitchFamily="34" charset="-122"/>
+              </a:rPr>
+              <a:t>将文本字母本身变成镂空后部分</a:t>
+            </a:r>
+            <a:endParaRPr lang="zh-CN" altLang="en-US" sz="2800" dirty="0">
+              <a:solidFill>
+                <a:schemeClr val="tx1">
+                  <a:lumMod val="75000"/>
+                  <a:lumOff val="25000"/>
+                </a:schemeClr>
+              </a:solidFill>
+              <a:latin typeface="微软雅黑" pitchFamily="34" charset="-122"/>
+              <a:ea typeface="微软雅黑" pitchFamily="34" charset="-122"/>
+            </a:endParaRPr>
+          </a:p>
+        </p:txBody>
+      </p:sp>
+      <p:sp>
+        <p:nvSpPr>
+          <p:cNvPr id="5" name="TextBox 4"/>
+          <p:cNvSpPr txBox="1"/>
+          <p:nvPr/>
+        </p:nvSpPr>
+        <p:spPr>
+          <a:xfrm>
+            <a:off x="467544" y="1379721"/>
+            <a:ext cx="7992888" cy="1754326"/>
+          </a:xfrm>
+          <a:prstGeom prst="rect">
+            <a:avLst/>
+          </a:prstGeom>
+          <a:noFill/>
+        </p:spPr>
+        <p:txBody>
+          <a:bodyPr wrap="square" rtlCol="0">
+            <a:spAutoFit/>
+          </a:bodyPr>
+          <a:lstStyle/>
+          <a:p>
+            <a:pPr>
+              <a:lnSpc>
+                <a:spcPct val="150000"/>
+              </a:lnSpc>
+            </a:pPr>
+            <a:r>
+              <a:rPr lang="zh-CN" altLang="en-US" dirty="0">
+                <a:solidFill>
+                  <a:schemeClr val="tx1">
+                    <a:lumMod val="75000"/>
+                    <a:lumOff val="25000"/>
+                  </a:schemeClr>
+                </a:solidFill>
+                <a:latin typeface="微软雅黑" pitchFamily="34" charset="-122"/>
+                <a:ea typeface="微软雅黑" pitchFamily="34" charset="-122"/>
+              </a:rPr>
+              <a:t>文本需要包裹在独立的内</a:t>
+            </a:r>
+            <a:r>
+              <a:rPr lang="zh-CN" altLang="en-US" dirty="0" smtClean="0">
+                <a:solidFill>
+                  <a:schemeClr val="tx1">
+                    <a:lumMod val="75000"/>
+                    <a:lumOff val="25000"/>
+                  </a:schemeClr>
+                </a:solidFill>
+                <a:latin typeface="微软雅黑" pitchFamily="34" charset="-122"/>
+                <a:ea typeface="微软雅黑" pitchFamily="34" charset="-122"/>
+              </a:rPr>
+              <a:t>联元素中，因为块元素的宽度是父元素宽度的</a:t>
+            </a:r>
+            <a:r>
+              <a:rPr lang="en-US" altLang="zh-CN" dirty="0" smtClean="0">
+                <a:solidFill>
+                  <a:schemeClr val="tx1">
+                    <a:lumMod val="75000"/>
+                    <a:lumOff val="25000"/>
+                  </a:schemeClr>
+                </a:solidFill>
+                <a:latin typeface="微软雅黑" pitchFamily="34" charset="-122"/>
+                <a:ea typeface="微软雅黑" pitchFamily="34" charset="-122"/>
+              </a:rPr>
+              <a:t>100%</a:t>
+            </a:r>
+            <a:r>
+              <a:rPr lang="zh-CN" altLang="en-US" dirty="0" smtClean="0">
+                <a:solidFill>
+                  <a:schemeClr val="tx1">
+                    <a:lumMod val="75000"/>
+                    <a:lumOff val="25000"/>
+                  </a:schemeClr>
+                </a:solidFill>
+                <a:latin typeface="微软雅黑" pitchFamily="34" charset="-122"/>
+                <a:ea typeface="微软雅黑" pitchFamily="34" charset="-122"/>
+              </a:rPr>
+              <a:t>，在翻折的时候，透视的中心（</a:t>
+            </a:r>
+            <a:r>
+              <a:rPr lang="en-US" altLang="zh-CN" dirty="0">
+                <a:solidFill>
+                  <a:schemeClr val="tx1">
+                    <a:lumMod val="75000"/>
+                    <a:lumOff val="25000"/>
+                  </a:schemeClr>
+                </a:solidFill>
+                <a:latin typeface="微软雅黑" pitchFamily="34" charset="-122"/>
+                <a:ea typeface="微软雅黑" pitchFamily="34" charset="-122"/>
+              </a:rPr>
+              <a:t> perspective-origin </a:t>
+            </a:r>
+            <a:r>
+              <a:rPr lang="zh-CN" altLang="en-US" dirty="0" smtClean="0">
+                <a:solidFill>
+                  <a:schemeClr val="tx1">
+                    <a:lumMod val="75000"/>
+                    <a:lumOff val="25000"/>
+                  </a:schemeClr>
+                </a:solidFill>
+                <a:latin typeface="微软雅黑" pitchFamily="34" charset="-122"/>
+                <a:ea typeface="微软雅黑" pitchFamily="34" charset="-122"/>
+              </a:rPr>
+              <a:t>）会处于元素中心，而不一定是字母中心，会有很大的偏差。如果是内联</a:t>
+            </a:r>
+            <a:r>
+              <a:rPr lang="zh-CN" altLang="en-US" dirty="0">
+                <a:solidFill>
+                  <a:schemeClr val="tx1">
+                    <a:lumMod val="75000"/>
+                    <a:lumOff val="25000"/>
+                  </a:schemeClr>
+                </a:solidFill>
+                <a:latin typeface="微软雅黑" pitchFamily="34" charset="-122"/>
+                <a:ea typeface="微软雅黑" pitchFamily="34" charset="-122"/>
+              </a:rPr>
+              <a:t>元素，</a:t>
+            </a:r>
+            <a:r>
+              <a:rPr lang="zh-CN" altLang="en-US" dirty="0" smtClean="0">
+                <a:solidFill>
+                  <a:schemeClr val="tx1">
+                    <a:lumMod val="75000"/>
+                    <a:lumOff val="25000"/>
+                  </a:schemeClr>
+                </a:solidFill>
+                <a:latin typeface="微软雅黑" pitchFamily="34" charset="-122"/>
+                <a:ea typeface="微软雅黑" pitchFamily="34" charset="-122"/>
+              </a:rPr>
+              <a:t>因为元素尺寸等于内容尺寸，所以透视中心会位于字母中心。</a:t>
+            </a:r>
+            <a:endParaRPr lang="en-US" altLang="zh-CN" dirty="0" smtClean="0">
+              <a:solidFill>
+                <a:schemeClr val="tx1">
+                  <a:lumMod val="75000"/>
+                  <a:lumOff val="25000"/>
+                </a:schemeClr>
+              </a:solidFill>
+              <a:latin typeface="微软雅黑" pitchFamily="34" charset="-122"/>
+              <a:ea typeface="微软雅黑" pitchFamily="34" charset="-122"/>
+            </a:endParaRPr>
+          </a:p>
+        </p:txBody>
+      </p:sp>
+      <p:sp>
+        <p:nvSpPr>
           <p:cNvPr id="6" name="圆角矩形标注 5"/>
           <p:cNvSpPr/>
           <p:nvPr/>
         </p:nvSpPr>
         <p:spPr>
           <a:xfrm>
-            <a:off x="5436096" y="1653533"/>
-            <a:ext cx="3096344" cy="734300"/>
+            <a:off x="4215253" y="3744571"/>
+            <a:ext cx="2232248" cy="432781"/>
           </a:xfrm>
           <a:prstGeom prst="wedgeRoundRectCallout">
             <a:avLst>
-              <a:gd name="adj1" fmla="val -53182"/>
-              <a:gd name="adj2" fmla="val -17918"/>
+              <a:gd name="adj1" fmla="val -25531"/>
+              <a:gd name="adj2" fmla="val -91868"/>
               <a:gd name="adj3" fmla="val 16667"/>
             </a:avLst>
           </a:prstGeom>
@@ -5772,32 +6061,11 @@
               </a:lnSpc>
             </a:pPr>
             <a:r>
-              <a:rPr lang="en-US" altLang="zh-CN" sz="1400" dirty="0" smtClean="0">
-                <a:latin typeface="微软雅黑" panose="020B0503020204020204" pitchFamily="34" charset="-122"/>
-                <a:ea typeface="微软雅黑" panose="020B0503020204020204" pitchFamily="34" charset="-122"/>
-              </a:rPr>
-              <a:t>point</a:t>
-            </a:r>
-            <a:r>
               <a:rPr lang="zh-CN" altLang="en-US" sz="1400" dirty="0" smtClean="0">
                 <a:latin typeface="微软雅黑" panose="020B0503020204020204" pitchFamily="34" charset="-122"/>
                 <a:ea typeface="微软雅黑" panose="020B0503020204020204" pitchFamily="34" charset="-122"/>
               </a:rPr>
-              <a:t>是自定义属性，添加到骰子的</a:t>
-            </a:r>
-            <a:r>
-              <a:rPr lang="en-US" altLang="zh-CN" sz="1400" dirty="0" smtClean="0">
-                <a:latin typeface="微软雅黑" panose="020B0503020204020204" pitchFamily="34" charset="-122"/>
-                <a:ea typeface="微软雅黑" panose="020B0503020204020204" pitchFamily="34" charset="-122"/>
-              </a:rPr>
-              <a:t>&lt;div&gt;</a:t>
-            </a:r>
-            <a:r>
-              <a:rPr lang="zh-CN" altLang="en-US" sz="1400" dirty="0" smtClean="0">
-                <a:latin typeface="微软雅黑" panose="020B0503020204020204" pitchFamily="34" charset="-122"/>
-                <a:ea typeface="微软雅黑" panose="020B0503020204020204" pitchFamily="34" charset="-122"/>
-              </a:rPr>
-              <a:t>标签中</a:t>
+              <a:t>为后续伪元素捕捉做铺垫</a:t>
             </a:r>
             <a:endParaRPr lang="zh-CN" altLang="en-US" sz="1400" dirty="0">
               <a:latin typeface="微软雅黑" panose="020B0503020204020204" pitchFamily="34" charset="-122"/>
@@ -5814,13 +6082,13 @@
         </p:nvSpPr>
         <p:spPr>
           <a:xfrm>
-            <a:off x="5436096" y="2545791"/>
-            <a:ext cx="3456384" cy="669148"/>
+            <a:off x="2694504" y="3728641"/>
+            <a:ext cx="1156692" cy="432048"/>
           </a:xfrm>
           <a:prstGeom prst="wedgeRoundRectCallout">
             <a:avLst>
-              <a:gd name="adj1" fmla="val -29750"/>
-              <a:gd name="adj2" fmla="val 74484"/>
+              <a:gd name="adj1" fmla="val -25487"/>
+              <a:gd name="adj2" fmla="val -86248"/>
               <a:gd name="adj3" fmla="val 16667"/>
             </a:avLst>
           </a:prstGeom>
@@ -5849,68 +6117,16 @@
               </a:lnSpc>
             </a:pPr>
             <a:r>
-              <a:rPr lang="en-US" altLang="zh-CN" sz="1400" dirty="0">
-                <a:latin typeface="微软雅黑" panose="020B0503020204020204" pitchFamily="34" charset="-122"/>
-                <a:ea typeface="微软雅黑" panose="020B0503020204020204" pitchFamily="34" charset="-122"/>
-              </a:rPr>
-              <a:t>p</a:t>
-            </a:r>
-            <a:r>
-              <a:rPr lang="en-US" altLang="zh-CN" sz="1400" dirty="0" smtClean="0">
-                <a:latin typeface="微软雅黑" panose="020B0503020204020204" pitchFamily="34" charset="-122"/>
-                <a:ea typeface="微软雅黑" panose="020B0503020204020204" pitchFamily="34" charset="-122"/>
-              </a:rPr>
-              <a:t>oint</a:t>
-            </a:r>
-            <a:r>
               <a:rPr lang="zh-CN" altLang="en-US" sz="1400" dirty="0" smtClean="0">
                 <a:latin typeface="微软雅黑" panose="020B0503020204020204" pitchFamily="34" charset="-122"/>
                 <a:ea typeface="微软雅黑" panose="020B0503020204020204" pitchFamily="34" charset="-122"/>
               </a:rPr>
-              <a:t>属性设置</a:t>
-            </a:r>
-            <a:r>
-              <a:rPr lang="zh-CN" altLang="en-US" sz="1400" dirty="0">
-                <a:latin typeface="微软雅黑" panose="020B0503020204020204" pitchFamily="34" charset="-122"/>
-                <a:ea typeface="微软雅黑" panose="020B0503020204020204" pitchFamily="34" charset="-122"/>
-              </a:rPr>
-              <a:t>成</a:t>
-            </a:r>
-            <a:r>
-              <a:rPr lang="en-US" altLang="zh-CN" sz="1400" dirty="0">
-                <a:latin typeface="微软雅黑" panose="020B0503020204020204" pitchFamily="34" charset="-122"/>
-                <a:ea typeface="微软雅黑" panose="020B0503020204020204" pitchFamily="34" charset="-122"/>
-              </a:rPr>
-              <a:t> </a:t>
-            </a:r>
-            <a:r>
-              <a:rPr lang="en-US" altLang="zh-CN" sz="1400" dirty="0" smtClean="0">
-                <a:latin typeface="微软雅黑" panose="020B0503020204020204" pitchFamily="34" charset="-122"/>
-                <a:ea typeface="微软雅黑" panose="020B0503020204020204" pitchFamily="34" charset="-122"/>
-              </a:rPr>
-              <a:t>p1</a:t>
-            </a:r>
-            <a:r>
-              <a:rPr lang="zh-CN" altLang="en-US" sz="1400" dirty="0" smtClean="0">
-                <a:latin typeface="微软雅黑" panose="020B0503020204020204" pitchFamily="34" charset="-122"/>
-                <a:ea typeface="微软雅黑" panose="020B0503020204020204" pitchFamily="34" charset="-122"/>
-              </a:rPr>
-              <a:t>，</a:t>
-            </a:r>
-            <a:r>
-              <a:rPr lang="en-US" altLang="zh-CN" sz="1400" dirty="0">
-                <a:latin typeface="微软雅黑" panose="020B0503020204020204" pitchFamily="34" charset="-122"/>
-                <a:ea typeface="微软雅黑" panose="020B0503020204020204" pitchFamily="34" charset="-122"/>
-              </a:rPr>
-              <a:t>1</a:t>
-            </a:r>
-            <a:r>
-              <a:rPr lang="zh-CN" altLang="en-US" sz="1400" dirty="0">
-                <a:latin typeface="微软雅黑" panose="020B0503020204020204" pitchFamily="34" charset="-122"/>
-                <a:ea typeface="微软雅黑" panose="020B0503020204020204" pitchFamily="34" charset="-122"/>
-              </a:rPr>
-              <a:t>个点的面就会转向屏幕，并且稍稍有所倾斜，有些立体感</a:t>
-            </a:r>
+              <a:t>反转的类</a:t>
+            </a:r>
+            <a:endParaRPr lang="zh-CN" altLang="en-US" sz="1400" dirty="0">
+              <a:latin typeface="微软雅黑" panose="020B0503020204020204" pitchFamily="34" charset="-122"/>
+              <a:ea typeface="微软雅黑" panose="020B0503020204020204" pitchFamily="34" charset="-122"/>
+            </a:endParaRPr>
           </a:p>
         </p:txBody>
       </p:sp>
@@ -5922,13 +6138,13 @@
         </p:nvSpPr>
         <p:spPr>
           <a:xfrm>
-            <a:off x="5580112" y="4836105"/>
-            <a:ext cx="3456384" cy="669148"/>
+            <a:off x="6600446" y="3718739"/>
+            <a:ext cx="972108" cy="425003"/>
           </a:xfrm>
           <a:prstGeom prst="wedgeRoundRectCallout">
             <a:avLst>
-              <a:gd name="adj1" fmla="val -54442"/>
-              <a:gd name="adj2" fmla="val -4904"/>
+              <a:gd name="adj1" fmla="val -28317"/>
+              <a:gd name="adj2" fmla="val -73230"/>
               <a:gd name="adj3" fmla="val 16667"/>
             </a:avLst>
           </a:prstGeom>
@@ -5957,46 +6173,11 @@
               </a:lnSpc>
             </a:pPr>
             <a:r>
-              <a:rPr lang="en-US" altLang="zh-CN" sz="1400" dirty="0" smtClean="0">
-                <a:latin typeface="微软雅黑" panose="020B0503020204020204" pitchFamily="34" charset="-122"/>
-                <a:ea typeface="微软雅黑" panose="020B0503020204020204" pitchFamily="34" charset="-122"/>
-              </a:rPr>
-              <a:t>point</a:t>
-            </a:r>
-            <a:r>
               <a:rPr lang="zh-CN" altLang="en-US" sz="1400" dirty="0" smtClean="0">
                 <a:latin typeface="微软雅黑" panose="020B0503020204020204" pitchFamily="34" charset="-122"/>
                 <a:ea typeface="微软雅黑" panose="020B0503020204020204" pitchFamily="34" charset="-122"/>
               </a:rPr>
-              <a:t>属性设置为</a:t>
-            </a:r>
-            <a:r>
-              <a:rPr lang="en-US" altLang="zh-CN" sz="1400" dirty="0" smtClean="0">
-                <a:latin typeface="微软雅黑" panose="020B0503020204020204" pitchFamily="34" charset="-122"/>
-                <a:ea typeface="微软雅黑" panose="020B0503020204020204" pitchFamily="34" charset="-122"/>
-              </a:rPr>
-              <a:t>p1~p6</a:t>
-            </a:r>
-            <a:r>
-              <a:rPr lang="zh-CN" altLang="en-US" sz="1400" dirty="0" smtClean="0">
-                <a:latin typeface="微软雅黑" panose="020B0503020204020204" pitchFamily="34" charset="-122"/>
-                <a:ea typeface="微软雅黑" panose="020B0503020204020204" pitchFamily="34" charset="-122"/>
-              </a:rPr>
-              <a:t>，显示的点数就是</a:t>
-            </a:r>
-            <a:r>
-              <a:rPr lang="en-US" altLang="zh-CN" sz="1400" dirty="0" smtClean="0">
-                <a:latin typeface="微软雅黑" panose="020B0503020204020204" pitchFamily="34" charset="-122"/>
-                <a:ea typeface="微软雅黑" panose="020B0503020204020204" pitchFamily="34" charset="-122"/>
-              </a:rPr>
-              <a:t>1~6</a:t>
-            </a:r>
-            <a:r>
-              <a:rPr lang="zh-CN" altLang="en-US" sz="1400" dirty="0" smtClean="0">
-                <a:latin typeface="微软雅黑" panose="020B0503020204020204" pitchFamily="34" charset="-122"/>
-                <a:ea typeface="微软雅黑" panose="020B0503020204020204" pitchFamily="34" charset="-122"/>
-              </a:rPr>
-              <a:t>点</a:t>
+              <a:t>内联元素</a:t>
             </a:r>
             <a:endParaRPr lang="zh-CN" altLang="en-US" sz="1400" dirty="0">
               <a:latin typeface="微软雅黑" panose="020B0503020204020204" pitchFamily="34" charset="-122"/>
@@ -6005,6 +6186,36 @@
           </a:p>
         </p:txBody>
       </p:sp>
+      <p:pic>
+        <p:nvPicPr>
+          <p:cNvPr id="3" name="图片 2" descr="屏幕剪辑"/>
+          <p:cNvPicPr>
+            <a:picLocks noChangeAspect="1"/>
+          </p:cNvPicPr>
+          <p:nvPr/>
+        </p:nvPicPr>
+        <p:blipFill>
+          <a:blip r:embed="rId3">
+            <a:extLst>
+              <a:ext uri="{28A0092B-C50C-407E-A947-70E740481C1C}">
+                <a14:useLocalDpi xmlns:a14="http://schemas.microsoft.com/office/drawing/2010/main" val="0"/>
+              </a:ext>
+            </a:extLst>
+          </a:blip>
+          <a:stretch>
+            <a:fillRect/>
+          </a:stretch>
+        </p:blipFill>
+        <p:spPr>
+          <a:xfrm>
+            <a:off x="971600" y="4156125"/>
+            <a:ext cx="1495634" cy="2029108"/>
+          </a:xfrm>
+          <a:prstGeom prst="rect">
+            <a:avLst/>
+          </a:prstGeom>
+        </p:spPr>
+      </p:pic>
     </p:spTree>
     <p:extLst>
       <p:ext uri="{BB962C8B-B14F-4D97-AF65-F5344CB8AC3E}">
@@ -6042,6 +6253,76 @@
           <a:chExt cx="0" cy="0"/>
         </a:xfrm>
       </p:grpSpPr>
+      <p:pic>
+        <p:nvPicPr>
+          <p:cNvPr id="4" name="图片 3" descr="屏幕剪辑"/>
+          <p:cNvPicPr>
+            <a:picLocks noChangeAspect="1"/>
+          </p:cNvPicPr>
+          <p:nvPr/>
+        </p:nvPicPr>
+        <p:blipFill>
+          <a:blip r:embed="rId2">
+            <a:extLst>
+              <a:ext uri="{28A0092B-C50C-407E-A947-70E740481C1C}">
+                <a14:useLocalDpi xmlns:a14="http://schemas.microsoft.com/office/drawing/2010/main" val="0"/>
+              </a:ext>
+            </a:extLst>
+          </a:blip>
+          <a:stretch>
+            <a:fillRect/>
+          </a:stretch>
+        </p:blipFill>
+        <p:spPr>
+          <a:xfrm>
+            <a:off x="611560" y="548680"/>
+            <a:ext cx="4124901" cy="2191056"/>
+          </a:xfrm>
+          <a:prstGeom prst="rect">
+            <a:avLst/>
+          </a:prstGeom>
+          <a:ln>
+            <a:noFill/>
+          </a:ln>
+          <a:effectLst>
+            <a:outerShdw blurRad="292100" dist="139700" dir="2700000" algn="tl" rotWithShape="0">
+              <a:srgbClr val="333333">
+                <a:alpha val="65000"/>
+              </a:srgbClr>
+            </a:outerShdw>
+          </a:effectLst>
+        </p:spPr>
+      </p:pic>
+    </p:spTree>
+    <p:extLst>
+      <p:ext uri="{BB962C8B-B14F-4D97-AF65-F5344CB8AC3E}">
+        <p14:creationId xmlns:p14="http://schemas.microsoft.com/office/powerpoint/2010/main" val="4227769112"/>
+      </p:ext>
+    </p:extLst>
+  </p:cSld>
+  <p:clrMapOvr>
+    <a:masterClrMapping/>
+  </p:clrMapOvr>
+</p:sld>
+</file>
+
+<file path=ppt/slides/slide6.xml><?xml version="1.0" encoding="utf-8"?>
+<p:sld xmlns:a="http://schemas.openxmlformats.org/drawingml/2006/main" xmlns:r="http://schemas.openxmlformats.org/officeDocument/2006/relationships" xmlns:p="http://schemas.openxmlformats.org/presentationml/2006/main">
+  <p:cSld>
+    <p:spTree>
+      <p:nvGrpSpPr>
+        <p:cNvPr id="1" name=""/>
+        <p:cNvGrpSpPr/>
+        <p:nvPr/>
+      </p:nvGrpSpPr>
+      <p:grpSpPr>
+        <a:xfrm>
+          <a:off x="0" y="0"/>
+          <a:ext cx="0" cy="0"/>
+          <a:chOff x="0" y="0"/>
+          <a:chExt cx="0" cy="0"/>
+        </a:xfrm>
+      </p:grpSpPr>
       <p:sp>
         <p:nvSpPr>
           <p:cNvPr id="4" name="TextBox 3"/>
@@ -6093,20 +6374,7 @@
                 <a:latin typeface="微软雅黑" pitchFamily="34" charset="-122"/>
                 <a:ea typeface="微软雅黑" pitchFamily="34" charset="-122"/>
               </a:rPr>
-              <a:t>自定义</a:t>
-            </a:r>
-            <a:r>
-              <a:rPr lang="zh-CN" altLang="en-US" sz="2800" dirty="0" smtClean="0">
-                <a:solidFill>
-                  <a:schemeClr val="tx1">
-                    <a:lumMod val="75000"/>
-                    <a:lumOff val="25000"/>
-                  </a:schemeClr>
-                </a:solidFill>
-                <a:latin typeface="微软雅黑" pitchFamily="34" charset="-122"/>
-                <a:ea typeface="微软雅黑" pitchFamily="34" charset="-122"/>
-              </a:rPr>
-              <a:t>属性的设置</a:t>
+              <a:t>自定义属性的设置</a:t>
             </a:r>
             <a:endParaRPr lang="zh-CN" altLang="en-US" sz="2800" dirty="0">
               <a:solidFill>
@@ -6682,7 +6950,7 @@
 </p:sld>
 </file>
 
-<file path=ppt/slides/slide6.xml><?xml version="1.0" encoding="utf-8"?>
+<file path=ppt/slides/slide7.xml><?xml version="1.0" encoding="utf-8"?>
 <p:sld xmlns:a="http://schemas.openxmlformats.org/drawingml/2006/main" xmlns:r="http://schemas.openxmlformats.org/officeDocument/2006/relationships" xmlns:p="http://schemas.openxmlformats.org/presentationml/2006/main">
   <p:cSld>
     <p:spTree>
@@ -7659,7 +7927,7 @@
 </p:sld>
 </file>
 
-<file path=ppt/slides/slide7.xml><?xml version="1.0" encoding="utf-8"?>
+<file path=ppt/slides/slide8.xml><?xml version="1.0" encoding="utf-8"?>
 <p:sld xmlns:a="http://schemas.openxmlformats.org/drawingml/2006/main" xmlns:r="http://schemas.openxmlformats.org/officeDocument/2006/relationships" xmlns:p="http://schemas.openxmlformats.org/presentationml/2006/main">
   <p:cSld>
     <p:spTree>
@@ -8079,7 +8347,7 @@
 </p:sld>
 </file>
 
-<file path=ppt/slides/slide8.xml><?xml version="1.0" encoding="utf-8"?>
+<file path=ppt/slides/slide9.xml><?xml version="1.0" encoding="utf-8"?>
 <p:sld xmlns:a="http://schemas.openxmlformats.org/drawingml/2006/main" xmlns:r="http://schemas.openxmlformats.org/officeDocument/2006/relationships" xmlns:p="http://schemas.openxmlformats.org/presentationml/2006/main">
   <p:cSld>
     <p:spTree>
@@ -8134,20 +8402,7 @@
                 <a:latin typeface="微软雅黑" pitchFamily="34" charset="-122"/>
                 <a:ea typeface="微软雅黑" pitchFamily="34" charset="-122"/>
               </a:rPr>
-              <a:t>5</a:t>
-            </a:r>
-            <a:r>
-              <a:rPr lang="en-US" altLang="zh-CN" sz="2800" dirty="0" smtClean="0">
-                <a:solidFill>
-                  <a:schemeClr val="tx1">
-                    <a:lumMod val="75000"/>
-                    <a:lumOff val="25000"/>
-                  </a:schemeClr>
-                </a:solidFill>
-                <a:latin typeface="微软雅黑" pitchFamily="34" charset="-122"/>
-                <a:ea typeface="微软雅黑" pitchFamily="34" charset="-122"/>
-              </a:rPr>
-              <a:t>.</a:t>
+              <a:t>5.</a:t>
             </a:r>
             <a:r>
               <a:rPr lang="zh-CN" altLang="en-US" sz="2800" dirty="0" smtClean="0">
@@ -8527,363 +8782,6 @@
       </p:par>
     </p:tnLst>
   </p:timing>
-</p:sld>
-</file>
-
-<file path=ppt/slides/slide9.xml><?xml version="1.0" encoding="utf-8"?>
-<p:sld xmlns:a="http://schemas.openxmlformats.org/drawingml/2006/main" xmlns:r="http://schemas.openxmlformats.org/officeDocument/2006/relationships" xmlns:p="http://schemas.openxmlformats.org/presentationml/2006/main">
-  <p:cSld>
-    <p:spTree>
-      <p:nvGrpSpPr>
-        <p:cNvPr id="1" name=""/>
-        <p:cNvGrpSpPr/>
-        <p:nvPr/>
-      </p:nvGrpSpPr>
-      <p:grpSpPr>
-        <a:xfrm>
-          <a:off x="0" y="0"/>
-          <a:ext cx="0" cy="0"/>
-          <a:chOff x="0" y="0"/>
-          <a:chExt cx="0" cy="0"/>
-        </a:xfrm>
-      </p:grpSpPr>
-      <p:pic>
-        <p:nvPicPr>
-          <p:cNvPr id="2" name="图片 1" descr="屏幕剪辑"/>
-          <p:cNvPicPr>
-            <a:picLocks noChangeAspect="1"/>
-          </p:cNvPicPr>
-          <p:nvPr/>
-        </p:nvPicPr>
-        <p:blipFill>
-          <a:blip r:embed="rId2">
-            <a:extLst>
-              <a:ext uri="{28A0092B-C50C-407E-A947-70E740481C1C}">
-                <a14:useLocalDpi xmlns:a14="http://schemas.microsoft.com/office/drawing/2010/main" val="0"/>
-              </a:ext>
-            </a:extLst>
-          </a:blip>
-          <a:stretch>
-            <a:fillRect/>
-          </a:stretch>
-        </p:blipFill>
-        <p:spPr>
-          <a:xfrm>
-            <a:off x="1446729" y="1559817"/>
-            <a:ext cx="4115374" cy="2848373"/>
-          </a:xfrm>
-          <a:prstGeom prst="rect">
-            <a:avLst/>
-          </a:prstGeom>
-          <a:ln>
-            <a:noFill/>
-          </a:ln>
-          <a:effectLst>
-            <a:outerShdw blurRad="292100" dist="139700" dir="2700000" algn="tl" rotWithShape="0">
-              <a:srgbClr val="333333">
-                <a:alpha val="65000"/>
-              </a:srgbClr>
-            </a:outerShdw>
-          </a:effectLst>
-        </p:spPr>
-      </p:pic>
-      <p:sp>
-        <p:nvSpPr>
-          <p:cNvPr id="3" name="圆角矩形标注 2"/>
-          <p:cNvSpPr/>
-          <p:nvPr/>
-        </p:nvSpPr>
-        <p:spPr>
-          <a:xfrm>
-            <a:off x="4543073" y="1271784"/>
-            <a:ext cx="2520280" cy="481485"/>
-          </a:xfrm>
-          <a:prstGeom prst="wedgeRoundRectCallout">
-            <a:avLst>
-              <a:gd name="adj1" fmla="val -31903"/>
-              <a:gd name="adj2" fmla="val 92096"/>
-              <a:gd name="adj3" fmla="val 16667"/>
-            </a:avLst>
-          </a:prstGeom>
-        </p:spPr>
-        <p:style>
-          <a:lnRef idx="2">
-            <a:schemeClr val="accent5"/>
-          </a:lnRef>
-          <a:fillRef idx="1">
-            <a:schemeClr val="lt1"/>
-          </a:fillRef>
-          <a:effectRef idx="0">
-            <a:schemeClr val="accent5"/>
-          </a:effectRef>
-          <a:fontRef idx="minor">
-            <a:schemeClr val="dk1"/>
-          </a:fontRef>
-        </p:style>
-        <p:txBody>
-          <a:bodyPr rtlCol="0" anchor="ctr"/>
-          <a:lstStyle/>
-          <a:p>
-            <a:pPr>
-              <a:lnSpc>
-                <a:spcPct val="150000"/>
-              </a:lnSpc>
-            </a:pPr>
-            <a:r>
-              <a:rPr lang="zh-CN" altLang="en-US" sz="1400" dirty="0" smtClean="0">
-                <a:latin typeface="微软雅黑" panose="020B0503020204020204" pitchFamily="34" charset="-122"/>
-                <a:ea typeface="微软雅黑" panose="020B0503020204020204" pitchFamily="34" charset="-122"/>
-              </a:rPr>
-              <a:t>垂直方向骰子的弹跳动画</a:t>
-            </a:r>
-            <a:endParaRPr lang="zh-CN" altLang="en-US" sz="1400" dirty="0">
-              <a:latin typeface="微软雅黑" panose="020B0503020204020204" pitchFamily="34" charset="-122"/>
-              <a:ea typeface="微软雅黑" panose="020B0503020204020204" pitchFamily="34" charset="-122"/>
-            </a:endParaRPr>
-          </a:p>
-        </p:txBody>
-      </p:sp>
-      <p:sp>
-        <p:nvSpPr>
-          <p:cNvPr id="4" name="圆角矩形标注 3"/>
-          <p:cNvSpPr/>
-          <p:nvPr/>
-        </p:nvSpPr>
-        <p:spPr>
-          <a:xfrm>
-            <a:off x="5047129" y="2207889"/>
-            <a:ext cx="2016224" cy="481485"/>
-          </a:xfrm>
-          <a:prstGeom prst="wedgeRoundRectCallout">
-            <a:avLst>
-              <a:gd name="adj1" fmla="val -31903"/>
-              <a:gd name="adj2" fmla="val 92096"/>
-              <a:gd name="adj3" fmla="val 16667"/>
-            </a:avLst>
-          </a:prstGeom>
-        </p:spPr>
-        <p:style>
-          <a:lnRef idx="2">
-            <a:schemeClr val="accent5"/>
-          </a:lnRef>
-          <a:fillRef idx="1">
-            <a:schemeClr val="lt1"/>
-          </a:fillRef>
-          <a:effectRef idx="0">
-            <a:schemeClr val="accent5"/>
-          </a:effectRef>
-          <a:fontRef idx="minor">
-            <a:schemeClr val="dk1"/>
-          </a:fontRef>
-        </p:style>
-        <p:txBody>
-          <a:bodyPr rtlCol="0" anchor="ctr"/>
-          <a:lstStyle/>
-          <a:p>
-            <a:pPr>
-              <a:lnSpc>
-                <a:spcPct val="150000"/>
-              </a:lnSpc>
-            </a:pPr>
-            <a:r>
-              <a:rPr lang="zh-CN" altLang="en-US" sz="1400" dirty="0" smtClean="0">
-                <a:latin typeface="微软雅黑" panose="020B0503020204020204" pitchFamily="34" charset="-122"/>
-                <a:ea typeface="微软雅黑" panose="020B0503020204020204" pitchFamily="34" charset="-122"/>
-              </a:rPr>
-              <a:t>水平方向的旋转动画</a:t>
-            </a:r>
-            <a:endParaRPr lang="zh-CN" altLang="en-US" sz="1400" dirty="0">
-              <a:latin typeface="微软雅黑" panose="020B0503020204020204" pitchFamily="34" charset="-122"/>
-              <a:ea typeface="微软雅黑" panose="020B0503020204020204" pitchFamily="34" charset="-122"/>
-            </a:endParaRPr>
-          </a:p>
-        </p:txBody>
-      </p:sp>
-      <p:sp>
-        <p:nvSpPr>
-          <p:cNvPr id="5" name="圆角矩形标注 4"/>
-          <p:cNvSpPr/>
-          <p:nvPr/>
-        </p:nvSpPr>
-        <p:spPr>
-          <a:xfrm>
-            <a:off x="5263153" y="3189335"/>
-            <a:ext cx="2556284" cy="792088"/>
-          </a:xfrm>
-          <a:prstGeom prst="wedgeRoundRectCallout">
-            <a:avLst>
-              <a:gd name="adj1" fmla="val -58101"/>
-              <a:gd name="adj2" fmla="val 30310"/>
-              <a:gd name="adj3" fmla="val 16667"/>
-            </a:avLst>
-          </a:prstGeom>
-        </p:spPr>
-        <p:style>
-          <a:lnRef idx="2">
-            <a:schemeClr val="accent5"/>
-          </a:lnRef>
-          <a:fillRef idx="1">
-            <a:schemeClr val="lt1"/>
-          </a:fillRef>
-          <a:effectRef idx="0">
-            <a:schemeClr val="accent5"/>
-          </a:effectRef>
-          <a:fontRef idx="minor">
-            <a:schemeClr val="dk1"/>
-          </a:fontRef>
-        </p:style>
-        <p:txBody>
-          <a:bodyPr rtlCol="0" anchor="ctr"/>
-          <a:lstStyle/>
-          <a:p>
-            <a:pPr>
-              <a:lnSpc>
-                <a:spcPct val="150000"/>
-              </a:lnSpc>
-            </a:pPr>
-            <a:r>
-              <a:rPr lang="zh-CN" altLang="en-US" sz="1400" dirty="0">
-                <a:latin typeface="微软雅黑" panose="020B0503020204020204" pitchFamily="34" charset="-122"/>
-                <a:ea typeface="微软雅黑" panose="020B0503020204020204" pitchFamily="34" charset="-122"/>
-              </a:rPr>
-              <a:t>想要</a:t>
-            </a:r>
-            <a:r>
-              <a:rPr lang="zh-CN" altLang="en-US" sz="1400" dirty="0" smtClean="0">
-                <a:latin typeface="微软雅黑" panose="020B0503020204020204" pitchFamily="34" charset="-122"/>
-                <a:ea typeface="微软雅黑" panose="020B0503020204020204" pitchFamily="34" charset="-122"/>
-              </a:rPr>
-              <a:t>包含特定点数的面朝向屏幕外侧，骰子自身旋转</a:t>
-            </a:r>
-            <a:endParaRPr lang="zh-CN" altLang="en-US" sz="1400" dirty="0">
-              <a:latin typeface="微软雅黑" panose="020B0503020204020204" pitchFamily="34" charset="-122"/>
-              <a:ea typeface="微软雅黑" panose="020B0503020204020204" pitchFamily="34" charset="-122"/>
-            </a:endParaRPr>
-          </a:p>
-        </p:txBody>
-      </p:sp>
-      <p:sp>
-        <p:nvSpPr>
-          <p:cNvPr id="8" name="圆角矩形标注 7"/>
-          <p:cNvSpPr/>
-          <p:nvPr/>
-        </p:nvSpPr>
-        <p:spPr>
-          <a:xfrm>
-            <a:off x="3275856" y="4293096"/>
-            <a:ext cx="4365400" cy="792088"/>
-          </a:xfrm>
-          <a:prstGeom prst="wedgeRoundRectCallout">
-            <a:avLst>
-              <a:gd name="adj1" fmla="val -24837"/>
-              <a:gd name="adj2" fmla="val -67025"/>
-              <a:gd name="adj3" fmla="val 16667"/>
-            </a:avLst>
-          </a:prstGeom>
-        </p:spPr>
-        <p:style>
-          <a:lnRef idx="2">
-            <a:schemeClr val="accent5"/>
-          </a:lnRef>
-          <a:fillRef idx="1">
-            <a:schemeClr val="lt1"/>
-          </a:fillRef>
-          <a:effectRef idx="0">
-            <a:schemeClr val="accent5"/>
-          </a:effectRef>
-          <a:fontRef idx="minor">
-            <a:schemeClr val="dk1"/>
-          </a:fontRef>
-        </p:style>
-        <p:txBody>
-          <a:bodyPr rtlCol="0" anchor="ctr"/>
-          <a:lstStyle/>
-          <a:p>
-            <a:pPr>
-              <a:lnSpc>
-                <a:spcPct val="150000"/>
-              </a:lnSpc>
-            </a:pPr>
-            <a:r>
-              <a:rPr lang="zh-CN" altLang="en-US" sz="1400" dirty="0" smtClean="0">
-                <a:latin typeface="微软雅黑" panose="020B0503020204020204" pitchFamily="34" charset="-122"/>
-                <a:ea typeface="微软雅黑" panose="020B0503020204020204" pitchFamily="34" charset="-122"/>
-              </a:rPr>
-              <a:t>筛子自身旋转时间最长，也就是当筛子动画结束时，其他动画肯定结束了，我们监控骰子动画即可</a:t>
-            </a:r>
-            <a:endParaRPr lang="zh-CN" altLang="en-US" sz="1400" dirty="0">
-              <a:latin typeface="微软雅黑" panose="020B0503020204020204" pitchFamily="34" charset="-122"/>
-              <a:ea typeface="微软雅黑" panose="020B0503020204020204" pitchFamily="34" charset="-122"/>
-            </a:endParaRPr>
-          </a:p>
-        </p:txBody>
-      </p:sp>
-      <p:sp>
-        <p:nvSpPr>
-          <p:cNvPr id="9" name="圆角矩形标注 8"/>
-          <p:cNvSpPr/>
-          <p:nvPr/>
-        </p:nvSpPr>
-        <p:spPr>
-          <a:xfrm>
-            <a:off x="1331640" y="889729"/>
-            <a:ext cx="2520280" cy="538082"/>
-          </a:xfrm>
-          <a:prstGeom prst="wedgeRoundRectCallout">
-            <a:avLst>
-              <a:gd name="adj1" fmla="val -15496"/>
-              <a:gd name="adj2" fmla="val 78451"/>
-              <a:gd name="adj3" fmla="val 16667"/>
-            </a:avLst>
-          </a:prstGeom>
-        </p:spPr>
-        <p:style>
-          <a:lnRef idx="2">
-            <a:schemeClr val="accent5"/>
-          </a:lnRef>
-          <a:fillRef idx="1">
-            <a:schemeClr val="lt1"/>
-          </a:fillRef>
-          <a:effectRef idx="0">
-            <a:schemeClr val="accent5"/>
-          </a:effectRef>
-          <a:fontRef idx="minor">
-            <a:schemeClr val="dk1"/>
-          </a:fontRef>
-        </p:style>
-        <p:txBody>
-          <a:bodyPr rtlCol="0" anchor="ctr"/>
-          <a:lstStyle/>
-          <a:p>
-            <a:pPr>
-              <a:lnSpc>
-                <a:spcPct val="150000"/>
-              </a:lnSpc>
-            </a:pPr>
-            <a:r>
-              <a:rPr lang="zh-CN" altLang="en-US" sz="1400" dirty="0" smtClean="0">
-                <a:latin typeface="微软雅黑" panose="020B0503020204020204" pitchFamily="34" charset="-122"/>
-                <a:ea typeface="微软雅黑" panose="020B0503020204020204" pitchFamily="34" charset="-122"/>
-              </a:rPr>
-              <a:t>添加动画类，即可启动动画</a:t>
-            </a:r>
-            <a:endParaRPr lang="zh-CN" altLang="en-US" sz="1400" dirty="0">
-              <a:latin typeface="微软雅黑" panose="020B0503020204020204" pitchFamily="34" charset="-122"/>
-              <a:ea typeface="微软雅黑" panose="020B0503020204020204" pitchFamily="34" charset="-122"/>
-            </a:endParaRPr>
-          </a:p>
-        </p:txBody>
-      </p:sp>
-    </p:spTree>
-    <p:extLst>
-      <p:ext uri="{BB962C8B-B14F-4D97-AF65-F5344CB8AC3E}">
-        <p14:creationId xmlns:p14="http://schemas.microsoft.com/office/powerpoint/2010/main" val="3152900680"/>
-      </p:ext>
-    </p:extLst>
-  </p:cSld>
-  <p:clrMapOvr>
-    <a:masterClrMapping/>
-  </p:clrMapOvr>
 </p:sld>
 </file>
 

--- a/5-3DLetter/3DLetter.pptx
+++ b/5-3DLetter/3DLetter.pptx
@@ -9,16 +9,18 @@
     <p:sldId id="257" r:id="rId3"/>
     <p:sldId id="258" r:id="rId4"/>
     <p:sldId id="259" r:id="rId5"/>
-    <p:sldId id="301" r:id="rId6"/>
-    <p:sldId id="270" r:id="rId7"/>
-    <p:sldId id="271" r:id="rId8"/>
-    <p:sldId id="296" r:id="rId9"/>
-    <p:sldId id="298" r:id="rId10"/>
-    <p:sldId id="297" r:id="rId11"/>
-    <p:sldId id="299" r:id="rId12"/>
-    <p:sldId id="295" r:id="rId13"/>
-    <p:sldId id="300" r:id="rId14"/>
-    <p:sldId id="267" r:id="rId15"/>
+    <p:sldId id="302" r:id="rId6"/>
+    <p:sldId id="303" r:id="rId7"/>
+    <p:sldId id="304" r:id="rId8"/>
+    <p:sldId id="305" r:id="rId9"/>
+    <p:sldId id="306" r:id="rId10"/>
+    <p:sldId id="307" r:id="rId11"/>
+    <p:sldId id="308" r:id="rId12"/>
+    <p:sldId id="309" r:id="rId13"/>
+    <p:sldId id="310" r:id="rId14"/>
+    <p:sldId id="311" r:id="rId15"/>
+    <p:sldId id="301" r:id="rId16"/>
+    <p:sldId id="267" r:id="rId17"/>
   </p:sldIdLst>
   <p:sldSz cx="9144000" cy="6858000" type="screen4x3"/>
   <p:notesSz cx="6858000" cy="9144000"/>
@@ -119,7 +121,7 @@
   </p:defaultTextStyle>
   <p:extLst>
     <p:ext uri="{EFAFB233-063F-42B5-8137-9DF3F51BA10A}">
-      <p15:sldGuideLst xmlns="" xmlns:p15="http://schemas.microsoft.com/office/powerpoint/2012/main">
+      <p15:sldGuideLst xmlns:p15="http://schemas.microsoft.com/office/powerpoint/2012/main" xmlns="">
         <p15:guide id="1" orient="horz" pos="2160">
           <p15:clr>
             <a:srgbClr val="A4A3A4"/>
@@ -317,7 +319,7 @@
           <a:p>
             <a:fld id="{17C7C8FB-1C37-4023-AA22-09D5A8E13DCF}" type="datetimeFigureOut">
               <a:rPr lang="zh-CN" altLang="en-US" smtClean="0"/>
-              <a:t>2018/5/9</a:t>
+              <a:t>2018/5/10</a:t>
             </a:fld>
             <a:endParaRPr lang="zh-CN" altLang="en-US"/>
           </a:p>
@@ -487,7 +489,7 @@
           <a:p>
             <a:fld id="{17C7C8FB-1C37-4023-AA22-09D5A8E13DCF}" type="datetimeFigureOut">
               <a:rPr lang="zh-CN" altLang="en-US" smtClean="0"/>
-              <a:t>2018/5/9</a:t>
+              <a:t>2018/5/10</a:t>
             </a:fld>
             <a:endParaRPr lang="zh-CN" altLang="en-US"/>
           </a:p>
@@ -667,7 +669,7 @@
           <a:p>
             <a:fld id="{17C7C8FB-1C37-4023-AA22-09D5A8E13DCF}" type="datetimeFigureOut">
               <a:rPr lang="zh-CN" altLang="en-US" smtClean="0"/>
-              <a:t>2018/5/9</a:t>
+              <a:t>2018/5/10</a:t>
             </a:fld>
             <a:endParaRPr lang="zh-CN" altLang="en-US"/>
           </a:p>
@@ -837,7 +839,7 @@
           <a:p>
             <a:fld id="{17C7C8FB-1C37-4023-AA22-09D5A8E13DCF}" type="datetimeFigureOut">
               <a:rPr lang="zh-CN" altLang="en-US" smtClean="0"/>
-              <a:t>2018/5/9</a:t>
+              <a:t>2018/5/10</a:t>
             </a:fld>
             <a:endParaRPr lang="zh-CN" altLang="en-US"/>
           </a:p>
@@ -1083,7 +1085,7 @@
           <a:p>
             <a:fld id="{17C7C8FB-1C37-4023-AA22-09D5A8E13DCF}" type="datetimeFigureOut">
               <a:rPr lang="zh-CN" altLang="en-US" smtClean="0"/>
-              <a:t>2018/5/9</a:t>
+              <a:t>2018/5/10</a:t>
             </a:fld>
             <a:endParaRPr lang="zh-CN" altLang="en-US"/>
           </a:p>
@@ -1371,7 +1373,7 @@
           <a:p>
             <a:fld id="{17C7C8FB-1C37-4023-AA22-09D5A8E13DCF}" type="datetimeFigureOut">
               <a:rPr lang="zh-CN" altLang="en-US" smtClean="0"/>
-              <a:t>2018/5/9</a:t>
+              <a:t>2018/5/10</a:t>
             </a:fld>
             <a:endParaRPr lang="zh-CN" altLang="en-US"/>
           </a:p>
@@ -1793,7 +1795,7 @@
           <a:p>
             <a:fld id="{17C7C8FB-1C37-4023-AA22-09D5A8E13DCF}" type="datetimeFigureOut">
               <a:rPr lang="zh-CN" altLang="en-US" smtClean="0"/>
-              <a:t>2018/5/9</a:t>
+              <a:t>2018/5/10</a:t>
             </a:fld>
             <a:endParaRPr lang="zh-CN" altLang="en-US"/>
           </a:p>
@@ -1911,7 +1913,7 @@
           <a:p>
             <a:fld id="{17C7C8FB-1C37-4023-AA22-09D5A8E13DCF}" type="datetimeFigureOut">
               <a:rPr lang="zh-CN" altLang="en-US" smtClean="0"/>
-              <a:t>2018/5/9</a:t>
+              <a:t>2018/5/10</a:t>
             </a:fld>
             <a:endParaRPr lang="zh-CN" altLang="en-US"/>
           </a:p>
@@ -2006,7 +2008,7 @@
           <a:p>
             <a:fld id="{17C7C8FB-1C37-4023-AA22-09D5A8E13DCF}" type="datetimeFigureOut">
               <a:rPr lang="zh-CN" altLang="en-US" smtClean="0"/>
-              <a:t>2018/5/9</a:t>
+              <a:t>2018/5/10</a:t>
             </a:fld>
             <a:endParaRPr lang="zh-CN" altLang="en-US"/>
           </a:p>
@@ -2283,7 +2285,7 @@
           <a:p>
             <a:fld id="{17C7C8FB-1C37-4023-AA22-09D5A8E13DCF}" type="datetimeFigureOut">
               <a:rPr lang="zh-CN" altLang="en-US" smtClean="0"/>
-              <a:t>2018/5/9</a:t>
+              <a:t>2018/5/10</a:t>
             </a:fld>
             <a:endParaRPr lang="zh-CN" altLang="en-US"/>
           </a:p>
@@ -2536,7 +2538,7 @@
           <a:p>
             <a:fld id="{17C7C8FB-1C37-4023-AA22-09D5A8E13DCF}" type="datetimeFigureOut">
               <a:rPr lang="zh-CN" altLang="en-US" smtClean="0"/>
-              <a:t>2018/5/9</a:t>
+              <a:t>2018/5/10</a:t>
             </a:fld>
             <a:endParaRPr lang="zh-CN" altLang="en-US"/>
           </a:p>
@@ -2749,7 +2751,7 @@
           <a:p>
             <a:fld id="{17C7C8FB-1C37-4023-AA22-09D5A8E13DCF}" type="datetimeFigureOut">
               <a:rPr lang="zh-CN" altLang="en-US" smtClean="0"/>
-              <a:t>2018/5/9</a:t>
+              <a:t>2018/5/10</a:t>
             </a:fld>
             <a:endParaRPr lang="zh-CN" altLang="en-US"/>
           </a:p>
@@ -3260,7 +3262,33 @@
                 <a:latin typeface="微软雅黑" pitchFamily="34" charset="-122"/>
                 <a:ea typeface="微软雅黑" pitchFamily="34" charset="-122"/>
               </a:rPr>
-              <a:t>讲  字母的剪纸翻折</a:t>
+              <a:t>讲  </a:t>
+            </a:r>
+            <a:r>
+              <a:rPr lang="zh-CN" altLang="en-US" sz="3200" dirty="0" smtClean="0">
+                <a:solidFill>
+                  <a:schemeClr val="tx1">
+                    <a:lumMod val="75000"/>
+                    <a:lumOff val="25000"/>
+                  </a:schemeClr>
+                </a:solidFill>
+                <a:latin typeface="微软雅黑" pitchFamily="34" charset="-122"/>
+                <a:ea typeface="微软雅黑" pitchFamily="34" charset="-122"/>
+              </a:rPr>
+              <a:t>翻折</a:t>
+            </a:r>
+            <a:r>
+              <a:rPr lang="zh-CN" altLang="en-US" sz="3200" dirty="0" smtClean="0">
+                <a:solidFill>
+                  <a:schemeClr val="tx1">
+                    <a:lumMod val="75000"/>
+                    <a:lumOff val="25000"/>
+                  </a:schemeClr>
+                </a:solidFill>
+                <a:latin typeface="微软雅黑" pitchFamily="34" charset="-122"/>
+                <a:ea typeface="微软雅黑" pitchFamily="34" charset="-122"/>
+              </a:rPr>
+              <a:t>的字母</a:t>
             </a:r>
             <a:r>
               <a:rPr lang="en-US" altLang="zh-CN" dirty="0" smtClean="0">
@@ -3413,8 +3441,8 @@
         </p:blipFill>
         <p:spPr>
           <a:xfrm>
-            <a:off x="1446729" y="1559817"/>
-            <a:ext cx="4115374" cy="2848373"/>
+            <a:off x="755576" y="1413664"/>
+            <a:ext cx="5430008" cy="1047896"/>
           </a:xfrm>
           <a:prstGeom prst="rect">
             <a:avLst/>
@@ -3439,13 +3467,13 @@
         </p:nvSpPr>
         <p:spPr>
           <a:xfrm>
-            <a:off x="4543073" y="1271784"/>
-            <a:ext cx="2520280" cy="481485"/>
+            <a:off x="2340066" y="2352801"/>
+            <a:ext cx="1871894" cy="716159"/>
           </a:xfrm>
           <a:prstGeom prst="wedgeRoundRectCallout">
             <a:avLst>
-              <a:gd name="adj1" fmla="val -31903"/>
-              <a:gd name="adj2" fmla="val 92096"/>
+              <a:gd name="adj1" fmla="val -32119"/>
+              <a:gd name="adj2" fmla="val -82171"/>
               <a:gd name="adj3" fmla="val 16667"/>
             </a:avLst>
           </a:prstGeom>
@@ -3478,7 +3506,21 @@
                 <a:latin typeface="微软雅黑" panose="020B0503020204020204" pitchFamily="34" charset="-122"/>
                 <a:ea typeface="微软雅黑" panose="020B0503020204020204" pitchFamily="34" charset="-122"/>
               </a:rPr>
-              <a:t>垂直方向骰子的弹跳动画</a:t>
+              <a:t>右下方</a:t>
+            </a:r>
+            <a:r>
+              <a:rPr lang="en-US" altLang="zh-CN" sz="1400" dirty="0" smtClean="0">
+                <a:latin typeface="微软雅黑" panose="020B0503020204020204" pitchFamily="34" charset="-122"/>
+                <a:ea typeface="微软雅黑" panose="020B0503020204020204" pitchFamily="34" charset="-122"/>
+              </a:rPr>
+              <a:t>1</a:t>
+            </a:r>
+            <a:r>
+              <a:rPr lang="zh-CN" altLang="en-US" sz="1400" dirty="0" smtClean="0">
+                <a:latin typeface="微软雅黑" panose="020B0503020204020204" pitchFamily="34" charset="-122"/>
+                <a:ea typeface="微软雅黑" panose="020B0503020204020204" pitchFamily="34" charset="-122"/>
+              </a:rPr>
+              <a:t>像素深灰色投影，模拟暗边缘</a:t>
             </a:r>
             <a:endParaRPr lang="zh-CN" altLang="en-US" sz="1400" dirty="0">
               <a:latin typeface="微软雅黑" panose="020B0503020204020204" pitchFamily="34" charset="-122"/>
@@ -3495,13 +3537,13 @@
         </p:nvSpPr>
         <p:spPr>
           <a:xfrm>
-            <a:off x="5047129" y="2207889"/>
-            <a:ext cx="2016224" cy="481485"/>
+            <a:off x="4457706" y="2352801"/>
+            <a:ext cx="1986502" cy="716159"/>
           </a:xfrm>
           <a:prstGeom prst="wedgeRoundRectCallout">
             <a:avLst>
-              <a:gd name="adj1" fmla="val -31903"/>
-              <a:gd name="adj2" fmla="val 92096"/>
+              <a:gd name="adj1" fmla="val -32119"/>
+              <a:gd name="adj2" fmla="val -82171"/>
               <a:gd name="adj3" fmla="val 16667"/>
             </a:avLst>
           </a:prstGeom>
@@ -3534,7 +3576,21 @@
                 <a:latin typeface="微软雅黑" panose="020B0503020204020204" pitchFamily="34" charset="-122"/>
                 <a:ea typeface="微软雅黑" panose="020B0503020204020204" pitchFamily="34" charset="-122"/>
               </a:rPr>
-              <a:t>水平方向的旋转动画</a:t>
+              <a:t>左上方</a:t>
+            </a:r>
+            <a:r>
+              <a:rPr lang="en-US" altLang="zh-CN" sz="1400" dirty="0" smtClean="0">
+                <a:latin typeface="微软雅黑" panose="020B0503020204020204" pitchFamily="34" charset="-122"/>
+                <a:ea typeface="微软雅黑" panose="020B0503020204020204" pitchFamily="34" charset="-122"/>
+              </a:rPr>
+              <a:t>1</a:t>
+            </a:r>
+            <a:r>
+              <a:rPr lang="zh-CN" altLang="en-US" sz="1400" dirty="0" smtClean="0">
+                <a:latin typeface="微软雅黑" panose="020B0503020204020204" pitchFamily="34" charset="-122"/>
+                <a:ea typeface="微软雅黑" panose="020B0503020204020204" pitchFamily="34" charset="-122"/>
+              </a:rPr>
+              <a:t>像素浅灰色投影，模拟亮边缘</a:t>
             </a:r>
             <a:endParaRPr lang="zh-CN" altLang="en-US" sz="1400" dirty="0">
               <a:latin typeface="微软雅黑" panose="020B0503020204020204" pitchFamily="34" charset="-122"/>
@@ -3545,39 +3601,24 @@
       </p:sp>
       <p:sp>
         <p:nvSpPr>
-          <p:cNvPr id="5" name="圆角矩形标注 4"/>
-          <p:cNvSpPr/>
+          <p:cNvPr id="5" name="TextBox 4"/>
+          <p:cNvSpPr txBox="1"/>
           <p:nvPr/>
         </p:nvSpPr>
         <p:spPr>
           <a:xfrm>
-            <a:off x="5263153" y="3189335"/>
-            <a:ext cx="2556284" cy="792088"/>
-          </a:xfrm>
-          <a:prstGeom prst="wedgeRoundRectCallout">
-            <a:avLst>
-              <a:gd name="adj1" fmla="val -58101"/>
-              <a:gd name="adj2" fmla="val 30310"/>
-              <a:gd name="adj3" fmla="val 16667"/>
-            </a:avLst>
+            <a:off x="680068" y="301433"/>
+            <a:ext cx="7423106" cy="923330"/>
+          </a:xfrm>
+          <a:prstGeom prst="rect">
+            <a:avLst/>
           </a:prstGeom>
-        </p:spPr>
-        <p:style>
-          <a:lnRef idx="2">
-            <a:schemeClr val="accent5"/>
-          </a:lnRef>
-          <a:fillRef idx="1">
-            <a:schemeClr val="lt1"/>
-          </a:fillRef>
-          <a:effectRef idx="0">
-            <a:schemeClr val="accent5"/>
-          </a:effectRef>
-          <a:fontRef idx="minor">
-            <a:schemeClr val="dk1"/>
-          </a:fontRef>
-        </p:style>
-        <p:txBody>
-          <a:bodyPr rtlCol="0" anchor="ctr"/>
+          <a:noFill/>
+        </p:spPr>
+        <p:txBody>
+          <a:bodyPr wrap="square" rtlCol="0">
+            <a:spAutoFit/>
+          </a:bodyPr>
           <a:lstStyle/>
           <a:p>
             <a:pPr>
@@ -3586,134 +3627,27 @@
               </a:lnSpc>
             </a:pPr>
             <a:r>
-              <a:rPr lang="zh-CN" altLang="en-US" sz="1400" dirty="0">
-                <a:latin typeface="微软雅黑" panose="020B0503020204020204" pitchFamily="34" charset="-122"/>
-                <a:ea typeface="微软雅黑" panose="020B0503020204020204" pitchFamily="34" charset="-122"/>
-              </a:rPr>
-              <a:t>想要</a:t>
-            </a:r>
-            <a:r>
-              <a:rPr lang="zh-CN" altLang="en-US" sz="1400" dirty="0" smtClean="0">
-                <a:latin typeface="微软雅黑" panose="020B0503020204020204" pitchFamily="34" charset="-122"/>
-                <a:ea typeface="微软雅黑" panose="020B0503020204020204" pitchFamily="34" charset="-122"/>
-              </a:rPr>
-              <a:t>包含特定点数的面朝向屏幕外侧，骰子自身旋转</a:t>
-            </a:r>
-            <a:endParaRPr lang="zh-CN" altLang="en-US" sz="1400" dirty="0">
-              <a:latin typeface="微软雅黑" panose="020B0503020204020204" pitchFamily="34" charset="-122"/>
-              <a:ea typeface="微软雅黑" panose="020B0503020204020204" pitchFamily="34" charset="-122"/>
-            </a:endParaRPr>
-          </a:p>
-        </p:txBody>
-      </p:sp>
-      <p:sp>
-        <p:nvSpPr>
-          <p:cNvPr id="8" name="圆角矩形标注 7"/>
-          <p:cNvSpPr/>
-          <p:nvPr/>
-        </p:nvSpPr>
-        <p:spPr>
-          <a:xfrm>
-            <a:off x="3275856" y="4293096"/>
-            <a:ext cx="4365400" cy="792088"/>
-          </a:xfrm>
-          <a:prstGeom prst="wedgeRoundRectCallout">
-            <a:avLst>
-              <a:gd name="adj1" fmla="val -24837"/>
-              <a:gd name="adj2" fmla="val -67025"/>
-              <a:gd name="adj3" fmla="val 16667"/>
-            </a:avLst>
-          </a:prstGeom>
-        </p:spPr>
-        <p:style>
-          <a:lnRef idx="2">
-            <a:schemeClr val="accent5"/>
-          </a:lnRef>
-          <a:fillRef idx="1">
-            <a:schemeClr val="lt1"/>
-          </a:fillRef>
-          <a:effectRef idx="0">
-            <a:schemeClr val="accent5"/>
-          </a:effectRef>
-          <a:fontRef idx="minor">
-            <a:schemeClr val="dk1"/>
-          </a:fontRef>
-        </p:style>
-        <p:txBody>
-          <a:bodyPr rtlCol="0" anchor="ctr"/>
-          <a:lstStyle/>
-          <a:p>
-            <a:pPr>
-              <a:lnSpc>
-                <a:spcPct val="150000"/>
-              </a:lnSpc>
-            </a:pPr>
-            <a:r>
-              <a:rPr lang="zh-CN" altLang="en-US" sz="1400" dirty="0" smtClean="0">
-                <a:latin typeface="微软雅黑" panose="020B0503020204020204" pitchFamily="34" charset="-122"/>
-                <a:ea typeface="微软雅黑" panose="020B0503020204020204" pitchFamily="34" charset="-122"/>
-              </a:rPr>
-              <a:t>筛子自身旋转时间最长，也就是当筛子动画结束时，其他动画肯定结束了，我们监控骰子动画即可</a:t>
-            </a:r>
-            <a:endParaRPr lang="zh-CN" altLang="en-US" sz="1400" dirty="0">
-              <a:latin typeface="微软雅黑" panose="020B0503020204020204" pitchFamily="34" charset="-122"/>
-              <a:ea typeface="微软雅黑" panose="020B0503020204020204" pitchFamily="34" charset="-122"/>
-            </a:endParaRPr>
-          </a:p>
-        </p:txBody>
-      </p:sp>
-      <p:sp>
-        <p:nvSpPr>
-          <p:cNvPr id="9" name="圆角矩形标注 8"/>
-          <p:cNvSpPr/>
-          <p:nvPr/>
-        </p:nvSpPr>
-        <p:spPr>
-          <a:xfrm>
-            <a:off x="1331640" y="889729"/>
-            <a:ext cx="2520280" cy="538082"/>
-          </a:xfrm>
-          <a:prstGeom prst="wedgeRoundRectCallout">
-            <a:avLst>
-              <a:gd name="adj1" fmla="val -15496"/>
-              <a:gd name="adj2" fmla="val 78451"/>
-              <a:gd name="adj3" fmla="val 16667"/>
-            </a:avLst>
-          </a:prstGeom>
-        </p:spPr>
-        <p:style>
-          <a:lnRef idx="2">
-            <a:schemeClr val="accent5"/>
-          </a:lnRef>
-          <a:fillRef idx="1">
-            <a:schemeClr val="lt1"/>
-          </a:fillRef>
-          <a:effectRef idx="0">
-            <a:schemeClr val="accent5"/>
-          </a:effectRef>
-          <a:fontRef idx="minor">
-            <a:schemeClr val="dk1"/>
-          </a:fontRef>
-        </p:style>
-        <p:txBody>
-          <a:bodyPr rtlCol="0" anchor="ctr"/>
-          <a:lstStyle/>
-          <a:p>
-            <a:pPr>
-              <a:lnSpc>
-                <a:spcPct val="150000"/>
-              </a:lnSpc>
-            </a:pPr>
-            <a:r>
-              <a:rPr lang="zh-CN" altLang="en-US" sz="1400" dirty="0" smtClean="0">
-                <a:latin typeface="微软雅黑" panose="020B0503020204020204" pitchFamily="34" charset="-122"/>
-                <a:ea typeface="微软雅黑" panose="020B0503020204020204" pitchFamily="34" charset="-122"/>
-              </a:rPr>
-              <a:t>添加动画类，即可启动动画</a:t>
-            </a:r>
-            <a:endParaRPr lang="zh-CN" altLang="en-US" sz="1400" dirty="0">
-              <a:latin typeface="微软雅黑" panose="020B0503020204020204" pitchFamily="34" charset="-122"/>
-              <a:ea typeface="微软雅黑" panose="020B0503020204020204" pitchFamily="34" charset="-122"/>
+              <a:rPr lang="zh-CN" altLang="en-US" dirty="0" smtClean="0">
+                <a:solidFill>
+                  <a:schemeClr val="tx1">
+                    <a:lumMod val="75000"/>
+                    <a:lumOff val="25000"/>
+                  </a:schemeClr>
+                </a:solidFill>
+                <a:latin typeface="微软雅黑" pitchFamily="34" charset="-122"/>
+                <a:ea typeface="微软雅黑" pitchFamily="34" charset="-122"/>
+              </a:rPr>
+              <a:t>为了增加真实感，我们假想光源位于字母的左上方，这个光源方向要和投影的最终效果一致，才有真实感！</a:t>
+            </a:r>
+            <a:endParaRPr lang="en-US" altLang="zh-CN" dirty="0" smtClean="0">
+              <a:solidFill>
+                <a:schemeClr val="tx1">
+                  <a:lumMod val="75000"/>
+                  <a:lumOff val="25000"/>
+                </a:schemeClr>
+              </a:solidFill>
+              <a:latin typeface="微软雅黑" pitchFamily="34" charset="-122"/>
+              <a:ea typeface="微软雅黑" pitchFamily="34" charset="-122"/>
             </a:endParaRPr>
           </a:p>
         </p:txBody>
@@ -3721,7 +3655,7 @@
     </p:spTree>
     <p:extLst>
       <p:ext uri="{BB962C8B-B14F-4D97-AF65-F5344CB8AC3E}">
-        <p14:creationId xmlns:p14="http://schemas.microsoft.com/office/powerpoint/2010/main" val="3152900680"/>
+        <p14:creationId xmlns:p14="http://schemas.microsoft.com/office/powerpoint/2010/main" val="1174604083"/>
       </p:ext>
     </p:extLst>
   </p:cSld>
@@ -3748,75 +3682,9 @@
           <a:chExt cx="0" cy="0"/>
         </a:xfrm>
       </p:grpSpPr>
-      <p:sp>
-        <p:nvSpPr>
-          <p:cNvPr id="4" name="TextBox 3"/>
-          <p:cNvSpPr txBox="1"/>
-          <p:nvPr/>
-        </p:nvSpPr>
-        <p:spPr>
-          <a:xfrm>
-            <a:off x="467544" y="476672"/>
-            <a:ext cx="7200800" cy="662554"/>
-          </a:xfrm>
-          <a:prstGeom prst="rect">
-            <a:avLst/>
-          </a:prstGeom>
-          <a:noFill/>
-        </p:spPr>
-        <p:txBody>
-          <a:bodyPr wrap="square" rtlCol="0">
-            <a:spAutoFit/>
-          </a:bodyPr>
-          <a:lstStyle/>
-          <a:p>
-            <a:pPr>
-              <a:lnSpc>
-                <a:spcPct val="150000"/>
-              </a:lnSpc>
-            </a:pPr>
-            <a:r>
-              <a:rPr lang="en-US" altLang="zh-CN" sz="2800" dirty="0" smtClean="0">
-                <a:solidFill>
-                  <a:schemeClr val="tx1">
-                    <a:lumMod val="75000"/>
-                    <a:lumOff val="25000"/>
-                  </a:schemeClr>
-                </a:solidFill>
-                <a:latin typeface="微软雅黑" pitchFamily="34" charset="-122"/>
-                <a:ea typeface="微软雅黑" pitchFamily="34" charset="-122"/>
-              </a:rPr>
-              <a:t>6.</a:t>
-            </a:r>
-            <a:r>
-              <a:rPr lang="zh-CN" altLang="en-US" sz="2800" dirty="0" smtClean="0">
-                <a:solidFill>
-                  <a:schemeClr val="tx1">
-                    <a:lumMod val="75000"/>
-                    <a:lumOff val="25000"/>
-                  </a:schemeClr>
-                </a:solidFill>
-                <a:latin typeface="微软雅黑" pitchFamily="34" charset="-122"/>
-                <a:ea typeface="微软雅黑" pitchFamily="34" charset="-122"/>
-              </a:rPr>
-              <a:t>测试按钮</a:t>
-            </a:r>
-            <a:endParaRPr lang="zh-CN" altLang="en-US" sz="2800" dirty="0">
-              <a:solidFill>
-                <a:schemeClr val="tx1">
-                  <a:lumMod val="75000"/>
-                  <a:lumOff val="25000"/>
-                </a:schemeClr>
-              </a:solidFill>
-              <a:latin typeface="微软雅黑" pitchFamily="34" charset="-122"/>
-              <a:ea typeface="微软雅黑" pitchFamily="34" charset="-122"/>
-            </a:endParaRPr>
-          </a:p>
-        </p:txBody>
-      </p:sp>
       <p:pic>
         <p:nvPicPr>
-          <p:cNvPr id="2" name="图片 1" descr="屏幕剪辑"/>
+          <p:cNvPr id="8" name="图片 7" descr="屏幕剪辑"/>
           <p:cNvPicPr>
             <a:picLocks noChangeAspect="1"/>
           </p:cNvPicPr>
@@ -3836,8 +3704,8 @@
         </p:blipFill>
         <p:spPr>
           <a:xfrm>
-            <a:off x="847458" y="1340768"/>
-            <a:ext cx="2069471" cy="1535981"/>
+            <a:off x="2555776" y="2514491"/>
+            <a:ext cx="1609950" cy="2172003"/>
           </a:xfrm>
           <a:prstGeom prst="rect">
             <a:avLst/>
@@ -3846,14 +3714,14 @@
       </p:pic>
       <p:sp>
         <p:nvSpPr>
-          <p:cNvPr id="10" name="TextBox 9"/>
+          <p:cNvPr id="4" name="TextBox 3"/>
           <p:cNvSpPr txBox="1"/>
           <p:nvPr/>
         </p:nvSpPr>
         <p:spPr>
           <a:xfrm>
-            <a:off x="847458" y="3068960"/>
-            <a:ext cx="7128792" cy="1938992"/>
+            <a:off x="467544" y="476672"/>
+            <a:ext cx="7200800" cy="662554"/>
           </a:xfrm>
           <a:prstGeom prst="rect">
             <a:avLst/>
@@ -3872,71 +3740,45 @@
               </a:lnSpc>
             </a:pPr>
             <a:r>
-              <a:rPr lang="zh-CN" altLang="en-US" sz="2000" dirty="0" smtClean="0">
-                <a:solidFill>
-                  <a:schemeClr val="tx1">
-                    <a:lumMod val="75000"/>
-                    <a:lumOff val="25000"/>
-                  </a:schemeClr>
-                </a:solidFill>
-                <a:latin typeface="微软雅黑" pitchFamily="34" charset="-122"/>
-                <a:ea typeface="微软雅黑" pitchFamily="34" charset="-122"/>
-              </a:rPr>
-              <a:t>我们有</a:t>
-            </a:r>
-            <a:r>
-              <a:rPr lang="en-US" altLang="zh-CN" sz="2000" dirty="0" smtClean="0">
-                <a:solidFill>
-                  <a:schemeClr val="tx1">
-                    <a:lumMod val="75000"/>
-                    <a:lumOff val="25000"/>
-                  </a:schemeClr>
-                </a:solidFill>
-                <a:latin typeface="微软雅黑" pitchFamily="34" charset="-122"/>
-                <a:ea typeface="微软雅黑" pitchFamily="34" charset="-122"/>
-              </a:rPr>
-              <a:t>6</a:t>
-            </a:r>
-            <a:r>
-              <a:rPr lang="zh-CN" altLang="en-US" sz="2000" dirty="0" smtClean="0">
-                <a:solidFill>
-                  <a:schemeClr val="tx1">
-                    <a:lumMod val="75000"/>
-                    <a:lumOff val="25000"/>
-                  </a:schemeClr>
-                </a:solidFill>
-                <a:latin typeface="微软雅黑" pitchFamily="34" charset="-122"/>
-                <a:ea typeface="微软雅黑" pitchFamily="34" charset="-122"/>
-              </a:rPr>
-              <a:t>个小按钮，点击测试骰子的旋转，当然也可以使用一个按钮，让骰子随机跳动到一个数字。如果是</a:t>
-            </a:r>
-            <a:r>
-              <a:rPr lang="en-US" altLang="zh-CN" sz="2000" dirty="0" smtClean="0">
-                <a:solidFill>
-                  <a:schemeClr val="tx1">
-                    <a:lumMod val="75000"/>
-                    <a:lumOff val="25000"/>
-                  </a:schemeClr>
-                </a:solidFill>
-                <a:latin typeface="微软雅黑" pitchFamily="34" charset="-122"/>
-                <a:ea typeface="微软雅黑" pitchFamily="34" charset="-122"/>
-              </a:rPr>
-              <a:t>6</a:t>
-            </a:r>
-            <a:r>
-              <a:rPr lang="zh-CN" altLang="en-US" sz="2000" dirty="0" smtClean="0">
-                <a:solidFill>
-                  <a:schemeClr val="tx1">
-                    <a:lumMod val="75000"/>
-                    <a:lumOff val="25000"/>
-                  </a:schemeClr>
-                </a:solidFill>
-                <a:latin typeface="微软雅黑" pitchFamily="34" charset="-122"/>
-                <a:ea typeface="微软雅黑" pitchFamily="34" charset="-122"/>
-              </a:rPr>
-              <a:t>个按钮，我们没有必要为每个按钮绑定要给点击函数，我们只需要在它们共同的父节点上绑定函数即可。</a:t>
-            </a:r>
-            <a:endParaRPr lang="zh-CN" altLang="en-US" sz="2000" dirty="0">
+              <a:rPr lang="en-US" altLang="zh-CN" sz="2800" dirty="0" smtClean="0">
+                <a:solidFill>
+                  <a:schemeClr val="tx1">
+                    <a:lumMod val="75000"/>
+                    <a:lumOff val="25000"/>
+                  </a:schemeClr>
+                </a:solidFill>
+                <a:latin typeface="微软雅黑" pitchFamily="34" charset="-122"/>
+                <a:ea typeface="微软雅黑" pitchFamily="34" charset="-122"/>
+              </a:rPr>
+              <a:t>7</a:t>
+            </a:r>
+            <a:r>
+              <a:rPr lang="en-US" altLang="zh-CN" sz="2800" dirty="0" smtClean="0">
+                <a:solidFill>
+                  <a:schemeClr val="tx1">
+                    <a:lumMod val="75000"/>
+                    <a:lumOff val="25000"/>
+                  </a:schemeClr>
+                </a:solidFill>
+                <a:latin typeface="微软雅黑" pitchFamily="34" charset="-122"/>
+                <a:ea typeface="微软雅黑" pitchFamily="34" charset="-122"/>
+              </a:rPr>
+              <a:t>.</a:t>
+            </a:r>
+            <a:r>
+              <a:rPr lang="zh-CN" altLang="en-US" sz="2800" dirty="0" smtClean="0">
+                <a:solidFill>
+                  <a:schemeClr val="tx1">
+                    <a:lumMod val="75000"/>
+                    <a:lumOff val="25000"/>
+                  </a:schemeClr>
+                </a:solidFill>
+                <a:latin typeface="微软雅黑" pitchFamily="34" charset="-122"/>
+                <a:ea typeface="微软雅黑" pitchFamily="34" charset="-122"/>
+              </a:rPr>
+              <a:t>投影样式</a:t>
+            </a:r>
+            <a:endParaRPr lang="zh-CN" altLang="en-US" sz="2800" dirty="0">
               <a:solidFill>
                 <a:schemeClr val="tx1">
                   <a:lumMod val="75000"/>
@@ -3949,10 +3791,424 @@
           </a:p>
         </p:txBody>
       </p:sp>
+      <p:sp>
+        <p:nvSpPr>
+          <p:cNvPr id="5" name="TextBox 4"/>
+          <p:cNvSpPr txBox="1"/>
+          <p:nvPr/>
+        </p:nvSpPr>
+        <p:spPr>
+          <a:xfrm>
+            <a:off x="467544" y="1379721"/>
+            <a:ext cx="7992888" cy="874407"/>
+          </a:xfrm>
+          <a:prstGeom prst="rect">
+            <a:avLst/>
+          </a:prstGeom>
+          <a:noFill/>
+        </p:spPr>
+        <p:txBody>
+          <a:bodyPr wrap="square" rtlCol="0">
+            <a:spAutoFit/>
+          </a:bodyPr>
+          <a:lstStyle/>
+          <a:p>
+            <a:pPr>
+              <a:lnSpc>
+                <a:spcPct val="150000"/>
+              </a:lnSpc>
+            </a:pPr>
+            <a:r>
+              <a:rPr lang="zh-CN" altLang="en-US" dirty="0" smtClean="0">
+                <a:solidFill>
+                  <a:schemeClr val="tx1">
+                    <a:lumMod val="75000"/>
+                    <a:lumOff val="25000"/>
+                  </a:schemeClr>
+                </a:solidFill>
+                <a:latin typeface="微软雅黑" pitchFamily="34" charset="-122"/>
+                <a:ea typeface="微软雅黑" pitchFamily="34" charset="-122"/>
+              </a:rPr>
+              <a:t>我们需要为每个字母设置</a:t>
+            </a:r>
+            <a:r>
+              <a:rPr lang="en-US" altLang="zh-CN" dirty="0" smtClean="0">
+                <a:solidFill>
+                  <a:schemeClr val="tx1">
+                    <a:lumMod val="75000"/>
+                    <a:lumOff val="25000"/>
+                  </a:schemeClr>
+                </a:solidFill>
+                <a:latin typeface="微软雅黑" pitchFamily="34" charset="-122"/>
+                <a:ea typeface="微软雅黑" pitchFamily="34" charset="-122"/>
+              </a:rPr>
+              <a:t>3</a:t>
+            </a:r>
+            <a:r>
+              <a:rPr lang="zh-CN" altLang="en-US" dirty="0" smtClean="0">
+                <a:solidFill>
+                  <a:schemeClr val="tx1">
+                    <a:lumMod val="75000"/>
+                    <a:lumOff val="25000"/>
+                  </a:schemeClr>
+                </a:solidFill>
+                <a:latin typeface="微软雅黑" pitchFamily="34" charset="-122"/>
+                <a:ea typeface="微软雅黑" pitchFamily="34" charset="-122"/>
+              </a:rPr>
+              <a:t>层，一层翻折，一层是镂空部分，一层是投影。</a:t>
+            </a:r>
+            <a:endParaRPr lang="en-US" altLang="zh-CN" dirty="0" smtClean="0">
+              <a:solidFill>
+                <a:schemeClr val="tx1">
+                  <a:lumMod val="75000"/>
+                  <a:lumOff val="25000"/>
+                </a:schemeClr>
+              </a:solidFill>
+              <a:latin typeface="微软雅黑" pitchFamily="34" charset="-122"/>
+              <a:ea typeface="微软雅黑" pitchFamily="34" charset="-122"/>
+            </a:endParaRPr>
+          </a:p>
+          <a:p>
+            <a:pPr>
+              <a:lnSpc>
+                <a:spcPct val="150000"/>
+              </a:lnSpc>
+            </a:pPr>
+            <a:r>
+              <a:rPr lang="en-US" altLang="zh-CN" dirty="0" smtClean="0">
+                <a:solidFill>
+                  <a:schemeClr val="tx1">
+                    <a:lumMod val="75000"/>
+                    <a:lumOff val="25000"/>
+                  </a:schemeClr>
+                </a:solidFill>
+                <a:latin typeface="微软雅黑" pitchFamily="34" charset="-122"/>
+                <a:ea typeface="微软雅黑" pitchFamily="34" charset="-122"/>
+              </a:rPr>
+              <a:t>3</a:t>
+            </a:r>
+            <a:r>
+              <a:rPr lang="zh-CN" altLang="en-US" dirty="0" smtClean="0">
+                <a:solidFill>
+                  <a:schemeClr val="tx1">
+                    <a:lumMod val="75000"/>
+                    <a:lumOff val="25000"/>
+                  </a:schemeClr>
+                </a:solidFill>
+                <a:latin typeface="微软雅黑" pitchFamily="34" charset="-122"/>
+                <a:ea typeface="微软雅黑" pitchFamily="34" charset="-122"/>
+              </a:rPr>
+              <a:t>层字母需要完全重合，所以绝对定位即可！</a:t>
+            </a:r>
+            <a:endParaRPr lang="en-US" altLang="zh-CN" dirty="0" smtClean="0">
+              <a:solidFill>
+                <a:schemeClr val="tx1">
+                  <a:lumMod val="75000"/>
+                  <a:lumOff val="25000"/>
+                </a:schemeClr>
+              </a:solidFill>
+              <a:latin typeface="微软雅黑" pitchFamily="34" charset="-122"/>
+              <a:ea typeface="微软雅黑" pitchFamily="34" charset="-122"/>
+            </a:endParaRPr>
+          </a:p>
+        </p:txBody>
+      </p:sp>
+      <p:sp>
+        <p:nvSpPr>
+          <p:cNvPr id="12" name="圆角矩形标注 11"/>
+          <p:cNvSpPr/>
+          <p:nvPr/>
+        </p:nvSpPr>
+        <p:spPr>
+          <a:xfrm>
+            <a:off x="4047893" y="2829231"/>
+            <a:ext cx="3024336" cy="966459"/>
+          </a:xfrm>
+          <a:prstGeom prst="wedgeRoundRectCallout">
+            <a:avLst>
+              <a:gd name="adj1" fmla="val -57596"/>
+              <a:gd name="adj2" fmla="val 22154"/>
+              <a:gd name="adj3" fmla="val 16667"/>
+            </a:avLst>
+          </a:prstGeom>
+        </p:spPr>
+        <p:style>
+          <a:lnRef idx="2">
+            <a:schemeClr val="accent5"/>
+          </a:lnRef>
+          <a:fillRef idx="1">
+            <a:schemeClr val="lt1"/>
+          </a:fillRef>
+          <a:effectRef idx="0">
+            <a:schemeClr val="accent5"/>
+          </a:effectRef>
+          <a:fontRef idx="minor">
+            <a:schemeClr val="dk1"/>
+          </a:fontRef>
+        </p:style>
+        <p:txBody>
+          <a:bodyPr rtlCol="0" anchor="ctr"/>
+          <a:lstStyle/>
+          <a:p>
+            <a:pPr>
+              <a:lnSpc>
+                <a:spcPct val="150000"/>
+              </a:lnSpc>
+            </a:pPr>
+            <a:r>
+              <a:rPr lang="zh-CN" altLang="en-US" sz="1400" dirty="0" smtClean="0">
+                <a:latin typeface="微软雅黑" panose="020B0503020204020204" pitchFamily="34" charset="-122"/>
+                <a:ea typeface="微软雅黑" panose="020B0503020204020204" pitchFamily="34" charset="-122"/>
+              </a:rPr>
+              <a:t>投影是与遮挡物的角度改变，会</a:t>
+            </a:r>
+            <a:r>
+              <a:rPr lang="zh-CN" altLang="en-US" sz="1400" dirty="0" smtClean="0">
+                <a:solidFill>
+                  <a:srgbClr val="FF0000"/>
+                </a:solidFill>
+                <a:latin typeface="微软雅黑" panose="020B0503020204020204" pitchFamily="34" charset="-122"/>
+                <a:ea typeface="微软雅黑" panose="020B0503020204020204" pitchFamily="34" charset="-122"/>
+              </a:rPr>
+              <a:t>变窄</a:t>
+            </a:r>
+            <a:r>
+              <a:rPr lang="zh-CN" altLang="en-US" sz="1400" dirty="0" smtClean="0">
+                <a:latin typeface="微软雅黑" panose="020B0503020204020204" pitchFamily="34" charset="-122"/>
+                <a:ea typeface="微软雅黑" panose="020B0503020204020204" pitchFamily="34" charset="-122"/>
+              </a:rPr>
+              <a:t>，由于光线角度会让其</a:t>
+            </a:r>
+            <a:r>
+              <a:rPr lang="zh-CN" altLang="en-US" sz="1400" dirty="0" smtClean="0">
+                <a:solidFill>
+                  <a:srgbClr val="FF0000"/>
+                </a:solidFill>
+                <a:latin typeface="微软雅黑" panose="020B0503020204020204" pitchFamily="34" charset="-122"/>
+                <a:ea typeface="微软雅黑" panose="020B0503020204020204" pitchFamily="34" charset="-122"/>
+              </a:rPr>
+              <a:t>斜向拉伸</a:t>
+            </a:r>
+            <a:r>
+              <a:rPr lang="zh-CN" altLang="en-US" sz="1400" dirty="0" smtClean="0">
+                <a:latin typeface="微软雅黑" panose="020B0503020204020204" pitchFamily="34" charset="-122"/>
+                <a:ea typeface="微软雅黑" panose="020B0503020204020204" pitchFamily="34" charset="-122"/>
+              </a:rPr>
+              <a:t>，还会轻微</a:t>
+            </a:r>
+            <a:r>
+              <a:rPr lang="zh-CN" altLang="en-US" sz="1400" dirty="0" smtClean="0">
+                <a:solidFill>
+                  <a:srgbClr val="FF0000"/>
+                </a:solidFill>
+                <a:latin typeface="微软雅黑" panose="020B0503020204020204" pitchFamily="34" charset="-122"/>
+                <a:ea typeface="微软雅黑" panose="020B0503020204020204" pitchFamily="34" charset="-122"/>
+              </a:rPr>
+              <a:t>模糊和放大</a:t>
+            </a:r>
+            <a:endParaRPr lang="zh-CN" altLang="en-US" sz="1400" dirty="0">
+              <a:solidFill>
+                <a:srgbClr val="FF0000"/>
+              </a:solidFill>
+              <a:latin typeface="微软雅黑" panose="020B0503020204020204" pitchFamily="34" charset="-122"/>
+              <a:ea typeface="微软雅黑" panose="020B0503020204020204" pitchFamily="34" charset="-122"/>
+            </a:endParaRPr>
+          </a:p>
+        </p:txBody>
+      </p:sp>
+      <p:cxnSp>
+        <p:nvCxnSpPr>
+          <p:cNvPr id="14" name="直接箭头连接符 13"/>
+          <p:cNvCxnSpPr/>
+          <p:nvPr/>
+        </p:nvCxnSpPr>
+        <p:spPr>
+          <a:xfrm>
+            <a:off x="1219801" y="3216409"/>
+            <a:ext cx="532494" cy="96052"/>
+          </a:xfrm>
+          <a:prstGeom prst="straightConnector1">
+            <a:avLst/>
+          </a:prstGeom>
+          <a:ln>
+            <a:tailEnd type="arrow"/>
+          </a:ln>
+        </p:spPr>
+        <p:style>
+          <a:lnRef idx="3">
+            <a:schemeClr val="accent3"/>
+          </a:lnRef>
+          <a:fillRef idx="0">
+            <a:schemeClr val="accent3"/>
+          </a:fillRef>
+          <a:effectRef idx="2">
+            <a:schemeClr val="accent3"/>
+          </a:effectRef>
+          <a:fontRef idx="minor">
+            <a:schemeClr val="tx1"/>
+          </a:fontRef>
+        </p:style>
+      </p:cxnSp>
+      <p:cxnSp>
+        <p:nvCxnSpPr>
+          <p:cNvPr id="15" name="直接箭头连接符 14"/>
+          <p:cNvCxnSpPr/>
+          <p:nvPr/>
+        </p:nvCxnSpPr>
+        <p:spPr>
+          <a:xfrm>
+            <a:off x="1229107" y="3216408"/>
+            <a:ext cx="0" cy="768170"/>
+          </a:xfrm>
+          <a:prstGeom prst="straightConnector1">
+            <a:avLst/>
+          </a:prstGeom>
+          <a:ln>
+            <a:tailEnd type="arrow"/>
+          </a:ln>
+        </p:spPr>
+        <p:style>
+          <a:lnRef idx="3">
+            <a:schemeClr val="accent2"/>
+          </a:lnRef>
+          <a:fillRef idx="0">
+            <a:schemeClr val="accent2"/>
+          </a:fillRef>
+          <a:effectRef idx="2">
+            <a:schemeClr val="accent2"/>
+          </a:effectRef>
+          <a:fontRef idx="minor">
+            <a:schemeClr val="tx1"/>
+          </a:fontRef>
+        </p:style>
+      </p:cxnSp>
+      <p:cxnSp>
+        <p:nvCxnSpPr>
+          <p:cNvPr id="18" name="直接箭头连接符 17"/>
+          <p:cNvCxnSpPr/>
+          <p:nvPr/>
+        </p:nvCxnSpPr>
+        <p:spPr>
+          <a:xfrm flipH="1">
+            <a:off x="856022" y="3235497"/>
+            <a:ext cx="373085" cy="385375"/>
+          </a:xfrm>
+          <a:prstGeom prst="straightConnector1">
+            <a:avLst/>
+          </a:prstGeom>
+          <a:ln>
+            <a:tailEnd type="arrow"/>
+          </a:ln>
+        </p:spPr>
+        <p:style>
+          <a:lnRef idx="3">
+            <a:schemeClr val="accent1"/>
+          </a:lnRef>
+          <a:fillRef idx="0">
+            <a:schemeClr val="accent1"/>
+          </a:fillRef>
+          <a:effectRef idx="2">
+            <a:schemeClr val="accent1"/>
+          </a:effectRef>
+          <a:fontRef idx="minor">
+            <a:schemeClr val="tx1"/>
+          </a:fontRef>
+        </p:style>
+      </p:cxnSp>
+      <p:sp>
+        <p:nvSpPr>
+          <p:cNvPr id="19" name="TextBox 18"/>
+          <p:cNvSpPr txBox="1"/>
+          <p:nvPr/>
+        </p:nvSpPr>
+        <p:spPr>
+          <a:xfrm>
+            <a:off x="1306802" y="3777929"/>
+            <a:ext cx="316470" cy="369332"/>
+          </a:xfrm>
+          <a:prstGeom prst="rect">
+            <a:avLst/>
+          </a:prstGeom>
+          <a:noFill/>
+        </p:spPr>
+        <p:txBody>
+          <a:bodyPr wrap="square" rtlCol="0">
+            <a:spAutoFit/>
+          </a:bodyPr>
+          <a:lstStyle/>
+          <a:p>
+            <a:r>
+              <a:rPr lang="en-US" altLang="zh-CN" dirty="0"/>
+              <a:t>y</a:t>
+            </a:r>
+            <a:endParaRPr lang="zh-CN" altLang="en-US" dirty="0"/>
+          </a:p>
+        </p:txBody>
+      </p:sp>
+      <p:sp>
+        <p:nvSpPr>
+          <p:cNvPr id="20" name="TextBox 19"/>
+          <p:cNvSpPr txBox="1"/>
+          <p:nvPr/>
+        </p:nvSpPr>
+        <p:spPr>
+          <a:xfrm>
+            <a:off x="1965493" y="2937902"/>
+            <a:ext cx="316470" cy="369332"/>
+          </a:xfrm>
+          <a:prstGeom prst="rect">
+            <a:avLst/>
+          </a:prstGeom>
+          <a:noFill/>
+        </p:spPr>
+        <p:txBody>
+          <a:bodyPr wrap="square" rtlCol="0">
+            <a:spAutoFit/>
+          </a:bodyPr>
+          <a:lstStyle/>
+          <a:p>
+            <a:r>
+              <a:rPr lang="en-US" altLang="zh-CN" dirty="0"/>
+              <a:t>x</a:t>
+            </a:r>
+            <a:endParaRPr lang="zh-CN" altLang="en-US" dirty="0"/>
+          </a:p>
+        </p:txBody>
+      </p:sp>
+      <p:sp>
+        <p:nvSpPr>
+          <p:cNvPr id="21" name="TextBox 20"/>
+          <p:cNvSpPr txBox="1"/>
+          <p:nvPr/>
+        </p:nvSpPr>
+        <p:spPr>
+          <a:xfrm>
+            <a:off x="683568" y="3031742"/>
+            <a:ext cx="316470" cy="369332"/>
+          </a:xfrm>
+          <a:prstGeom prst="rect">
+            <a:avLst/>
+          </a:prstGeom>
+          <a:noFill/>
+        </p:spPr>
+        <p:txBody>
+          <a:bodyPr wrap="square" rtlCol="0">
+            <a:spAutoFit/>
+          </a:bodyPr>
+          <a:lstStyle/>
+          <a:p>
+            <a:r>
+              <a:rPr lang="en-US" altLang="zh-CN" dirty="0" smtClean="0"/>
+              <a:t>z</a:t>
+            </a:r>
+            <a:endParaRPr lang="zh-CN" altLang="en-US" dirty="0"/>
+          </a:p>
+        </p:txBody>
+      </p:sp>
     </p:spTree>
     <p:extLst>
       <p:ext uri="{BB962C8B-B14F-4D97-AF65-F5344CB8AC3E}">
-        <p14:creationId xmlns:p14="http://schemas.microsoft.com/office/powerpoint/2010/main" val="3921910135"/>
+        <p14:creationId xmlns:p14="http://schemas.microsoft.com/office/powerpoint/2010/main" val="2574515882"/>
       </p:ext>
     </p:extLst>
   </p:cSld>
@@ -3970,331 +4226,6 @@
 </file>
 
 <file path=ppt/slides/slide12.xml><?xml version="1.0" encoding="utf-8"?>
-<p:sld xmlns:a="http://schemas.openxmlformats.org/drawingml/2006/main" xmlns:r="http://schemas.openxmlformats.org/officeDocument/2006/relationships" xmlns:p="http://schemas.openxmlformats.org/presentationml/2006/main">
-  <p:cSld>
-    <p:spTree>
-      <p:nvGrpSpPr>
-        <p:cNvPr id="1" name=""/>
-        <p:cNvGrpSpPr/>
-        <p:nvPr/>
-      </p:nvGrpSpPr>
-      <p:grpSpPr>
-        <a:xfrm>
-          <a:off x="0" y="0"/>
-          <a:ext cx="0" cy="0"/>
-          <a:chOff x="0" y="0"/>
-          <a:chExt cx="0" cy="0"/>
-        </a:xfrm>
-      </p:grpSpPr>
-      <p:pic>
-        <p:nvPicPr>
-          <p:cNvPr id="4" name="图片 3" descr="屏幕剪辑"/>
-          <p:cNvPicPr>
-            <a:picLocks noChangeAspect="1"/>
-          </p:cNvPicPr>
-          <p:nvPr/>
-        </p:nvPicPr>
-        <p:blipFill>
-          <a:blip r:embed="rId2">
-            <a:extLst>
-              <a:ext uri="{28A0092B-C50C-407E-A947-70E740481C1C}">
-                <a14:useLocalDpi xmlns:a14="http://schemas.microsoft.com/office/drawing/2010/main" val="0"/>
-              </a:ext>
-            </a:extLst>
-          </a:blip>
-          <a:stretch>
-            <a:fillRect/>
-          </a:stretch>
-        </p:blipFill>
-        <p:spPr>
-          <a:xfrm>
-            <a:off x="755576" y="692696"/>
-            <a:ext cx="4801270" cy="2400635"/>
-          </a:xfrm>
-          <a:prstGeom prst="rect">
-            <a:avLst/>
-          </a:prstGeom>
-          <a:ln>
-            <a:noFill/>
-          </a:ln>
-          <a:effectLst>
-            <a:outerShdw blurRad="292100" dist="139700" dir="2700000" algn="tl" rotWithShape="0">
-              <a:srgbClr val="333333">
-                <a:alpha val="65000"/>
-              </a:srgbClr>
-            </a:outerShdw>
-          </a:effectLst>
-        </p:spPr>
-      </p:pic>
-      <p:pic>
-        <p:nvPicPr>
-          <p:cNvPr id="5" name="图片 4" descr="屏幕剪辑"/>
-          <p:cNvPicPr>
-            <a:picLocks noChangeAspect="1"/>
-          </p:cNvPicPr>
-          <p:nvPr/>
-        </p:nvPicPr>
-        <p:blipFill>
-          <a:blip r:embed="rId3">
-            <a:extLst>
-              <a:ext uri="{28A0092B-C50C-407E-A947-70E740481C1C}">
-                <a14:useLocalDpi xmlns:a14="http://schemas.microsoft.com/office/drawing/2010/main" val="0"/>
-              </a:ext>
-            </a:extLst>
-          </a:blip>
-          <a:stretch>
-            <a:fillRect/>
-          </a:stretch>
-        </p:blipFill>
-        <p:spPr>
-          <a:xfrm>
-            <a:off x="755576" y="4199907"/>
-            <a:ext cx="3896269" cy="333422"/>
-          </a:xfrm>
-          <a:prstGeom prst="rect">
-            <a:avLst/>
-          </a:prstGeom>
-          <a:ln>
-            <a:noFill/>
-          </a:ln>
-          <a:effectLst>
-            <a:outerShdw blurRad="292100" dist="139700" dir="2700000" algn="tl" rotWithShape="0">
-              <a:srgbClr val="333333">
-                <a:alpha val="65000"/>
-              </a:srgbClr>
-            </a:outerShdw>
-          </a:effectLst>
-        </p:spPr>
-      </p:pic>
-      <p:pic>
-        <p:nvPicPr>
-          <p:cNvPr id="7" name="图片 6" descr="屏幕剪辑"/>
-          <p:cNvPicPr>
-            <a:picLocks noChangeAspect="1"/>
-          </p:cNvPicPr>
-          <p:nvPr/>
-        </p:nvPicPr>
-        <p:blipFill>
-          <a:blip r:embed="rId4">
-            <a:extLst>
-              <a:ext uri="{28A0092B-C50C-407E-A947-70E740481C1C}">
-                <a14:useLocalDpi xmlns:a14="http://schemas.microsoft.com/office/drawing/2010/main" val="0"/>
-              </a:ext>
-            </a:extLst>
-          </a:blip>
-          <a:stretch>
-            <a:fillRect/>
-          </a:stretch>
-        </p:blipFill>
-        <p:spPr>
-          <a:xfrm>
-            <a:off x="755576" y="4970814"/>
-            <a:ext cx="4096322" cy="381053"/>
-          </a:xfrm>
-          <a:prstGeom prst="rect">
-            <a:avLst/>
-          </a:prstGeom>
-          <a:ln>
-            <a:noFill/>
-          </a:ln>
-          <a:effectLst>
-            <a:outerShdw blurRad="292100" dist="139700" dir="2700000" algn="tl" rotWithShape="0">
-              <a:srgbClr val="333333">
-                <a:alpha val="65000"/>
-              </a:srgbClr>
-            </a:outerShdw>
-          </a:effectLst>
-        </p:spPr>
-      </p:pic>
-      <p:sp>
-        <p:nvSpPr>
-          <p:cNvPr id="8" name="圆角矩形标注 7"/>
-          <p:cNvSpPr/>
-          <p:nvPr/>
-        </p:nvSpPr>
-        <p:spPr>
-          <a:xfrm>
-            <a:off x="5148064" y="451953"/>
-            <a:ext cx="1368152" cy="481485"/>
-          </a:xfrm>
-          <a:prstGeom prst="wedgeRoundRectCallout">
-            <a:avLst>
-              <a:gd name="adj1" fmla="val -31903"/>
-              <a:gd name="adj2" fmla="val 92096"/>
-              <a:gd name="adj3" fmla="val 16667"/>
-            </a:avLst>
-          </a:prstGeom>
-        </p:spPr>
-        <p:style>
-          <a:lnRef idx="2">
-            <a:schemeClr val="accent5"/>
-          </a:lnRef>
-          <a:fillRef idx="1">
-            <a:schemeClr val="lt1"/>
-          </a:fillRef>
-          <a:effectRef idx="0">
-            <a:schemeClr val="accent5"/>
-          </a:effectRef>
-          <a:fontRef idx="minor">
-            <a:schemeClr val="dk1"/>
-          </a:fontRef>
-        </p:style>
-        <p:txBody>
-          <a:bodyPr rtlCol="0" anchor="ctr"/>
-          <a:lstStyle/>
-          <a:p>
-            <a:pPr>
-              <a:lnSpc>
-                <a:spcPct val="150000"/>
-              </a:lnSpc>
-            </a:pPr>
-            <a:r>
-              <a:rPr lang="zh-CN" altLang="en-US" sz="1400" dirty="0" smtClean="0">
-                <a:latin typeface="微软雅黑" panose="020B0503020204020204" pitchFamily="34" charset="-122"/>
-                <a:ea typeface="微软雅黑" panose="020B0503020204020204" pitchFamily="34" charset="-122"/>
-              </a:rPr>
-              <a:t>按钮标签组</a:t>
-            </a:r>
-            <a:endParaRPr lang="zh-CN" altLang="en-US" sz="1400" dirty="0">
-              <a:latin typeface="微软雅黑" panose="020B0503020204020204" pitchFamily="34" charset="-122"/>
-              <a:ea typeface="微软雅黑" panose="020B0503020204020204" pitchFamily="34" charset="-122"/>
-            </a:endParaRPr>
-          </a:p>
-        </p:txBody>
-      </p:sp>
-      <p:sp>
-        <p:nvSpPr>
-          <p:cNvPr id="9" name="圆角矩形标注 8"/>
-          <p:cNvSpPr/>
-          <p:nvPr/>
-        </p:nvSpPr>
-        <p:spPr>
-          <a:xfrm>
-            <a:off x="5148064" y="4244489"/>
-            <a:ext cx="3016500" cy="916851"/>
-          </a:xfrm>
-          <a:prstGeom prst="wedgeRoundRectCallout">
-            <a:avLst>
-              <a:gd name="adj1" fmla="val -56666"/>
-              <a:gd name="adj2" fmla="val 28885"/>
-              <a:gd name="adj3" fmla="val 16667"/>
-            </a:avLst>
-          </a:prstGeom>
-        </p:spPr>
-        <p:style>
-          <a:lnRef idx="2">
-            <a:schemeClr val="accent5"/>
-          </a:lnRef>
-          <a:fillRef idx="1">
-            <a:schemeClr val="lt1"/>
-          </a:fillRef>
-          <a:effectRef idx="0">
-            <a:schemeClr val="accent5"/>
-          </a:effectRef>
-          <a:fontRef idx="minor">
-            <a:schemeClr val="dk1"/>
-          </a:fontRef>
-        </p:style>
-        <p:txBody>
-          <a:bodyPr rtlCol="0" anchor="ctr"/>
-          <a:lstStyle/>
-          <a:p>
-            <a:pPr>
-              <a:lnSpc>
-                <a:spcPct val="150000"/>
-              </a:lnSpc>
-            </a:pPr>
-            <a:r>
-              <a:rPr lang="zh-CN" altLang="en-US" sz="1400" dirty="0" smtClean="0">
-                <a:latin typeface="微软雅黑" panose="020B0503020204020204" pitchFamily="34" charset="-122"/>
-                <a:ea typeface="微软雅黑" panose="020B0503020204020204" pitchFamily="34" charset="-122"/>
-              </a:rPr>
-              <a:t>为按钮组的父元素绑定点击事件，然后点击任何一个按钮就都可以触发事件函数</a:t>
-            </a:r>
-            <a:endParaRPr lang="zh-CN" altLang="en-US" sz="1400" dirty="0">
-              <a:latin typeface="微软雅黑" panose="020B0503020204020204" pitchFamily="34" charset="-122"/>
-              <a:ea typeface="微软雅黑" panose="020B0503020204020204" pitchFamily="34" charset="-122"/>
-            </a:endParaRPr>
-          </a:p>
-        </p:txBody>
-      </p:sp>
-      <p:sp>
-        <p:nvSpPr>
-          <p:cNvPr id="11" name="圆角矩形标注 10"/>
-          <p:cNvSpPr/>
-          <p:nvPr/>
-        </p:nvSpPr>
-        <p:spPr>
-          <a:xfrm>
-            <a:off x="2703710" y="3083332"/>
-            <a:ext cx="2675929" cy="790648"/>
-          </a:xfrm>
-          <a:prstGeom prst="wedgeRoundRectCallout">
-            <a:avLst>
-              <a:gd name="adj1" fmla="val -23431"/>
-              <a:gd name="adj2" fmla="val -73743"/>
-              <a:gd name="adj3" fmla="val 16667"/>
-            </a:avLst>
-          </a:prstGeom>
-        </p:spPr>
-        <p:style>
-          <a:lnRef idx="2">
-            <a:schemeClr val="accent5"/>
-          </a:lnRef>
-          <a:fillRef idx="1">
-            <a:schemeClr val="lt1"/>
-          </a:fillRef>
-          <a:effectRef idx="0">
-            <a:schemeClr val="accent5"/>
-          </a:effectRef>
-          <a:fontRef idx="minor">
-            <a:schemeClr val="dk1"/>
-          </a:fontRef>
-        </p:style>
-        <p:txBody>
-          <a:bodyPr rtlCol="0" anchor="ctr"/>
-          <a:lstStyle/>
-          <a:p>
-            <a:pPr>
-              <a:lnSpc>
-                <a:spcPct val="150000"/>
-              </a:lnSpc>
-            </a:pPr>
-            <a:r>
-              <a:rPr lang="en-US" altLang="zh-CN" sz="1400" dirty="0" smtClean="0">
-                <a:latin typeface="微软雅黑" panose="020B0503020204020204" pitchFamily="34" charset="-122"/>
-                <a:ea typeface="微软雅黑" panose="020B0503020204020204" pitchFamily="34" charset="-122"/>
-              </a:rPr>
-              <a:t>Point</a:t>
-            </a:r>
-            <a:r>
-              <a:rPr lang="zh-CN" altLang="en-US" sz="1400" dirty="0" smtClean="0">
-                <a:latin typeface="微软雅黑" panose="020B0503020204020204" pitchFamily="34" charset="-122"/>
-                <a:ea typeface="微软雅黑" panose="020B0503020204020204" pitchFamily="34" charset="-122"/>
-              </a:rPr>
-              <a:t>属性标明点击该按钮，显示的骰子点数</a:t>
-            </a:r>
-            <a:endParaRPr lang="zh-CN" altLang="en-US" sz="1400" dirty="0">
-              <a:latin typeface="微软雅黑" panose="020B0503020204020204" pitchFamily="34" charset="-122"/>
-              <a:ea typeface="微软雅黑" panose="020B0503020204020204" pitchFamily="34" charset="-122"/>
-            </a:endParaRPr>
-          </a:p>
-        </p:txBody>
-      </p:sp>
-    </p:spTree>
-    <p:extLst>
-      <p:ext uri="{BB962C8B-B14F-4D97-AF65-F5344CB8AC3E}">
-        <p14:creationId xmlns:p14="http://schemas.microsoft.com/office/powerpoint/2010/main" val="524293465"/>
-      </p:ext>
-    </p:extLst>
-  </p:cSld>
-  <p:clrMapOvr>
-    <a:masterClrMapping/>
-  </p:clrMapOvr>
-</p:sld>
-</file>
-
-<file path=ppt/slides/slide13.xml><?xml version="1.0" encoding="utf-8"?>
 <p:sld xmlns:a="http://schemas.openxmlformats.org/drawingml/2006/main" xmlns:r="http://schemas.openxmlformats.org/officeDocument/2006/relationships" xmlns:p="http://schemas.openxmlformats.org/presentationml/2006/main">
   <p:cSld>
     <p:spTree>
@@ -4333,8 +4264,8 @@
         </p:blipFill>
         <p:spPr>
           <a:xfrm>
-            <a:off x="683568" y="1412776"/>
-            <a:ext cx="6925642" cy="1886213"/>
+            <a:off x="611560" y="476672"/>
+            <a:ext cx="7011378" cy="3572374"/>
           </a:xfrm>
           <a:prstGeom prst="rect">
             <a:avLst/>
@@ -4359,13 +4290,13 @@
         </p:nvSpPr>
         <p:spPr>
           <a:xfrm>
-            <a:off x="4146389" y="260648"/>
-            <a:ext cx="2675929" cy="934664"/>
+            <a:off x="5148064" y="476672"/>
+            <a:ext cx="1656184" cy="716159"/>
           </a:xfrm>
           <a:prstGeom prst="wedgeRoundRectCallout">
             <a:avLst>
-              <a:gd name="adj1" fmla="val -23431"/>
-              <a:gd name="adj2" fmla="val 74487"/>
+              <a:gd name="adj1" fmla="val -59064"/>
+              <a:gd name="adj2" fmla="val 36168"/>
               <a:gd name="adj3" fmla="val 16667"/>
             </a:avLst>
           </a:prstGeom>
@@ -4398,7 +4329,25 @@
                 <a:latin typeface="微软雅黑" panose="020B0503020204020204" pitchFamily="34" charset="-122"/>
                 <a:ea typeface="微软雅黑" panose="020B0503020204020204" pitchFamily="34" charset="-122"/>
               </a:rPr>
-              <a:t>所有子元素的冒泡都会传递到父元素，我们需要判断下，是不是点击了按钮，而不是其他</a:t>
+              <a:t>原点同样移动到</a:t>
+            </a:r>
+            <a:endParaRPr lang="en-US" altLang="zh-CN" sz="1400" dirty="0" smtClean="0">
+              <a:latin typeface="微软雅黑" panose="020B0503020204020204" pitchFamily="34" charset="-122"/>
+              <a:ea typeface="微软雅黑" panose="020B0503020204020204" pitchFamily="34" charset="-122"/>
+            </a:endParaRPr>
+          </a:p>
+          <a:p>
+            <a:pPr>
+              <a:lnSpc>
+                <a:spcPct val="150000"/>
+              </a:lnSpc>
+            </a:pPr>
+            <a:r>
+              <a:rPr lang="zh-CN" altLang="en-US" sz="1400" dirty="0" smtClean="0">
+                <a:latin typeface="微软雅黑" panose="020B0503020204020204" pitchFamily="34" charset="-122"/>
+                <a:ea typeface="微软雅黑" panose="020B0503020204020204" pitchFamily="34" charset="-122"/>
+              </a:rPr>
+              <a:t>左边中间位置</a:t>
             </a:r>
             <a:endParaRPr lang="zh-CN" altLang="en-US" sz="1400" dirty="0">
               <a:latin typeface="微软雅黑" panose="020B0503020204020204" pitchFamily="34" charset="-122"/>
@@ -4415,13 +4364,13 @@
         </p:nvSpPr>
         <p:spPr>
           <a:xfrm>
-            <a:off x="899592" y="260648"/>
-            <a:ext cx="2675929" cy="963492"/>
+            <a:off x="3289157" y="1192831"/>
+            <a:ext cx="994811" cy="358079"/>
           </a:xfrm>
           <a:prstGeom prst="wedgeRoundRectCallout">
             <a:avLst>
-              <a:gd name="adj1" fmla="val -23431"/>
-              <a:gd name="adj2" fmla="val 74487"/>
+              <a:gd name="adj1" fmla="val -59064"/>
+              <a:gd name="adj2" fmla="val 36168"/>
               <a:gd name="adj3" fmla="val 16667"/>
             </a:avLst>
           </a:prstGeom>
@@ -4450,46 +4399,11 @@
               </a:lnSpc>
             </a:pPr>
             <a:r>
-              <a:rPr lang="en-US" altLang="zh-CN" sz="1400" dirty="0" smtClean="0">
-                <a:latin typeface="微软雅黑" panose="020B0503020204020204" pitchFamily="34" charset="-122"/>
-                <a:ea typeface="微软雅黑" panose="020B0503020204020204" pitchFamily="34" charset="-122"/>
-              </a:rPr>
-              <a:t> </a:t>
-            </a:r>
-            <a:r>
               <a:rPr lang="zh-CN" altLang="en-US" sz="1400" dirty="0" smtClean="0">
                 <a:latin typeface="微软雅黑" panose="020B0503020204020204" pitchFamily="34" charset="-122"/>
                 <a:ea typeface="微软雅黑" panose="020B0503020204020204" pitchFamily="34" charset="-122"/>
               </a:rPr>
-              <a:t>如果包含</a:t>
-            </a:r>
-            <a:r>
-              <a:rPr lang="en-US" altLang="zh-CN" sz="1400" dirty="0" smtClean="0">
-                <a:latin typeface="微软雅黑" panose="020B0503020204020204" pitchFamily="34" charset="-122"/>
-                <a:ea typeface="微软雅黑" panose="020B0503020204020204" pitchFamily="34" charset="-122"/>
-              </a:rPr>
-              <a:t>”</a:t>
-            </a:r>
-            <a:r>
-              <a:rPr lang="en-US" altLang="zh-CN" sz="1400" dirty="0" err="1" smtClean="0">
-                <a:latin typeface="微软雅黑" panose="020B0503020204020204" pitchFamily="34" charset="-122"/>
-                <a:ea typeface="微软雅黑" panose="020B0503020204020204" pitchFamily="34" charset="-122"/>
-              </a:rPr>
-              <a:t>Ani</a:t>
-            </a:r>
-            <a:r>
-              <a:rPr lang="en-US" altLang="zh-CN" sz="1400" dirty="0" smtClean="0">
-                <a:latin typeface="微软雅黑" panose="020B0503020204020204" pitchFamily="34" charset="-122"/>
-                <a:ea typeface="微软雅黑" panose="020B0503020204020204" pitchFamily="34" charset="-122"/>
-              </a:rPr>
-              <a:t>”</a:t>
-            </a:r>
-            <a:r>
-              <a:rPr lang="zh-CN" altLang="en-US" sz="1400" dirty="0" smtClean="0">
-                <a:latin typeface="微软雅黑" panose="020B0503020204020204" pitchFamily="34" charset="-122"/>
-                <a:ea typeface="微软雅黑" panose="020B0503020204020204" pitchFamily="34" charset="-122"/>
-              </a:rPr>
-              <a:t>类，说明骰子动画没有结束，无法进行下一次投掷</a:t>
+              <a:t>轻微模糊</a:t>
             </a:r>
             <a:endParaRPr lang="zh-CN" altLang="en-US" sz="1400" dirty="0">
               <a:latin typeface="微软雅黑" panose="020B0503020204020204" pitchFamily="34" charset="-122"/>
@@ -4500,19 +4414,19 @@
       </p:sp>
       <p:sp>
         <p:nvSpPr>
-          <p:cNvPr id="5" name="圆角矩形标注 4"/>
+          <p:cNvPr id="7" name="圆角矩形标注 6"/>
           <p:cNvSpPr/>
           <p:nvPr/>
         </p:nvSpPr>
         <p:spPr>
           <a:xfrm>
-            <a:off x="5484353" y="1974835"/>
-            <a:ext cx="2675929" cy="662077"/>
+            <a:off x="5004048" y="1921031"/>
+            <a:ext cx="2867019" cy="358079"/>
           </a:xfrm>
           <a:prstGeom prst="wedgeRoundRectCallout">
             <a:avLst>
-              <a:gd name="adj1" fmla="val -55196"/>
-              <a:gd name="adj2" fmla="val -16865"/>
+              <a:gd name="adj1" fmla="val -29504"/>
+              <a:gd name="adj2" fmla="val -72828"/>
               <a:gd name="adj3" fmla="val 16667"/>
             </a:avLst>
           </a:prstGeom>
@@ -4541,39 +4455,11 @@
               </a:lnSpc>
             </a:pPr>
             <a:r>
-              <a:rPr lang="en-US" altLang="zh-CN" sz="1400" dirty="0" smtClean="0">
-                <a:latin typeface="微软雅黑" panose="020B0503020204020204" pitchFamily="34" charset="-122"/>
-                <a:ea typeface="微软雅黑" panose="020B0503020204020204" pitchFamily="34" charset="-122"/>
-              </a:rPr>
-              <a:t> </a:t>
-            </a:r>
-            <a:r>
-              <a:rPr lang="zh-CN" altLang="en-US" sz="1400" dirty="0">
-                <a:latin typeface="微软雅黑" panose="020B0503020204020204" pitchFamily="34" charset="-122"/>
-                <a:ea typeface="微软雅黑" panose="020B0503020204020204" pitchFamily="34" charset="-122"/>
-              </a:rPr>
-              <a:t>后</a:t>
-            </a:r>
-            <a:r>
               <a:rPr lang="zh-CN" altLang="en-US" sz="1400" dirty="0" smtClean="0">
                 <a:latin typeface="微软雅黑" panose="020B0503020204020204" pitchFamily="34" charset="-122"/>
                 <a:ea typeface="微软雅黑" panose="020B0503020204020204" pitchFamily="34" charset="-122"/>
               </a:rPr>
-              <a:t>去按钮的</a:t>
-            </a:r>
-            <a:r>
-              <a:rPr lang="en-US" altLang="zh-CN" sz="1400" dirty="0" smtClean="0">
-                <a:latin typeface="微软雅黑" panose="020B0503020204020204" pitchFamily="34" charset="-122"/>
-                <a:ea typeface="微软雅黑" panose="020B0503020204020204" pitchFamily="34" charset="-122"/>
-              </a:rPr>
-              <a:t>point</a:t>
-            </a:r>
-            <a:r>
-              <a:rPr lang="zh-CN" altLang="en-US" sz="1400" dirty="0" smtClean="0">
-                <a:latin typeface="微软雅黑" panose="020B0503020204020204" pitchFamily="34" charset="-122"/>
-                <a:ea typeface="微软雅黑" panose="020B0503020204020204" pitchFamily="34" charset="-122"/>
-              </a:rPr>
-              <a:t>属性，转换成数值，以便确定投掷点数</a:t>
+              <a:t>适当放大，并垂直方向轻微拉升</a:t>
             </a:r>
             <a:endParaRPr lang="zh-CN" altLang="en-US" sz="1400" dirty="0">
               <a:latin typeface="微软雅黑" panose="020B0503020204020204" pitchFamily="34" charset="-122"/>
@@ -4582,16 +4468,815 @@
           </a:p>
         </p:txBody>
       </p:sp>
+      <p:sp>
+        <p:nvSpPr>
+          <p:cNvPr id="8" name="圆角矩形标注 7"/>
+          <p:cNvSpPr/>
+          <p:nvPr/>
+        </p:nvSpPr>
+        <p:spPr>
+          <a:xfrm>
+            <a:off x="2411760" y="2308354"/>
+            <a:ext cx="1374802" cy="358079"/>
+          </a:xfrm>
+          <a:prstGeom prst="wedgeRoundRectCallout">
+            <a:avLst>
+              <a:gd name="adj1" fmla="val -26557"/>
+              <a:gd name="adj2" fmla="val -79056"/>
+              <a:gd name="adj3" fmla="val 16667"/>
+            </a:avLst>
+          </a:prstGeom>
+        </p:spPr>
+        <p:style>
+          <a:lnRef idx="2">
+            <a:schemeClr val="accent5"/>
+          </a:lnRef>
+          <a:fillRef idx="1">
+            <a:schemeClr val="lt1"/>
+          </a:fillRef>
+          <a:effectRef idx="0">
+            <a:schemeClr val="accent5"/>
+          </a:effectRef>
+          <a:fontRef idx="minor">
+            <a:schemeClr val="dk1"/>
+          </a:fontRef>
+        </p:style>
+        <p:txBody>
+          <a:bodyPr rtlCol="0" anchor="ctr"/>
+          <a:lstStyle/>
+          <a:p>
+            <a:pPr>
+              <a:lnSpc>
+                <a:spcPct val="150000"/>
+              </a:lnSpc>
+            </a:pPr>
+            <a:r>
+              <a:rPr lang="zh-CN" altLang="en-US" sz="1400" dirty="0" smtClean="0">
+                <a:latin typeface="微软雅黑" panose="020B0503020204020204" pitchFamily="34" charset="-122"/>
+                <a:ea typeface="微软雅黑" panose="020B0503020204020204" pitchFamily="34" charset="-122"/>
+              </a:rPr>
+              <a:t>添加动画渐变</a:t>
+            </a:r>
+            <a:endParaRPr lang="zh-CN" altLang="en-US" sz="1400" dirty="0">
+              <a:latin typeface="微软雅黑" panose="020B0503020204020204" pitchFamily="34" charset="-122"/>
+              <a:ea typeface="微软雅黑" panose="020B0503020204020204" pitchFamily="34" charset="-122"/>
+            </a:endParaRPr>
+          </a:p>
+        </p:txBody>
+      </p:sp>
+      <p:sp>
+        <p:nvSpPr>
+          <p:cNvPr id="9" name="圆角矩形标注 8"/>
+          <p:cNvSpPr/>
+          <p:nvPr/>
+        </p:nvSpPr>
+        <p:spPr>
+          <a:xfrm>
+            <a:off x="1547664" y="3690967"/>
+            <a:ext cx="1374802" cy="358079"/>
+          </a:xfrm>
+          <a:prstGeom prst="wedgeRoundRectCallout">
+            <a:avLst>
+              <a:gd name="adj1" fmla="val -26557"/>
+              <a:gd name="adj2" fmla="val -79056"/>
+              <a:gd name="adj3" fmla="val 16667"/>
+            </a:avLst>
+          </a:prstGeom>
+        </p:spPr>
+        <p:style>
+          <a:lnRef idx="2">
+            <a:schemeClr val="accent5"/>
+          </a:lnRef>
+          <a:fillRef idx="1">
+            <a:schemeClr val="lt1"/>
+          </a:fillRef>
+          <a:effectRef idx="0">
+            <a:schemeClr val="accent5"/>
+          </a:effectRef>
+          <a:fontRef idx="minor">
+            <a:schemeClr val="dk1"/>
+          </a:fontRef>
+        </p:style>
+        <p:txBody>
+          <a:bodyPr rtlCol="0" anchor="ctr"/>
+          <a:lstStyle/>
+          <a:p>
+            <a:pPr>
+              <a:lnSpc>
+                <a:spcPct val="150000"/>
+              </a:lnSpc>
+            </a:pPr>
+            <a:r>
+              <a:rPr lang="zh-CN" altLang="en-US" sz="1400" dirty="0" smtClean="0">
+                <a:latin typeface="微软雅黑" panose="020B0503020204020204" pitchFamily="34" charset="-122"/>
+                <a:ea typeface="微软雅黑" panose="020B0503020204020204" pitchFamily="34" charset="-122"/>
+              </a:rPr>
+              <a:t>添加动画渐变</a:t>
+            </a:r>
+            <a:endParaRPr lang="zh-CN" altLang="en-US" sz="1400" dirty="0">
+              <a:latin typeface="微软雅黑" panose="020B0503020204020204" pitchFamily="34" charset="-122"/>
+              <a:ea typeface="微软雅黑" panose="020B0503020204020204" pitchFamily="34" charset="-122"/>
+            </a:endParaRPr>
+          </a:p>
+        </p:txBody>
+      </p:sp>
+      <p:sp>
+        <p:nvSpPr>
+          <p:cNvPr id="10" name="圆角矩形标注 9"/>
+          <p:cNvSpPr/>
+          <p:nvPr/>
+        </p:nvSpPr>
+        <p:spPr>
+          <a:xfrm>
+            <a:off x="5010345" y="3479006"/>
+            <a:ext cx="2860721" cy="1102122"/>
+          </a:xfrm>
+          <a:prstGeom prst="wedgeRoundRectCallout">
+            <a:avLst>
+              <a:gd name="adj1" fmla="val -25314"/>
+              <a:gd name="adj2" fmla="val -63954"/>
+              <a:gd name="adj3" fmla="val 16667"/>
+            </a:avLst>
+          </a:prstGeom>
+        </p:spPr>
+        <p:style>
+          <a:lnRef idx="2">
+            <a:schemeClr val="accent5"/>
+          </a:lnRef>
+          <a:fillRef idx="1">
+            <a:schemeClr val="lt1"/>
+          </a:fillRef>
+          <a:effectRef idx="0">
+            <a:schemeClr val="accent5"/>
+          </a:effectRef>
+          <a:fontRef idx="minor">
+            <a:schemeClr val="dk1"/>
+          </a:fontRef>
+        </p:style>
+        <p:txBody>
+          <a:bodyPr rtlCol="0" anchor="ctr"/>
+          <a:lstStyle/>
+          <a:p>
+            <a:pPr>
+              <a:lnSpc>
+                <a:spcPct val="150000"/>
+              </a:lnSpc>
+            </a:pPr>
+            <a:r>
+              <a:rPr lang="zh-CN" altLang="en-US" sz="1400" dirty="0" smtClean="0">
+                <a:latin typeface="微软雅黑" panose="020B0503020204020204" pitchFamily="34" charset="-122"/>
+                <a:ea typeface="微软雅黑" panose="020B0503020204020204" pitchFamily="34" charset="-122"/>
+              </a:rPr>
+              <a:t>旋转，使投影看起来变窄，斜向拉申</a:t>
+            </a:r>
+            <a:r>
+              <a:rPr lang="en-US" altLang="zh-CN" sz="1400" dirty="0" smtClean="0">
+                <a:latin typeface="微软雅黑" panose="020B0503020204020204" pitchFamily="34" charset="-122"/>
+                <a:ea typeface="微软雅黑" panose="020B0503020204020204" pitchFamily="34" charset="-122"/>
+              </a:rPr>
+              <a:t>20</a:t>
+            </a:r>
+            <a:r>
+              <a:rPr lang="zh-CN" altLang="en-US" sz="1400" dirty="0" smtClean="0">
+                <a:latin typeface="微软雅黑" panose="020B0503020204020204" pitchFamily="34" charset="-122"/>
+                <a:ea typeface="微软雅黑" panose="020B0503020204020204" pitchFamily="34" charset="-122"/>
+              </a:rPr>
+              <a:t>度，放大</a:t>
+            </a:r>
+            <a:r>
+              <a:rPr lang="en-US" altLang="zh-CN" sz="1400" dirty="0" smtClean="0">
+                <a:latin typeface="微软雅黑" panose="020B0503020204020204" pitchFamily="34" charset="-122"/>
+                <a:ea typeface="微软雅黑" panose="020B0503020204020204" pitchFamily="34" charset="-122"/>
+              </a:rPr>
+              <a:t>1.1</a:t>
+            </a:r>
+            <a:r>
+              <a:rPr lang="zh-CN" altLang="en-US" sz="1400" dirty="0" smtClean="0">
+                <a:latin typeface="微软雅黑" panose="020B0503020204020204" pitchFamily="34" charset="-122"/>
+                <a:ea typeface="微软雅黑" panose="020B0503020204020204" pitchFamily="34" charset="-122"/>
+              </a:rPr>
+              <a:t>倍，看起来更加真实</a:t>
+            </a:r>
+            <a:endParaRPr lang="zh-CN" altLang="en-US" sz="1400" dirty="0">
+              <a:latin typeface="微软雅黑" panose="020B0503020204020204" pitchFamily="34" charset="-122"/>
+              <a:ea typeface="微软雅黑" panose="020B0503020204020204" pitchFamily="34" charset="-122"/>
+            </a:endParaRPr>
+          </a:p>
+        </p:txBody>
+      </p:sp>
     </p:spTree>
     <p:extLst>
       <p:ext uri="{BB962C8B-B14F-4D97-AF65-F5344CB8AC3E}">
-        <p14:creationId xmlns:p14="http://schemas.microsoft.com/office/powerpoint/2010/main" val="3109391563"/>
+        <p14:creationId xmlns:p14="http://schemas.microsoft.com/office/powerpoint/2010/main" val="1860074995"/>
       </p:ext>
     </p:extLst>
   </p:cSld>
   <p:clrMapOvr>
     <a:masterClrMapping/>
   </p:clrMapOvr>
+</p:sld>
+</file>
+
+<file path=ppt/slides/slide13.xml><?xml version="1.0" encoding="utf-8"?>
+<p:sld xmlns:a="http://schemas.openxmlformats.org/drawingml/2006/main" xmlns:r="http://schemas.openxmlformats.org/officeDocument/2006/relationships" xmlns:p="http://schemas.openxmlformats.org/presentationml/2006/main">
+  <p:cSld>
+    <p:spTree>
+      <p:nvGrpSpPr>
+        <p:cNvPr id="1" name=""/>
+        <p:cNvGrpSpPr/>
+        <p:nvPr/>
+      </p:nvGrpSpPr>
+      <p:grpSpPr>
+        <a:xfrm>
+          <a:off x="0" y="0"/>
+          <a:ext cx="0" cy="0"/>
+          <a:chOff x="0" y="0"/>
+          <a:chExt cx="0" cy="0"/>
+        </a:xfrm>
+      </p:grpSpPr>
+      <p:sp>
+        <p:nvSpPr>
+          <p:cNvPr id="4" name="TextBox 3"/>
+          <p:cNvSpPr txBox="1"/>
+          <p:nvPr/>
+        </p:nvSpPr>
+        <p:spPr>
+          <a:xfrm>
+            <a:off x="467544" y="476672"/>
+            <a:ext cx="7200800" cy="1384995"/>
+          </a:xfrm>
+          <a:prstGeom prst="rect">
+            <a:avLst/>
+          </a:prstGeom>
+          <a:noFill/>
+        </p:spPr>
+        <p:txBody>
+          <a:bodyPr wrap="square" rtlCol="0">
+            <a:spAutoFit/>
+          </a:bodyPr>
+          <a:lstStyle/>
+          <a:p>
+            <a:pPr>
+              <a:lnSpc>
+                <a:spcPct val="150000"/>
+              </a:lnSpc>
+            </a:pPr>
+            <a:r>
+              <a:rPr lang="en-US" altLang="zh-CN" sz="2800" dirty="0" smtClean="0">
+                <a:solidFill>
+                  <a:schemeClr val="tx1">
+                    <a:lumMod val="75000"/>
+                    <a:lumOff val="25000"/>
+                  </a:schemeClr>
+                </a:solidFill>
+                <a:latin typeface="微软雅黑" pitchFamily="34" charset="-122"/>
+                <a:ea typeface="微软雅黑" pitchFamily="34" charset="-122"/>
+              </a:rPr>
+              <a:t>8.</a:t>
+            </a:r>
+            <a:r>
+              <a:rPr lang="zh-CN" altLang="en-US" sz="2800" dirty="0" smtClean="0">
+                <a:solidFill>
+                  <a:schemeClr val="tx1">
+                    <a:lumMod val="75000"/>
+                    <a:lumOff val="25000"/>
+                  </a:schemeClr>
+                </a:solidFill>
+                <a:latin typeface="微软雅黑" pitchFamily="34" charset="-122"/>
+                <a:ea typeface="微软雅黑" pitchFamily="34" charset="-122"/>
+              </a:rPr>
+              <a:t>仅仅为标签添加类，即可实现标签文本的翻折效果</a:t>
+            </a:r>
+            <a:endParaRPr lang="zh-CN" altLang="en-US" sz="2800" dirty="0">
+              <a:solidFill>
+                <a:schemeClr val="tx1">
+                  <a:lumMod val="75000"/>
+                  <a:lumOff val="25000"/>
+                </a:schemeClr>
+              </a:solidFill>
+              <a:latin typeface="微软雅黑" pitchFamily="34" charset="-122"/>
+              <a:ea typeface="微软雅黑" pitchFamily="34" charset="-122"/>
+            </a:endParaRPr>
+          </a:p>
+        </p:txBody>
+      </p:sp>
+      <p:sp>
+        <p:nvSpPr>
+          <p:cNvPr id="5" name="TextBox 4"/>
+          <p:cNvSpPr txBox="1"/>
+          <p:nvPr/>
+        </p:nvSpPr>
+        <p:spPr>
+          <a:xfrm>
+            <a:off x="611560" y="1863786"/>
+            <a:ext cx="7488832" cy="2169825"/>
+          </a:xfrm>
+          <a:prstGeom prst="rect">
+            <a:avLst/>
+          </a:prstGeom>
+          <a:noFill/>
+        </p:spPr>
+        <p:txBody>
+          <a:bodyPr wrap="square" rtlCol="0">
+            <a:spAutoFit/>
+          </a:bodyPr>
+          <a:lstStyle/>
+          <a:p>
+            <a:pPr>
+              <a:lnSpc>
+                <a:spcPct val="150000"/>
+              </a:lnSpc>
+            </a:pPr>
+            <a:r>
+              <a:rPr lang="zh-CN" altLang="en-US" dirty="0" smtClean="0">
+                <a:solidFill>
+                  <a:schemeClr val="tx1">
+                    <a:lumMod val="75000"/>
+                    <a:lumOff val="25000"/>
+                  </a:schemeClr>
+                </a:solidFill>
+                <a:latin typeface="微软雅黑" pitchFamily="34" charset="-122"/>
+                <a:ea typeface="微软雅黑" pitchFamily="34" charset="-122"/>
+              </a:rPr>
+              <a:t>主要思路，就是为标签比如</a:t>
+            </a:r>
+            <a:r>
+              <a:rPr lang="en-US" altLang="zh-CN" dirty="0" smtClean="0">
+                <a:solidFill>
+                  <a:schemeClr val="tx1">
+                    <a:lumMod val="75000"/>
+                    <a:lumOff val="25000"/>
+                  </a:schemeClr>
+                </a:solidFill>
+                <a:latin typeface="微软雅黑" pitchFamily="34" charset="-122"/>
+                <a:ea typeface="微软雅黑" pitchFamily="34" charset="-122"/>
+              </a:rPr>
+              <a:t>&lt;h1&gt;</a:t>
+            </a:r>
+            <a:r>
+              <a:rPr lang="zh-CN" altLang="en-US" dirty="0" smtClean="0">
+                <a:solidFill>
+                  <a:schemeClr val="tx1">
+                    <a:lumMod val="75000"/>
+                    <a:lumOff val="25000"/>
+                  </a:schemeClr>
+                </a:solidFill>
+                <a:latin typeface="微软雅黑" pitchFamily="34" charset="-122"/>
+                <a:ea typeface="微软雅黑" pitchFamily="34" charset="-122"/>
+              </a:rPr>
+              <a:t>或者</a:t>
+            </a:r>
+            <a:r>
+              <a:rPr lang="en-US" altLang="zh-CN" dirty="0" smtClean="0">
+                <a:solidFill>
+                  <a:schemeClr val="tx1">
+                    <a:lumMod val="75000"/>
+                    <a:lumOff val="25000"/>
+                  </a:schemeClr>
+                </a:solidFill>
+                <a:latin typeface="微软雅黑" pitchFamily="34" charset="-122"/>
+                <a:ea typeface="微软雅黑" pitchFamily="34" charset="-122"/>
+              </a:rPr>
+              <a:t>&lt;p&gt;</a:t>
+            </a:r>
+            <a:r>
+              <a:rPr lang="zh-CN" altLang="en-US" dirty="0" smtClean="0">
+                <a:solidFill>
+                  <a:schemeClr val="tx1">
+                    <a:lumMod val="75000"/>
+                    <a:lumOff val="25000"/>
+                  </a:schemeClr>
+                </a:solidFill>
+                <a:latin typeface="微软雅黑" pitchFamily="34" charset="-122"/>
+                <a:ea typeface="微软雅黑" pitchFamily="34" charset="-122"/>
+              </a:rPr>
+              <a:t>标签之类的标签设置添加一个类，比如“</a:t>
+            </a:r>
+            <a:r>
+              <a:rPr lang="en-US" altLang="zh-CN" dirty="0" err="1">
+                <a:solidFill>
+                  <a:schemeClr val="tx1">
+                    <a:lumMod val="75000"/>
+                    <a:lumOff val="25000"/>
+                  </a:schemeClr>
+                </a:solidFill>
+                <a:latin typeface="微软雅黑" pitchFamily="34" charset="-122"/>
+                <a:ea typeface="微软雅黑" pitchFamily="34" charset="-122"/>
+              </a:rPr>
+              <a:t>threeD</a:t>
+            </a:r>
+            <a:r>
+              <a:rPr lang="zh-CN" altLang="en-US" dirty="0" smtClean="0">
+                <a:solidFill>
+                  <a:schemeClr val="tx1">
+                    <a:lumMod val="75000"/>
+                    <a:lumOff val="25000"/>
+                  </a:schemeClr>
+                </a:solidFill>
+                <a:latin typeface="微软雅黑" pitchFamily="34" charset="-122"/>
+                <a:ea typeface="微软雅黑" pitchFamily="34" charset="-122"/>
+              </a:rPr>
+              <a:t>”，然后</a:t>
+            </a:r>
+            <a:r>
+              <a:rPr lang="en-US" altLang="zh-CN" dirty="0" err="1" smtClean="0">
+                <a:solidFill>
+                  <a:schemeClr val="tx1">
+                    <a:lumMod val="75000"/>
+                    <a:lumOff val="25000"/>
+                  </a:schemeClr>
+                </a:solidFill>
+                <a:latin typeface="微软雅黑" pitchFamily="34" charset="-122"/>
+                <a:ea typeface="微软雅黑" pitchFamily="34" charset="-122"/>
+              </a:rPr>
+              <a:t>js</a:t>
+            </a:r>
+            <a:r>
+              <a:rPr lang="zh-CN" altLang="en-US" dirty="0" smtClean="0">
+                <a:solidFill>
+                  <a:schemeClr val="tx1">
+                    <a:lumMod val="75000"/>
+                    <a:lumOff val="25000"/>
+                  </a:schemeClr>
+                </a:solidFill>
+                <a:latin typeface="微软雅黑" pitchFamily="34" charset="-122"/>
+                <a:ea typeface="微软雅黑" pitchFamily="34" charset="-122"/>
+              </a:rPr>
+              <a:t>在文档中一旦发现携带</a:t>
+            </a:r>
+            <a:r>
+              <a:rPr lang="zh-CN" altLang="en-US" dirty="0">
+                <a:solidFill>
+                  <a:schemeClr val="tx1">
+                    <a:lumMod val="75000"/>
+                    <a:lumOff val="25000"/>
+                  </a:schemeClr>
+                </a:solidFill>
+                <a:latin typeface="微软雅黑" pitchFamily="34" charset="-122"/>
+                <a:ea typeface="微软雅黑" pitchFamily="34" charset="-122"/>
+              </a:rPr>
+              <a:t>“</a:t>
+            </a:r>
+            <a:r>
+              <a:rPr lang="en-US" altLang="zh-CN" dirty="0" err="1">
+                <a:solidFill>
+                  <a:schemeClr val="tx1">
+                    <a:lumMod val="75000"/>
+                    <a:lumOff val="25000"/>
+                  </a:schemeClr>
+                </a:solidFill>
+                <a:latin typeface="微软雅黑" pitchFamily="34" charset="-122"/>
+                <a:ea typeface="微软雅黑" pitchFamily="34" charset="-122"/>
+              </a:rPr>
+              <a:t>threeD</a:t>
+            </a:r>
+            <a:r>
+              <a:rPr lang="zh-CN" altLang="en-US" dirty="0" smtClean="0">
+                <a:solidFill>
+                  <a:schemeClr val="tx1">
+                    <a:lumMod val="75000"/>
+                    <a:lumOff val="25000"/>
+                  </a:schemeClr>
+                </a:solidFill>
+                <a:latin typeface="微软雅黑" pitchFamily="34" charset="-122"/>
+                <a:ea typeface="微软雅黑" pitchFamily="34" charset="-122"/>
+              </a:rPr>
+              <a:t>”的标签，立刻获取文本，并拆解成一个一个的字母，放在独立标签</a:t>
+            </a:r>
+            <a:r>
+              <a:rPr lang="en-US" altLang="zh-CN" dirty="0">
+                <a:solidFill>
+                  <a:schemeClr val="tx1">
+                    <a:lumMod val="75000"/>
+                    <a:lumOff val="25000"/>
+                  </a:schemeClr>
+                </a:solidFill>
+                <a:latin typeface="微软雅黑" pitchFamily="34" charset="-122"/>
+                <a:ea typeface="微软雅黑" pitchFamily="34" charset="-122"/>
+              </a:rPr>
+              <a:t>&lt;</a:t>
+            </a:r>
+            <a:r>
+              <a:rPr lang="en-US" altLang="zh-CN" dirty="0" smtClean="0">
+                <a:solidFill>
+                  <a:schemeClr val="tx1">
+                    <a:lumMod val="75000"/>
+                    <a:lumOff val="25000"/>
+                  </a:schemeClr>
+                </a:solidFill>
+                <a:latin typeface="微软雅黑" pitchFamily="34" charset="-122"/>
+                <a:ea typeface="微软雅黑" pitchFamily="34" charset="-122"/>
+              </a:rPr>
+              <a:t>span&gt;</a:t>
+            </a:r>
+            <a:r>
+              <a:rPr lang="zh-CN" altLang="en-US" dirty="0" smtClean="0">
+                <a:solidFill>
+                  <a:schemeClr val="tx1">
+                    <a:lumMod val="75000"/>
+                    <a:lumOff val="25000"/>
+                  </a:schemeClr>
+                </a:solidFill>
+                <a:latin typeface="微软雅黑" pitchFamily="34" charset="-122"/>
+                <a:ea typeface="微软雅黑" pitchFamily="34" charset="-122"/>
+              </a:rPr>
+              <a:t>中。同时为</a:t>
+            </a:r>
+            <a:r>
+              <a:rPr lang="en-US" altLang="zh-CN" dirty="0">
+                <a:solidFill>
+                  <a:schemeClr val="tx1">
+                    <a:lumMod val="75000"/>
+                    <a:lumOff val="25000"/>
+                  </a:schemeClr>
+                </a:solidFill>
+                <a:latin typeface="微软雅黑" pitchFamily="34" charset="-122"/>
+                <a:ea typeface="微软雅黑" pitchFamily="34" charset="-122"/>
+              </a:rPr>
+              <a:t>&lt;</a:t>
+            </a:r>
+            <a:r>
+              <a:rPr lang="en-US" altLang="zh-CN" dirty="0" smtClean="0">
+                <a:solidFill>
+                  <a:schemeClr val="tx1">
+                    <a:lumMod val="75000"/>
+                    <a:lumOff val="25000"/>
+                  </a:schemeClr>
+                </a:solidFill>
+                <a:latin typeface="微软雅黑" pitchFamily="34" charset="-122"/>
+                <a:ea typeface="微软雅黑" pitchFamily="34" charset="-122"/>
+              </a:rPr>
+              <a:t>span&gt;</a:t>
+            </a:r>
+            <a:r>
+              <a:rPr lang="zh-CN" altLang="en-US" dirty="0" smtClean="0">
+                <a:solidFill>
+                  <a:schemeClr val="tx1">
+                    <a:lumMod val="75000"/>
+                    <a:lumOff val="25000"/>
+                  </a:schemeClr>
+                </a:solidFill>
+                <a:latin typeface="微软雅黑" pitchFamily="34" charset="-122"/>
+                <a:ea typeface="微软雅黑" pitchFamily="34" charset="-122"/>
+              </a:rPr>
+              <a:t>标签添加</a:t>
+            </a:r>
+            <a:r>
+              <a:rPr lang="en-US" altLang="zh-CN" dirty="0" smtClean="0">
+                <a:solidFill>
+                  <a:schemeClr val="tx1">
+                    <a:lumMod val="75000"/>
+                    <a:lumOff val="25000"/>
+                  </a:schemeClr>
+                </a:solidFill>
+                <a:latin typeface="微软雅黑" pitchFamily="34" charset="-122"/>
+                <a:ea typeface="微软雅黑" pitchFamily="34" charset="-122"/>
+              </a:rPr>
+              <a:t>“</a:t>
+            </a:r>
+            <a:r>
+              <a:rPr lang="en-US" altLang="zh-CN" dirty="0" err="1" smtClean="0">
+                <a:solidFill>
+                  <a:schemeClr val="tx1">
+                    <a:lumMod val="75000"/>
+                    <a:lumOff val="25000"/>
+                  </a:schemeClr>
+                </a:solidFill>
+                <a:latin typeface="微软雅黑" pitchFamily="34" charset="-122"/>
+                <a:ea typeface="微软雅黑" pitchFamily="34" charset="-122"/>
+              </a:rPr>
+              <a:t>threeD</a:t>
+            </a:r>
+            <a:r>
+              <a:rPr lang="en-US" altLang="zh-CN" dirty="0" smtClean="0">
+                <a:solidFill>
+                  <a:schemeClr val="tx1">
+                    <a:lumMod val="75000"/>
+                    <a:lumOff val="25000"/>
+                  </a:schemeClr>
+                </a:solidFill>
+                <a:latin typeface="微软雅黑" pitchFamily="34" charset="-122"/>
+                <a:ea typeface="微软雅黑" pitchFamily="34" charset="-122"/>
+              </a:rPr>
+              <a:t>-letter”</a:t>
+            </a:r>
+            <a:r>
+              <a:rPr lang="zh-CN" altLang="en-US" dirty="0" smtClean="0">
+                <a:solidFill>
+                  <a:schemeClr val="tx1">
+                    <a:lumMod val="75000"/>
+                    <a:lumOff val="25000"/>
+                  </a:schemeClr>
+                </a:solidFill>
+                <a:latin typeface="微软雅黑" pitchFamily="34" charset="-122"/>
+                <a:ea typeface="微软雅黑" pitchFamily="34" charset="-122"/>
+              </a:rPr>
+              <a:t>类，以便应用之前的样式，同时添加</a:t>
+            </a:r>
+            <a:r>
+              <a:rPr lang="en-US" altLang="zh-CN" dirty="0">
+                <a:solidFill>
+                  <a:schemeClr val="tx1">
+                    <a:lumMod val="75000"/>
+                    <a:lumOff val="25000"/>
+                  </a:schemeClr>
+                </a:solidFill>
+                <a:latin typeface="微软雅黑" pitchFamily="34" charset="-122"/>
+                <a:ea typeface="微软雅黑" pitchFamily="34" charset="-122"/>
+              </a:rPr>
+              <a:t>letter</a:t>
+            </a:r>
+            <a:r>
+              <a:rPr lang="en-US" altLang="zh-CN" dirty="0" smtClean="0">
+                <a:solidFill>
+                  <a:schemeClr val="tx1">
+                    <a:lumMod val="75000"/>
+                    <a:lumOff val="25000"/>
+                  </a:schemeClr>
+                </a:solidFill>
+                <a:latin typeface="微软雅黑" pitchFamily="34" charset="-122"/>
+                <a:ea typeface="微软雅黑" pitchFamily="34" charset="-122"/>
+              </a:rPr>
+              <a:t>=“”</a:t>
+            </a:r>
+            <a:r>
+              <a:rPr lang="zh-CN" altLang="en-US" dirty="0" smtClean="0">
+                <a:solidFill>
+                  <a:schemeClr val="tx1">
+                    <a:lumMod val="75000"/>
+                    <a:lumOff val="25000"/>
+                  </a:schemeClr>
+                </a:solidFill>
+                <a:latin typeface="微软雅黑" pitchFamily="34" charset="-122"/>
+                <a:ea typeface="微软雅黑" pitchFamily="34" charset="-122"/>
+              </a:rPr>
+              <a:t>的自定义属性，方便伪元素的</a:t>
+            </a:r>
+            <a:r>
+              <a:rPr lang="en-US" altLang="zh-CN" dirty="0" err="1" smtClean="0">
+                <a:solidFill>
+                  <a:schemeClr val="tx1">
+                    <a:lumMod val="75000"/>
+                    <a:lumOff val="25000"/>
+                  </a:schemeClr>
+                </a:solidFill>
+                <a:latin typeface="微软雅黑" pitchFamily="34" charset="-122"/>
+                <a:ea typeface="微软雅黑" pitchFamily="34" charset="-122"/>
+              </a:rPr>
+              <a:t>content:attr</a:t>
+            </a:r>
+            <a:r>
+              <a:rPr lang="en-US" altLang="zh-CN" dirty="0" smtClean="0">
+                <a:solidFill>
+                  <a:schemeClr val="tx1">
+                    <a:lumMod val="75000"/>
+                    <a:lumOff val="25000"/>
+                  </a:schemeClr>
+                </a:solidFill>
+                <a:latin typeface="微软雅黑" pitchFamily="34" charset="-122"/>
+                <a:ea typeface="微软雅黑" pitchFamily="34" charset="-122"/>
+              </a:rPr>
+              <a:t>()</a:t>
+            </a:r>
+            <a:r>
+              <a:rPr lang="zh-CN" altLang="en-US" dirty="0" smtClean="0">
+                <a:solidFill>
+                  <a:schemeClr val="tx1">
+                    <a:lumMod val="75000"/>
+                    <a:lumOff val="25000"/>
+                  </a:schemeClr>
+                </a:solidFill>
+                <a:latin typeface="微软雅黑" pitchFamily="34" charset="-122"/>
+                <a:ea typeface="微软雅黑" pitchFamily="34" charset="-122"/>
+              </a:rPr>
+              <a:t>进行捕捉。</a:t>
+            </a:r>
+            <a:endParaRPr lang="en-US" altLang="zh-CN" dirty="0" smtClean="0">
+              <a:solidFill>
+                <a:schemeClr val="tx1">
+                  <a:lumMod val="75000"/>
+                  <a:lumOff val="25000"/>
+                </a:schemeClr>
+              </a:solidFill>
+              <a:latin typeface="微软雅黑" pitchFamily="34" charset="-122"/>
+              <a:ea typeface="微软雅黑" pitchFamily="34" charset="-122"/>
+            </a:endParaRPr>
+          </a:p>
+        </p:txBody>
+      </p:sp>
+      <p:pic>
+        <p:nvPicPr>
+          <p:cNvPr id="2" name="图片 1" descr="屏幕剪辑"/>
+          <p:cNvPicPr>
+            <a:picLocks noChangeAspect="1"/>
+          </p:cNvPicPr>
+          <p:nvPr/>
+        </p:nvPicPr>
+        <p:blipFill>
+          <a:blip r:embed="rId2">
+            <a:extLst>
+              <a:ext uri="{28A0092B-C50C-407E-A947-70E740481C1C}">
+                <a14:useLocalDpi xmlns:a14="http://schemas.microsoft.com/office/drawing/2010/main" val="0"/>
+              </a:ext>
+            </a:extLst>
+          </a:blip>
+          <a:stretch>
+            <a:fillRect/>
+          </a:stretch>
+        </p:blipFill>
+        <p:spPr>
+          <a:xfrm>
+            <a:off x="755576" y="4365104"/>
+            <a:ext cx="4915586" cy="685896"/>
+          </a:xfrm>
+          <a:prstGeom prst="rect">
+            <a:avLst/>
+          </a:prstGeom>
+          <a:ln>
+            <a:noFill/>
+          </a:ln>
+          <a:effectLst>
+            <a:outerShdw blurRad="292100" dist="139700" dir="2700000" algn="tl" rotWithShape="0">
+              <a:srgbClr val="333333">
+                <a:alpha val="65000"/>
+              </a:srgbClr>
+            </a:outerShdw>
+          </a:effectLst>
+        </p:spPr>
+      </p:pic>
+      <p:sp>
+        <p:nvSpPr>
+          <p:cNvPr id="13" name="圆角矩形标注 12"/>
+          <p:cNvSpPr/>
+          <p:nvPr/>
+        </p:nvSpPr>
+        <p:spPr>
+          <a:xfrm>
+            <a:off x="2195736" y="5051000"/>
+            <a:ext cx="1374802" cy="358079"/>
+          </a:xfrm>
+          <a:prstGeom prst="wedgeRoundRectCallout">
+            <a:avLst>
+              <a:gd name="adj1" fmla="val -26557"/>
+              <a:gd name="adj2" fmla="val -79056"/>
+              <a:gd name="adj3" fmla="val 16667"/>
+            </a:avLst>
+          </a:prstGeom>
+        </p:spPr>
+        <p:style>
+          <a:lnRef idx="2">
+            <a:schemeClr val="accent5"/>
+          </a:lnRef>
+          <a:fillRef idx="1">
+            <a:schemeClr val="lt1"/>
+          </a:fillRef>
+          <a:effectRef idx="0">
+            <a:schemeClr val="accent5"/>
+          </a:effectRef>
+          <a:fontRef idx="minor">
+            <a:schemeClr val="dk1"/>
+          </a:fontRef>
+        </p:style>
+        <p:txBody>
+          <a:bodyPr rtlCol="0" anchor="ctr"/>
+          <a:lstStyle/>
+          <a:p>
+            <a:pPr>
+              <a:lnSpc>
+                <a:spcPct val="150000"/>
+              </a:lnSpc>
+            </a:pPr>
+            <a:r>
+              <a:rPr lang="zh-CN" altLang="en-US" sz="1400" dirty="0" smtClean="0">
+                <a:latin typeface="微软雅黑" panose="020B0503020204020204" pitchFamily="34" charset="-122"/>
+                <a:ea typeface="微软雅黑" panose="020B0503020204020204" pitchFamily="34" charset="-122"/>
+              </a:rPr>
+              <a:t>仅需要添加类</a:t>
+            </a:r>
+            <a:endParaRPr lang="zh-CN" altLang="en-US" sz="1400" dirty="0">
+              <a:latin typeface="微软雅黑" panose="020B0503020204020204" pitchFamily="34" charset="-122"/>
+              <a:ea typeface="微软雅黑" panose="020B0503020204020204" pitchFamily="34" charset="-122"/>
+            </a:endParaRPr>
+          </a:p>
+        </p:txBody>
+      </p:sp>
+    </p:spTree>
+    <p:extLst>
+      <p:ext uri="{BB962C8B-B14F-4D97-AF65-F5344CB8AC3E}">
+        <p14:creationId xmlns:p14="http://schemas.microsoft.com/office/powerpoint/2010/main" val="974239846"/>
+      </p:ext>
+    </p:extLst>
+  </p:cSld>
+  <p:clrMapOvr>
+    <a:masterClrMapping/>
+  </p:clrMapOvr>
+  <p:timing>
+    <p:tnLst>
+      <p:par>
+        <p:cTn id="1" dur="indefinite" restart="never" nodeType="tmRoot"/>
+      </p:par>
+    </p:tnLst>
+  </p:timing>
 </p:sld>
 </file>
 
@@ -4612,6 +5297,854 @@
           <a:chExt cx="0" cy="0"/>
         </a:xfrm>
       </p:grpSpPr>
+      <p:pic>
+        <p:nvPicPr>
+          <p:cNvPr id="2" name="图片 1" descr="屏幕剪辑"/>
+          <p:cNvPicPr>
+            <a:picLocks noChangeAspect="1"/>
+          </p:cNvPicPr>
+          <p:nvPr/>
+        </p:nvPicPr>
+        <p:blipFill rotWithShape="1">
+          <a:blip r:embed="rId2">
+            <a:extLst>
+              <a:ext uri="{28A0092B-C50C-407E-A947-70E740481C1C}">
+                <a14:useLocalDpi xmlns:a14="http://schemas.microsoft.com/office/drawing/2010/main" val="0"/>
+              </a:ext>
+            </a:extLst>
+          </a:blip>
+          <a:srcRect b="44126"/>
+          <a:stretch/>
+        </p:blipFill>
+        <p:spPr>
+          <a:xfrm>
+            <a:off x="755576" y="404664"/>
+            <a:ext cx="6858957" cy="3119121"/>
+          </a:xfrm>
+          <a:prstGeom prst="rect">
+            <a:avLst/>
+          </a:prstGeom>
+          <a:ln>
+            <a:noFill/>
+          </a:ln>
+          <a:effectLst>
+            <a:outerShdw blurRad="292100" dist="139700" dir="2700000" algn="tl" rotWithShape="0">
+              <a:srgbClr val="333333">
+                <a:alpha val="65000"/>
+              </a:srgbClr>
+            </a:outerShdw>
+          </a:effectLst>
+        </p:spPr>
+      </p:pic>
+      <p:sp>
+        <p:nvSpPr>
+          <p:cNvPr id="3" name="圆角矩形标注 2"/>
+          <p:cNvSpPr/>
+          <p:nvPr/>
+        </p:nvSpPr>
+        <p:spPr>
+          <a:xfrm>
+            <a:off x="4572000" y="692696"/>
+            <a:ext cx="2736304" cy="720080"/>
+          </a:xfrm>
+          <a:prstGeom prst="wedgeRoundRectCallout">
+            <a:avLst>
+              <a:gd name="adj1" fmla="val -62246"/>
+              <a:gd name="adj2" fmla="val 5027"/>
+              <a:gd name="adj3" fmla="val 16667"/>
+            </a:avLst>
+          </a:prstGeom>
+        </p:spPr>
+        <p:style>
+          <a:lnRef idx="2">
+            <a:schemeClr val="accent5"/>
+          </a:lnRef>
+          <a:fillRef idx="1">
+            <a:schemeClr val="lt1"/>
+          </a:fillRef>
+          <a:effectRef idx="0">
+            <a:schemeClr val="accent5"/>
+          </a:effectRef>
+          <a:fontRef idx="minor">
+            <a:schemeClr val="dk1"/>
+          </a:fontRef>
+        </p:style>
+        <p:txBody>
+          <a:bodyPr rtlCol="0" anchor="ctr"/>
+          <a:lstStyle/>
+          <a:p>
+            <a:pPr>
+              <a:lnSpc>
+                <a:spcPct val="150000"/>
+              </a:lnSpc>
+            </a:pPr>
+            <a:r>
+              <a:rPr lang="zh-CN" altLang="en-US" sz="1400" dirty="0" smtClean="0">
+                <a:latin typeface="微软雅黑" panose="020B0503020204020204" pitchFamily="34" charset="-122"/>
+                <a:ea typeface="微软雅黑" panose="020B0503020204020204" pitchFamily="34" charset="-122"/>
+              </a:rPr>
+              <a:t>获取所有具有</a:t>
+            </a:r>
+            <a:r>
+              <a:rPr lang="en-US" altLang="zh-CN" sz="1400" dirty="0" smtClean="0">
+                <a:latin typeface="微软雅黑" panose="020B0503020204020204" pitchFamily="34" charset="-122"/>
+                <a:ea typeface="微软雅黑" panose="020B0503020204020204" pitchFamily="34" charset="-122"/>
+              </a:rPr>
+              <a:t>.</a:t>
+            </a:r>
+            <a:r>
+              <a:rPr lang="en-US" altLang="zh-CN" sz="1400" dirty="0" err="1" smtClean="0">
+                <a:latin typeface="微软雅黑" panose="020B0503020204020204" pitchFamily="34" charset="-122"/>
+                <a:ea typeface="微软雅黑" panose="020B0503020204020204" pitchFamily="34" charset="-122"/>
+              </a:rPr>
+              <a:t>threeD</a:t>
+            </a:r>
+            <a:r>
+              <a:rPr lang="zh-CN" altLang="en-US" sz="1400" dirty="0" smtClean="0">
+                <a:latin typeface="微软雅黑" panose="020B0503020204020204" pitchFamily="34" charset="-122"/>
+                <a:ea typeface="微软雅黑" panose="020B0503020204020204" pitchFamily="34" charset="-122"/>
+              </a:rPr>
+              <a:t>类的元素，并逐个遍历</a:t>
+            </a:r>
+            <a:endParaRPr lang="zh-CN" altLang="en-US" sz="1400" dirty="0">
+              <a:latin typeface="微软雅黑" panose="020B0503020204020204" pitchFamily="34" charset="-122"/>
+              <a:ea typeface="微软雅黑" panose="020B0503020204020204" pitchFamily="34" charset="-122"/>
+            </a:endParaRPr>
+          </a:p>
+        </p:txBody>
+      </p:sp>
+      <p:sp>
+        <p:nvSpPr>
+          <p:cNvPr id="6" name="圆角矩形标注 5"/>
+          <p:cNvSpPr/>
+          <p:nvPr/>
+        </p:nvSpPr>
+        <p:spPr>
+          <a:xfrm>
+            <a:off x="4172354" y="2204864"/>
+            <a:ext cx="2088232" cy="432048"/>
+          </a:xfrm>
+          <a:prstGeom prst="wedgeRoundRectCallout">
+            <a:avLst>
+              <a:gd name="adj1" fmla="val -24739"/>
+              <a:gd name="adj2" fmla="val 87103"/>
+              <a:gd name="adj3" fmla="val 16667"/>
+            </a:avLst>
+          </a:prstGeom>
+        </p:spPr>
+        <p:style>
+          <a:lnRef idx="2">
+            <a:schemeClr val="accent5"/>
+          </a:lnRef>
+          <a:fillRef idx="1">
+            <a:schemeClr val="lt1"/>
+          </a:fillRef>
+          <a:effectRef idx="0">
+            <a:schemeClr val="accent5"/>
+          </a:effectRef>
+          <a:fontRef idx="minor">
+            <a:schemeClr val="dk1"/>
+          </a:fontRef>
+        </p:style>
+        <p:txBody>
+          <a:bodyPr rtlCol="0" anchor="ctr"/>
+          <a:lstStyle/>
+          <a:p>
+            <a:pPr>
+              <a:lnSpc>
+                <a:spcPct val="150000"/>
+              </a:lnSpc>
+            </a:pPr>
+            <a:r>
+              <a:rPr lang="zh-CN" altLang="en-US" sz="1400" dirty="0">
+                <a:latin typeface="微软雅黑" panose="020B0503020204020204" pitchFamily="34" charset="-122"/>
+                <a:ea typeface="微软雅黑" panose="020B0503020204020204" pitchFamily="34" charset="-122"/>
+              </a:rPr>
+              <a:t>获取</a:t>
+            </a:r>
+            <a:r>
+              <a:rPr lang="zh-CN" altLang="en-US" sz="1400" dirty="0" smtClean="0">
+                <a:latin typeface="微软雅黑" panose="020B0503020204020204" pitchFamily="34" charset="-122"/>
+                <a:ea typeface="微软雅黑" panose="020B0503020204020204" pitchFamily="34" charset="-122"/>
+              </a:rPr>
+              <a:t>文本，并拆解文本</a:t>
+            </a:r>
+            <a:endParaRPr lang="zh-CN" altLang="en-US" sz="1400" dirty="0">
+              <a:latin typeface="微软雅黑" panose="020B0503020204020204" pitchFamily="34" charset="-122"/>
+              <a:ea typeface="微软雅黑" panose="020B0503020204020204" pitchFamily="34" charset="-122"/>
+            </a:endParaRPr>
+          </a:p>
+        </p:txBody>
+      </p:sp>
+      <p:sp>
+        <p:nvSpPr>
+          <p:cNvPr id="8" name="圆角矩形标注 7"/>
+          <p:cNvSpPr/>
+          <p:nvPr/>
+        </p:nvSpPr>
+        <p:spPr>
+          <a:xfrm>
+            <a:off x="1475656" y="3645024"/>
+            <a:ext cx="1152128" cy="432048"/>
+          </a:xfrm>
+          <a:prstGeom prst="wedgeRoundRectCallout">
+            <a:avLst>
+              <a:gd name="adj1" fmla="val -28477"/>
+              <a:gd name="adj2" fmla="val -88406"/>
+              <a:gd name="adj3" fmla="val 16667"/>
+            </a:avLst>
+          </a:prstGeom>
+        </p:spPr>
+        <p:style>
+          <a:lnRef idx="2">
+            <a:schemeClr val="accent5"/>
+          </a:lnRef>
+          <a:fillRef idx="1">
+            <a:schemeClr val="lt1"/>
+          </a:fillRef>
+          <a:effectRef idx="0">
+            <a:schemeClr val="accent5"/>
+          </a:effectRef>
+          <a:fontRef idx="minor">
+            <a:schemeClr val="dk1"/>
+          </a:fontRef>
+        </p:style>
+        <p:txBody>
+          <a:bodyPr rtlCol="0" anchor="ctr"/>
+          <a:lstStyle/>
+          <a:p>
+            <a:pPr>
+              <a:lnSpc>
+                <a:spcPct val="150000"/>
+              </a:lnSpc>
+            </a:pPr>
+            <a:r>
+              <a:rPr lang="zh-CN" altLang="en-US" sz="1400" dirty="0" smtClean="0">
+                <a:latin typeface="微软雅黑" panose="020B0503020204020204" pitchFamily="34" charset="-122"/>
+                <a:ea typeface="微软雅黑" panose="020B0503020204020204" pitchFamily="34" charset="-122"/>
+              </a:rPr>
+              <a:t>清空原文本</a:t>
+            </a:r>
+            <a:endParaRPr lang="zh-CN" altLang="en-US" sz="1400" dirty="0">
+              <a:latin typeface="微软雅黑" panose="020B0503020204020204" pitchFamily="34" charset="-122"/>
+              <a:ea typeface="微软雅黑" panose="020B0503020204020204" pitchFamily="34" charset="-122"/>
+            </a:endParaRPr>
+          </a:p>
+        </p:txBody>
+      </p:sp>
+      <p:pic>
+        <p:nvPicPr>
+          <p:cNvPr id="9" name="图片 8" descr="屏幕剪辑"/>
+          <p:cNvPicPr>
+            <a:picLocks noChangeAspect="1"/>
+          </p:cNvPicPr>
+          <p:nvPr/>
+        </p:nvPicPr>
+        <p:blipFill>
+          <a:blip r:embed="rId3">
+            <a:extLst>
+              <a:ext uri="{28A0092B-C50C-407E-A947-70E740481C1C}">
+                <a14:useLocalDpi xmlns:a14="http://schemas.microsoft.com/office/drawing/2010/main" val="0"/>
+              </a:ext>
+            </a:extLst>
+          </a:blip>
+          <a:stretch>
+            <a:fillRect/>
+          </a:stretch>
+        </p:blipFill>
+        <p:spPr>
+          <a:xfrm>
+            <a:off x="3075236" y="3842317"/>
+            <a:ext cx="2219635" cy="2724530"/>
+          </a:xfrm>
+          <a:prstGeom prst="rect">
+            <a:avLst/>
+          </a:prstGeom>
+          <a:ln>
+            <a:noFill/>
+          </a:ln>
+          <a:effectLst>
+            <a:outerShdw blurRad="292100" dist="139700" dir="2700000" algn="tl" rotWithShape="0">
+              <a:srgbClr val="333333">
+                <a:alpha val="65000"/>
+              </a:srgbClr>
+            </a:outerShdw>
+          </a:effectLst>
+        </p:spPr>
+      </p:pic>
+      <p:sp>
+        <p:nvSpPr>
+          <p:cNvPr id="10" name="圆角矩形标注 9"/>
+          <p:cNvSpPr/>
+          <p:nvPr/>
+        </p:nvSpPr>
+        <p:spPr>
+          <a:xfrm>
+            <a:off x="5318123" y="4058341"/>
+            <a:ext cx="2088232" cy="648072"/>
+          </a:xfrm>
+          <a:prstGeom prst="wedgeRoundRectCallout">
+            <a:avLst>
+              <a:gd name="adj1" fmla="val -59983"/>
+              <a:gd name="adj2" fmla="val 19997"/>
+              <a:gd name="adj3" fmla="val 16667"/>
+            </a:avLst>
+          </a:prstGeom>
+        </p:spPr>
+        <p:style>
+          <a:lnRef idx="2">
+            <a:schemeClr val="accent5"/>
+          </a:lnRef>
+          <a:fillRef idx="1">
+            <a:schemeClr val="lt1"/>
+          </a:fillRef>
+          <a:effectRef idx="0">
+            <a:schemeClr val="accent5"/>
+          </a:effectRef>
+          <a:fontRef idx="minor">
+            <a:schemeClr val="dk1"/>
+          </a:fontRef>
+        </p:style>
+        <p:txBody>
+          <a:bodyPr rtlCol="0" anchor="ctr"/>
+          <a:lstStyle/>
+          <a:p>
+            <a:pPr>
+              <a:lnSpc>
+                <a:spcPct val="150000"/>
+              </a:lnSpc>
+            </a:pPr>
+            <a:r>
+              <a:rPr lang="zh-CN" altLang="en-US" sz="1400" dirty="0" smtClean="0">
+                <a:latin typeface="微软雅黑" panose="020B0503020204020204" pitchFamily="34" charset="-122"/>
+                <a:ea typeface="微软雅黑" panose="020B0503020204020204" pitchFamily="34" charset="-122"/>
+              </a:rPr>
+              <a:t>文本拆解</a:t>
+            </a:r>
+            <a:r>
+              <a:rPr lang="zh-CN" altLang="en-US" sz="1400" dirty="0" smtClean="0">
+                <a:latin typeface="微软雅黑" panose="020B0503020204020204" pitchFamily="34" charset="-122"/>
+                <a:ea typeface="微软雅黑" panose="020B0503020204020204" pitchFamily="34" charset="-122"/>
+              </a:rPr>
+              <a:t>后，变成一个字符数组</a:t>
+            </a:r>
+            <a:endParaRPr lang="zh-CN" altLang="en-US" sz="1400" dirty="0">
+              <a:latin typeface="微软雅黑" panose="020B0503020204020204" pitchFamily="34" charset="-122"/>
+              <a:ea typeface="微软雅黑" panose="020B0503020204020204" pitchFamily="34" charset="-122"/>
+            </a:endParaRPr>
+          </a:p>
+        </p:txBody>
+      </p:sp>
+    </p:spTree>
+    <p:extLst>
+      <p:ext uri="{BB962C8B-B14F-4D97-AF65-F5344CB8AC3E}">
+        <p14:creationId xmlns:p14="http://schemas.microsoft.com/office/powerpoint/2010/main" val="1011900863"/>
+      </p:ext>
+    </p:extLst>
+  </p:cSld>
+  <p:clrMapOvr>
+    <a:masterClrMapping/>
+  </p:clrMapOvr>
+</p:sld>
+</file>
+
+<file path=ppt/slides/slide15.xml><?xml version="1.0" encoding="utf-8"?>
+<p:sld xmlns:a="http://schemas.openxmlformats.org/drawingml/2006/main" xmlns:r="http://schemas.openxmlformats.org/officeDocument/2006/relationships" xmlns:p="http://schemas.openxmlformats.org/presentationml/2006/main">
+  <p:cSld>
+    <p:spTree>
+      <p:nvGrpSpPr>
+        <p:cNvPr id="1" name=""/>
+        <p:cNvGrpSpPr/>
+        <p:nvPr/>
+      </p:nvGrpSpPr>
+      <p:grpSpPr>
+        <a:xfrm>
+          <a:off x="0" y="0"/>
+          <a:ext cx="0" cy="0"/>
+          <a:chOff x="0" y="0"/>
+          <a:chExt cx="0" cy="0"/>
+        </a:xfrm>
+      </p:grpSpPr>
+      <p:pic>
+        <p:nvPicPr>
+          <p:cNvPr id="6" name="图片 5" descr="屏幕剪辑"/>
+          <p:cNvPicPr>
+            <a:picLocks noChangeAspect="1"/>
+          </p:cNvPicPr>
+          <p:nvPr/>
+        </p:nvPicPr>
+        <p:blipFill rotWithShape="1">
+          <a:blip r:embed="rId2">
+            <a:extLst>
+              <a:ext uri="{28A0092B-C50C-407E-A947-70E740481C1C}">
+                <a14:useLocalDpi xmlns:a14="http://schemas.microsoft.com/office/drawing/2010/main" val="0"/>
+              </a:ext>
+            </a:extLst>
+          </a:blip>
+          <a:srcRect t="56678" b="7364"/>
+          <a:stretch/>
+        </p:blipFill>
+        <p:spPr>
+          <a:xfrm>
+            <a:off x="755576" y="1196752"/>
+            <a:ext cx="6858957" cy="2007219"/>
+          </a:xfrm>
+          <a:prstGeom prst="rect">
+            <a:avLst/>
+          </a:prstGeom>
+          <a:ln>
+            <a:noFill/>
+          </a:ln>
+          <a:effectLst>
+            <a:outerShdw blurRad="292100" dist="139700" dir="2700000" algn="tl" rotWithShape="0">
+              <a:srgbClr val="333333">
+                <a:alpha val="65000"/>
+              </a:srgbClr>
+            </a:outerShdw>
+          </a:effectLst>
+        </p:spPr>
+      </p:pic>
+      <p:sp>
+        <p:nvSpPr>
+          <p:cNvPr id="7" name="圆角矩形标注 6"/>
+          <p:cNvSpPr/>
+          <p:nvPr/>
+        </p:nvSpPr>
+        <p:spPr>
+          <a:xfrm>
+            <a:off x="1941457" y="584404"/>
+            <a:ext cx="1656184" cy="432048"/>
+          </a:xfrm>
+          <a:prstGeom prst="wedgeRoundRectCallout">
+            <a:avLst>
+              <a:gd name="adj1" fmla="val -29011"/>
+              <a:gd name="adj2" fmla="val 81941"/>
+              <a:gd name="adj3" fmla="val 16667"/>
+            </a:avLst>
+          </a:prstGeom>
+        </p:spPr>
+        <p:style>
+          <a:lnRef idx="2">
+            <a:schemeClr val="accent5"/>
+          </a:lnRef>
+          <a:fillRef idx="1">
+            <a:schemeClr val="lt1"/>
+          </a:fillRef>
+          <a:effectRef idx="0">
+            <a:schemeClr val="accent5"/>
+          </a:effectRef>
+          <a:fontRef idx="minor">
+            <a:schemeClr val="dk1"/>
+          </a:fontRef>
+        </p:style>
+        <p:txBody>
+          <a:bodyPr rtlCol="0" anchor="ctr"/>
+          <a:lstStyle/>
+          <a:p>
+            <a:pPr>
+              <a:lnSpc>
+                <a:spcPct val="150000"/>
+              </a:lnSpc>
+            </a:pPr>
+            <a:r>
+              <a:rPr lang="zh-CN" altLang="en-US" sz="1400" dirty="0" smtClean="0">
+                <a:latin typeface="微软雅黑" panose="020B0503020204020204" pitchFamily="34" charset="-122"/>
+                <a:ea typeface="微软雅黑" panose="020B0503020204020204" pitchFamily="34" charset="-122"/>
+              </a:rPr>
+              <a:t>循环遍历字符数组</a:t>
+            </a:r>
+            <a:endParaRPr lang="zh-CN" altLang="en-US" sz="1400" dirty="0">
+              <a:latin typeface="微软雅黑" panose="020B0503020204020204" pitchFamily="34" charset="-122"/>
+              <a:ea typeface="微软雅黑" panose="020B0503020204020204" pitchFamily="34" charset="-122"/>
+            </a:endParaRPr>
+          </a:p>
+        </p:txBody>
+      </p:sp>
+      <p:sp>
+        <p:nvSpPr>
+          <p:cNvPr id="8" name="圆角矩形标注 7"/>
+          <p:cNvSpPr/>
+          <p:nvPr/>
+        </p:nvSpPr>
+        <p:spPr>
+          <a:xfrm>
+            <a:off x="5004048" y="876027"/>
+            <a:ext cx="1656184" cy="432048"/>
+          </a:xfrm>
+          <a:prstGeom prst="wedgeRoundRectCallout">
+            <a:avLst>
+              <a:gd name="adj1" fmla="val -29011"/>
+              <a:gd name="adj2" fmla="val 81941"/>
+              <a:gd name="adj3" fmla="val 16667"/>
+            </a:avLst>
+          </a:prstGeom>
+        </p:spPr>
+        <p:style>
+          <a:lnRef idx="2">
+            <a:schemeClr val="accent5"/>
+          </a:lnRef>
+          <a:fillRef idx="1">
+            <a:schemeClr val="lt1"/>
+          </a:fillRef>
+          <a:effectRef idx="0">
+            <a:schemeClr val="accent5"/>
+          </a:effectRef>
+          <a:fontRef idx="minor">
+            <a:schemeClr val="dk1"/>
+          </a:fontRef>
+        </p:style>
+        <p:txBody>
+          <a:bodyPr rtlCol="0" anchor="ctr"/>
+          <a:lstStyle/>
+          <a:p>
+            <a:pPr>
+              <a:lnSpc>
+                <a:spcPct val="150000"/>
+              </a:lnSpc>
+            </a:pPr>
+            <a:r>
+              <a:rPr lang="zh-CN" altLang="en-US" sz="1400" dirty="0" smtClean="0">
+                <a:latin typeface="微软雅黑" panose="020B0503020204020204" pitchFamily="34" charset="-122"/>
+                <a:ea typeface="微软雅黑" panose="020B0503020204020204" pitchFamily="34" charset="-122"/>
+              </a:rPr>
+              <a:t>创建</a:t>
+            </a:r>
+            <a:r>
+              <a:rPr lang="en-US" altLang="zh-CN" sz="1400" dirty="0" smtClean="0">
+                <a:latin typeface="微软雅黑" panose="020B0503020204020204" pitchFamily="34" charset="-122"/>
+                <a:ea typeface="微软雅黑" panose="020B0503020204020204" pitchFamily="34" charset="-122"/>
+              </a:rPr>
+              <a:t>&lt;span&gt;</a:t>
+            </a:r>
+            <a:r>
+              <a:rPr lang="zh-CN" altLang="en-US" sz="1400" dirty="0" smtClean="0">
+                <a:latin typeface="微软雅黑" panose="020B0503020204020204" pitchFamily="34" charset="-122"/>
+                <a:ea typeface="微软雅黑" panose="020B0503020204020204" pitchFamily="34" charset="-122"/>
+              </a:rPr>
+              <a:t>标签</a:t>
+            </a:r>
+            <a:endParaRPr lang="zh-CN" altLang="en-US" sz="1400" dirty="0">
+              <a:latin typeface="微软雅黑" panose="020B0503020204020204" pitchFamily="34" charset="-122"/>
+              <a:ea typeface="微软雅黑" panose="020B0503020204020204" pitchFamily="34" charset="-122"/>
+            </a:endParaRPr>
+          </a:p>
+        </p:txBody>
+      </p:sp>
+      <p:sp>
+        <p:nvSpPr>
+          <p:cNvPr id="9" name="圆角矩形标注 8"/>
+          <p:cNvSpPr/>
+          <p:nvPr/>
+        </p:nvSpPr>
+        <p:spPr>
+          <a:xfrm>
+            <a:off x="4788024" y="1760544"/>
+            <a:ext cx="1656184" cy="432048"/>
+          </a:xfrm>
+          <a:prstGeom prst="wedgeRoundRectCallout">
+            <a:avLst>
+              <a:gd name="adj1" fmla="val -61330"/>
+              <a:gd name="adj2" fmla="val 12253"/>
+              <a:gd name="adj3" fmla="val 16667"/>
+            </a:avLst>
+          </a:prstGeom>
+        </p:spPr>
+        <p:style>
+          <a:lnRef idx="2">
+            <a:schemeClr val="accent5"/>
+          </a:lnRef>
+          <a:fillRef idx="1">
+            <a:schemeClr val="lt1"/>
+          </a:fillRef>
+          <a:effectRef idx="0">
+            <a:schemeClr val="accent5"/>
+          </a:effectRef>
+          <a:fontRef idx="minor">
+            <a:schemeClr val="dk1"/>
+          </a:fontRef>
+        </p:style>
+        <p:txBody>
+          <a:bodyPr rtlCol="0" anchor="ctr"/>
+          <a:lstStyle/>
+          <a:p>
+            <a:pPr>
+              <a:lnSpc>
+                <a:spcPct val="150000"/>
+              </a:lnSpc>
+            </a:pPr>
+            <a:r>
+              <a:rPr lang="zh-CN" altLang="en-US" sz="1400" dirty="0" smtClean="0">
+                <a:latin typeface="微软雅黑" panose="020B0503020204020204" pitchFamily="34" charset="-122"/>
+                <a:ea typeface="微软雅黑" panose="020B0503020204020204" pitchFamily="34" charset="-122"/>
+              </a:rPr>
+              <a:t>设置文本为字符</a:t>
+            </a:r>
+            <a:endParaRPr lang="zh-CN" altLang="en-US" sz="1400" dirty="0">
+              <a:latin typeface="微软雅黑" panose="020B0503020204020204" pitchFamily="34" charset="-122"/>
+              <a:ea typeface="微软雅黑" panose="020B0503020204020204" pitchFamily="34" charset="-122"/>
+            </a:endParaRPr>
+          </a:p>
+        </p:txBody>
+      </p:sp>
+      <p:sp>
+        <p:nvSpPr>
+          <p:cNvPr id="10" name="圆角矩形标注 9"/>
+          <p:cNvSpPr/>
+          <p:nvPr/>
+        </p:nvSpPr>
+        <p:spPr>
+          <a:xfrm>
+            <a:off x="4185054" y="2636912"/>
+            <a:ext cx="3339274" cy="432048"/>
+          </a:xfrm>
+          <a:prstGeom prst="wedgeRoundRectCallout">
+            <a:avLst>
+              <a:gd name="adj1" fmla="val -29011"/>
+              <a:gd name="adj2" fmla="val -85826"/>
+              <a:gd name="adj3" fmla="val 16667"/>
+            </a:avLst>
+          </a:prstGeom>
+        </p:spPr>
+        <p:style>
+          <a:lnRef idx="2">
+            <a:schemeClr val="accent5"/>
+          </a:lnRef>
+          <a:fillRef idx="1">
+            <a:schemeClr val="lt1"/>
+          </a:fillRef>
+          <a:effectRef idx="0">
+            <a:schemeClr val="accent5"/>
+          </a:effectRef>
+          <a:fontRef idx="minor">
+            <a:schemeClr val="dk1"/>
+          </a:fontRef>
+        </p:style>
+        <p:txBody>
+          <a:bodyPr rtlCol="0" anchor="ctr"/>
+          <a:lstStyle/>
+          <a:p>
+            <a:pPr>
+              <a:lnSpc>
+                <a:spcPct val="150000"/>
+              </a:lnSpc>
+            </a:pPr>
+            <a:r>
+              <a:rPr lang="zh-CN" altLang="en-US" sz="1400" dirty="0" smtClean="0">
+                <a:latin typeface="微软雅黑" panose="020B0503020204020204" pitchFamily="34" charset="-122"/>
+                <a:ea typeface="微软雅黑" panose="020B0503020204020204" pitchFamily="34" charset="-122"/>
+              </a:rPr>
+              <a:t>设置自定义属性</a:t>
+            </a:r>
+            <a:r>
+              <a:rPr lang="en-US" altLang="zh-CN" sz="1400" dirty="0" smtClean="0">
+                <a:latin typeface="微软雅黑" panose="020B0503020204020204" pitchFamily="34" charset="-122"/>
+                <a:ea typeface="微软雅黑" panose="020B0503020204020204" pitchFamily="34" charset="-122"/>
+              </a:rPr>
+              <a:t>letter=“</a:t>
+            </a:r>
+            <a:r>
+              <a:rPr lang="zh-CN" altLang="en-US" sz="1400" dirty="0" smtClean="0">
+                <a:latin typeface="微软雅黑" panose="020B0503020204020204" pitchFamily="34" charset="-122"/>
+                <a:ea typeface="微软雅黑" panose="020B0503020204020204" pitchFamily="34" charset="-122"/>
+              </a:rPr>
+              <a:t>当前字母</a:t>
+            </a:r>
+            <a:r>
+              <a:rPr lang="en-US" altLang="zh-CN" sz="1400" dirty="0" smtClean="0">
+                <a:latin typeface="微软雅黑" panose="020B0503020204020204" pitchFamily="34" charset="-122"/>
+                <a:ea typeface="微软雅黑" panose="020B0503020204020204" pitchFamily="34" charset="-122"/>
+              </a:rPr>
+              <a:t>”</a:t>
+            </a:r>
+            <a:endParaRPr lang="zh-CN" altLang="en-US" sz="1400" dirty="0">
+              <a:latin typeface="微软雅黑" panose="020B0503020204020204" pitchFamily="34" charset="-122"/>
+              <a:ea typeface="微软雅黑" panose="020B0503020204020204" pitchFamily="34" charset="-122"/>
+            </a:endParaRPr>
+          </a:p>
+        </p:txBody>
+      </p:sp>
+      <p:sp>
+        <p:nvSpPr>
+          <p:cNvPr id="11" name="圆角矩形标注 10"/>
+          <p:cNvSpPr/>
+          <p:nvPr/>
+        </p:nvSpPr>
+        <p:spPr>
+          <a:xfrm>
+            <a:off x="1403648" y="2893343"/>
+            <a:ext cx="1656184" cy="432048"/>
+          </a:xfrm>
+          <a:prstGeom prst="wedgeRoundRectCallout">
+            <a:avLst>
+              <a:gd name="adj1" fmla="val -16892"/>
+              <a:gd name="adj2" fmla="val -62596"/>
+              <a:gd name="adj3" fmla="val 16667"/>
+            </a:avLst>
+          </a:prstGeom>
+        </p:spPr>
+        <p:style>
+          <a:lnRef idx="2">
+            <a:schemeClr val="accent5"/>
+          </a:lnRef>
+          <a:fillRef idx="1">
+            <a:schemeClr val="lt1"/>
+          </a:fillRef>
+          <a:effectRef idx="0">
+            <a:schemeClr val="accent5"/>
+          </a:effectRef>
+          <a:fontRef idx="minor">
+            <a:schemeClr val="dk1"/>
+          </a:fontRef>
+        </p:style>
+        <p:txBody>
+          <a:bodyPr rtlCol="0" anchor="ctr"/>
+          <a:lstStyle/>
+          <a:p>
+            <a:pPr>
+              <a:lnSpc>
+                <a:spcPct val="150000"/>
+              </a:lnSpc>
+            </a:pPr>
+            <a:r>
+              <a:rPr lang="zh-CN" altLang="en-US" sz="1400" dirty="0" smtClean="0">
+                <a:latin typeface="微软雅黑" panose="020B0503020204020204" pitchFamily="34" charset="-122"/>
+                <a:ea typeface="微软雅黑" panose="020B0503020204020204" pitchFamily="34" charset="-122"/>
+              </a:rPr>
+              <a:t>添加到文档末尾</a:t>
+            </a:r>
+            <a:endParaRPr lang="zh-CN" altLang="en-US" sz="1400" dirty="0">
+              <a:latin typeface="微软雅黑" panose="020B0503020204020204" pitchFamily="34" charset="-122"/>
+              <a:ea typeface="微软雅黑" panose="020B0503020204020204" pitchFamily="34" charset="-122"/>
+            </a:endParaRPr>
+          </a:p>
+        </p:txBody>
+      </p:sp>
+      <p:pic>
+        <p:nvPicPr>
+          <p:cNvPr id="3" name="图片 2" descr="屏幕剪辑"/>
+          <p:cNvPicPr>
+            <a:picLocks noChangeAspect="1"/>
+          </p:cNvPicPr>
+          <p:nvPr/>
+        </p:nvPicPr>
+        <p:blipFill>
+          <a:blip r:embed="rId3">
+            <a:extLst>
+              <a:ext uri="{28A0092B-C50C-407E-A947-70E740481C1C}">
+                <a14:useLocalDpi xmlns:a14="http://schemas.microsoft.com/office/drawing/2010/main" val="0"/>
+              </a:ext>
+            </a:extLst>
+          </a:blip>
+          <a:stretch>
+            <a:fillRect/>
+          </a:stretch>
+        </p:blipFill>
+        <p:spPr>
+          <a:xfrm>
+            <a:off x="821989" y="3645024"/>
+            <a:ext cx="4182059" cy="2219635"/>
+          </a:xfrm>
+          <a:prstGeom prst="rect">
+            <a:avLst/>
+          </a:prstGeom>
+          <a:ln>
+            <a:noFill/>
+          </a:ln>
+          <a:effectLst>
+            <a:outerShdw blurRad="292100" dist="139700" dir="2700000" algn="tl" rotWithShape="0">
+              <a:srgbClr val="333333">
+                <a:alpha val="65000"/>
+              </a:srgbClr>
+            </a:outerShdw>
+          </a:effectLst>
+        </p:spPr>
+      </p:pic>
+      <p:sp>
+        <p:nvSpPr>
+          <p:cNvPr id="12" name="圆角矩形标注 11"/>
+          <p:cNvSpPr/>
+          <p:nvPr/>
+        </p:nvSpPr>
+        <p:spPr>
+          <a:xfrm>
+            <a:off x="4788024" y="4219065"/>
+            <a:ext cx="1368152" cy="432048"/>
+          </a:xfrm>
+          <a:prstGeom prst="wedgeRoundRectCallout">
+            <a:avLst>
+              <a:gd name="adj1" fmla="val -66043"/>
+              <a:gd name="adj2" fmla="val -652"/>
+              <a:gd name="adj3" fmla="val 16667"/>
+            </a:avLst>
+          </a:prstGeom>
+        </p:spPr>
+        <p:style>
+          <a:lnRef idx="2">
+            <a:schemeClr val="accent5"/>
+          </a:lnRef>
+          <a:fillRef idx="1">
+            <a:schemeClr val="lt1"/>
+          </a:fillRef>
+          <a:effectRef idx="0">
+            <a:schemeClr val="accent5"/>
+          </a:effectRef>
+          <a:fontRef idx="minor">
+            <a:schemeClr val="dk1"/>
+          </a:fontRef>
+        </p:style>
+        <p:txBody>
+          <a:bodyPr rtlCol="0" anchor="ctr"/>
+          <a:lstStyle/>
+          <a:p>
+            <a:pPr>
+              <a:lnSpc>
+                <a:spcPct val="150000"/>
+              </a:lnSpc>
+            </a:pPr>
+            <a:r>
+              <a:rPr lang="zh-CN" altLang="en-US" sz="1400" dirty="0" smtClean="0">
+                <a:latin typeface="微软雅黑" panose="020B0503020204020204" pitchFamily="34" charset="-122"/>
+                <a:ea typeface="微软雅黑" panose="020B0503020204020204" pitchFamily="34" charset="-122"/>
+              </a:rPr>
+              <a:t>拆解后的效果</a:t>
+            </a:r>
+            <a:endParaRPr lang="zh-CN" altLang="en-US" sz="1400" dirty="0">
+              <a:latin typeface="微软雅黑" panose="020B0503020204020204" pitchFamily="34" charset="-122"/>
+              <a:ea typeface="微软雅黑" panose="020B0503020204020204" pitchFamily="34" charset="-122"/>
+            </a:endParaRPr>
+          </a:p>
+        </p:txBody>
+      </p:sp>
+    </p:spTree>
+    <p:extLst>
+      <p:ext uri="{BB962C8B-B14F-4D97-AF65-F5344CB8AC3E}">
+        <p14:creationId xmlns:p14="http://schemas.microsoft.com/office/powerpoint/2010/main" val="4227769112"/>
+      </p:ext>
+    </p:extLst>
+  </p:cSld>
+  <p:clrMapOvr>
+    <a:masterClrMapping/>
+  </p:clrMapOvr>
+</p:sld>
+</file>
+
+<file path=ppt/slides/slide16.xml><?xml version="1.0" encoding="utf-8"?>
+<p:sld xmlns:a="http://schemas.openxmlformats.org/drawingml/2006/main" xmlns:r="http://schemas.openxmlformats.org/officeDocument/2006/relationships" xmlns:p="http://schemas.openxmlformats.org/presentationml/2006/main">
+  <p:cSld>
+    <p:spTree>
+      <p:nvGrpSpPr>
+        <p:cNvPr id="1" name=""/>
+        <p:cNvGrpSpPr/>
+        <p:nvPr/>
+      </p:nvGrpSpPr>
+      <p:grpSpPr>
+        <a:xfrm>
+          <a:off x="0" y="0"/>
+          <a:ext cx="0" cy="0"/>
+          <a:chOff x="0" y="0"/>
+          <a:chExt cx="0" cy="0"/>
+        </a:xfrm>
+      </p:grpSpPr>
       <p:sp>
         <p:nvSpPr>
           <p:cNvPr id="4" name="TextBox 3"/>
@@ -4645,7 +6178,7 @@
                 <a:latin typeface="微软雅黑" pitchFamily="34" charset="-122"/>
                 <a:ea typeface="微软雅黑" pitchFamily="34" charset="-122"/>
               </a:rPr>
-              <a:t>7</a:t>
+              <a:t>9</a:t>
             </a:r>
             <a:r>
               <a:rPr lang="en-US" altLang="zh-CN" sz="2800" dirty="0" smtClean="0">
@@ -4688,49 +6221,6 @@
       </p:sp>
       <p:sp>
         <p:nvSpPr>
-          <p:cNvPr id="3" name="TextBox 2"/>
-          <p:cNvSpPr txBox="1"/>
-          <p:nvPr/>
-        </p:nvSpPr>
-        <p:spPr>
-          <a:xfrm>
-            <a:off x="755576" y="1412776"/>
-            <a:ext cx="7776864" cy="1338828"/>
-          </a:xfrm>
-          <a:prstGeom prst="rect">
-            <a:avLst/>
-          </a:prstGeom>
-          <a:noFill/>
-        </p:spPr>
-        <p:txBody>
-          <a:bodyPr wrap="square" rtlCol="0">
-            <a:spAutoFit/>
-          </a:bodyPr>
-          <a:lstStyle/>
-          <a:p>
-            <a:pPr>
-              <a:lnSpc>
-                <a:spcPct val="150000"/>
-              </a:lnSpc>
-            </a:pPr>
-            <a:r>
-              <a:rPr lang="zh-CN" altLang="en-US" dirty="0" smtClean="0"/>
-              <a:t>我们可以制作一个骰子，然后通过单一按钮，进行随机投掷，这样就变成了一个有趣的小游戏</a:t>
-            </a:r>
-            <a:endParaRPr lang="en-US" altLang="zh-CN" dirty="0" smtClean="0"/>
-          </a:p>
-          <a:p>
-            <a:pPr>
-              <a:lnSpc>
-                <a:spcPct val="150000"/>
-              </a:lnSpc>
-            </a:pPr>
-            <a:endParaRPr lang="zh-CN" altLang="en-US" dirty="0"/>
-          </a:p>
-        </p:txBody>
-      </p:sp>
-      <p:sp>
-        <p:nvSpPr>
           <p:cNvPr id="9" name="TextBox 8"/>
           <p:cNvSpPr txBox="1"/>
           <p:nvPr/>
@@ -4827,20 +6317,129 @@
               </a:rPr>
               <a:t>	</a:t>
             </a:r>
-            <a:r>
-              <a:rPr lang="zh-CN" altLang="en-US" sz="2800" dirty="0" smtClean="0">
-                <a:solidFill>
-                  <a:schemeClr val="tx1">
-                    <a:lumMod val="75000"/>
-                    <a:lumOff val="25000"/>
-                  </a:schemeClr>
-                </a:solidFill>
-                <a:latin typeface="微软雅黑" pitchFamily="34" charset="-122"/>
-                <a:ea typeface="微软雅黑" pitchFamily="34" charset="-122"/>
-              </a:rPr>
-              <a:t>下期预告，星空效果！</a:t>
-            </a:r>
             <a:endParaRPr lang="zh-CN" altLang="en-US" sz="2800" dirty="0">
+              <a:solidFill>
+                <a:schemeClr val="tx1">
+                  <a:lumMod val="75000"/>
+                  <a:lumOff val="25000"/>
+                </a:schemeClr>
+              </a:solidFill>
+              <a:latin typeface="微软雅黑" pitchFamily="34" charset="-122"/>
+              <a:ea typeface="微软雅黑" pitchFamily="34" charset="-122"/>
+            </a:endParaRPr>
+          </a:p>
+        </p:txBody>
+      </p:sp>
+      <p:sp>
+        <p:nvSpPr>
+          <p:cNvPr id="5" name="TextBox 4"/>
+          <p:cNvSpPr txBox="1"/>
+          <p:nvPr/>
+        </p:nvSpPr>
+        <p:spPr>
+          <a:xfrm>
+            <a:off x="467544" y="1379721"/>
+            <a:ext cx="7992888" cy="874407"/>
+          </a:xfrm>
+          <a:prstGeom prst="rect">
+            <a:avLst/>
+          </a:prstGeom>
+          <a:noFill/>
+        </p:spPr>
+        <p:txBody>
+          <a:bodyPr wrap="square" rtlCol="0">
+            <a:spAutoFit/>
+          </a:bodyPr>
+          <a:lstStyle/>
+          <a:p>
+            <a:pPr>
+              <a:lnSpc>
+                <a:spcPct val="150000"/>
+              </a:lnSpc>
+            </a:pPr>
+            <a:r>
+              <a:rPr lang="en-US" altLang="zh-CN" dirty="0" smtClean="0">
+                <a:solidFill>
+                  <a:schemeClr val="tx1">
+                    <a:lumMod val="75000"/>
+                    <a:lumOff val="25000"/>
+                  </a:schemeClr>
+                </a:solidFill>
+                <a:latin typeface="微软雅黑" pitchFamily="34" charset="-122"/>
+                <a:ea typeface="微软雅黑" pitchFamily="34" charset="-122"/>
+              </a:rPr>
+              <a:t> </a:t>
+            </a:r>
+            <a:r>
+              <a:rPr lang="zh-CN" altLang="en-US" dirty="0" smtClean="0">
+                <a:solidFill>
+                  <a:schemeClr val="tx1">
+                    <a:lumMod val="75000"/>
+                    <a:lumOff val="25000"/>
+                  </a:schemeClr>
+                </a:solidFill>
+                <a:latin typeface="微软雅黑" pitchFamily="34" charset="-122"/>
+                <a:ea typeface="微软雅黑" pitchFamily="34" charset="-122"/>
+              </a:rPr>
+              <a:t>如果不是鼠标悬浮触发，而改成自动播放的动画，如何实现？</a:t>
+            </a:r>
+            <a:endParaRPr lang="en-US" altLang="zh-CN" dirty="0" smtClean="0">
+              <a:solidFill>
+                <a:schemeClr val="tx1">
+                  <a:lumMod val="75000"/>
+                  <a:lumOff val="25000"/>
+                </a:schemeClr>
+              </a:solidFill>
+              <a:latin typeface="微软雅黑" pitchFamily="34" charset="-122"/>
+              <a:ea typeface="微软雅黑" pitchFamily="34" charset="-122"/>
+            </a:endParaRPr>
+          </a:p>
+          <a:p>
+            <a:pPr>
+              <a:lnSpc>
+                <a:spcPct val="150000"/>
+              </a:lnSpc>
+            </a:pPr>
+            <a:r>
+              <a:rPr lang="en-US" altLang="zh-CN" dirty="0" smtClean="0">
+                <a:solidFill>
+                  <a:schemeClr val="tx1">
+                    <a:lumMod val="75000"/>
+                    <a:lumOff val="25000"/>
+                  </a:schemeClr>
+                </a:solidFill>
+                <a:latin typeface="微软雅黑" pitchFamily="34" charset="-122"/>
+                <a:ea typeface="微软雅黑" pitchFamily="34" charset="-122"/>
+              </a:rPr>
+              <a:t> </a:t>
+            </a:r>
+            <a:r>
+              <a:rPr lang="zh-CN" altLang="en-US" dirty="0" smtClean="0">
+                <a:solidFill>
+                  <a:schemeClr val="tx1">
+                    <a:lumMod val="75000"/>
+                    <a:lumOff val="25000"/>
+                  </a:schemeClr>
+                </a:solidFill>
+                <a:latin typeface="微软雅黑" pitchFamily="34" charset="-122"/>
+                <a:ea typeface="微软雅黑" pitchFamily="34" charset="-122"/>
+              </a:rPr>
+              <a:t>使用此方式，如何将图片显示为一块一块拼图拼接的效果？</a:t>
+            </a:r>
+            <a:r>
+              <a:rPr lang="en-US" altLang="zh-CN" dirty="0" smtClean="0">
+                <a:solidFill>
+                  <a:schemeClr val="tx1">
+                    <a:lumMod val="75000"/>
+                    <a:lumOff val="25000"/>
+                  </a:schemeClr>
+                </a:solidFill>
+                <a:latin typeface="微软雅黑" pitchFamily="34" charset="-122"/>
+                <a:ea typeface="微软雅黑" pitchFamily="34" charset="-122"/>
+              </a:rPr>
+              <a:t> </a:t>
+            </a:r>
+            <a:endParaRPr lang="en-US" altLang="zh-CN" dirty="0" smtClean="0">
               <a:solidFill>
                 <a:schemeClr val="tx1">
                   <a:lumMod val="75000"/>
@@ -4955,19 +6554,6 @@
                 <a:latin typeface="微软雅黑" pitchFamily="34" charset="-122"/>
                 <a:ea typeface="微软雅黑" pitchFamily="34" charset="-122"/>
               </a:rPr>
-              <a:t>剪纸</a:t>
-            </a:r>
-            <a:r>
-              <a:rPr lang="zh-CN" altLang="en-US" sz="2800" dirty="0" smtClean="0">
-                <a:solidFill>
-                  <a:schemeClr val="tx1">
-                    <a:lumMod val="75000"/>
-                    <a:lumOff val="25000"/>
-                  </a:schemeClr>
-                </a:solidFill>
-                <a:latin typeface="微软雅黑" pitchFamily="34" charset="-122"/>
-                <a:ea typeface="微软雅黑" pitchFamily="34" charset="-122"/>
-              </a:rPr>
               <a:t>翻</a:t>
             </a:r>
             <a:r>
@@ -4983,16 +6569,6 @@
               </a:rPr>
               <a:t>折的字母</a:t>
             </a:r>
-            <a:endParaRPr lang="zh-CN" altLang="en-US" sz="2800" dirty="0">
-              <a:solidFill>
-                <a:schemeClr val="tx1">
-                  <a:lumMod val="75000"/>
-                  <a:lumOff val="25000"/>
-                </a:schemeClr>
-              </a:solidFill>
-              <a:latin typeface="微软雅黑" pitchFamily="34" charset="-122"/>
-              <a:ea typeface="微软雅黑" pitchFamily="34" charset="-122"/>
-            </a:endParaRPr>
           </a:p>
         </p:txBody>
       </p:sp>
@@ -5077,7 +6653,7 @@
       </p:sp>
       <p:pic>
         <p:nvPicPr>
-          <p:cNvPr id="3" name="图片 2"/>
+          <p:cNvPr id="5" name="图片 4" descr="屏幕剪辑"/>
           <p:cNvPicPr>
             <a:picLocks noChangeAspect="1"/>
           </p:cNvPicPr>
@@ -5097,8 +6673,8 @@
         </p:blipFill>
         <p:spPr>
           <a:xfrm>
-            <a:off x="1089856" y="3213679"/>
-            <a:ext cx="6172200" cy="2219325"/>
+            <a:off x="1510133" y="3933056"/>
+            <a:ext cx="6230219" cy="1209844"/>
           </a:xfrm>
           <a:prstGeom prst="rect">
             <a:avLst/>
@@ -5280,7 +6856,20 @@
                 <a:latin typeface="微软雅黑" pitchFamily="34" charset="-122"/>
                 <a:ea typeface="微软雅黑" pitchFamily="34" charset="-122"/>
               </a:rPr>
-              <a:t>字母需要独立</a:t>
+              <a:t>字母</a:t>
+            </a:r>
+            <a:r>
+              <a:rPr lang="zh-CN" altLang="en-US" dirty="0" smtClean="0">
+                <a:solidFill>
+                  <a:schemeClr val="tx1">
+                    <a:lumMod val="75000"/>
+                    <a:lumOff val="25000"/>
+                  </a:schemeClr>
+                </a:solidFill>
+                <a:latin typeface="微软雅黑" pitchFamily="34" charset="-122"/>
+                <a:ea typeface="微软雅黑" pitchFamily="34" charset="-122"/>
+              </a:rPr>
+              <a:t>需要放在独立内联标签中</a:t>
             </a:r>
             <a:endParaRPr lang="en-US" altLang="zh-CN" dirty="0" smtClean="0">
               <a:solidFill>
@@ -5310,7 +6899,20 @@
                 <a:latin typeface="微软雅黑" pitchFamily="34" charset="-122"/>
                 <a:ea typeface="微软雅黑" pitchFamily="34" charset="-122"/>
               </a:rPr>
-              <a:t>翻折的是字母，而不是整段文本，所以需要将目标文本一个字母一个字母地放在单独的标签中，方便进行操作</a:t>
+              <a:t>翻折的是字母，而不是整段文本，所以需要将目标文本一个字母一个字母地放在单独的标签中，方便进行</a:t>
+            </a:r>
+            <a:r>
+              <a:rPr lang="zh-CN" altLang="en-US" dirty="0" smtClean="0">
+                <a:solidFill>
+                  <a:schemeClr val="tx1">
+                    <a:lumMod val="75000"/>
+                    <a:lumOff val="25000"/>
+                  </a:schemeClr>
+                </a:solidFill>
+                <a:latin typeface="微软雅黑" pitchFamily="34" charset="-122"/>
+                <a:ea typeface="微软雅黑" pitchFamily="34" charset="-122"/>
+              </a:rPr>
+              <a:t>操作。另外因为透视中心的问题，内敛标签也是首选</a:t>
             </a:r>
             <a:endParaRPr lang="en-US" altLang="zh-CN" dirty="0" smtClean="0">
               <a:solidFill>
@@ -5383,7 +6985,20 @@
                 <a:latin typeface="微软雅黑" pitchFamily="34" charset="-122"/>
                 <a:ea typeface="微软雅黑" pitchFamily="34" charset="-122"/>
               </a:rPr>
-              <a:t>镂空部分通过文本字母自身来实现即可</a:t>
+              <a:t>镂空部分通过文本字母</a:t>
+            </a:r>
+            <a:r>
+              <a:rPr lang="zh-CN" altLang="en-US" dirty="0" smtClean="0">
+                <a:solidFill>
+                  <a:schemeClr val="tx1">
+                    <a:lumMod val="75000"/>
+                    <a:lumOff val="25000"/>
+                  </a:schemeClr>
+                </a:solidFill>
+                <a:latin typeface="微软雅黑" pitchFamily="34" charset="-122"/>
+                <a:ea typeface="微软雅黑" pitchFamily="34" charset="-122"/>
+              </a:rPr>
+              <a:t>自身样式来实现</a:t>
             </a:r>
             <a:endParaRPr lang="en-US" altLang="zh-CN" dirty="0" smtClean="0">
               <a:solidFill>
@@ -5518,7 +7133,7 @@
                 <a:latin typeface="微软雅黑" pitchFamily="34" charset="-122"/>
                 <a:ea typeface="微软雅黑" pitchFamily="34" charset="-122"/>
               </a:rPr>
-              <a:t>实现</a:t>
+              <a:t>样式实现</a:t>
             </a:r>
             <a:endParaRPr lang="en-US" altLang="zh-CN" dirty="0" smtClean="0">
               <a:solidFill>
@@ -5716,7 +7331,85 @@
                 <a:latin typeface="微软雅黑" pitchFamily="34" charset="-122"/>
                 <a:ea typeface="微软雅黑" pitchFamily="34" charset="-122"/>
               </a:rPr>
-              <a:t>分割文本，然后使用独立标签包裹，制定类和属性即可</a:t>
+              <a:t>分割文本，然后使用</a:t>
+            </a:r>
+            <a:r>
+              <a:rPr lang="zh-CN" altLang="en-US" dirty="0" smtClean="0">
+                <a:solidFill>
+                  <a:schemeClr val="tx1">
+                    <a:lumMod val="75000"/>
+                    <a:lumOff val="25000"/>
+                  </a:schemeClr>
+                </a:solidFill>
+                <a:latin typeface="微软雅黑" pitchFamily="34" charset="-122"/>
+                <a:ea typeface="微软雅黑" pitchFamily="34" charset="-122"/>
+              </a:rPr>
+              <a:t>独立内联标签</a:t>
+            </a:r>
+            <a:r>
+              <a:rPr lang="zh-CN" altLang="en-US" dirty="0" smtClean="0">
+                <a:solidFill>
+                  <a:schemeClr val="tx1">
+                    <a:lumMod val="75000"/>
+                    <a:lumOff val="25000"/>
+                  </a:schemeClr>
+                </a:solidFill>
+                <a:latin typeface="微软雅黑" pitchFamily="34" charset="-122"/>
+                <a:ea typeface="微软雅黑" pitchFamily="34" charset="-122"/>
+              </a:rPr>
+              <a:t>包裹</a:t>
+            </a:r>
+            <a:r>
+              <a:rPr lang="zh-CN" altLang="en-US" dirty="0" smtClean="0">
+                <a:solidFill>
+                  <a:schemeClr val="tx1">
+                    <a:lumMod val="75000"/>
+                    <a:lumOff val="25000"/>
+                  </a:schemeClr>
+                </a:solidFill>
+                <a:latin typeface="微软雅黑" pitchFamily="34" charset="-122"/>
+                <a:ea typeface="微软雅黑" pitchFamily="34" charset="-122"/>
+              </a:rPr>
+              <a:t>，</a:t>
+            </a:r>
+            <a:r>
+              <a:rPr lang="zh-CN" altLang="en-US" dirty="0">
+                <a:solidFill>
+                  <a:schemeClr val="tx1">
+                    <a:lumMod val="75000"/>
+                    <a:lumOff val="25000"/>
+                  </a:schemeClr>
+                </a:solidFill>
+                <a:latin typeface="微软雅黑" pitchFamily="34" charset="-122"/>
+                <a:ea typeface="微软雅黑" pitchFamily="34" charset="-122"/>
+              </a:rPr>
+              <a:t>指定</a:t>
+            </a:r>
+            <a:r>
+              <a:rPr lang="zh-CN" altLang="en-US" dirty="0" smtClean="0">
+                <a:solidFill>
+                  <a:schemeClr val="tx1">
+                    <a:lumMod val="75000"/>
+                    <a:lumOff val="25000"/>
+                  </a:schemeClr>
+                </a:solidFill>
+                <a:latin typeface="微软雅黑" pitchFamily="34" charset="-122"/>
+                <a:ea typeface="微软雅黑" pitchFamily="34" charset="-122"/>
+              </a:rPr>
+              <a:t>类</a:t>
+            </a:r>
+            <a:r>
+              <a:rPr lang="zh-CN" altLang="en-US" dirty="0" smtClean="0">
+                <a:solidFill>
+                  <a:schemeClr val="tx1">
+                    <a:lumMod val="75000"/>
+                    <a:lumOff val="25000"/>
+                  </a:schemeClr>
+                </a:solidFill>
+                <a:latin typeface="微软雅黑" pitchFamily="34" charset="-122"/>
+                <a:ea typeface="微软雅黑" pitchFamily="34" charset="-122"/>
+              </a:rPr>
+              <a:t>和属性即可</a:t>
             </a:r>
             <a:endParaRPr lang="en-US" altLang="zh-CN" dirty="0" smtClean="0">
               <a:solidFill>
@@ -6216,6 +7909,101 @@
           </a:prstGeom>
         </p:spPr>
       </p:pic>
+      <p:pic>
+        <p:nvPicPr>
+          <p:cNvPr id="10" name="图片 9" descr="屏幕剪辑"/>
+          <p:cNvPicPr>
+            <a:picLocks noChangeAspect="1"/>
+          </p:cNvPicPr>
+          <p:nvPr/>
+        </p:nvPicPr>
+        <p:blipFill rotWithShape="1">
+          <a:blip r:embed="rId4">
+            <a:extLst>
+              <a:ext uri="{28A0092B-C50C-407E-A947-70E740481C1C}">
+                <a14:useLocalDpi xmlns:a14="http://schemas.microsoft.com/office/drawing/2010/main" val="0"/>
+              </a:ext>
+            </a:extLst>
+          </a:blip>
+          <a:srcRect b="67531"/>
+          <a:stretch/>
+        </p:blipFill>
+        <p:spPr>
+          <a:xfrm>
+            <a:off x="2843808" y="4814975"/>
+            <a:ext cx="4124901" cy="711408"/>
+          </a:xfrm>
+          <a:prstGeom prst="rect">
+            <a:avLst/>
+          </a:prstGeom>
+          <a:ln>
+            <a:noFill/>
+          </a:ln>
+          <a:effectLst>
+            <a:outerShdw blurRad="292100" dist="139700" dir="2700000" algn="tl" rotWithShape="0">
+              <a:srgbClr val="333333">
+                <a:alpha val="65000"/>
+              </a:srgbClr>
+            </a:outerShdw>
+          </a:effectLst>
+        </p:spPr>
+      </p:pic>
+      <p:sp>
+        <p:nvSpPr>
+          <p:cNvPr id="11" name="圆角矩形标注 10"/>
+          <p:cNvSpPr/>
+          <p:nvPr/>
+        </p:nvSpPr>
+        <p:spPr>
+          <a:xfrm>
+            <a:off x="3636907" y="5753185"/>
+            <a:ext cx="1156692" cy="432048"/>
+          </a:xfrm>
+          <a:prstGeom prst="wedgeRoundRectCallout">
+            <a:avLst>
+              <a:gd name="adj1" fmla="val -25487"/>
+              <a:gd name="adj2" fmla="val -86248"/>
+              <a:gd name="adj3" fmla="val 16667"/>
+            </a:avLst>
+          </a:prstGeom>
+        </p:spPr>
+        <p:style>
+          <a:lnRef idx="2">
+            <a:schemeClr val="accent5"/>
+          </a:lnRef>
+          <a:fillRef idx="1">
+            <a:schemeClr val="lt1"/>
+          </a:fillRef>
+          <a:effectRef idx="0">
+            <a:schemeClr val="accent5"/>
+          </a:effectRef>
+          <a:fontRef idx="minor">
+            <a:schemeClr val="dk1"/>
+          </a:fontRef>
+        </p:style>
+        <p:txBody>
+          <a:bodyPr rtlCol="0" anchor="ctr"/>
+          <a:lstStyle/>
+          <a:p>
+            <a:pPr>
+              <a:lnSpc>
+                <a:spcPct val="150000"/>
+              </a:lnSpc>
+            </a:pPr>
+            <a:r>
+              <a:rPr lang="zh-CN" altLang="en-US" sz="1400" dirty="0" smtClean="0">
+                <a:latin typeface="微软雅黑" panose="020B0503020204020204" pitchFamily="34" charset="-122"/>
+                <a:ea typeface="微软雅黑" panose="020B0503020204020204" pitchFamily="34" charset="-122"/>
+              </a:rPr>
+              <a:t>文本样式</a:t>
+            </a:r>
+            <a:endParaRPr lang="zh-CN" altLang="en-US" sz="1400" dirty="0">
+              <a:latin typeface="微软雅黑" panose="020B0503020204020204" pitchFamily="34" charset="-122"/>
+              <a:ea typeface="微软雅黑" panose="020B0503020204020204" pitchFamily="34" charset="-122"/>
+            </a:endParaRPr>
+          </a:p>
+        </p:txBody>
+      </p:sp>
     </p:spTree>
     <p:extLst>
       <p:ext uri="{BB962C8B-B14F-4D97-AF65-F5344CB8AC3E}">
@@ -6255,7 +8043,7 @@
       </p:grpSpPr>
       <p:pic>
         <p:nvPicPr>
-          <p:cNvPr id="4" name="图片 3" descr="屏幕剪辑"/>
+          <p:cNvPr id="3" name="图片 2" descr="屏幕剪辑"/>
           <p:cNvPicPr>
             <a:picLocks noChangeAspect="1"/>
           </p:cNvPicPr>
@@ -6263,7 +8051,23 @@
         </p:nvPicPr>
         <p:blipFill>
           <a:blip r:embed="rId2">
+            <a:duotone>
+              <a:prstClr val="black"/>
+              <a:schemeClr val="accent6">
+                <a:tint val="45000"/>
+                <a:satMod val="400000"/>
+              </a:schemeClr>
+            </a:duotone>
             <a:extLst>
+              <a:ext uri="{BEBA8EAE-BF5A-486C-A8C5-ECC9F3942E4B}">
+                <a14:imgProps xmlns:a14="http://schemas.microsoft.com/office/drawing/2010/main">
+                  <a14:imgLayer r:embed="rId3">
+                    <a14:imgEffect>
+                      <a14:artisticGlowEdges/>
+                    </a14:imgEffect>
+                  </a14:imgLayer>
+                </a14:imgProps>
+              </a:ext>
               <a:ext uri="{28A0092B-C50C-407E-A947-70E740481C1C}">
                 <a14:useLocalDpi xmlns:a14="http://schemas.microsoft.com/office/drawing/2010/main" val="0"/>
               </a:ext>
@@ -6275,175 +8079,33 @@
         </p:blipFill>
         <p:spPr>
           <a:xfrm>
-            <a:off x="611560" y="548680"/>
-            <a:ext cx="4124901" cy="2191056"/>
+            <a:off x="1954487" y="2780928"/>
+            <a:ext cx="1495634" cy="2029108"/>
           </a:xfrm>
           <a:prstGeom prst="rect">
             <a:avLst/>
           </a:prstGeom>
-          <a:ln>
-            <a:noFill/>
-          </a:ln>
-          <a:effectLst>
-            <a:outerShdw blurRad="292100" dist="139700" dir="2700000" algn="tl" rotWithShape="0">
-              <a:srgbClr val="333333">
-                <a:alpha val="65000"/>
-              </a:srgbClr>
-            </a:outerShdw>
-          </a:effectLst>
+          <a:scene3d>
+            <a:camera prst="isometricOffAxis2Top"/>
+            <a:lightRig rig="threePt" dir="t"/>
+          </a:scene3d>
         </p:spPr>
       </p:pic>
-    </p:spTree>
-    <p:extLst>
-      <p:ext uri="{BB962C8B-B14F-4D97-AF65-F5344CB8AC3E}">
-        <p14:creationId xmlns:p14="http://schemas.microsoft.com/office/powerpoint/2010/main" val="4227769112"/>
-      </p:ext>
-    </p:extLst>
-  </p:cSld>
-  <p:clrMapOvr>
-    <a:masterClrMapping/>
-  </p:clrMapOvr>
-</p:sld>
-</file>
-
-<file path=ppt/slides/slide6.xml><?xml version="1.0" encoding="utf-8"?>
-<p:sld xmlns:a="http://schemas.openxmlformats.org/drawingml/2006/main" xmlns:r="http://schemas.openxmlformats.org/officeDocument/2006/relationships" xmlns:p="http://schemas.openxmlformats.org/presentationml/2006/main">
-  <p:cSld>
-    <p:spTree>
-      <p:nvGrpSpPr>
-        <p:cNvPr id="1" name=""/>
-        <p:cNvGrpSpPr/>
-        <p:nvPr/>
-      </p:nvGrpSpPr>
-      <p:grpSpPr>
-        <a:xfrm>
-          <a:off x="0" y="0"/>
-          <a:ext cx="0" cy="0"/>
-          <a:chOff x="0" y="0"/>
-          <a:chExt cx="0" cy="0"/>
-        </a:xfrm>
-      </p:grpSpPr>
-      <p:sp>
-        <p:nvSpPr>
-          <p:cNvPr id="4" name="TextBox 3"/>
-          <p:cNvSpPr txBox="1"/>
-          <p:nvPr/>
-        </p:nvSpPr>
-        <p:spPr>
-          <a:xfrm>
-            <a:off x="467544" y="476672"/>
-            <a:ext cx="7200800" cy="662554"/>
-          </a:xfrm>
-          <a:prstGeom prst="rect">
-            <a:avLst/>
-          </a:prstGeom>
-          <a:noFill/>
-        </p:spPr>
-        <p:txBody>
-          <a:bodyPr wrap="square" rtlCol="0">
-            <a:spAutoFit/>
-          </a:bodyPr>
-          <a:lstStyle/>
-          <a:p>
-            <a:pPr>
-              <a:lnSpc>
-                <a:spcPct val="150000"/>
-              </a:lnSpc>
-            </a:pPr>
-            <a:r>
-              <a:rPr lang="en-US" altLang="zh-CN" sz="2800" dirty="0" smtClean="0">
-                <a:solidFill>
-                  <a:schemeClr val="tx1">
-                    <a:lumMod val="75000"/>
-                    <a:lumOff val="25000"/>
-                  </a:schemeClr>
-                </a:solidFill>
-                <a:latin typeface="微软雅黑" pitchFamily="34" charset="-122"/>
-                <a:ea typeface="微软雅黑" pitchFamily="34" charset="-122"/>
-              </a:rPr>
-              <a:t>4.</a:t>
-            </a:r>
-            <a:r>
-              <a:rPr lang="zh-CN" altLang="en-US" sz="2800" dirty="0" smtClean="0">
-                <a:solidFill>
-                  <a:schemeClr val="tx1">
-                    <a:lumMod val="75000"/>
-                    <a:lumOff val="25000"/>
-                  </a:schemeClr>
-                </a:solidFill>
-                <a:latin typeface="微软雅黑" pitchFamily="34" charset="-122"/>
-                <a:ea typeface="微软雅黑" pitchFamily="34" charset="-122"/>
-              </a:rPr>
-              <a:t>自定义属性的设置</a:t>
-            </a:r>
-            <a:endParaRPr lang="zh-CN" altLang="en-US" sz="2800" dirty="0">
-              <a:solidFill>
-                <a:schemeClr val="tx1">
-                  <a:lumMod val="75000"/>
-                  <a:lumOff val="25000"/>
-                </a:schemeClr>
-              </a:solidFill>
-              <a:latin typeface="微软雅黑" pitchFamily="34" charset="-122"/>
-              <a:ea typeface="微软雅黑" pitchFamily="34" charset="-122"/>
-            </a:endParaRPr>
-          </a:p>
-        </p:txBody>
-      </p:sp>
-      <p:pic>
-        <p:nvPicPr>
-          <p:cNvPr id="2" name="图片 1" descr="屏幕剪辑"/>
-          <p:cNvPicPr>
-            <a:picLocks noChangeAspect="1"/>
-          </p:cNvPicPr>
-          <p:nvPr/>
-        </p:nvPicPr>
-        <p:blipFill>
-          <a:blip r:embed="rId2">
-            <a:extLst>
-              <a:ext uri="{28A0092B-C50C-407E-A947-70E740481C1C}">
-                <a14:useLocalDpi xmlns:a14="http://schemas.microsoft.com/office/drawing/2010/main" val="0"/>
-              </a:ext>
-            </a:extLst>
-          </a:blip>
-          <a:stretch>
-            <a:fillRect/>
-          </a:stretch>
-        </p:blipFill>
-        <p:spPr>
-          <a:xfrm>
-            <a:off x="583081" y="2099803"/>
-            <a:ext cx="6325483" cy="4353533"/>
-          </a:xfrm>
-          <a:prstGeom prst="rect">
-            <a:avLst/>
-          </a:prstGeom>
-          <a:ln>
-            <a:noFill/>
-          </a:ln>
-          <a:effectLst>
-            <a:outerShdw blurRad="292100" dist="139700" dir="2700000" algn="tl" rotWithShape="0">
-              <a:srgbClr val="333333">
-                <a:alpha val="65000"/>
-              </a:srgbClr>
-            </a:outerShdw>
-          </a:effectLst>
-        </p:spPr>
-      </p:pic>
-      <p:sp>
-        <p:nvSpPr>
-          <p:cNvPr id="6" name="圆角矩形标注 5"/>
+      <p:sp>
+        <p:nvSpPr>
+          <p:cNvPr id="11" name="圆角矩形标注 10"/>
           <p:cNvSpPr/>
           <p:nvPr/>
         </p:nvSpPr>
         <p:spPr>
           <a:xfrm>
-            <a:off x="3463401" y="2484576"/>
-            <a:ext cx="3096344" cy="734300"/>
+            <a:off x="4041447" y="3585900"/>
+            <a:ext cx="2272817" cy="432048"/>
           </a:xfrm>
           <a:prstGeom prst="wedgeRoundRectCallout">
             <a:avLst>
-              <a:gd name="adj1" fmla="val -11589"/>
-              <a:gd name="adj2" fmla="val 68023"/>
+              <a:gd name="adj1" fmla="val -65978"/>
+              <a:gd name="adj2" fmla="val 14412"/>
               <a:gd name="adj3" fmla="val 16667"/>
             </a:avLst>
           </a:prstGeom>
@@ -6476,91 +8138,14 @@
                 <a:latin typeface="微软雅黑" panose="020B0503020204020204" pitchFamily="34" charset="-122"/>
                 <a:ea typeface="微软雅黑" panose="020B0503020204020204" pitchFamily="34" charset="-122"/>
               </a:rPr>
-              <a:t>获取</a:t>
-            </a:r>
-            <a:r>
-              <a:rPr lang="en-US" altLang="zh-CN" sz="1400" dirty="0" smtClean="0">
-                <a:latin typeface="微软雅黑" panose="020B0503020204020204" pitchFamily="34" charset="-122"/>
-                <a:ea typeface="微软雅黑" panose="020B0503020204020204" pitchFamily="34" charset="-122"/>
-              </a:rPr>
-              <a:t>cube</a:t>
+              <a:t>镂空部分用</a:t>
             </a:r>
             <a:r>
               <a:rPr lang="zh-CN" altLang="en-US" sz="1400" dirty="0" smtClean="0">
                 <a:latin typeface="微软雅黑" panose="020B0503020204020204" pitchFamily="34" charset="-122"/>
                 <a:ea typeface="微软雅黑" panose="020B0503020204020204" pitchFamily="34" charset="-122"/>
               </a:rPr>
-              <a:t>的</a:t>
-            </a:r>
-            <a:r>
-              <a:rPr lang="en-US" altLang="zh-CN" sz="1400" dirty="0" smtClean="0">
-                <a:latin typeface="微软雅黑" panose="020B0503020204020204" pitchFamily="34" charset="-122"/>
-                <a:ea typeface="微软雅黑" panose="020B0503020204020204" pitchFamily="34" charset="-122"/>
-              </a:rPr>
-              <a:t>point</a:t>
-            </a:r>
-            <a:r>
-              <a:rPr lang="zh-CN" altLang="en-US" sz="1400" dirty="0" smtClean="0">
-                <a:latin typeface="微软雅黑" panose="020B0503020204020204" pitchFamily="34" charset="-122"/>
-                <a:ea typeface="微软雅黑" panose="020B0503020204020204" pitchFamily="34" charset="-122"/>
-              </a:rPr>
-              <a:t>属性值</a:t>
-            </a:r>
-            <a:r>
-              <a:rPr lang="en-US" altLang="zh-CN" sz="1400" dirty="0" smtClean="0">
-                <a:latin typeface="微软雅黑" panose="020B0503020204020204" pitchFamily="34" charset="-122"/>
-                <a:ea typeface="微软雅黑" panose="020B0503020204020204" pitchFamily="34" charset="-122"/>
-              </a:rPr>
-              <a:t>(</a:t>
-            </a:r>
-            <a:r>
-              <a:rPr lang="zh-CN" altLang="en-US" sz="1400" dirty="0" smtClean="0">
-                <a:latin typeface="微软雅黑" panose="020B0503020204020204" pitchFamily="34" charset="-122"/>
-                <a:ea typeface="微软雅黑" panose="020B0503020204020204" pitchFamily="34" charset="-122"/>
-              </a:rPr>
-              <a:t>如“</a:t>
-            </a:r>
-            <a:r>
-              <a:rPr lang="en-US" altLang="zh-CN" sz="1400" dirty="0" smtClean="0">
-                <a:latin typeface="微软雅黑" panose="020B0503020204020204" pitchFamily="34" charset="-122"/>
-                <a:ea typeface="微软雅黑" panose="020B0503020204020204" pitchFamily="34" charset="-122"/>
-              </a:rPr>
-              <a:t>p3</a:t>
-            </a:r>
-            <a:r>
-              <a:rPr lang="zh-CN" altLang="en-US" sz="1400" dirty="0" smtClean="0">
-                <a:latin typeface="微软雅黑" panose="020B0503020204020204" pitchFamily="34" charset="-122"/>
-                <a:ea typeface="微软雅黑" panose="020B0503020204020204" pitchFamily="34" charset="-122"/>
-              </a:rPr>
-              <a:t>”</a:t>
-            </a:r>
-            <a:r>
-              <a:rPr lang="en-US" altLang="zh-CN" sz="1400" dirty="0" smtClean="0">
-                <a:latin typeface="微软雅黑" panose="020B0503020204020204" pitchFamily="34" charset="-122"/>
-                <a:ea typeface="微软雅黑" panose="020B0503020204020204" pitchFamily="34" charset="-122"/>
-              </a:rPr>
-              <a:t>)</a:t>
-            </a:r>
-            <a:r>
-              <a:rPr lang="zh-CN" altLang="en-US" sz="1400" dirty="0" smtClean="0">
-                <a:latin typeface="微软雅黑" panose="020B0503020204020204" pitchFamily="34" charset="-122"/>
-                <a:ea typeface="微软雅黑" panose="020B0503020204020204" pitchFamily="34" charset="-122"/>
-              </a:rPr>
-              <a:t>，</a:t>
-            </a:r>
-            <a:r>
-              <a:rPr lang="zh-CN" altLang="en-US" sz="1400" dirty="0">
-                <a:latin typeface="微软雅黑" panose="020B0503020204020204" pitchFamily="34" charset="-122"/>
-                <a:ea typeface="微软雅黑" panose="020B0503020204020204" pitchFamily="34" charset="-122"/>
-              </a:rPr>
-              <a:t>再</a:t>
-            </a:r>
-            <a:r>
-              <a:rPr lang="zh-CN" altLang="en-US" sz="1400" dirty="0" smtClean="0">
-                <a:latin typeface="微软雅黑" panose="020B0503020204020204" pitchFamily="34" charset="-122"/>
-                <a:ea typeface="微软雅黑" panose="020B0503020204020204" pitchFamily="34" charset="-122"/>
-              </a:rPr>
-              <a:t>利用正则表达式，提取数字</a:t>
+              <a:t>文本本身实现</a:t>
             </a:r>
             <a:endParaRPr lang="zh-CN" altLang="en-US" sz="1400" dirty="0">
               <a:latin typeface="微软雅黑" panose="020B0503020204020204" pitchFamily="34" charset="-122"/>
@@ -6569,6 +8154,244 @@
           </a:p>
         </p:txBody>
       </p:sp>
+      <p:pic>
+        <p:nvPicPr>
+          <p:cNvPr id="16" name="图片 15" descr="屏幕剪辑"/>
+          <p:cNvPicPr>
+            <a:picLocks noChangeAspect="1"/>
+          </p:cNvPicPr>
+          <p:nvPr/>
+        </p:nvPicPr>
+        <p:blipFill>
+          <a:blip r:embed="rId4">
+            <a:duotone>
+              <a:prstClr val="black"/>
+              <a:schemeClr val="tx2">
+                <a:tint val="45000"/>
+                <a:satMod val="400000"/>
+              </a:schemeClr>
+            </a:duotone>
+            <a:extLst>
+              <a:ext uri="{BEBA8EAE-BF5A-486C-A8C5-ECC9F3942E4B}">
+                <a14:imgProps xmlns:a14="http://schemas.microsoft.com/office/drawing/2010/main">
+                  <a14:imgLayer r:embed="rId3">
+                    <a14:imgEffect>
+                      <a14:artisticBlur/>
+                    </a14:imgEffect>
+                  </a14:imgLayer>
+                </a14:imgProps>
+              </a:ext>
+              <a:ext uri="{28A0092B-C50C-407E-A947-70E740481C1C}">
+                <a14:useLocalDpi xmlns:a14="http://schemas.microsoft.com/office/drawing/2010/main" val="0"/>
+              </a:ext>
+            </a:extLst>
+          </a:blip>
+          <a:stretch>
+            <a:fillRect/>
+          </a:stretch>
+        </p:blipFill>
+        <p:spPr>
+          <a:xfrm>
+            <a:off x="1954487" y="2348880"/>
+            <a:ext cx="1495634" cy="2029108"/>
+          </a:xfrm>
+          <a:prstGeom prst="rect">
+            <a:avLst/>
+          </a:prstGeom>
+          <a:scene3d>
+            <a:camera prst="isometricOffAxis2Top"/>
+            <a:lightRig rig="threePt" dir="t"/>
+          </a:scene3d>
+        </p:spPr>
+      </p:pic>
+      <p:sp>
+        <p:nvSpPr>
+          <p:cNvPr id="4" name="TextBox 3"/>
+          <p:cNvSpPr txBox="1"/>
+          <p:nvPr/>
+        </p:nvSpPr>
+        <p:spPr>
+          <a:xfrm>
+            <a:off x="467544" y="476672"/>
+            <a:ext cx="7200800" cy="662554"/>
+          </a:xfrm>
+          <a:prstGeom prst="rect">
+            <a:avLst/>
+          </a:prstGeom>
+          <a:noFill/>
+        </p:spPr>
+        <p:txBody>
+          <a:bodyPr wrap="square" rtlCol="0">
+            <a:spAutoFit/>
+          </a:bodyPr>
+          <a:lstStyle/>
+          <a:p>
+            <a:pPr>
+              <a:lnSpc>
+                <a:spcPct val="150000"/>
+              </a:lnSpc>
+            </a:pPr>
+            <a:r>
+              <a:rPr lang="en-US" altLang="zh-CN" sz="2800" dirty="0" smtClean="0">
+                <a:solidFill>
+                  <a:schemeClr val="tx1">
+                    <a:lumMod val="75000"/>
+                    <a:lumOff val="25000"/>
+                  </a:schemeClr>
+                </a:solidFill>
+                <a:latin typeface="微软雅黑" pitchFamily="34" charset="-122"/>
+                <a:ea typeface="微软雅黑" pitchFamily="34" charset="-122"/>
+              </a:rPr>
+              <a:t>4.</a:t>
+            </a:r>
+            <a:r>
+              <a:rPr lang="zh-CN" altLang="en-US" sz="2800" dirty="0" smtClean="0">
+                <a:solidFill>
+                  <a:schemeClr val="tx1">
+                    <a:lumMod val="75000"/>
+                    <a:lumOff val="25000"/>
+                  </a:schemeClr>
+                </a:solidFill>
+                <a:latin typeface="微软雅黑" pitchFamily="34" charset="-122"/>
+                <a:ea typeface="微软雅黑" pitchFamily="34" charset="-122"/>
+              </a:rPr>
+              <a:t>添加投影和翻折部分的伪元素</a:t>
+            </a:r>
+            <a:endParaRPr lang="zh-CN" altLang="en-US" sz="2800" dirty="0">
+              <a:solidFill>
+                <a:schemeClr val="tx1">
+                  <a:lumMod val="75000"/>
+                  <a:lumOff val="25000"/>
+                </a:schemeClr>
+              </a:solidFill>
+              <a:latin typeface="微软雅黑" pitchFamily="34" charset="-122"/>
+              <a:ea typeface="微软雅黑" pitchFamily="34" charset="-122"/>
+            </a:endParaRPr>
+          </a:p>
+        </p:txBody>
+      </p:sp>
+      <p:sp>
+        <p:nvSpPr>
+          <p:cNvPr id="5" name="TextBox 4"/>
+          <p:cNvSpPr txBox="1"/>
+          <p:nvPr/>
+        </p:nvSpPr>
+        <p:spPr>
+          <a:xfrm>
+            <a:off x="467544" y="1379721"/>
+            <a:ext cx="7992888" cy="874407"/>
+          </a:xfrm>
+          <a:prstGeom prst="rect">
+            <a:avLst/>
+          </a:prstGeom>
+          <a:noFill/>
+        </p:spPr>
+        <p:txBody>
+          <a:bodyPr wrap="square" rtlCol="0">
+            <a:spAutoFit/>
+          </a:bodyPr>
+          <a:lstStyle/>
+          <a:p>
+            <a:pPr>
+              <a:lnSpc>
+                <a:spcPct val="150000"/>
+              </a:lnSpc>
+            </a:pPr>
+            <a:r>
+              <a:rPr lang="zh-CN" altLang="en-US" dirty="0" smtClean="0">
+                <a:solidFill>
+                  <a:schemeClr val="tx1">
+                    <a:lumMod val="75000"/>
+                    <a:lumOff val="25000"/>
+                  </a:schemeClr>
+                </a:solidFill>
+                <a:latin typeface="微软雅黑" pitchFamily="34" charset="-122"/>
+                <a:ea typeface="微软雅黑" pitchFamily="34" charset="-122"/>
+              </a:rPr>
+              <a:t>我们需要为每个字母设置</a:t>
+            </a:r>
+            <a:r>
+              <a:rPr lang="en-US" altLang="zh-CN" dirty="0" smtClean="0">
+                <a:solidFill>
+                  <a:schemeClr val="tx1">
+                    <a:lumMod val="75000"/>
+                    <a:lumOff val="25000"/>
+                  </a:schemeClr>
+                </a:solidFill>
+                <a:latin typeface="微软雅黑" pitchFamily="34" charset="-122"/>
+                <a:ea typeface="微软雅黑" pitchFamily="34" charset="-122"/>
+              </a:rPr>
+              <a:t>3</a:t>
+            </a:r>
+            <a:r>
+              <a:rPr lang="zh-CN" altLang="en-US" dirty="0" smtClean="0">
+                <a:solidFill>
+                  <a:schemeClr val="tx1">
+                    <a:lumMod val="75000"/>
+                    <a:lumOff val="25000"/>
+                  </a:schemeClr>
+                </a:solidFill>
+                <a:latin typeface="微软雅黑" pitchFamily="34" charset="-122"/>
+                <a:ea typeface="微软雅黑" pitchFamily="34" charset="-122"/>
+              </a:rPr>
+              <a:t>层，一层翻折，一层是镂空部分，一层是投影。</a:t>
+            </a:r>
+            <a:endParaRPr lang="en-US" altLang="zh-CN" dirty="0" smtClean="0">
+              <a:solidFill>
+                <a:schemeClr val="tx1">
+                  <a:lumMod val="75000"/>
+                  <a:lumOff val="25000"/>
+                </a:schemeClr>
+              </a:solidFill>
+              <a:latin typeface="微软雅黑" pitchFamily="34" charset="-122"/>
+              <a:ea typeface="微软雅黑" pitchFamily="34" charset="-122"/>
+            </a:endParaRPr>
+          </a:p>
+          <a:p>
+            <a:pPr>
+              <a:lnSpc>
+                <a:spcPct val="150000"/>
+              </a:lnSpc>
+            </a:pPr>
+            <a:r>
+              <a:rPr lang="en-US" altLang="zh-CN" dirty="0" smtClean="0">
+                <a:solidFill>
+                  <a:schemeClr val="tx1">
+                    <a:lumMod val="75000"/>
+                    <a:lumOff val="25000"/>
+                  </a:schemeClr>
+                </a:solidFill>
+                <a:latin typeface="微软雅黑" pitchFamily="34" charset="-122"/>
+                <a:ea typeface="微软雅黑" pitchFamily="34" charset="-122"/>
+              </a:rPr>
+              <a:t>3</a:t>
+            </a:r>
+            <a:r>
+              <a:rPr lang="zh-CN" altLang="en-US" dirty="0" smtClean="0">
+                <a:solidFill>
+                  <a:schemeClr val="tx1">
+                    <a:lumMod val="75000"/>
+                    <a:lumOff val="25000"/>
+                  </a:schemeClr>
+                </a:solidFill>
+                <a:latin typeface="微软雅黑" pitchFamily="34" charset="-122"/>
+                <a:ea typeface="微软雅黑" pitchFamily="34" charset="-122"/>
+              </a:rPr>
+              <a:t>层字母需要完全重合，所以绝对定位即可！</a:t>
+            </a:r>
+            <a:endParaRPr lang="en-US" altLang="zh-CN" dirty="0" smtClean="0">
+              <a:solidFill>
+                <a:schemeClr val="tx1">
+                  <a:lumMod val="75000"/>
+                  <a:lumOff val="25000"/>
+                </a:schemeClr>
+              </a:solidFill>
+              <a:latin typeface="微软雅黑" pitchFamily="34" charset="-122"/>
+              <a:ea typeface="微软雅黑" pitchFamily="34" charset="-122"/>
+            </a:endParaRPr>
+          </a:p>
+        </p:txBody>
+      </p:sp>
       <p:sp>
         <p:nvSpPr>
           <p:cNvPr id="7" name="圆角矩形标注 6"/>
@@ -6577,13 +8400,13 @@
         </p:nvSpPr>
         <p:spPr>
           <a:xfrm>
-            <a:off x="3247377" y="1274116"/>
-            <a:ext cx="3096344" cy="734300"/>
+            <a:off x="4041447" y="2521168"/>
+            <a:ext cx="1735039" cy="432048"/>
           </a:xfrm>
           <a:prstGeom prst="wedgeRoundRectCallout">
             <a:avLst>
-              <a:gd name="adj1" fmla="val -34049"/>
-              <a:gd name="adj2" fmla="val 68023"/>
+              <a:gd name="adj1" fmla="val -64049"/>
+              <a:gd name="adj2" fmla="val 9249"/>
               <a:gd name="adj3" fmla="val 16667"/>
             </a:avLst>
           </a:prstGeom>
@@ -6612,64 +8435,18 @@
               </a:lnSpc>
             </a:pPr>
             <a:r>
-              <a:rPr lang="zh-CN" altLang="en-US" sz="1400" dirty="0">
-                <a:latin typeface="微软雅黑" panose="020B0503020204020204" pitchFamily="34" charset="-122"/>
-                <a:ea typeface="微软雅黑" panose="020B0503020204020204" pitchFamily="34" charset="-122"/>
-              </a:rPr>
-              <a:t>入</a:t>
-            </a:r>
-            <a:r>
               <a:rPr lang="zh-CN" altLang="en-US" sz="1400" dirty="0" smtClean="0">
                 <a:latin typeface="微软雅黑" panose="020B0503020204020204" pitchFamily="34" charset="-122"/>
                 <a:ea typeface="微软雅黑" panose="020B0503020204020204" pitchFamily="34" charset="-122"/>
               </a:rPr>
-              <a:t>参：设置的点数，数值类型</a:t>
-            </a:r>
-            <a:endParaRPr lang="en-US" altLang="zh-CN" sz="1400" dirty="0" smtClean="0">
-              <a:latin typeface="微软雅黑" panose="020B0503020204020204" pitchFamily="34" charset="-122"/>
-              <a:ea typeface="微软雅黑" panose="020B0503020204020204" pitchFamily="34" charset="-122"/>
-            </a:endParaRPr>
-          </a:p>
-          <a:p>
-            <a:pPr>
-              <a:lnSpc>
-                <a:spcPct val="150000"/>
-              </a:lnSpc>
-            </a:pPr>
-            <a:r>
-              <a:rPr lang="zh-CN" altLang="en-US" sz="1400" dirty="0" smtClean="0">
-                <a:latin typeface="微软雅黑" panose="020B0503020204020204" pitchFamily="34" charset="-122"/>
-                <a:ea typeface="微软雅黑" panose="020B0503020204020204" pitchFamily="34" charset="-122"/>
-              </a:rPr>
-              <a:t>出参：设置成功</a:t>
+              <a:t>翻折部分用</a:t>
             </a:r>
             <a:r>
               <a:rPr lang="en-US" altLang="zh-CN" sz="1400" dirty="0" smtClean="0">
                 <a:latin typeface="微软雅黑" panose="020B0503020204020204" pitchFamily="34" charset="-122"/>
                 <a:ea typeface="微软雅黑" panose="020B0503020204020204" pitchFamily="34" charset="-122"/>
               </a:rPr>
-              <a:t>/</a:t>
-            </a:r>
-            <a:r>
-              <a:rPr lang="zh-CN" altLang="en-US" sz="1400" dirty="0" smtClean="0">
-                <a:latin typeface="微软雅黑" panose="020B0503020204020204" pitchFamily="34" charset="-122"/>
-                <a:ea typeface="微软雅黑" panose="020B0503020204020204" pitchFamily="34" charset="-122"/>
-              </a:rPr>
-              <a:t>失败（</a:t>
-            </a:r>
-            <a:r>
-              <a:rPr lang="en-US" altLang="zh-CN" sz="1400" dirty="0" smtClean="0">
-                <a:latin typeface="微软雅黑" panose="020B0503020204020204" pitchFamily="34" charset="-122"/>
-                <a:ea typeface="微软雅黑" panose="020B0503020204020204" pitchFamily="34" charset="-122"/>
-              </a:rPr>
-              <a:t>true/false</a:t>
-            </a:r>
-            <a:r>
-              <a:rPr lang="zh-CN" altLang="en-US" sz="1400" dirty="0" smtClean="0">
-                <a:latin typeface="微软雅黑" panose="020B0503020204020204" pitchFamily="34" charset="-122"/>
-                <a:ea typeface="微软雅黑" panose="020B0503020204020204" pitchFamily="34" charset="-122"/>
-              </a:rPr>
-              <a:t>）</a:t>
+              <a:t>before</a:t>
             </a:r>
             <a:endParaRPr lang="zh-CN" altLang="en-US" sz="1400" dirty="0">
               <a:latin typeface="微软雅黑" panose="020B0503020204020204" pitchFamily="34" charset="-122"/>
@@ -6678,21 +8455,62 @@
           </a:p>
         </p:txBody>
       </p:sp>
-      <p:sp>
-        <p:nvSpPr>
-          <p:cNvPr id="8" name="圆角矩形标注 7"/>
+      <p:pic>
+        <p:nvPicPr>
+          <p:cNvPr id="13" name="图片 12" descr="屏幕剪辑"/>
+          <p:cNvPicPr>
+            <a:picLocks noChangeAspect="1"/>
+          </p:cNvPicPr>
+          <p:nvPr/>
+        </p:nvPicPr>
+        <p:blipFill>
+          <a:blip r:embed="rId5">
+            <a:duotone>
+              <a:prstClr val="black"/>
+              <a:schemeClr val="accent5">
+                <a:tint val="45000"/>
+                <a:satMod val="400000"/>
+              </a:schemeClr>
+            </a:duotone>
+            <a:extLst>
+              <a:ext uri="{28A0092B-C50C-407E-A947-70E740481C1C}">
+                <a14:useLocalDpi xmlns:a14="http://schemas.microsoft.com/office/drawing/2010/main" val="0"/>
+              </a:ext>
+            </a:extLst>
+          </a:blip>
+          <a:stretch>
+            <a:fillRect/>
+          </a:stretch>
+        </p:blipFill>
+        <p:spPr>
+          <a:xfrm>
+            <a:off x="1950232" y="1916832"/>
+            <a:ext cx="1495634" cy="2029108"/>
+          </a:xfrm>
+          <a:prstGeom prst="rect">
+            <a:avLst/>
+          </a:prstGeom>
+          <a:scene3d>
+            <a:camera prst="isometricOffAxis2Top"/>
+            <a:lightRig rig="threePt" dir="t"/>
+          </a:scene3d>
+        </p:spPr>
+      </p:pic>
+      <p:sp>
+        <p:nvSpPr>
+          <p:cNvPr id="17" name="圆角矩形标注 16"/>
           <p:cNvSpPr/>
           <p:nvPr/>
         </p:nvSpPr>
         <p:spPr>
           <a:xfrm>
-            <a:off x="6775769" y="2458047"/>
-            <a:ext cx="2160240" cy="1081916"/>
+            <a:off x="4061732" y="3081844"/>
+            <a:ext cx="1925204" cy="432048"/>
           </a:xfrm>
           <a:prstGeom prst="wedgeRoundRectCallout">
             <a:avLst>
-              <a:gd name="adj1" fmla="val -63984"/>
-              <a:gd name="adj2" fmla="val 55360"/>
+              <a:gd name="adj1" fmla="val -65978"/>
+              <a:gd name="adj2" fmla="val 14412"/>
               <a:gd name="adj3" fmla="val 16667"/>
             </a:avLst>
           </a:prstGeom>
@@ -6721,18 +8539,25 @@
               </a:lnSpc>
             </a:pPr>
             <a:r>
+              <a:rPr lang="zh-CN" altLang="en-US" sz="1400" dirty="0" smtClean="0">
+                <a:latin typeface="微软雅黑" panose="020B0503020204020204" pitchFamily="34" charset="-122"/>
+                <a:ea typeface="微软雅黑" panose="020B0503020204020204" pitchFamily="34" charset="-122"/>
+              </a:rPr>
+              <a:t>投影部分用</a:t>
+            </a:r>
+            <a:r>
               <a:rPr lang="en-US" altLang="zh-CN" sz="1400" dirty="0" smtClean="0">
                 <a:latin typeface="微软雅黑" panose="020B0503020204020204" pitchFamily="34" charset="-122"/>
                 <a:ea typeface="微软雅黑" panose="020B0503020204020204" pitchFamily="34" charset="-122"/>
               </a:rPr>
-              <a:t>Match</a:t>
+              <a:t>after</a:t>
             </a:r>
             <a:r>
               <a:rPr lang="zh-CN" altLang="en-US" sz="1400" dirty="0" smtClean="0">
                 <a:latin typeface="微软雅黑" panose="020B0503020204020204" pitchFamily="34" charset="-122"/>
                 <a:ea typeface="微软雅黑" panose="020B0503020204020204" pitchFamily="34" charset="-122"/>
               </a:rPr>
-              <a:t>返回的是匹配的结果数组，需要判断，是否为空，有无结果</a:t>
+              <a:t>实现</a:t>
             </a:r>
             <a:endParaRPr lang="zh-CN" altLang="en-US" sz="1400" dirty="0">
               <a:latin typeface="微软雅黑" panose="020B0503020204020204" pitchFamily="34" charset="-122"/>
@@ -6741,199 +8566,10 @@
           </a:p>
         </p:txBody>
       </p:sp>
-      <p:sp>
-        <p:nvSpPr>
-          <p:cNvPr id="9" name="圆角矩形标注 8"/>
-          <p:cNvSpPr/>
-          <p:nvPr/>
-        </p:nvSpPr>
-        <p:spPr>
-          <a:xfrm>
-            <a:off x="6775769" y="4044019"/>
-            <a:ext cx="2160240" cy="1081916"/>
-          </a:xfrm>
-          <a:prstGeom prst="wedgeRoundRectCallout">
-            <a:avLst>
-              <a:gd name="adj1" fmla="val -60407"/>
-              <a:gd name="adj2" fmla="val -49393"/>
-              <a:gd name="adj3" fmla="val 16667"/>
-            </a:avLst>
-          </a:prstGeom>
-        </p:spPr>
-        <p:style>
-          <a:lnRef idx="2">
-            <a:schemeClr val="accent5"/>
-          </a:lnRef>
-          <a:fillRef idx="1">
-            <a:schemeClr val="lt1"/>
-          </a:fillRef>
-          <a:effectRef idx="0">
-            <a:schemeClr val="accent5"/>
-          </a:effectRef>
-          <a:fontRef idx="minor">
-            <a:schemeClr val="dk1"/>
-          </a:fontRef>
-        </p:style>
-        <p:txBody>
-          <a:bodyPr rtlCol="0" anchor="ctr"/>
-          <a:lstStyle/>
-          <a:p>
-            <a:pPr>
-              <a:lnSpc>
-                <a:spcPct val="150000"/>
-              </a:lnSpc>
-            </a:pPr>
-            <a:r>
-              <a:rPr lang="en-US" altLang="zh-CN" sz="1400" dirty="0" smtClean="0">
-                <a:latin typeface="微软雅黑" panose="020B0503020204020204" pitchFamily="34" charset="-122"/>
-                <a:ea typeface="微软雅黑" panose="020B0503020204020204" pitchFamily="34" charset="-122"/>
-              </a:rPr>
-              <a:t>&amp;&amp; </a:t>
-            </a:r>
-            <a:r>
-              <a:rPr lang="zh-CN" altLang="en-US" sz="1400" dirty="0" smtClean="0">
-                <a:latin typeface="微软雅黑" panose="020B0503020204020204" pitchFamily="34" charset="-122"/>
-                <a:ea typeface="微软雅黑" panose="020B0503020204020204" pitchFamily="34" charset="-122"/>
-              </a:rPr>
-              <a:t>逻辑判断表达式的结果，是最后一个为真的自表达式的值</a:t>
-            </a:r>
-            <a:endParaRPr lang="zh-CN" altLang="en-US" sz="1400" dirty="0">
-              <a:latin typeface="微软雅黑" panose="020B0503020204020204" pitchFamily="34" charset="-122"/>
-              <a:ea typeface="微软雅黑" panose="020B0503020204020204" pitchFamily="34" charset="-122"/>
-            </a:endParaRPr>
-          </a:p>
-        </p:txBody>
-      </p:sp>
-      <p:sp>
-        <p:nvSpPr>
-          <p:cNvPr id="10" name="圆角矩形标注 9"/>
-          <p:cNvSpPr/>
-          <p:nvPr/>
-        </p:nvSpPr>
-        <p:spPr>
-          <a:xfrm>
-            <a:off x="4183481" y="3972011"/>
-            <a:ext cx="2016224" cy="540958"/>
-          </a:xfrm>
-          <a:prstGeom prst="wedgeRoundRectCallout">
-            <a:avLst>
-              <a:gd name="adj1" fmla="val -61046"/>
-              <a:gd name="adj2" fmla="val -20824"/>
-              <a:gd name="adj3" fmla="val 16667"/>
-            </a:avLst>
-          </a:prstGeom>
-        </p:spPr>
-        <p:style>
-          <a:lnRef idx="2">
-            <a:schemeClr val="accent5"/>
-          </a:lnRef>
-          <a:fillRef idx="1">
-            <a:schemeClr val="lt1"/>
-          </a:fillRef>
-          <a:effectRef idx="0">
-            <a:schemeClr val="accent5"/>
-          </a:effectRef>
-          <a:fontRef idx="minor">
-            <a:schemeClr val="dk1"/>
-          </a:fontRef>
-        </p:style>
-        <p:txBody>
-          <a:bodyPr rtlCol="0" anchor="ctr"/>
-          <a:lstStyle/>
-          <a:p>
-            <a:pPr>
-              <a:lnSpc>
-                <a:spcPct val="150000"/>
-              </a:lnSpc>
-            </a:pPr>
-            <a:r>
-              <a:rPr lang="en-US" altLang="zh-CN" sz="1400" dirty="0" smtClean="0">
-                <a:latin typeface="微软雅黑" panose="020B0503020204020204" pitchFamily="34" charset="-122"/>
-                <a:ea typeface="微软雅黑" panose="020B0503020204020204" pitchFamily="34" charset="-122"/>
-              </a:rPr>
-              <a:t> </a:t>
-            </a:r>
-            <a:r>
-              <a:rPr lang="zh-CN" altLang="en-US" sz="1400" dirty="0" smtClean="0">
-                <a:latin typeface="微软雅黑" panose="020B0503020204020204" pitchFamily="34" charset="-122"/>
-                <a:ea typeface="微软雅黑" panose="020B0503020204020204" pitchFamily="34" charset="-122"/>
-              </a:rPr>
-              <a:t>将字符串转换为数值</a:t>
-            </a:r>
-            <a:endParaRPr lang="zh-CN" altLang="en-US" sz="1400" dirty="0">
-              <a:latin typeface="微软雅黑" panose="020B0503020204020204" pitchFamily="34" charset="-122"/>
-              <a:ea typeface="微软雅黑" panose="020B0503020204020204" pitchFamily="34" charset="-122"/>
-            </a:endParaRPr>
-          </a:p>
-        </p:txBody>
-      </p:sp>
-      <p:sp>
-        <p:nvSpPr>
-          <p:cNvPr id="13" name="圆角矩形标注 12"/>
-          <p:cNvSpPr/>
-          <p:nvPr/>
-        </p:nvSpPr>
-        <p:spPr>
-          <a:xfrm>
-            <a:off x="2997061" y="5125935"/>
-            <a:ext cx="2372840" cy="627170"/>
-          </a:xfrm>
-          <a:prstGeom prst="wedgeRoundRectCallout">
-            <a:avLst>
-              <a:gd name="adj1" fmla="val -20165"/>
-              <a:gd name="adj2" fmla="val -80343"/>
-              <a:gd name="adj3" fmla="val 16667"/>
-            </a:avLst>
-          </a:prstGeom>
-        </p:spPr>
-        <p:style>
-          <a:lnRef idx="2">
-            <a:schemeClr val="accent5"/>
-          </a:lnRef>
-          <a:fillRef idx="1">
-            <a:schemeClr val="lt1"/>
-          </a:fillRef>
-          <a:effectRef idx="0">
-            <a:schemeClr val="accent5"/>
-          </a:effectRef>
-          <a:fontRef idx="minor">
-            <a:schemeClr val="dk1"/>
-          </a:fontRef>
-        </p:style>
-        <p:txBody>
-          <a:bodyPr rtlCol="0" anchor="ctr"/>
-          <a:lstStyle/>
-          <a:p>
-            <a:pPr>
-              <a:lnSpc>
-                <a:spcPct val="150000"/>
-              </a:lnSpc>
-            </a:pPr>
-            <a:r>
-              <a:rPr lang="en-US" altLang="zh-CN" sz="1400" dirty="0" smtClean="0">
-                <a:latin typeface="微软雅黑" panose="020B0503020204020204" pitchFamily="34" charset="-122"/>
-                <a:ea typeface="微软雅黑" panose="020B0503020204020204" pitchFamily="34" charset="-122"/>
-              </a:rPr>
-              <a:t> </a:t>
-            </a:r>
-            <a:r>
-              <a:rPr lang="zh-CN" altLang="en-US" sz="1400" dirty="0" smtClean="0">
-                <a:latin typeface="微软雅黑" panose="020B0503020204020204" pitchFamily="34" charset="-122"/>
-                <a:ea typeface="微软雅黑" panose="020B0503020204020204" pitchFamily="34" charset="-122"/>
-              </a:rPr>
-              <a:t>如果数值和之前不同，设置新的点数属性值</a:t>
-            </a:r>
-            <a:endParaRPr lang="zh-CN" altLang="en-US" sz="1400" dirty="0">
-              <a:latin typeface="微软雅黑" panose="020B0503020204020204" pitchFamily="34" charset="-122"/>
-              <a:ea typeface="微软雅黑" panose="020B0503020204020204" pitchFamily="34" charset="-122"/>
-            </a:endParaRPr>
-          </a:p>
-        </p:txBody>
-      </p:sp>
     </p:spTree>
     <p:extLst>
       <p:ext uri="{BB962C8B-B14F-4D97-AF65-F5344CB8AC3E}">
-        <p14:creationId xmlns:p14="http://schemas.microsoft.com/office/powerpoint/2010/main" val="2197987521"/>
+        <p14:creationId xmlns:p14="http://schemas.microsoft.com/office/powerpoint/2010/main" val="2891886927"/>
       </p:ext>
     </p:extLst>
   </p:cSld>
@@ -6950,984 +8586,7 @@
 </p:sld>
 </file>
 
-<file path=ppt/slides/slide7.xml><?xml version="1.0" encoding="utf-8"?>
-<p:sld xmlns:a="http://schemas.openxmlformats.org/drawingml/2006/main" xmlns:r="http://schemas.openxmlformats.org/officeDocument/2006/relationships" xmlns:p="http://schemas.openxmlformats.org/presentationml/2006/main">
-  <p:cSld>
-    <p:spTree>
-      <p:nvGrpSpPr>
-        <p:cNvPr id="1" name=""/>
-        <p:cNvGrpSpPr/>
-        <p:nvPr/>
-      </p:nvGrpSpPr>
-      <p:grpSpPr>
-        <a:xfrm>
-          <a:off x="0" y="0"/>
-          <a:ext cx="0" cy="0"/>
-          <a:chOff x="0" y="0"/>
-          <a:chExt cx="0" cy="0"/>
-        </a:xfrm>
-      </p:grpSpPr>
-      <p:sp>
-        <p:nvSpPr>
-          <p:cNvPr id="4" name="TextBox 3"/>
-          <p:cNvSpPr txBox="1"/>
-          <p:nvPr/>
-        </p:nvSpPr>
-        <p:spPr>
-          <a:xfrm>
-            <a:off x="467544" y="332656"/>
-            <a:ext cx="7200800" cy="662554"/>
-          </a:xfrm>
-          <a:prstGeom prst="rect">
-            <a:avLst/>
-          </a:prstGeom>
-          <a:noFill/>
-        </p:spPr>
-        <p:txBody>
-          <a:bodyPr wrap="square" rtlCol="0">
-            <a:spAutoFit/>
-          </a:bodyPr>
-          <a:lstStyle/>
-          <a:p>
-            <a:pPr>
-              <a:lnSpc>
-                <a:spcPct val="150000"/>
-              </a:lnSpc>
-            </a:pPr>
-            <a:r>
-              <a:rPr lang="zh-CN" altLang="en-US" sz="2800" dirty="0" smtClean="0">
-                <a:solidFill>
-                  <a:schemeClr val="tx1">
-                    <a:lumMod val="75000"/>
-                    <a:lumOff val="25000"/>
-                  </a:schemeClr>
-                </a:solidFill>
-                <a:latin typeface="微软雅黑" pitchFamily="34" charset="-122"/>
-                <a:ea typeface="微软雅黑" pitchFamily="34" charset="-122"/>
-              </a:rPr>
-              <a:t>与表达式</a:t>
-            </a:r>
-            <a:endParaRPr lang="zh-CN" altLang="en-US" sz="2800" dirty="0">
-              <a:solidFill>
-                <a:schemeClr val="tx1">
-                  <a:lumMod val="75000"/>
-                  <a:lumOff val="25000"/>
-                </a:schemeClr>
-              </a:solidFill>
-              <a:latin typeface="微软雅黑" pitchFamily="34" charset="-122"/>
-              <a:ea typeface="微软雅黑" pitchFamily="34" charset="-122"/>
-            </a:endParaRPr>
-          </a:p>
-        </p:txBody>
-      </p:sp>
-      <p:sp>
-        <p:nvSpPr>
-          <p:cNvPr id="10" name="TextBox 9"/>
-          <p:cNvSpPr txBox="1"/>
-          <p:nvPr/>
-        </p:nvSpPr>
-        <p:spPr>
-          <a:xfrm>
-            <a:off x="323528" y="1250147"/>
-            <a:ext cx="8568952" cy="5078313"/>
-          </a:xfrm>
-          <a:prstGeom prst="rect">
-            <a:avLst/>
-          </a:prstGeom>
-          <a:noFill/>
-        </p:spPr>
-        <p:txBody>
-          <a:bodyPr wrap="square" rtlCol="0">
-            <a:spAutoFit/>
-          </a:bodyPr>
-          <a:lstStyle/>
-          <a:p>
-            <a:pPr>
-              <a:lnSpc>
-                <a:spcPct val="150000"/>
-              </a:lnSpc>
-            </a:pPr>
-            <a:r>
-              <a:rPr lang="zh-CN" altLang="en-US" dirty="0" smtClean="0">
-                <a:solidFill>
-                  <a:schemeClr val="tx1">
-                    <a:lumMod val="75000"/>
-                    <a:lumOff val="25000"/>
-                  </a:schemeClr>
-                </a:solidFill>
-                <a:latin typeface="微软雅黑" pitchFamily="34" charset="-122"/>
-                <a:ea typeface="微软雅黑" pitchFamily="34" charset="-122"/>
-              </a:rPr>
-              <a:t>“与”表达式（</a:t>
-            </a:r>
-            <a:r>
-              <a:rPr lang="en-US" altLang="zh-CN" dirty="0" smtClean="0">
-                <a:solidFill>
-                  <a:schemeClr val="tx1">
-                    <a:lumMod val="75000"/>
-                    <a:lumOff val="25000"/>
-                  </a:schemeClr>
-                </a:solidFill>
-                <a:latin typeface="微软雅黑" pitchFamily="34" charset="-122"/>
-                <a:ea typeface="微软雅黑" pitchFamily="34" charset="-122"/>
-              </a:rPr>
-              <a:t>&amp;&amp;</a:t>
-            </a:r>
-            <a:r>
-              <a:rPr lang="zh-CN" altLang="en-US" dirty="0" smtClean="0">
-                <a:solidFill>
-                  <a:schemeClr val="tx1">
-                    <a:lumMod val="75000"/>
-                    <a:lumOff val="25000"/>
-                  </a:schemeClr>
-                </a:solidFill>
-                <a:latin typeface="微软雅黑" pitchFamily="34" charset="-122"/>
-                <a:ea typeface="微软雅黑" pitchFamily="34" charset="-122"/>
-              </a:rPr>
-              <a:t>），准确的说是“逻辑与”表达式，形式为： </a:t>
-            </a:r>
-            <a:r>
-              <a:rPr lang="en-US" altLang="zh-CN" dirty="0" smtClean="0">
-                <a:solidFill>
-                  <a:schemeClr val="tx1">
-                    <a:lumMod val="75000"/>
-                    <a:lumOff val="25000"/>
-                  </a:schemeClr>
-                </a:solidFill>
-                <a:latin typeface="微软雅黑" pitchFamily="34" charset="-122"/>
-                <a:ea typeface="微软雅黑" pitchFamily="34" charset="-122"/>
-              </a:rPr>
-              <a:t>A &amp;&amp; B &amp;&amp; C</a:t>
-            </a:r>
-            <a:r>
-              <a:rPr lang="zh-CN" altLang="en-US" dirty="0" smtClean="0">
-                <a:solidFill>
-                  <a:schemeClr val="tx1">
-                    <a:lumMod val="75000"/>
-                    <a:lumOff val="25000"/>
-                  </a:schemeClr>
-                </a:solidFill>
-                <a:latin typeface="微软雅黑" pitchFamily="34" charset="-122"/>
-                <a:ea typeface="微软雅黑" pitchFamily="34" charset="-122"/>
-              </a:rPr>
-              <a:t>。</a:t>
-            </a:r>
-            <a:endParaRPr lang="en-US" altLang="zh-CN" dirty="0" smtClean="0">
-              <a:solidFill>
-                <a:schemeClr val="tx1">
-                  <a:lumMod val="75000"/>
-                  <a:lumOff val="25000"/>
-                </a:schemeClr>
-              </a:solidFill>
-              <a:latin typeface="微软雅黑" pitchFamily="34" charset="-122"/>
-              <a:ea typeface="微软雅黑" pitchFamily="34" charset="-122"/>
-            </a:endParaRPr>
-          </a:p>
-          <a:p>
-            <a:pPr>
-              <a:lnSpc>
-                <a:spcPct val="150000"/>
-              </a:lnSpc>
-            </a:pPr>
-            <a:r>
-              <a:rPr lang="zh-CN" altLang="en-US" dirty="0" smtClean="0">
-                <a:solidFill>
-                  <a:schemeClr val="tx1">
-                    <a:lumMod val="75000"/>
-                    <a:lumOff val="25000"/>
-                  </a:schemeClr>
-                </a:solidFill>
-                <a:latin typeface="微软雅黑" pitchFamily="34" charset="-122"/>
-                <a:ea typeface="微软雅黑" pitchFamily="34" charset="-122"/>
-              </a:rPr>
-              <a:t>其中</a:t>
-            </a:r>
-            <a:r>
-              <a:rPr lang="en-US" altLang="zh-CN" dirty="0" smtClean="0">
-                <a:solidFill>
-                  <a:schemeClr val="tx1">
-                    <a:lumMod val="75000"/>
-                    <a:lumOff val="25000"/>
-                  </a:schemeClr>
-                </a:solidFill>
-                <a:latin typeface="微软雅黑" pitchFamily="34" charset="-122"/>
-                <a:ea typeface="微软雅黑" pitchFamily="34" charset="-122"/>
-              </a:rPr>
-              <a:t>A</a:t>
-            </a:r>
-            <a:r>
-              <a:rPr lang="zh-CN" altLang="en-US" dirty="0" smtClean="0">
-                <a:solidFill>
-                  <a:schemeClr val="tx1">
-                    <a:lumMod val="75000"/>
-                    <a:lumOff val="25000"/>
-                  </a:schemeClr>
-                </a:solidFill>
-                <a:latin typeface="微软雅黑" pitchFamily="34" charset="-122"/>
-                <a:ea typeface="微软雅黑" pitchFamily="34" charset="-122"/>
-              </a:rPr>
-              <a:t>，</a:t>
-            </a:r>
-            <a:r>
-              <a:rPr lang="en-US" altLang="zh-CN" dirty="0" smtClean="0">
-                <a:solidFill>
-                  <a:schemeClr val="tx1">
-                    <a:lumMod val="75000"/>
-                    <a:lumOff val="25000"/>
-                  </a:schemeClr>
-                </a:solidFill>
-                <a:latin typeface="微软雅黑" pitchFamily="34" charset="-122"/>
-                <a:ea typeface="微软雅黑" pitchFamily="34" charset="-122"/>
-              </a:rPr>
-              <a:t>B</a:t>
-            </a:r>
-            <a:r>
-              <a:rPr lang="zh-CN" altLang="en-US" dirty="0" smtClean="0">
-                <a:solidFill>
-                  <a:schemeClr val="tx1">
-                    <a:lumMod val="75000"/>
-                    <a:lumOff val="25000"/>
-                  </a:schemeClr>
-                </a:solidFill>
-                <a:latin typeface="微软雅黑" pitchFamily="34" charset="-122"/>
-                <a:ea typeface="微软雅黑" pitchFamily="34" charset="-122"/>
-              </a:rPr>
-              <a:t>，</a:t>
-            </a:r>
-            <a:r>
-              <a:rPr lang="en-US" altLang="zh-CN" dirty="0" smtClean="0">
-                <a:solidFill>
-                  <a:schemeClr val="tx1">
-                    <a:lumMod val="75000"/>
-                    <a:lumOff val="25000"/>
-                  </a:schemeClr>
-                </a:solidFill>
-                <a:latin typeface="微软雅黑" pitchFamily="34" charset="-122"/>
-                <a:ea typeface="微软雅黑" pitchFamily="34" charset="-122"/>
-              </a:rPr>
-              <a:t>C</a:t>
-            </a:r>
-            <a:r>
-              <a:rPr lang="zh-CN" altLang="en-US" dirty="0" smtClean="0">
-                <a:solidFill>
-                  <a:schemeClr val="tx1">
-                    <a:lumMod val="75000"/>
-                    <a:lumOff val="25000"/>
-                  </a:schemeClr>
-                </a:solidFill>
-                <a:latin typeface="微软雅黑" pitchFamily="34" charset="-122"/>
-                <a:ea typeface="微软雅黑" pitchFamily="34" charset="-122"/>
-              </a:rPr>
-              <a:t>为子表达式，子表达式数目不限，只有所有的子表达式都为</a:t>
-            </a:r>
-            <a:r>
-              <a:rPr lang="en-US" altLang="zh-CN" dirty="0" smtClean="0">
-                <a:solidFill>
-                  <a:schemeClr val="tx1">
-                    <a:lumMod val="75000"/>
-                    <a:lumOff val="25000"/>
-                  </a:schemeClr>
-                </a:solidFill>
-                <a:latin typeface="微软雅黑" pitchFamily="34" charset="-122"/>
-                <a:ea typeface="微软雅黑" pitchFamily="34" charset="-122"/>
-              </a:rPr>
-              <a:t>true</a:t>
-            </a:r>
-            <a:r>
-              <a:rPr lang="zh-CN" altLang="en-US" dirty="0" smtClean="0">
-                <a:solidFill>
-                  <a:schemeClr val="tx1">
-                    <a:lumMod val="75000"/>
-                    <a:lumOff val="25000"/>
-                  </a:schemeClr>
-                </a:solidFill>
-                <a:latin typeface="微软雅黑" pitchFamily="34" charset="-122"/>
-                <a:ea typeface="微软雅黑" pitchFamily="34" charset="-122"/>
-              </a:rPr>
-              <a:t>，整个表达式的值才为</a:t>
-            </a:r>
-            <a:r>
-              <a:rPr lang="en-US" altLang="zh-CN" dirty="0" smtClean="0">
-                <a:solidFill>
-                  <a:schemeClr val="tx1">
-                    <a:lumMod val="75000"/>
-                    <a:lumOff val="25000"/>
-                  </a:schemeClr>
-                </a:solidFill>
-                <a:latin typeface="微软雅黑" pitchFamily="34" charset="-122"/>
-                <a:ea typeface="微软雅黑" pitchFamily="34" charset="-122"/>
-              </a:rPr>
-              <a:t>true.</a:t>
-            </a:r>
-          </a:p>
-          <a:p>
-            <a:pPr>
-              <a:lnSpc>
-                <a:spcPct val="150000"/>
-              </a:lnSpc>
-            </a:pPr>
-            <a:r>
-              <a:rPr lang="zh-CN" altLang="en-US" dirty="0" smtClean="0">
-                <a:solidFill>
-                  <a:schemeClr val="tx1">
-                    <a:lumMod val="75000"/>
-                    <a:lumOff val="25000"/>
-                  </a:schemeClr>
-                </a:solidFill>
-                <a:latin typeface="微软雅黑" pitchFamily="34" charset="-122"/>
-                <a:ea typeface="微软雅黑" pitchFamily="34" charset="-122"/>
-              </a:rPr>
-              <a:t>判断为</a:t>
-            </a:r>
-            <a:r>
-              <a:rPr lang="en-US" altLang="zh-CN" dirty="0" smtClean="0">
-                <a:solidFill>
-                  <a:schemeClr val="tx1">
-                    <a:lumMod val="75000"/>
-                    <a:lumOff val="25000"/>
-                  </a:schemeClr>
-                </a:solidFill>
-                <a:latin typeface="微软雅黑" pitchFamily="34" charset="-122"/>
-                <a:ea typeface="微软雅黑" pitchFamily="34" charset="-122"/>
-              </a:rPr>
-              <a:t>true</a:t>
-            </a:r>
-            <a:r>
-              <a:rPr lang="zh-CN" altLang="en-US" dirty="0" smtClean="0">
-                <a:solidFill>
-                  <a:schemeClr val="tx1">
-                    <a:lumMod val="75000"/>
-                    <a:lumOff val="25000"/>
-                  </a:schemeClr>
-                </a:solidFill>
-                <a:latin typeface="微软雅黑" pitchFamily="34" charset="-122"/>
-                <a:ea typeface="微软雅黑" pitchFamily="34" charset="-122"/>
-              </a:rPr>
-              <a:t>的常见类型：</a:t>
-            </a:r>
-            <a:endParaRPr lang="en-US" altLang="zh-CN" dirty="0" smtClean="0">
-              <a:solidFill>
-                <a:schemeClr val="tx1">
-                  <a:lumMod val="75000"/>
-                  <a:lumOff val="25000"/>
-                </a:schemeClr>
-              </a:solidFill>
-              <a:latin typeface="微软雅黑" pitchFamily="34" charset="-122"/>
-              <a:ea typeface="微软雅黑" pitchFamily="34" charset="-122"/>
-            </a:endParaRPr>
-          </a:p>
-          <a:p>
-            <a:pPr>
-              <a:lnSpc>
-                <a:spcPct val="150000"/>
-              </a:lnSpc>
-            </a:pPr>
-            <a:r>
-              <a:rPr lang="en-US" altLang="zh-CN" dirty="0">
-                <a:solidFill>
-                  <a:schemeClr val="tx1">
-                    <a:lumMod val="75000"/>
-                    <a:lumOff val="25000"/>
-                  </a:schemeClr>
-                </a:solidFill>
-                <a:latin typeface="微软雅黑" pitchFamily="34" charset="-122"/>
-                <a:ea typeface="微软雅黑" pitchFamily="34" charset="-122"/>
-              </a:rPr>
-              <a:t>	</a:t>
-            </a:r>
-            <a:r>
-              <a:rPr lang="zh-CN" altLang="en-US" dirty="0" smtClean="0">
-                <a:solidFill>
-                  <a:schemeClr val="tx1">
-                    <a:lumMod val="75000"/>
-                    <a:lumOff val="25000"/>
-                  </a:schemeClr>
-                </a:solidFill>
-                <a:latin typeface="微软雅黑" pitchFamily="34" charset="-122"/>
-                <a:ea typeface="微软雅黑" pitchFamily="34" charset="-122"/>
-              </a:rPr>
-              <a:t>布尔值</a:t>
-            </a:r>
-            <a:r>
-              <a:rPr lang="en-US" altLang="zh-CN" dirty="0" smtClean="0">
-                <a:solidFill>
-                  <a:schemeClr val="tx1">
-                    <a:lumMod val="75000"/>
-                    <a:lumOff val="25000"/>
-                  </a:schemeClr>
-                </a:solidFill>
-                <a:latin typeface="微软雅黑" pitchFamily="34" charset="-122"/>
-                <a:ea typeface="微软雅黑" pitchFamily="34" charset="-122"/>
-              </a:rPr>
-              <a:t>true</a:t>
-            </a:r>
-            <a:r>
-              <a:rPr lang="zh-CN" altLang="en-US" dirty="0" smtClean="0">
-                <a:solidFill>
-                  <a:schemeClr val="tx1">
-                    <a:lumMod val="75000"/>
-                    <a:lumOff val="25000"/>
-                  </a:schemeClr>
-                </a:solidFill>
-                <a:latin typeface="微软雅黑" pitchFamily="34" charset="-122"/>
-                <a:ea typeface="微软雅黑" pitchFamily="34" charset="-122"/>
-              </a:rPr>
-              <a:t>，非零数值，对象，字符串</a:t>
-            </a:r>
-            <a:endParaRPr lang="en-US" altLang="zh-CN" dirty="0" smtClean="0">
-              <a:solidFill>
-                <a:schemeClr val="tx1">
-                  <a:lumMod val="75000"/>
-                  <a:lumOff val="25000"/>
-                </a:schemeClr>
-              </a:solidFill>
-              <a:latin typeface="微软雅黑" pitchFamily="34" charset="-122"/>
-              <a:ea typeface="微软雅黑" pitchFamily="34" charset="-122"/>
-            </a:endParaRPr>
-          </a:p>
-          <a:p>
-            <a:pPr>
-              <a:lnSpc>
-                <a:spcPct val="150000"/>
-              </a:lnSpc>
-            </a:pPr>
-            <a:r>
-              <a:rPr lang="zh-CN" altLang="en-US" dirty="0">
-                <a:solidFill>
-                  <a:schemeClr val="tx1">
-                    <a:lumMod val="75000"/>
-                    <a:lumOff val="25000"/>
-                  </a:schemeClr>
-                </a:solidFill>
-                <a:latin typeface="微软雅黑" pitchFamily="34" charset="-122"/>
-                <a:ea typeface="微软雅黑" pitchFamily="34" charset="-122"/>
-              </a:rPr>
-              <a:t>判断</a:t>
-            </a:r>
-            <a:r>
-              <a:rPr lang="zh-CN" altLang="en-US" dirty="0" smtClean="0">
-                <a:solidFill>
-                  <a:schemeClr val="tx1">
-                    <a:lumMod val="75000"/>
-                    <a:lumOff val="25000"/>
-                  </a:schemeClr>
-                </a:solidFill>
-                <a:latin typeface="微软雅黑" pitchFamily="34" charset="-122"/>
-                <a:ea typeface="微软雅黑" pitchFamily="34" charset="-122"/>
-              </a:rPr>
-              <a:t>为</a:t>
-            </a:r>
-            <a:r>
-              <a:rPr lang="en-US" altLang="zh-CN" dirty="0" smtClean="0">
-                <a:solidFill>
-                  <a:schemeClr val="tx1">
-                    <a:lumMod val="75000"/>
-                    <a:lumOff val="25000"/>
-                  </a:schemeClr>
-                </a:solidFill>
-                <a:latin typeface="微软雅黑" pitchFamily="34" charset="-122"/>
-                <a:ea typeface="微软雅黑" pitchFamily="34" charset="-122"/>
-              </a:rPr>
-              <a:t>false</a:t>
-            </a:r>
-            <a:r>
-              <a:rPr lang="zh-CN" altLang="en-US" dirty="0" smtClean="0">
-                <a:solidFill>
-                  <a:schemeClr val="tx1">
-                    <a:lumMod val="75000"/>
-                    <a:lumOff val="25000"/>
-                  </a:schemeClr>
-                </a:solidFill>
-                <a:latin typeface="微软雅黑" pitchFamily="34" charset="-122"/>
-                <a:ea typeface="微软雅黑" pitchFamily="34" charset="-122"/>
-              </a:rPr>
-              <a:t>的常见类型：</a:t>
-            </a:r>
-            <a:endParaRPr lang="en-US" altLang="zh-CN" dirty="0" smtClean="0">
-              <a:solidFill>
-                <a:schemeClr val="tx1">
-                  <a:lumMod val="75000"/>
-                  <a:lumOff val="25000"/>
-                </a:schemeClr>
-              </a:solidFill>
-              <a:latin typeface="微软雅黑" pitchFamily="34" charset="-122"/>
-              <a:ea typeface="微软雅黑" pitchFamily="34" charset="-122"/>
-            </a:endParaRPr>
-          </a:p>
-          <a:p>
-            <a:pPr>
-              <a:lnSpc>
-                <a:spcPct val="150000"/>
-              </a:lnSpc>
-            </a:pPr>
-            <a:r>
-              <a:rPr lang="en-US" altLang="zh-CN" dirty="0">
-                <a:solidFill>
-                  <a:schemeClr val="tx1">
-                    <a:lumMod val="75000"/>
-                    <a:lumOff val="25000"/>
-                  </a:schemeClr>
-                </a:solidFill>
-                <a:latin typeface="微软雅黑" pitchFamily="34" charset="-122"/>
-                <a:ea typeface="微软雅黑" pitchFamily="34" charset="-122"/>
-              </a:rPr>
-              <a:t>	</a:t>
-            </a:r>
-            <a:r>
-              <a:rPr lang="zh-CN" altLang="en-US" dirty="0" smtClean="0">
-                <a:solidFill>
-                  <a:schemeClr val="tx1">
-                    <a:lumMod val="75000"/>
-                    <a:lumOff val="25000"/>
-                  </a:schemeClr>
-                </a:solidFill>
-                <a:latin typeface="微软雅黑" pitchFamily="34" charset="-122"/>
-                <a:ea typeface="微软雅黑" pitchFamily="34" charset="-122"/>
-              </a:rPr>
-              <a:t>布尔值</a:t>
-            </a:r>
-            <a:r>
-              <a:rPr lang="en-US" altLang="zh-CN" dirty="0" smtClean="0">
-                <a:solidFill>
-                  <a:schemeClr val="tx1">
-                    <a:lumMod val="75000"/>
-                    <a:lumOff val="25000"/>
-                  </a:schemeClr>
-                </a:solidFill>
-                <a:latin typeface="微软雅黑" pitchFamily="34" charset="-122"/>
-                <a:ea typeface="微软雅黑" pitchFamily="34" charset="-122"/>
-              </a:rPr>
-              <a:t>false</a:t>
-            </a:r>
-            <a:r>
-              <a:rPr lang="zh-CN" altLang="en-US" dirty="0" smtClean="0">
-                <a:solidFill>
-                  <a:schemeClr val="tx1">
-                    <a:lumMod val="75000"/>
-                    <a:lumOff val="25000"/>
-                  </a:schemeClr>
-                </a:solidFill>
-                <a:latin typeface="微软雅黑" pitchFamily="34" charset="-122"/>
-                <a:ea typeface="微软雅黑" pitchFamily="34" charset="-122"/>
-              </a:rPr>
-              <a:t>，数值</a:t>
-            </a:r>
-            <a:r>
-              <a:rPr lang="en-US" altLang="zh-CN" dirty="0" smtClean="0">
-                <a:solidFill>
-                  <a:schemeClr val="tx1">
-                    <a:lumMod val="75000"/>
-                    <a:lumOff val="25000"/>
-                  </a:schemeClr>
-                </a:solidFill>
-                <a:latin typeface="微软雅黑" pitchFamily="34" charset="-122"/>
-                <a:ea typeface="微软雅黑" pitchFamily="34" charset="-122"/>
-              </a:rPr>
-              <a:t>0</a:t>
-            </a:r>
-            <a:r>
-              <a:rPr lang="zh-CN" altLang="en-US" dirty="0" smtClean="0">
-                <a:solidFill>
-                  <a:schemeClr val="tx1">
-                    <a:lumMod val="75000"/>
-                    <a:lumOff val="25000"/>
-                  </a:schemeClr>
-                </a:solidFill>
-                <a:latin typeface="微软雅黑" pitchFamily="34" charset="-122"/>
-                <a:ea typeface="微软雅黑" pitchFamily="34" charset="-122"/>
-              </a:rPr>
-              <a:t>，</a:t>
-            </a:r>
-            <a:r>
-              <a:rPr lang="zh-CN" altLang="en-US" dirty="0">
-                <a:solidFill>
-                  <a:schemeClr val="tx1">
-                    <a:lumMod val="75000"/>
-                    <a:lumOff val="25000"/>
-                  </a:schemeClr>
-                </a:solidFill>
-                <a:latin typeface="微软雅黑" pitchFamily="34" charset="-122"/>
-                <a:ea typeface="微软雅黑" pitchFamily="34" charset="-122"/>
-              </a:rPr>
-              <a:t>空</a:t>
-            </a:r>
-            <a:r>
-              <a:rPr lang="zh-CN" altLang="en-US" dirty="0" smtClean="0">
-                <a:solidFill>
-                  <a:schemeClr val="tx1">
-                    <a:lumMod val="75000"/>
-                    <a:lumOff val="25000"/>
-                  </a:schemeClr>
-                </a:solidFill>
-                <a:latin typeface="微软雅黑" pitchFamily="34" charset="-122"/>
-                <a:ea typeface="微软雅黑" pitchFamily="34" charset="-122"/>
-              </a:rPr>
-              <a:t>对象（</a:t>
-            </a:r>
-            <a:r>
-              <a:rPr lang="en-US" altLang="zh-CN" dirty="0" smtClean="0">
-                <a:solidFill>
-                  <a:schemeClr val="tx1">
-                    <a:lumMod val="75000"/>
-                    <a:lumOff val="25000"/>
-                  </a:schemeClr>
-                </a:solidFill>
-                <a:latin typeface="微软雅黑" pitchFamily="34" charset="-122"/>
-                <a:ea typeface="微软雅黑" pitchFamily="34" charset="-122"/>
-              </a:rPr>
-              <a:t>null)</a:t>
-            </a:r>
-            <a:r>
-              <a:rPr lang="zh-CN" altLang="en-US" dirty="0" smtClean="0">
-                <a:solidFill>
-                  <a:schemeClr val="tx1">
-                    <a:lumMod val="75000"/>
-                    <a:lumOff val="25000"/>
-                  </a:schemeClr>
-                </a:solidFill>
-                <a:latin typeface="微软雅黑" pitchFamily="34" charset="-122"/>
-                <a:ea typeface="微软雅黑" pitchFamily="34" charset="-122"/>
-              </a:rPr>
-              <a:t>，未定义变量（</a:t>
-            </a:r>
-            <a:r>
-              <a:rPr lang="en-US" altLang="zh-CN" dirty="0" err="1" smtClean="0">
-                <a:solidFill>
-                  <a:schemeClr val="tx1">
-                    <a:lumMod val="75000"/>
-                    <a:lumOff val="25000"/>
-                  </a:schemeClr>
-                </a:solidFill>
-                <a:latin typeface="微软雅黑" pitchFamily="34" charset="-122"/>
-                <a:ea typeface="微软雅黑" pitchFamily="34" charset="-122"/>
-              </a:rPr>
-              <a:t>undefine</a:t>
-            </a:r>
-            <a:r>
-              <a:rPr lang="en-US" altLang="zh-CN" dirty="0" smtClean="0">
-                <a:solidFill>
-                  <a:schemeClr val="tx1">
-                    <a:lumMod val="75000"/>
-                    <a:lumOff val="25000"/>
-                  </a:schemeClr>
-                </a:solidFill>
-                <a:latin typeface="微软雅黑" pitchFamily="34" charset="-122"/>
-                <a:ea typeface="微软雅黑" pitchFamily="34" charset="-122"/>
-              </a:rPr>
-              <a:t>)</a:t>
-            </a:r>
-          </a:p>
-          <a:p>
-            <a:pPr>
-              <a:lnSpc>
-                <a:spcPct val="150000"/>
-              </a:lnSpc>
-            </a:pPr>
-            <a:r>
-              <a:rPr lang="zh-CN" altLang="en-US" dirty="0" smtClean="0">
-                <a:solidFill>
-                  <a:schemeClr val="tx1">
-                    <a:lumMod val="75000"/>
-                    <a:lumOff val="25000"/>
-                  </a:schemeClr>
-                </a:solidFill>
-                <a:latin typeface="微软雅黑" pitchFamily="34" charset="-122"/>
-                <a:ea typeface="微软雅黑" pitchFamily="34" charset="-122"/>
-              </a:rPr>
-              <a:t>与表达式是可以赋值给给其他变量的，它的值的分两种情况：</a:t>
-            </a:r>
-            <a:endParaRPr lang="en-US" altLang="zh-CN" dirty="0" smtClean="0">
-              <a:solidFill>
-                <a:schemeClr val="tx1">
-                  <a:lumMod val="75000"/>
-                  <a:lumOff val="25000"/>
-                </a:schemeClr>
-              </a:solidFill>
-              <a:latin typeface="微软雅黑" pitchFamily="34" charset="-122"/>
-              <a:ea typeface="微软雅黑" pitchFamily="34" charset="-122"/>
-            </a:endParaRPr>
-          </a:p>
-          <a:p>
-            <a:pPr marL="285750" indent="-285750">
-              <a:lnSpc>
-                <a:spcPct val="150000"/>
-              </a:lnSpc>
-              <a:buFont typeface="Arial" pitchFamily="34" charset="0"/>
-              <a:buChar char="•"/>
-            </a:pPr>
-            <a:r>
-              <a:rPr lang="zh-CN" altLang="en-US" dirty="0" smtClean="0">
-                <a:solidFill>
-                  <a:schemeClr val="tx1">
-                    <a:lumMod val="75000"/>
-                    <a:lumOff val="25000"/>
-                  </a:schemeClr>
-                </a:solidFill>
-                <a:latin typeface="微软雅黑" pitchFamily="34" charset="-122"/>
-                <a:ea typeface="微软雅黑" pitchFamily="34" charset="-122"/>
-              </a:rPr>
-              <a:t>如果整个表达式的值为</a:t>
-            </a:r>
-            <a:r>
-              <a:rPr lang="en-US" altLang="zh-CN" b="1" dirty="0" smtClean="0">
-                <a:solidFill>
-                  <a:schemeClr val="tx1">
-                    <a:lumMod val="75000"/>
-                    <a:lumOff val="25000"/>
-                  </a:schemeClr>
-                </a:solidFill>
-                <a:latin typeface="微软雅黑" pitchFamily="34" charset="-122"/>
-                <a:ea typeface="微软雅黑" pitchFamily="34" charset="-122"/>
-              </a:rPr>
-              <a:t>true</a:t>
-            </a:r>
-            <a:r>
-              <a:rPr lang="zh-CN" altLang="en-US" dirty="0" smtClean="0">
-                <a:solidFill>
-                  <a:schemeClr val="tx1">
-                    <a:lumMod val="75000"/>
-                    <a:lumOff val="25000"/>
-                  </a:schemeClr>
-                </a:solidFill>
-                <a:latin typeface="微软雅黑" pitchFamily="34" charset="-122"/>
-                <a:ea typeface="微软雅黑" pitchFamily="34" charset="-122"/>
-              </a:rPr>
-              <a:t>，则整个表达式的值，是</a:t>
-            </a:r>
-            <a:r>
-              <a:rPr lang="zh-CN" altLang="en-US" dirty="0" smtClean="0">
-                <a:solidFill>
-                  <a:srgbClr val="FF0000"/>
-                </a:solidFill>
-                <a:latin typeface="微软雅黑" pitchFamily="34" charset="-122"/>
-                <a:ea typeface="微软雅黑" pitchFamily="34" charset="-122"/>
-              </a:rPr>
-              <a:t>最后一个为</a:t>
-            </a:r>
-            <a:r>
-              <a:rPr lang="en-US" altLang="zh-CN" b="1" dirty="0" smtClean="0">
-                <a:solidFill>
-                  <a:srgbClr val="FF0000"/>
-                </a:solidFill>
-                <a:latin typeface="微软雅黑" pitchFamily="34" charset="-122"/>
-                <a:ea typeface="微软雅黑" pitchFamily="34" charset="-122"/>
-              </a:rPr>
-              <a:t>true</a:t>
-            </a:r>
-            <a:r>
-              <a:rPr lang="zh-CN" altLang="en-US" dirty="0" smtClean="0">
-                <a:solidFill>
-                  <a:srgbClr val="FF0000"/>
-                </a:solidFill>
-                <a:latin typeface="微软雅黑" pitchFamily="34" charset="-122"/>
-                <a:ea typeface="微软雅黑" pitchFamily="34" charset="-122"/>
-              </a:rPr>
-              <a:t>的，子表达式的值</a:t>
-            </a:r>
-            <a:r>
-              <a:rPr lang="zh-CN" altLang="en-US" dirty="0" smtClean="0">
-                <a:solidFill>
-                  <a:schemeClr val="tx1">
-                    <a:lumMod val="75000"/>
-                    <a:lumOff val="25000"/>
-                  </a:schemeClr>
-                </a:solidFill>
-                <a:latin typeface="微软雅黑" pitchFamily="34" charset="-122"/>
-                <a:ea typeface="微软雅黑" pitchFamily="34" charset="-122"/>
-              </a:rPr>
-              <a:t>；</a:t>
-            </a:r>
-            <a:endParaRPr lang="en-US" altLang="zh-CN" dirty="0" smtClean="0">
-              <a:solidFill>
-                <a:schemeClr val="tx1">
-                  <a:lumMod val="75000"/>
-                  <a:lumOff val="25000"/>
-                </a:schemeClr>
-              </a:solidFill>
-              <a:latin typeface="微软雅黑" pitchFamily="34" charset="-122"/>
-              <a:ea typeface="微软雅黑" pitchFamily="34" charset="-122"/>
-            </a:endParaRPr>
-          </a:p>
-          <a:p>
-            <a:pPr marL="285750" indent="-285750">
-              <a:lnSpc>
-                <a:spcPct val="150000"/>
-              </a:lnSpc>
-              <a:buFont typeface="Arial" pitchFamily="34" charset="0"/>
-              <a:buChar char="•"/>
-            </a:pPr>
-            <a:r>
-              <a:rPr lang="zh-CN" altLang="en-US" dirty="0" smtClean="0">
-                <a:solidFill>
-                  <a:schemeClr val="tx1">
-                    <a:lumMod val="75000"/>
-                    <a:lumOff val="25000"/>
-                  </a:schemeClr>
-                </a:solidFill>
-                <a:latin typeface="微软雅黑" pitchFamily="34" charset="-122"/>
-                <a:ea typeface="微软雅黑" pitchFamily="34" charset="-122"/>
-              </a:rPr>
-              <a:t>如果表达式的值为</a:t>
-            </a:r>
-            <a:r>
-              <a:rPr lang="en-US" altLang="zh-CN" b="1" dirty="0" smtClean="0">
-                <a:solidFill>
-                  <a:schemeClr val="tx1">
-                    <a:lumMod val="75000"/>
-                    <a:lumOff val="25000"/>
-                  </a:schemeClr>
-                </a:solidFill>
-                <a:latin typeface="微软雅黑" pitchFamily="34" charset="-122"/>
-                <a:ea typeface="微软雅黑" pitchFamily="34" charset="-122"/>
-              </a:rPr>
-              <a:t>false</a:t>
-            </a:r>
-            <a:r>
-              <a:rPr lang="zh-CN" altLang="en-US" dirty="0">
-                <a:solidFill>
-                  <a:schemeClr val="tx1">
-                    <a:lumMod val="75000"/>
-                    <a:lumOff val="25000"/>
-                  </a:schemeClr>
-                </a:solidFill>
-                <a:latin typeface="微软雅黑" pitchFamily="34" charset="-122"/>
-                <a:ea typeface="微软雅黑" pitchFamily="34" charset="-122"/>
-              </a:rPr>
-              <a:t>，</a:t>
-            </a:r>
-            <a:r>
-              <a:rPr lang="zh-CN" altLang="en-US" dirty="0" smtClean="0">
-                <a:solidFill>
-                  <a:schemeClr val="tx1">
-                    <a:lumMod val="75000"/>
-                    <a:lumOff val="25000"/>
-                  </a:schemeClr>
-                </a:solidFill>
-                <a:latin typeface="微软雅黑" pitchFamily="34" charset="-122"/>
-                <a:ea typeface="微软雅黑" pitchFamily="34" charset="-122"/>
-              </a:rPr>
-              <a:t>则整个表达式的值，为</a:t>
-            </a:r>
-            <a:r>
-              <a:rPr lang="zh-CN" altLang="en-US" dirty="0" smtClean="0">
-                <a:solidFill>
-                  <a:srgbClr val="FF0000"/>
-                </a:solidFill>
-                <a:latin typeface="微软雅黑" pitchFamily="34" charset="-122"/>
-                <a:ea typeface="微软雅黑" pitchFamily="34" charset="-122"/>
-              </a:rPr>
-              <a:t>第一个为</a:t>
-            </a:r>
-            <a:r>
-              <a:rPr lang="en-US" altLang="zh-CN" b="1" dirty="0" smtClean="0">
-                <a:solidFill>
-                  <a:srgbClr val="FF0000"/>
-                </a:solidFill>
-                <a:latin typeface="微软雅黑" pitchFamily="34" charset="-122"/>
-                <a:ea typeface="微软雅黑" pitchFamily="34" charset="-122"/>
-              </a:rPr>
-              <a:t>false</a:t>
-            </a:r>
-            <a:r>
-              <a:rPr lang="zh-CN" altLang="en-US" dirty="0" smtClean="0">
-                <a:solidFill>
-                  <a:srgbClr val="FF0000"/>
-                </a:solidFill>
-                <a:latin typeface="微软雅黑" pitchFamily="34" charset="-122"/>
-                <a:ea typeface="微软雅黑" pitchFamily="34" charset="-122"/>
-              </a:rPr>
-              <a:t>的子表达式的值</a:t>
-            </a:r>
-            <a:r>
-              <a:rPr lang="zh-CN" altLang="en-US" dirty="0" smtClean="0">
-                <a:solidFill>
-                  <a:schemeClr val="tx1">
-                    <a:lumMod val="75000"/>
-                    <a:lumOff val="25000"/>
-                  </a:schemeClr>
-                </a:solidFill>
-                <a:latin typeface="微软雅黑" pitchFamily="34" charset="-122"/>
-                <a:ea typeface="微软雅黑" pitchFamily="34" charset="-122"/>
-              </a:rPr>
-              <a:t>。</a:t>
-            </a:r>
-            <a:endParaRPr lang="en-US" altLang="zh-CN" dirty="0" smtClean="0">
-              <a:solidFill>
-                <a:schemeClr val="tx1">
-                  <a:lumMod val="75000"/>
-                  <a:lumOff val="25000"/>
-                </a:schemeClr>
-              </a:solidFill>
-              <a:latin typeface="微软雅黑" pitchFamily="34" charset="-122"/>
-              <a:ea typeface="微软雅黑" pitchFamily="34" charset="-122"/>
-            </a:endParaRPr>
-          </a:p>
-          <a:p>
-            <a:pPr>
-              <a:lnSpc>
-                <a:spcPct val="150000"/>
-              </a:lnSpc>
-            </a:pPr>
-            <a:r>
-              <a:rPr lang="zh-CN" altLang="en-US" dirty="0">
-                <a:solidFill>
-                  <a:schemeClr val="tx1">
-                    <a:lumMod val="75000"/>
-                    <a:lumOff val="25000"/>
-                  </a:schemeClr>
-                </a:solidFill>
-                <a:latin typeface="微软雅黑" pitchFamily="34" charset="-122"/>
-                <a:ea typeface="微软雅黑" pitchFamily="34" charset="-122"/>
-              </a:rPr>
-              <a:t>如下</a:t>
-            </a:r>
-            <a:r>
-              <a:rPr lang="zh-CN" altLang="en-US" dirty="0" smtClean="0">
-                <a:solidFill>
-                  <a:schemeClr val="tx1">
-                    <a:lumMod val="75000"/>
-                    <a:lumOff val="25000"/>
-                  </a:schemeClr>
-                </a:solidFill>
-                <a:latin typeface="微软雅黑" pitchFamily="34" charset="-122"/>
-                <a:ea typeface="微软雅黑" pitchFamily="34" charset="-122"/>
-              </a:rPr>
-              <a:t>图所示</a:t>
-            </a:r>
-            <a:endParaRPr lang="en-US" altLang="zh-CN" dirty="0">
-              <a:solidFill>
-                <a:schemeClr val="tx1">
-                  <a:lumMod val="75000"/>
-                  <a:lumOff val="25000"/>
-                </a:schemeClr>
-              </a:solidFill>
-              <a:latin typeface="微软雅黑" pitchFamily="34" charset="-122"/>
-              <a:ea typeface="微软雅黑" pitchFamily="34" charset="-122"/>
-            </a:endParaRPr>
-          </a:p>
-        </p:txBody>
-      </p:sp>
-    </p:spTree>
-    <p:extLst>
-      <p:ext uri="{BB962C8B-B14F-4D97-AF65-F5344CB8AC3E}">
-        <p14:creationId xmlns:p14="http://schemas.microsoft.com/office/powerpoint/2010/main" val="513439149"/>
-      </p:ext>
-    </p:extLst>
-  </p:cSld>
-  <p:clrMapOvr>
-    <a:masterClrMapping/>
-  </p:clrMapOvr>
-  <p:timing>
-    <p:tnLst>
-      <p:par>
-        <p:cTn id="1" dur="indefinite" restart="never" nodeType="tmRoot"/>
-      </p:par>
-    </p:tnLst>
-  </p:timing>
-</p:sld>
-</file>
-
-<file path=ppt/slides/slide8.xml><?xml version="1.0" encoding="utf-8"?>
+<file path=ppt/slides/slide6.xml><?xml version="1.0" encoding="utf-8"?>
 <p:sld xmlns:a="http://schemas.openxmlformats.org/drawingml/2006/main" xmlns:r="http://schemas.openxmlformats.org/officeDocument/2006/relationships" xmlns:p="http://schemas.openxmlformats.org/presentationml/2006/main">
   <p:cSld>
     <p:spTree>
@@ -7966,8 +8625,8 @@
         </p:blipFill>
         <p:spPr>
           <a:xfrm>
-            <a:off x="1691680" y="739069"/>
-            <a:ext cx="2951759" cy="3188350"/>
+            <a:off x="1259632" y="548680"/>
+            <a:ext cx="2819794" cy="3019846"/>
           </a:xfrm>
           <a:prstGeom prst="rect">
             <a:avLst/>
@@ -7986,31 +8645,1148 @@
       </p:pic>
       <p:sp>
         <p:nvSpPr>
-          <p:cNvPr id="3" name="圆角矩形标注 2"/>
+          <p:cNvPr id="12" name="圆角矩形标注 11"/>
           <p:cNvSpPr/>
           <p:nvPr/>
         </p:nvSpPr>
         <p:spPr>
           <a:xfrm>
-            <a:off x="4643439" y="595053"/>
-            <a:ext cx="2711686" cy="701883"/>
+            <a:off x="4211960" y="2062532"/>
+            <a:ext cx="1656184" cy="432048"/>
           </a:xfrm>
           <a:prstGeom prst="wedgeRoundRectCallout">
             <a:avLst>
-              <a:gd name="adj1" fmla="val -61046"/>
-              <a:gd name="adj2" fmla="val -20824"/>
+              <a:gd name="adj1" fmla="val -65978"/>
+              <a:gd name="adj2" fmla="val 14412"/>
               <a:gd name="adj3" fmla="val 16667"/>
             </a:avLst>
           </a:prstGeom>
         </p:spPr>
         <p:style>
           <a:lnRef idx="2">
-            <a:schemeClr val="accent6"/>
+            <a:schemeClr val="accent5"/>
           </a:lnRef>
           <a:fillRef idx="1">
             <a:schemeClr val="lt1"/>
           </a:fillRef>
           <a:effectRef idx="0">
+            <a:schemeClr val="accent5"/>
+          </a:effectRef>
+          <a:fontRef idx="minor">
+            <a:schemeClr val="dk1"/>
+          </a:fontRef>
+        </p:style>
+        <p:txBody>
+          <a:bodyPr rtlCol="0" anchor="ctr"/>
+          <a:lstStyle/>
+          <a:p>
+            <a:pPr>
+              <a:lnSpc>
+                <a:spcPct val="150000"/>
+              </a:lnSpc>
+            </a:pPr>
+            <a:r>
+              <a:rPr lang="zh-CN" altLang="en-US" sz="1400" dirty="0" smtClean="0">
+                <a:latin typeface="微软雅黑" panose="020B0503020204020204" pitchFamily="34" charset="-122"/>
+                <a:ea typeface="微软雅黑" panose="020B0503020204020204" pitchFamily="34" charset="-122"/>
+              </a:rPr>
+              <a:t>绝对定位完全重合</a:t>
+            </a:r>
+            <a:endParaRPr lang="zh-CN" altLang="en-US" sz="1400" dirty="0">
+              <a:latin typeface="微软雅黑" panose="020B0503020204020204" pitchFamily="34" charset="-122"/>
+              <a:ea typeface="微软雅黑" panose="020B0503020204020204" pitchFamily="34" charset="-122"/>
+            </a:endParaRPr>
+          </a:p>
+        </p:txBody>
+      </p:sp>
+      <p:sp>
+        <p:nvSpPr>
+          <p:cNvPr id="14" name="圆角矩形标注 13"/>
+          <p:cNvSpPr/>
+          <p:nvPr/>
+        </p:nvSpPr>
+        <p:spPr>
+          <a:xfrm>
+            <a:off x="4096628" y="764704"/>
+            <a:ext cx="1152128" cy="432048"/>
+          </a:xfrm>
+          <a:prstGeom prst="wedgeRoundRectCallout">
+            <a:avLst>
+              <a:gd name="adj1" fmla="val -65978"/>
+              <a:gd name="adj2" fmla="val 14412"/>
+              <a:gd name="adj3" fmla="val 16667"/>
+            </a:avLst>
+          </a:prstGeom>
+        </p:spPr>
+        <p:style>
+          <a:lnRef idx="2">
+            <a:schemeClr val="accent5"/>
+          </a:lnRef>
+          <a:fillRef idx="1">
+            <a:schemeClr val="lt1"/>
+          </a:fillRef>
+          <a:effectRef idx="0">
+            <a:schemeClr val="accent5"/>
+          </a:effectRef>
+          <a:fontRef idx="minor">
+            <a:schemeClr val="dk1"/>
+          </a:fontRef>
+        </p:style>
+        <p:txBody>
+          <a:bodyPr rtlCol="0" anchor="ctr"/>
+          <a:lstStyle/>
+          <a:p>
+            <a:pPr>
+              <a:lnSpc>
+                <a:spcPct val="150000"/>
+              </a:lnSpc>
+            </a:pPr>
+            <a:r>
+              <a:rPr lang="zh-CN" altLang="en-US" sz="1400" dirty="0" smtClean="0">
+                <a:latin typeface="微软雅黑" panose="020B0503020204020204" pitchFamily="34" charset="-122"/>
+                <a:ea typeface="微软雅黑" panose="020B0503020204020204" pitchFamily="34" charset="-122"/>
+              </a:rPr>
+              <a:t>相对定位</a:t>
+            </a:r>
+            <a:endParaRPr lang="zh-CN" altLang="en-US" sz="1400" dirty="0">
+              <a:latin typeface="微软雅黑" panose="020B0503020204020204" pitchFamily="34" charset="-122"/>
+              <a:ea typeface="微软雅黑" panose="020B0503020204020204" pitchFamily="34" charset="-122"/>
+            </a:endParaRPr>
+          </a:p>
+        </p:txBody>
+      </p:sp>
+      <p:pic>
+        <p:nvPicPr>
+          <p:cNvPr id="6" name="图片 5" descr="屏幕剪辑"/>
+          <p:cNvPicPr>
+            <a:picLocks noChangeAspect="1"/>
+          </p:cNvPicPr>
+          <p:nvPr/>
+        </p:nvPicPr>
+        <p:blipFill>
+          <a:blip r:embed="rId3">
+            <a:extLst>
+              <a:ext uri="{28A0092B-C50C-407E-A947-70E740481C1C}">
+                <a14:useLocalDpi xmlns:a14="http://schemas.microsoft.com/office/drawing/2010/main" val="0"/>
+              </a:ext>
+            </a:extLst>
+          </a:blip>
+          <a:stretch>
+            <a:fillRect/>
+          </a:stretch>
+        </p:blipFill>
+        <p:spPr>
+          <a:xfrm>
+            <a:off x="1259632" y="3717032"/>
+            <a:ext cx="3610479" cy="2705478"/>
+          </a:xfrm>
+          <a:prstGeom prst="rect">
+            <a:avLst/>
+          </a:prstGeom>
+          <a:ln>
+            <a:noFill/>
+          </a:ln>
+          <a:effectLst>
+            <a:outerShdw blurRad="292100" dist="139700" dir="2700000" algn="tl" rotWithShape="0">
+              <a:srgbClr val="333333">
+                <a:alpha val="65000"/>
+              </a:srgbClr>
+            </a:outerShdw>
+          </a:effectLst>
+        </p:spPr>
+      </p:pic>
+      <p:sp>
+        <p:nvSpPr>
+          <p:cNvPr id="15" name="圆角矩形标注 14"/>
+          <p:cNvSpPr/>
+          <p:nvPr/>
+        </p:nvSpPr>
+        <p:spPr>
+          <a:xfrm>
+            <a:off x="3458756" y="4293096"/>
+            <a:ext cx="1905331" cy="432048"/>
+          </a:xfrm>
+          <a:prstGeom prst="wedgeRoundRectCallout">
+            <a:avLst>
+              <a:gd name="adj1" fmla="val -65978"/>
+              <a:gd name="adj2" fmla="val 14412"/>
+              <a:gd name="adj3" fmla="val 16667"/>
+            </a:avLst>
+          </a:prstGeom>
+        </p:spPr>
+        <p:style>
+          <a:lnRef idx="2">
+            <a:schemeClr val="accent5"/>
+          </a:lnRef>
+          <a:fillRef idx="1">
+            <a:schemeClr val="lt1"/>
+          </a:fillRef>
+          <a:effectRef idx="0">
+            <a:schemeClr val="accent5"/>
+          </a:effectRef>
+          <a:fontRef idx="minor">
+            <a:schemeClr val="dk1"/>
+          </a:fontRef>
+        </p:style>
+        <p:txBody>
+          <a:bodyPr rtlCol="0" anchor="ctr"/>
+          <a:lstStyle/>
+          <a:p>
+            <a:pPr>
+              <a:lnSpc>
+                <a:spcPct val="150000"/>
+              </a:lnSpc>
+            </a:pPr>
+            <a:r>
+              <a:rPr lang="zh-CN" altLang="en-US" sz="1400" dirty="0" smtClean="0">
+                <a:latin typeface="微软雅黑" panose="020B0503020204020204" pitchFamily="34" charset="-122"/>
+                <a:ea typeface="微软雅黑" panose="020B0503020204020204" pitchFamily="34" charset="-122"/>
+              </a:rPr>
+              <a:t>翻折部分，层次最高</a:t>
+            </a:r>
+            <a:endParaRPr lang="zh-CN" altLang="en-US" sz="1400" dirty="0">
+              <a:latin typeface="微软雅黑" panose="020B0503020204020204" pitchFamily="34" charset="-122"/>
+              <a:ea typeface="微软雅黑" panose="020B0503020204020204" pitchFamily="34" charset="-122"/>
+            </a:endParaRPr>
+          </a:p>
+        </p:txBody>
+      </p:sp>
+      <p:sp>
+        <p:nvSpPr>
+          <p:cNvPr id="18" name="圆角矩形标注 17"/>
+          <p:cNvSpPr/>
+          <p:nvPr/>
+        </p:nvSpPr>
+        <p:spPr>
+          <a:xfrm>
+            <a:off x="3381028" y="5805264"/>
+            <a:ext cx="1905331" cy="432048"/>
+          </a:xfrm>
+          <a:prstGeom prst="wedgeRoundRectCallout">
+            <a:avLst>
+              <a:gd name="adj1" fmla="val -65978"/>
+              <a:gd name="adj2" fmla="val 14412"/>
+              <a:gd name="adj3" fmla="val 16667"/>
+            </a:avLst>
+          </a:prstGeom>
+        </p:spPr>
+        <p:style>
+          <a:lnRef idx="2">
+            <a:schemeClr val="accent5"/>
+          </a:lnRef>
+          <a:fillRef idx="1">
+            <a:schemeClr val="lt1"/>
+          </a:fillRef>
+          <a:effectRef idx="0">
+            <a:schemeClr val="accent5"/>
+          </a:effectRef>
+          <a:fontRef idx="minor">
+            <a:schemeClr val="dk1"/>
+          </a:fontRef>
+        </p:style>
+        <p:txBody>
+          <a:bodyPr rtlCol="0" anchor="ctr"/>
+          <a:lstStyle/>
+          <a:p>
+            <a:pPr>
+              <a:lnSpc>
+                <a:spcPct val="150000"/>
+              </a:lnSpc>
+            </a:pPr>
+            <a:r>
+              <a:rPr lang="zh-CN" altLang="en-US" sz="1400" dirty="0" smtClean="0">
+                <a:latin typeface="微软雅黑" panose="020B0503020204020204" pitchFamily="34" charset="-122"/>
+                <a:ea typeface="微软雅黑" panose="020B0503020204020204" pitchFamily="34" charset="-122"/>
+              </a:rPr>
+              <a:t>投影部分在中间</a:t>
+            </a:r>
+            <a:endParaRPr lang="zh-CN" altLang="en-US" sz="1400" dirty="0">
+              <a:latin typeface="微软雅黑" panose="020B0503020204020204" pitchFamily="34" charset="-122"/>
+              <a:ea typeface="微软雅黑" panose="020B0503020204020204" pitchFamily="34" charset="-122"/>
+            </a:endParaRPr>
+          </a:p>
+        </p:txBody>
+      </p:sp>
+      <p:sp>
+        <p:nvSpPr>
+          <p:cNvPr id="19" name="圆角矩形标注 18"/>
+          <p:cNvSpPr/>
+          <p:nvPr/>
+        </p:nvSpPr>
+        <p:spPr>
+          <a:xfrm>
+            <a:off x="4499993" y="5229200"/>
+            <a:ext cx="1368152" cy="432048"/>
+          </a:xfrm>
+          <a:prstGeom prst="wedgeRoundRectCallout">
+            <a:avLst>
+              <a:gd name="adj1" fmla="val -65978"/>
+              <a:gd name="adj2" fmla="val 14412"/>
+              <a:gd name="adj3" fmla="val 16667"/>
+            </a:avLst>
+          </a:prstGeom>
+        </p:spPr>
+        <p:style>
+          <a:lnRef idx="2">
+            <a:schemeClr val="accent5"/>
+          </a:lnRef>
+          <a:fillRef idx="1">
+            <a:schemeClr val="lt1"/>
+          </a:fillRef>
+          <a:effectRef idx="0">
+            <a:schemeClr val="accent5"/>
+          </a:effectRef>
+          <a:fontRef idx="minor">
+            <a:schemeClr val="dk1"/>
+          </a:fontRef>
+        </p:style>
+        <p:txBody>
+          <a:bodyPr rtlCol="0" anchor="ctr"/>
+          <a:lstStyle/>
+          <a:p>
+            <a:pPr>
+              <a:lnSpc>
+                <a:spcPct val="150000"/>
+              </a:lnSpc>
+            </a:pPr>
+            <a:r>
+              <a:rPr lang="zh-CN" altLang="en-US" sz="1400" dirty="0" smtClean="0">
+                <a:latin typeface="微软雅黑" panose="020B0503020204020204" pitchFamily="34" charset="-122"/>
+                <a:ea typeface="微软雅黑" panose="020B0503020204020204" pitchFamily="34" charset="-122"/>
+              </a:rPr>
+              <a:t>半透明的阴影</a:t>
+            </a:r>
+            <a:endParaRPr lang="zh-CN" altLang="en-US" sz="1400" dirty="0">
+              <a:latin typeface="微软雅黑" panose="020B0503020204020204" pitchFamily="34" charset="-122"/>
+              <a:ea typeface="微软雅黑" panose="020B0503020204020204" pitchFamily="34" charset="-122"/>
+            </a:endParaRPr>
+          </a:p>
+        </p:txBody>
+      </p:sp>
+    </p:spTree>
+    <p:extLst>
+      <p:ext uri="{BB962C8B-B14F-4D97-AF65-F5344CB8AC3E}">
+        <p14:creationId xmlns:p14="http://schemas.microsoft.com/office/powerpoint/2010/main" val="810427166"/>
+      </p:ext>
+    </p:extLst>
+  </p:cSld>
+  <p:clrMapOvr>
+    <a:masterClrMapping/>
+  </p:clrMapOvr>
+  <p:timing>
+    <p:tnLst>
+      <p:par>
+        <p:cTn id="1" dur="indefinite" restart="never" nodeType="tmRoot"/>
+      </p:par>
+    </p:tnLst>
+  </p:timing>
+</p:sld>
+</file>
+
+<file path=ppt/slides/slide7.xml><?xml version="1.0" encoding="utf-8"?>
+<p:sld xmlns:a="http://schemas.openxmlformats.org/drawingml/2006/main" xmlns:r="http://schemas.openxmlformats.org/officeDocument/2006/relationships" xmlns:p="http://schemas.openxmlformats.org/presentationml/2006/main">
+  <p:cSld>
+    <p:spTree>
+      <p:nvGrpSpPr>
+        <p:cNvPr id="1" name=""/>
+        <p:cNvGrpSpPr/>
+        <p:nvPr/>
+      </p:nvGrpSpPr>
+      <p:grpSpPr>
+        <a:xfrm>
+          <a:off x="0" y="0"/>
+          <a:ext cx="0" cy="0"/>
+          <a:chOff x="0" y="0"/>
+          <a:chExt cx="0" cy="0"/>
+        </a:xfrm>
+      </p:grpSpPr>
+      <p:sp>
+        <p:nvSpPr>
+          <p:cNvPr id="4" name="TextBox 3"/>
+          <p:cNvSpPr txBox="1"/>
+          <p:nvPr/>
+        </p:nvSpPr>
+        <p:spPr>
+          <a:xfrm>
+            <a:off x="467544" y="476672"/>
+            <a:ext cx="7200800" cy="662554"/>
+          </a:xfrm>
+          <a:prstGeom prst="rect">
+            <a:avLst/>
+          </a:prstGeom>
+          <a:noFill/>
+        </p:spPr>
+        <p:txBody>
+          <a:bodyPr wrap="square" rtlCol="0">
+            <a:spAutoFit/>
+          </a:bodyPr>
+          <a:lstStyle/>
+          <a:p>
+            <a:pPr>
+              <a:lnSpc>
+                <a:spcPct val="150000"/>
+              </a:lnSpc>
+            </a:pPr>
+            <a:r>
+              <a:rPr lang="en-US" altLang="zh-CN" sz="2800" dirty="0" smtClean="0">
+                <a:solidFill>
+                  <a:schemeClr val="tx1">
+                    <a:lumMod val="75000"/>
+                    <a:lumOff val="25000"/>
+                  </a:schemeClr>
+                </a:solidFill>
+                <a:latin typeface="微软雅黑" pitchFamily="34" charset="-122"/>
+                <a:ea typeface="微软雅黑" pitchFamily="34" charset="-122"/>
+              </a:rPr>
+              <a:t>5</a:t>
+            </a:r>
+            <a:r>
+              <a:rPr lang="en-US" altLang="zh-CN" sz="2800" dirty="0" smtClean="0">
+                <a:solidFill>
+                  <a:schemeClr val="tx1">
+                    <a:lumMod val="75000"/>
+                    <a:lumOff val="25000"/>
+                  </a:schemeClr>
+                </a:solidFill>
+                <a:latin typeface="微软雅黑" pitchFamily="34" charset="-122"/>
+                <a:ea typeface="微软雅黑" pitchFamily="34" charset="-122"/>
+              </a:rPr>
+              <a:t>.</a:t>
+            </a:r>
+            <a:r>
+              <a:rPr lang="zh-CN" altLang="en-US" sz="2800" dirty="0" smtClean="0">
+                <a:solidFill>
+                  <a:schemeClr val="tx1">
+                    <a:lumMod val="75000"/>
+                    <a:lumOff val="25000"/>
+                  </a:schemeClr>
+                </a:solidFill>
+                <a:latin typeface="微软雅黑" pitchFamily="34" charset="-122"/>
+                <a:ea typeface="微软雅黑" pitchFamily="34" charset="-122"/>
+              </a:rPr>
+              <a:t>伪元素的</a:t>
+            </a:r>
+            <a:r>
+              <a:rPr lang="en-US" altLang="zh-CN" sz="2800" dirty="0" smtClean="0">
+                <a:solidFill>
+                  <a:schemeClr val="tx1">
+                    <a:lumMod val="75000"/>
+                    <a:lumOff val="25000"/>
+                  </a:schemeClr>
+                </a:solidFill>
+                <a:latin typeface="微软雅黑" pitchFamily="34" charset="-122"/>
+                <a:ea typeface="微软雅黑" pitchFamily="34" charset="-122"/>
+              </a:rPr>
+              <a:t>content</a:t>
+            </a:r>
+            <a:r>
+              <a:rPr lang="zh-CN" altLang="en-US" sz="2800" dirty="0" smtClean="0">
+                <a:solidFill>
+                  <a:schemeClr val="tx1">
+                    <a:lumMod val="75000"/>
+                    <a:lumOff val="25000"/>
+                  </a:schemeClr>
+                </a:solidFill>
+                <a:latin typeface="微软雅黑" pitchFamily="34" charset="-122"/>
+                <a:ea typeface="微软雅黑" pitchFamily="34" charset="-122"/>
+              </a:rPr>
+              <a:t>要和父元素字母一致</a:t>
+            </a:r>
+            <a:endParaRPr lang="zh-CN" altLang="en-US" sz="2800" dirty="0">
+              <a:solidFill>
+                <a:schemeClr val="tx1">
+                  <a:lumMod val="75000"/>
+                  <a:lumOff val="25000"/>
+                </a:schemeClr>
+              </a:solidFill>
+              <a:latin typeface="微软雅黑" pitchFamily="34" charset="-122"/>
+              <a:ea typeface="微软雅黑" pitchFamily="34" charset="-122"/>
+            </a:endParaRPr>
+          </a:p>
+        </p:txBody>
+      </p:sp>
+      <p:sp>
+        <p:nvSpPr>
+          <p:cNvPr id="5" name="TextBox 4"/>
+          <p:cNvSpPr txBox="1"/>
+          <p:nvPr/>
+        </p:nvSpPr>
+        <p:spPr>
+          <a:xfrm>
+            <a:off x="467544" y="1379721"/>
+            <a:ext cx="7992888" cy="1338828"/>
+          </a:xfrm>
+          <a:prstGeom prst="rect">
+            <a:avLst/>
+          </a:prstGeom>
+          <a:noFill/>
+        </p:spPr>
+        <p:txBody>
+          <a:bodyPr wrap="square" rtlCol="0">
+            <a:spAutoFit/>
+          </a:bodyPr>
+          <a:lstStyle/>
+          <a:p>
+            <a:pPr>
+              <a:lnSpc>
+                <a:spcPct val="150000"/>
+              </a:lnSpc>
+            </a:pPr>
+            <a:r>
+              <a:rPr lang="zh-CN" altLang="en-US" dirty="0" smtClean="0">
+                <a:solidFill>
+                  <a:schemeClr val="tx1">
+                    <a:lumMod val="75000"/>
+                    <a:lumOff val="25000"/>
+                  </a:schemeClr>
+                </a:solidFill>
+                <a:latin typeface="微软雅黑" pitchFamily="34" charset="-122"/>
+                <a:ea typeface="微软雅黑" pitchFamily="34" charset="-122"/>
+              </a:rPr>
+              <a:t>如果伪元素服务的父元素字母是‘</a:t>
+            </a:r>
+            <a:r>
+              <a:rPr lang="en-US" altLang="zh-CN" dirty="0" smtClean="0">
+                <a:solidFill>
+                  <a:schemeClr val="tx1">
+                    <a:lumMod val="75000"/>
+                    <a:lumOff val="25000"/>
+                  </a:schemeClr>
+                </a:solidFill>
+                <a:latin typeface="微软雅黑" pitchFamily="34" charset="-122"/>
+                <a:ea typeface="微软雅黑" pitchFamily="34" charset="-122"/>
+              </a:rPr>
+              <a:t>K</a:t>
+            </a:r>
+            <a:r>
+              <a:rPr lang="zh-CN" altLang="en-US" dirty="0" smtClean="0">
+                <a:solidFill>
+                  <a:schemeClr val="tx1">
+                    <a:lumMod val="75000"/>
+                    <a:lumOff val="25000"/>
+                  </a:schemeClr>
+                </a:solidFill>
+                <a:latin typeface="微软雅黑" pitchFamily="34" charset="-122"/>
+                <a:ea typeface="微软雅黑" pitchFamily="34" charset="-122"/>
+              </a:rPr>
+              <a:t>’，那么伪元素的</a:t>
+            </a:r>
+            <a:r>
+              <a:rPr lang="en-US" altLang="zh-CN" dirty="0" smtClean="0">
+                <a:solidFill>
+                  <a:schemeClr val="tx1">
+                    <a:lumMod val="75000"/>
+                    <a:lumOff val="25000"/>
+                  </a:schemeClr>
+                </a:solidFill>
+                <a:latin typeface="微软雅黑" pitchFamily="34" charset="-122"/>
+                <a:ea typeface="微软雅黑" pitchFamily="34" charset="-122"/>
+              </a:rPr>
+              <a:t>content</a:t>
+            </a:r>
+            <a:r>
+              <a:rPr lang="zh-CN" altLang="en-US" dirty="0" smtClean="0">
+                <a:solidFill>
+                  <a:schemeClr val="tx1">
+                    <a:lumMod val="75000"/>
+                    <a:lumOff val="25000"/>
+                  </a:schemeClr>
+                </a:solidFill>
+                <a:latin typeface="微软雅黑" pitchFamily="34" charset="-122"/>
+                <a:ea typeface="微软雅黑" pitchFamily="34" charset="-122"/>
+              </a:rPr>
+              <a:t>也必须是‘</a:t>
+            </a:r>
+            <a:r>
+              <a:rPr lang="en-US" altLang="zh-CN" dirty="0" smtClean="0">
+                <a:solidFill>
+                  <a:schemeClr val="tx1">
+                    <a:lumMod val="75000"/>
+                    <a:lumOff val="25000"/>
+                  </a:schemeClr>
+                </a:solidFill>
+                <a:latin typeface="微软雅黑" pitchFamily="34" charset="-122"/>
+                <a:ea typeface="微软雅黑" pitchFamily="34" charset="-122"/>
+              </a:rPr>
+              <a:t>K</a:t>
+            </a:r>
+            <a:r>
+              <a:rPr lang="zh-CN" altLang="en-US" dirty="0" smtClean="0">
+                <a:solidFill>
+                  <a:schemeClr val="tx1">
+                    <a:lumMod val="75000"/>
+                    <a:lumOff val="25000"/>
+                  </a:schemeClr>
+                </a:solidFill>
+                <a:latin typeface="微软雅黑" pitchFamily="34" charset="-122"/>
+                <a:ea typeface="微软雅黑" pitchFamily="34" charset="-122"/>
+              </a:rPr>
+              <a:t>’。</a:t>
+            </a:r>
+            <a:endParaRPr lang="en-US" altLang="zh-CN" dirty="0" smtClean="0">
+              <a:solidFill>
+                <a:schemeClr val="tx1">
+                  <a:lumMod val="75000"/>
+                  <a:lumOff val="25000"/>
+                </a:schemeClr>
+              </a:solidFill>
+              <a:latin typeface="微软雅黑" pitchFamily="34" charset="-122"/>
+              <a:ea typeface="微软雅黑" pitchFamily="34" charset="-122"/>
+            </a:endParaRPr>
+          </a:p>
+          <a:p>
+            <a:pPr>
+              <a:lnSpc>
+                <a:spcPct val="150000"/>
+              </a:lnSpc>
+            </a:pPr>
+            <a:r>
+              <a:rPr lang="zh-CN" altLang="en-US" dirty="0" smtClean="0">
+                <a:solidFill>
+                  <a:schemeClr val="tx1">
+                    <a:lumMod val="75000"/>
+                    <a:lumOff val="25000"/>
+                  </a:schemeClr>
+                </a:solidFill>
+                <a:latin typeface="微软雅黑" pitchFamily="34" charset="-122"/>
+                <a:ea typeface="微软雅黑" pitchFamily="34" charset="-122"/>
+              </a:rPr>
+              <a:t>然而</a:t>
+            </a:r>
+            <a:r>
+              <a:rPr lang="en-US" altLang="zh-CN" dirty="0" err="1" smtClean="0">
+                <a:solidFill>
+                  <a:schemeClr val="tx1">
+                    <a:lumMod val="75000"/>
+                    <a:lumOff val="25000"/>
+                  </a:schemeClr>
+                </a:solidFill>
+                <a:latin typeface="微软雅黑" pitchFamily="34" charset="-122"/>
+                <a:ea typeface="微软雅黑" pitchFamily="34" charset="-122"/>
+              </a:rPr>
+              <a:t>js</a:t>
+            </a:r>
+            <a:r>
+              <a:rPr lang="zh-CN" altLang="en-US" dirty="0" smtClean="0">
+                <a:solidFill>
+                  <a:schemeClr val="tx1">
+                    <a:lumMod val="75000"/>
+                    <a:lumOff val="25000"/>
+                  </a:schemeClr>
+                </a:solidFill>
+                <a:latin typeface="微软雅黑" pitchFamily="34" charset="-122"/>
+                <a:ea typeface="微软雅黑" pitchFamily="34" charset="-122"/>
+              </a:rPr>
+              <a:t>无法操作伪元素，所以我们通过伪元素自身的函数</a:t>
+            </a:r>
+            <a:r>
+              <a:rPr lang="en-US" altLang="zh-CN" dirty="0" err="1" smtClean="0">
+                <a:solidFill>
+                  <a:schemeClr val="tx1">
+                    <a:lumMod val="75000"/>
+                    <a:lumOff val="25000"/>
+                  </a:schemeClr>
+                </a:solidFill>
+                <a:latin typeface="微软雅黑" pitchFamily="34" charset="-122"/>
+                <a:ea typeface="微软雅黑" pitchFamily="34" charset="-122"/>
+              </a:rPr>
+              <a:t>attr</a:t>
+            </a:r>
+            <a:r>
+              <a:rPr lang="en-US" altLang="zh-CN" dirty="0" smtClean="0">
+                <a:solidFill>
+                  <a:schemeClr val="tx1">
+                    <a:lumMod val="75000"/>
+                    <a:lumOff val="25000"/>
+                  </a:schemeClr>
+                </a:solidFill>
+                <a:latin typeface="微软雅黑" pitchFamily="34" charset="-122"/>
+                <a:ea typeface="微软雅黑" pitchFamily="34" charset="-122"/>
+              </a:rPr>
+              <a:t>()</a:t>
+            </a:r>
+            <a:r>
+              <a:rPr lang="zh-CN" altLang="en-US" dirty="0" smtClean="0">
+                <a:solidFill>
+                  <a:schemeClr val="tx1">
+                    <a:lumMod val="75000"/>
+                    <a:lumOff val="25000"/>
+                  </a:schemeClr>
+                </a:solidFill>
+                <a:latin typeface="微软雅黑" pitchFamily="34" charset="-122"/>
+                <a:ea typeface="微软雅黑" pitchFamily="34" charset="-122"/>
+              </a:rPr>
+              <a:t>，捕捉父元素的自定义属性实现。</a:t>
+            </a:r>
+            <a:endParaRPr lang="en-US" altLang="zh-CN" dirty="0" smtClean="0">
+              <a:solidFill>
+                <a:schemeClr val="tx1">
+                  <a:lumMod val="75000"/>
+                  <a:lumOff val="25000"/>
+                </a:schemeClr>
+              </a:solidFill>
+              <a:latin typeface="微软雅黑" pitchFamily="34" charset="-122"/>
+              <a:ea typeface="微软雅黑" pitchFamily="34" charset="-122"/>
+            </a:endParaRPr>
+          </a:p>
+        </p:txBody>
+      </p:sp>
+      <p:pic>
+        <p:nvPicPr>
+          <p:cNvPr id="10" name="图片 9" descr="屏幕剪辑"/>
+          <p:cNvPicPr>
+            <a:picLocks noChangeAspect="1"/>
+          </p:cNvPicPr>
+          <p:nvPr/>
+        </p:nvPicPr>
+        <p:blipFill>
+          <a:blip r:embed="rId2">
+            <a:extLst>
+              <a:ext uri="{28A0092B-C50C-407E-A947-70E740481C1C}">
+                <a14:useLocalDpi xmlns:a14="http://schemas.microsoft.com/office/drawing/2010/main" val="0"/>
+              </a:ext>
+            </a:extLst>
+          </a:blip>
+          <a:stretch>
+            <a:fillRect/>
+          </a:stretch>
+        </p:blipFill>
+        <p:spPr>
+          <a:xfrm>
+            <a:off x="755576" y="2872746"/>
+            <a:ext cx="7211431" cy="419158"/>
+          </a:xfrm>
+          <a:prstGeom prst="rect">
+            <a:avLst/>
+          </a:prstGeom>
+          <a:ln>
+            <a:noFill/>
+          </a:ln>
+          <a:effectLst>
+            <a:outerShdw blurRad="292100" dist="139700" dir="2700000" algn="tl" rotWithShape="0">
+              <a:srgbClr val="333333">
+                <a:alpha val="65000"/>
+              </a:srgbClr>
+            </a:outerShdw>
+          </a:effectLst>
+        </p:spPr>
+      </p:pic>
+      <p:pic>
+        <p:nvPicPr>
+          <p:cNvPr id="2" name="图片 1" descr="屏幕剪辑"/>
+          <p:cNvPicPr>
+            <a:picLocks noChangeAspect="1"/>
+          </p:cNvPicPr>
+          <p:nvPr/>
+        </p:nvPicPr>
+        <p:blipFill>
+          <a:blip r:embed="rId3">
+            <a:extLst>
+              <a:ext uri="{28A0092B-C50C-407E-A947-70E740481C1C}">
+                <a14:useLocalDpi xmlns:a14="http://schemas.microsoft.com/office/drawing/2010/main" val="0"/>
+              </a:ext>
+            </a:extLst>
+          </a:blip>
+          <a:stretch>
+            <a:fillRect/>
+          </a:stretch>
+        </p:blipFill>
+        <p:spPr>
+          <a:xfrm>
+            <a:off x="765673" y="3955130"/>
+            <a:ext cx="3172268" cy="1390844"/>
+          </a:xfrm>
+          <a:prstGeom prst="rect">
+            <a:avLst/>
+          </a:prstGeom>
+          <a:ln>
+            <a:noFill/>
+          </a:ln>
+          <a:effectLst>
+            <a:outerShdw blurRad="292100" dist="139700" dir="2700000" algn="tl" rotWithShape="0">
+              <a:srgbClr val="333333">
+                <a:alpha val="65000"/>
+              </a:srgbClr>
+            </a:outerShdw>
+          </a:effectLst>
+        </p:spPr>
+      </p:pic>
+      <p:sp>
+        <p:nvSpPr>
+          <p:cNvPr id="6" name="椭圆 5"/>
+          <p:cNvSpPr/>
+          <p:nvPr/>
+        </p:nvSpPr>
+        <p:spPr>
+          <a:xfrm>
+            <a:off x="4788024" y="2862565"/>
+            <a:ext cx="792088" cy="494427"/>
+          </a:xfrm>
+          <a:prstGeom prst="ellipse">
+            <a:avLst/>
+          </a:prstGeom>
+          <a:noFill/>
+          <a:ln>
+            <a:solidFill>
+              <a:srgbClr val="FF0000"/>
+            </a:solidFill>
+          </a:ln>
+        </p:spPr>
+        <p:style>
+          <a:lnRef idx="2">
+            <a:schemeClr val="accent1">
+              <a:shade val="50000"/>
+            </a:schemeClr>
+          </a:lnRef>
+          <a:fillRef idx="1">
+            <a:schemeClr val="accent1"/>
+          </a:fillRef>
+          <a:effectRef idx="0">
+            <a:schemeClr val="accent1"/>
+          </a:effectRef>
+          <a:fontRef idx="minor">
+            <a:schemeClr val="lt1"/>
+          </a:fontRef>
+        </p:style>
+        <p:txBody>
+          <a:bodyPr rtlCol="0" anchor="ctr"/>
+          <a:lstStyle/>
+          <a:p>
+            <a:pPr algn="ctr"/>
+            <a:endParaRPr lang="zh-CN" altLang="en-US"/>
+          </a:p>
+        </p:txBody>
+      </p:sp>
+      <p:sp>
+        <p:nvSpPr>
+          <p:cNvPr id="14" name="椭圆 13"/>
+          <p:cNvSpPr/>
+          <p:nvPr/>
+        </p:nvSpPr>
+        <p:spPr>
+          <a:xfrm>
+            <a:off x="2699792" y="4581128"/>
+            <a:ext cx="792088" cy="494427"/>
+          </a:xfrm>
+          <a:prstGeom prst="ellipse">
+            <a:avLst/>
+          </a:prstGeom>
+          <a:noFill/>
+          <a:ln>
+            <a:solidFill>
+              <a:srgbClr val="FF0000"/>
+            </a:solidFill>
+          </a:ln>
+        </p:spPr>
+        <p:style>
+          <a:lnRef idx="2">
+            <a:schemeClr val="accent1">
+              <a:shade val="50000"/>
+            </a:schemeClr>
+          </a:lnRef>
+          <a:fillRef idx="1">
+            <a:schemeClr val="accent1"/>
+          </a:fillRef>
+          <a:effectRef idx="0">
+            <a:schemeClr val="accent1"/>
+          </a:effectRef>
+          <a:fontRef idx="minor">
+            <a:schemeClr val="lt1"/>
+          </a:fontRef>
+        </p:style>
+        <p:txBody>
+          <a:bodyPr rtlCol="0" anchor="ctr"/>
+          <a:lstStyle/>
+          <a:p>
+            <a:pPr algn="ctr"/>
+            <a:endParaRPr lang="zh-CN" altLang="en-US"/>
+          </a:p>
+        </p:txBody>
+      </p:sp>
+      <p:sp>
+        <p:nvSpPr>
+          <p:cNvPr id="8" name="任意多边形 7"/>
+          <p:cNvSpPr/>
+          <p:nvPr/>
+        </p:nvSpPr>
+        <p:spPr>
+          <a:xfrm>
+            <a:off x="3047236" y="3367668"/>
+            <a:ext cx="2165931" cy="2306907"/>
+          </a:xfrm>
+          <a:custGeom>
+            <a:avLst/>
+            <a:gdLst>
+              <a:gd name="connsiteX0" fmla="*/ 2115779 w 2165931"/>
+              <a:gd name="connsiteY0" fmla="*/ 0 h 2306907"/>
+              <a:gd name="connsiteX1" fmla="*/ 1959662 w 2165931"/>
+              <a:gd name="connsiteY1" fmla="*/ 1159727 h 2306907"/>
+              <a:gd name="connsiteX2" fmla="*/ 465398 w 2165931"/>
+              <a:gd name="connsiteY2" fmla="*/ 2297152 h 2306907"/>
+              <a:gd name="connsiteX3" fmla="*/ 52803 w 2165931"/>
+              <a:gd name="connsiteY3" fmla="*/ 1694986 h 2306907"/>
+            </a:gdLst>
+            <a:ahLst/>
+            <a:cxnLst>
+              <a:cxn ang="0">
+                <a:pos x="connsiteX0" y="connsiteY0"/>
+              </a:cxn>
+              <a:cxn ang="0">
+                <a:pos x="connsiteX1" y="connsiteY1"/>
+              </a:cxn>
+              <a:cxn ang="0">
+                <a:pos x="connsiteX2" y="connsiteY2"/>
+              </a:cxn>
+              <a:cxn ang="0">
+                <a:pos x="connsiteX3" y="connsiteY3"/>
+              </a:cxn>
+            </a:cxnLst>
+            <a:rect l="l" t="t" r="r" b="b"/>
+            <a:pathLst>
+              <a:path w="2165931" h="2306907">
+                <a:moveTo>
+                  <a:pt x="2115779" y="0"/>
+                </a:moveTo>
+                <a:cubicBezTo>
+                  <a:pt x="2175252" y="388434"/>
+                  <a:pt x="2234725" y="776868"/>
+                  <a:pt x="1959662" y="1159727"/>
+                </a:cubicBezTo>
+                <a:cubicBezTo>
+                  <a:pt x="1684599" y="1542586"/>
+                  <a:pt x="783208" y="2207942"/>
+                  <a:pt x="465398" y="2297152"/>
+                </a:cubicBezTo>
+                <a:cubicBezTo>
+                  <a:pt x="147588" y="2386362"/>
+                  <a:pt x="-116324" y="1838093"/>
+                  <a:pt x="52803" y="1694986"/>
+                </a:cubicBezTo>
+              </a:path>
+            </a:pathLst>
+          </a:custGeom>
+          <a:ln>
+            <a:headEnd type="none" w="med" len="med"/>
+            <a:tailEnd type="triangle" w="med" len="med"/>
+          </a:ln>
+        </p:spPr>
+        <p:style>
+          <a:lnRef idx="3">
+            <a:schemeClr val="accent6"/>
+          </a:lnRef>
+          <a:fillRef idx="0">
+            <a:schemeClr val="accent6"/>
+          </a:fillRef>
+          <a:effectRef idx="2">
+            <a:schemeClr val="accent6"/>
+          </a:effectRef>
+          <a:fontRef idx="minor">
+            <a:schemeClr val="tx1"/>
+          </a:fontRef>
+        </p:style>
+        <p:txBody>
+          <a:bodyPr rtlCol="0" anchor="ctr"/>
+          <a:lstStyle/>
+          <a:p>
+            <a:pPr algn="ctr"/>
+            <a:endParaRPr lang="zh-CN" altLang="en-US"/>
+          </a:p>
+        </p:txBody>
+      </p:sp>
+      <p:sp>
+        <p:nvSpPr>
+          <p:cNvPr id="15" name="圆角矩形标注 14"/>
+          <p:cNvSpPr/>
+          <p:nvPr/>
+        </p:nvSpPr>
+        <p:spPr>
+          <a:xfrm>
+            <a:off x="5364087" y="4134019"/>
+            <a:ext cx="2602919" cy="710450"/>
+          </a:xfrm>
+          <a:prstGeom prst="wedgeRoundRectCallout">
+            <a:avLst>
+              <a:gd name="adj1" fmla="val -65978"/>
+              <a:gd name="adj2" fmla="val 14412"/>
+              <a:gd name="adj3" fmla="val 16667"/>
+            </a:avLst>
+          </a:prstGeom>
+        </p:spPr>
+        <p:style>
+          <a:lnRef idx="2">
+            <a:schemeClr val="accent5"/>
+          </a:lnRef>
+          <a:fillRef idx="1">
+            <a:schemeClr val="lt1"/>
+          </a:fillRef>
+          <a:effectRef idx="0">
+            <a:schemeClr val="accent5"/>
+          </a:effectRef>
+          <a:fontRef idx="minor">
+            <a:schemeClr val="dk1"/>
+          </a:fontRef>
+        </p:style>
+        <p:txBody>
+          <a:bodyPr rtlCol="0" anchor="ctr"/>
+          <a:lstStyle/>
+          <a:p>
+            <a:pPr>
+              <a:lnSpc>
+                <a:spcPct val="150000"/>
+              </a:lnSpc>
+            </a:pPr>
+            <a:r>
+              <a:rPr lang="en-US" altLang="zh-CN" sz="1400" dirty="0" err="1">
+                <a:latin typeface="微软雅黑" panose="020B0503020204020204" pitchFamily="34" charset="-122"/>
+                <a:ea typeface="微软雅黑" panose="020B0503020204020204" pitchFamily="34" charset="-122"/>
+              </a:rPr>
+              <a:t>a</a:t>
+            </a:r>
+            <a:r>
+              <a:rPr lang="en-US" altLang="zh-CN" sz="1400" dirty="0" err="1" smtClean="0">
+                <a:latin typeface="微软雅黑" panose="020B0503020204020204" pitchFamily="34" charset="-122"/>
+                <a:ea typeface="微软雅黑" panose="020B0503020204020204" pitchFamily="34" charset="-122"/>
+              </a:rPr>
+              <a:t>ttr</a:t>
+            </a:r>
+            <a:r>
+              <a:rPr lang="en-US" altLang="zh-CN" sz="1400" dirty="0" smtClean="0">
+                <a:latin typeface="微软雅黑" panose="020B0503020204020204" pitchFamily="34" charset="-122"/>
+                <a:ea typeface="微软雅黑" panose="020B0503020204020204" pitchFamily="34" charset="-122"/>
+              </a:rPr>
+              <a:t>()</a:t>
+            </a:r>
+            <a:r>
+              <a:rPr lang="zh-CN" altLang="en-US" sz="1400" dirty="0" smtClean="0">
+                <a:latin typeface="微软雅黑" panose="020B0503020204020204" pitchFamily="34" charset="-122"/>
+                <a:ea typeface="微软雅黑" panose="020B0503020204020204" pitchFamily="34" charset="-122"/>
+              </a:rPr>
+              <a:t>函数捕捉</a:t>
+            </a:r>
+            <a:r>
+              <a:rPr lang="en-US" altLang="zh-CN" sz="1400" dirty="0" smtClean="0">
+                <a:latin typeface="微软雅黑" panose="020B0503020204020204" pitchFamily="34" charset="-122"/>
+                <a:ea typeface="微软雅黑" panose="020B0503020204020204" pitchFamily="34" charset="-122"/>
+              </a:rPr>
+              <a:t>letter</a:t>
+            </a:r>
+            <a:r>
+              <a:rPr lang="zh-CN" altLang="en-US" sz="1400" dirty="0" smtClean="0">
+                <a:latin typeface="微软雅黑" panose="020B0503020204020204" pitchFamily="34" charset="-122"/>
+                <a:ea typeface="微软雅黑" panose="020B0503020204020204" pitchFamily="34" charset="-122"/>
+              </a:rPr>
+              <a:t>属性的内容，作为自己的文本内容</a:t>
+            </a:r>
+            <a:endParaRPr lang="zh-CN" altLang="en-US" sz="1400" dirty="0">
+              <a:latin typeface="微软雅黑" panose="020B0503020204020204" pitchFamily="34" charset="-122"/>
+              <a:ea typeface="微软雅黑" panose="020B0503020204020204" pitchFamily="34" charset="-122"/>
+            </a:endParaRPr>
+          </a:p>
+        </p:txBody>
+      </p:sp>
+      <p:sp>
+        <p:nvSpPr>
+          <p:cNvPr id="12" name="任意多边形 11"/>
+          <p:cNvSpPr/>
+          <p:nvPr/>
+        </p:nvSpPr>
+        <p:spPr>
+          <a:xfrm>
+            <a:off x="5868144" y="2492896"/>
+            <a:ext cx="390293" cy="423758"/>
+          </a:xfrm>
+          <a:custGeom>
+            <a:avLst/>
+            <a:gdLst>
+              <a:gd name="connsiteX0" fmla="*/ 0 w 390293"/>
+              <a:gd name="connsiteY0" fmla="*/ 412607 h 423758"/>
+              <a:gd name="connsiteX1" fmla="*/ 144966 w 390293"/>
+              <a:gd name="connsiteY1" fmla="*/ 12 h 423758"/>
+              <a:gd name="connsiteX2" fmla="*/ 390293 w 390293"/>
+              <a:gd name="connsiteY2" fmla="*/ 423758 h 423758"/>
+            </a:gdLst>
+            <a:ahLst/>
+            <a:cxnLst>
+              <a:cxn ang="0">
+                <a:pos x="connsiteX0" y="connsiteY0"/>
+              </a:cxn>
+              <a:cxn ang="0">
+                <a:pos x="connsiteX1" y="connsiteY1"/>
+              </a:cxn>
+              <a:cxn ang="0">
+                <a:pos x="connsiteX2" y="connsiteY2"/>
+              </a:cxn>
+            </a:cxnLst>
+            <a:rect l="l" t="t" r="r" b="b"/>
+            <a:pathLst>
+              <a:path w="390293" h="423758">
+                <a:moveTo>
+                  <a:pt x="0" y="412607"/>
+                </a:moveTo>
+                <a:cubicBezTo>
+                  <a:pt x="39958" y="205380"/>
+                  <a:pt x="79917" y="-1846"/>
+                  <a:pt x="144966" y="12"/>
+                </a:cubicBezTo>
+                <a:cubicBezTo>
+                  <a:pt x="210015" y="1870"/>
+                  <a:pt x="300154" y="212814"/>
+                  <a:pt x="390293" y="423758"/>
+                </a:cubicBezTo>
+              </a:path>
+            </a:pathLst>
+          </a:custGeom>
+          <a:ln w="57150">
+            <a:headEnd type="none" w="med" len="med"/>
+            <a:tailEnd type="triangle" w="med" len="med"/>
+          </a:ln>
+        </p:spPr>
+        <p:style>
+          <a:lnRef idx="3">
+            <a:schemeClr val="accent5"/>
+          </a:lnRef>
+          <a:fillRef idx="0">
+            <a:schemeClr val="accent5"/>
+          </a:fillRef>
+          <a:effectRef idx="2">
+            <a:schemeClr val="accent5"/>
+          </a:effectRef>
+          <a:fontRef idx="minor">
+            <a:schemeClr val="tx1"/>
+          </a:fontRef>
+        </p:style>
+        <p:txBody>
+          <a:bodyPr rtlCol="0" anchor="ctr"/>
+          <a:lstStyle/>
+          <a:p>
+            <a:pPr algn="ctr"/>
+            <a:endParaRPr lang="zh-CN" altLang="en-US"/>
+          </a:p>
+        </p:txBody>
+      </p:sp>
+      <p:sp>
+        <p:nvSpPr>
+          <p:cNvPr id="21" name="矩形 20"/>
+          <p:cNvSpPr/>
+          <p:nvPr/>
+        </p:nvSpPr>
+        <p:spPr>
+          <a:xfrm>
+            <a:off x="5672997" y="3246185"/>
+            <a:ext cx="390293" cy="45719"/>
+          </a:xfrm>
+          <a:prstGeom prst="rect">
+            <a:avLst/>
+          </a:prstGeom>
+        </p:spPr>
+        <p:style>
+          <a:lnRef idx="1">
+            <a:schemeClr val="accent6"/>
+          </a:lnRef>
+          <a:fillRef idx="2">
+            <a:schemeClr val="accent6"/>
+          </a:fillRef>
+          <a:effectRef idx="1">
             <a:schemeClr val="accent6"/>
           </a:effectRef>
           <a:fontRef idx="minor">
@@ -8021,94 +9797,34 @@
           <a:bodyPr rtlCol="0" anchor="ctr"/>
           <a:lstStyle/>
           <a:p>
-            <a:pPr>
-              <a:lnSpc>
-                <a:spcPct val="150000"/>
-              </a:lnSpc>
-            </a:pPr>
-            <a:r>
-              <a:rPr lang="en-US" altLang="zh-CN" sz="1400" dirty="0" smtClean="0">
-                <a:latin typeface="微软雅黑" panose="020B0503020204020204" pitchFamily="34" charset="-122"/>
-                <a:ea typeface="微软雅黑" panose="020B0503020204020204" pitchFamily="34" charset="-122"/>
-              </a:rPr>
-              <a:t> </a:t>
-            </a:r>
-            <a:r>
-              <a:rPr lang="zh-CN" altLang="en-US" sz="1400" dirty="0" smtClean="0">
-                <a:latin typeface="微软雅黑" panose="020B0503020204020204" pitchFamily="34" charset="-122"/>
-                <a:ea typeface="微软雅黑" panose="020B0503020204020204" pitchFamily="34" charset="-122"/>
-              </a:rPr>
-              <a:t>表达整体为</a:t>
-            </a:r>
-            <a:r>
-              <a:rPr lang="en-US" altLang="zh-CN" sz="1400" dirty="0" smtClean="0">
-                <a:latin typeface="微软雅黑" panose="020B0503020204020204" pitchFamily="34" charset="-122"/>
-                <a:ea typeface="微软雅黑" panose="020B0503020204020204" pitchFamily="34" charset="-122"/>
-              </a:rPr>
-              <a:t>true</a:t>
-            </a:r>
-            <a:r>
-              <a:rPr lang="zh-CN" altLang="en-US" sz="1400" dirty="0" smtClean="0">
-                <a:latin typeface="微软雅黑" panose="020B0503020204020204" pitchFamily="34" charset="-122"/>
-                <a:ea typeface="微软雅黑" panose="020B0503020204020204" pitchFamily="34" charset="-122"/>
-              </a:rPr>
-              <a:t>，</a:t>
-            </a:r>
-            <a:r>
-              <a:rPr lang="en-US" altLang="zh-CN" sz="1400" dirty="0" smtClean="0">
-                <a:latin typeface="微软雅黑" panose="020B0503020204020204" pitchFamily="34" charset="-122"/>
-                <a:ea typeface="微软雅黑" panose="020B0503020204020204" pitchFamily="34" charset="-122"/>
-              </a:rPr>
-              <a:t>a</a:t>
-            </a:r>
-            <a:r>
-              <a:rPr lang="zh-CN" altLang="en-US" sz="1400" dirty="0" smtClean="0">
-                <a:latin typeface="微软雅黑" panose="020B0503020204020204" pitchFamily="34" charset="-122"/>
-                <a:ea typeface="微软雅黑" panose="020B0503020204020204" pitchFamily="34" charset="-122"/>
-              </a:rPr>
-              <a:t>的值是最后子表达式的值，也就是</a:t>
-            </a:r>
-            <a:r>
-              <a:rPr lang="en-US" altLang="zh-CN" sz="1400" dirty="0" smtClean="0">
-                <a:latin typeface="微软雅黑" panose="020B0503020204020204" pitchFamily="34" charset="-122"/>
-                <a:ea typeface="微软雅黑" panose="020B0503020204020204" pitchFamily="34" charset="-122"/>
-              </a:rPr>
-              <a:t>15</a:t>
-            </a:r>
-            <a:endParaRPr lang="zh-CN" altLang="en-US" sz="1400" dirty="0">
-              <a:latin typeface="微软雅黑" panose="020B0503020204020204" pitchFamily="34" charset="-122"/>
-              <a:ea typeface="微软雅黑" panose="020B0503020204020204" pitchFamily="34" charset="-122"/>
-            </a:endParaRPr>
-          </a:p>
-        </p:txBody>
-      </p:sp>
-      <p:sp>
-        <p:nvSpPr>
-          <p:cNvPr id="4" name="圆角矩形标注 3"/>
+            <a:pPr algn="ctr"/>
+            <a:endParaRPr lang="zh-CN" altLang="en-US"/>
+          </a:p>
+        </p:txBody>
+      </p:sp>
+      <p:sp>
+        <p:nvSpPr>
+          <p:cNvPr id="22" name="矩形 21"/>
           <p:cNvSpPr/>
           <p:nvPr/>
         </p:nvSpPr>
         <p:spPr>
           <a:xfrm>
-            <a:off x="4499993" y="1819189"/>
-            <a:ext cx="2952327" cy="701883"/>
-          </a:xfrm>
-          <a:prstGeom prst="wedgeRoundRectCallout">
-            <a:avLst>
-              <a:gd name="adj1" fmla="val -61046"/>
-              <a:gd name="adj2" fmla="val -20824"/>
-              <a:gd name="adj3" fmla="val 16667"/>
-            </a:avLst>
+            <a:off x="6156176" y="3236214"/>
+            <a:ext cx="390293" cy="45719"/>
+          </a:xfrm>
+          <a:prstGeom prst="rect">
+            <a:avLst/>
           </a:prstGeom>
         </p:spPr>
         <p:style>
-          <a:lnRef idx="2">
+          <a:lnRef idx="1">
             <a:schemeClr val="accent6"/>
           </a:lnRef>
-          <a:fillRef idx="1">
-            <a:schemeClr val="lt1"/>
+          <a:fillRef idx="2">
+            <a:schemeClr val="accent6"/>
           </a:fillRef>
-          <a:effectRef idx="0">
+          <a:effectRef idx="1">
             <a:schemeClr val="accent6"/>
           </a:effectRef>
           <a:fontRef idx="minor">
@@ -8119,231 +9835,829 @@
           <a:bodyPr rtlCol="0" anchor="ctr"/>
           <a:lstStyle/>
           <a:p>
-            <a:pPr>
-              <a:lnSpc>
-                <a:spcPct val="150000"/>
-              </a:lnSpc>
-            </a:pPr>
-            <a:r>
-              <a:rPr lang="en-US" altLang="zh-CN" sz="1400" dirty="0" smtClean="0">
-                <a:latin typeface="微软雅黑" panose="020B0503020204020204" pitchFamily="34" charset="-122"/>
-                <a:ea typeface="微软雅黑" panose="020B0503020204020204" pitchFamily="34" charset="-122"/>
-              </a:rPr>
-              <a:t> </a:t>
-            </a:r>
-            <a:r>
-              <a:rPr lang="zh-CN" altLang="en-US" sz="1400" dirty="0" smtClean="0">
-                <a:latin typeface="微软雅黑" panose="020B0503020204020204" pitchFamily="34" charset="-122"/>
-                <a:ea typeface="微软雅黑" panose="020B0503020204020204" pitchFamily="34" charset="-122"/>
-              </a:rPr>
-              <a:t>表达整体为</a:t>
-            </a:r>
-            <a:r>
-              <a:rPr lang="en-US" altLang="zh-CN" sz="1400" dirty="0" smtClean="0">
-                <a:latin typeface="微软雅黑" panose="020B0503020204020204" pitchFamily="34" charset="-122"/>
-                <a:ea typeface="微软雅黑" panose="020B0503020204020204" pitchFamily="34" charset="-122"/>
-              </a:rPr>
-              <a:t>false</a:t>
-            </a:r>
-            <a:r>
-              <a:rPr lang="zh-CN" altLang="en-US" sz="1400" dirty="0" smtClean="0">
-                <a:latin typeface="微软雅黑" panose="020B0503020204020204" pitchFamily="34" charset="-122"/>
-                <a:ea typeface="微软雅黑" panose="020B0503020204020204" pitchFamily="34" charset="-122"/>
-              </a:rPr>
-              <a:t>，</a:t>
-            </a:r>
-            <a:r>
-              <a:rPr lang="en-US" altLang="zh-CN" sz="1400" dirty="0" smtClean="0">
-                <a:latin typeface="微软雅黑" panose="020B0503020204020204" pitchFamily="34" charset="-122"/>
-                <a:ea typeface="微软雅黑" panose="020B0503020204020204" pitchFamily="34" charset="-122"/>
-              </a:rPr>
-              <a:t>a</a:t>
-            </a:r>
-            <a:r>
-              <a:rPr lang="zh-CN" altLang="en-US" sz="1400" dirty="0" smtClean="0">
-                <a:latin typeface="微软雅黑" panose="020B0503020204020204" pitchFamily="34" charset="-122"/>
-                <a:ea typeface="微软雅黑" panose="020B0503020204020204" pitchFamily="34" charset="-122"/>
-              </a:rPr>
-              <a:t>的值是</a:t>
-            </a:r>
-            <a:r>
-              <a:rPr lang="zh-CN" altLang="en-US" sz="1400" dirty="0">
-                <a:latin typeface="微软雅黑" panose="020B0503020204020204" pitchFamily="34" charset="-122"/>
-                <a:ea typeface="微软雅黑" panose="020B0503020204020204" pitchFamily="34" charset="-122"/>
-              </a:rPr>
-              <a:t>第一</a:t>
-            </a:r>
-            <a:r>
-              <a:rPr lang="zh-CN" altLang="en-US" sz="1400" dirty="0" smtClean="0">
-                <a:latin typeface="微软雅黑" panose="020B0503020204020204" pitchFamily="34" charset="-122"/>
-                <a:ea typeface="微软雅黑" panose="020B0503020204020204" pitchFamily="34" charset="-122"/>
-              </a:rPr>
-              <a:t>个</a:t>
-            </a:r>
-            <a:r>
-              <a:rPr lang="en-US" altLang="zh-CN" sz="1400" dirty="0" smtClean="0">
-                <a:latin typeface="微软雅黑" panose="020B0503020204020204" pitchFamily="34" charset="-122"/>
-                <a:ea typeface="微软雅黑" panose="020B0503020204020204" pitchFamily="34" charset="-122"/>
-              </a:rPr>
-              <a:t>false</a:t>
-            </a:r>
-            <a:r>
-              <a:rPr lang="zh-CN" altLang="en-US" sz="1400" dirty="0" smtClean="0">
-                <a:latin typeface="微软雅黑" panose="020B0503020204020204" pitchFamily="34" charset="-122"/>
-                <a:ea typeface="微软雅黑" panose="020B0503020204020204" pitchFamily="34" charset="-122"/>
-              </a:rPr>
-              <a:t>的自表达式值，也就是</a:t>
-            </a:r>
-            <a:r>
-              <a:rPr lang="en-US" altLang="zh-CN" sz="1400" dirty="0">
-                <a:latin typeface="微软雅黑" panose="020B0503020204020204" pitchFamily="34" charset="-122"/>
-                <a:ea typeface="微软雅黑" panose="020B0503020204020204" pitchFamily="34" charset="-122"/>
-              </a:rPr>
-              <a:t>0</a:t>
-            </a:r>
-            <a:endParaRPr lang="zh-CN" altLang="en-US" sz="1400" dirty="0">
-              <a:latin typeface="微软雅黑" panose="020B0503020204020204" pitchFamily="34" charset="-122"/>
-              <a:ea typeface="微软雅黑" panose="020B0503020204020204" pitchFamily="34" charset="-122"/>
-            </a:endParaRPr>
-          </a:p>
-        </p:txBody>
-      </p:sp>
-      <p:sp>
-        <p:nvSpPr>
-          <p:cNvPr id="5" name="圆角矩形标注 4"/>
-          <p:cNvSpPr/>
-          <p:nvPr/>
-        </p:nvSpPr>
-        <p:spPr>
-          <a:xfrm>
-            <a:off x="4487114" y="2911869"/>
-            <a:ext cx="2965206" cy="701883"/>
-          </a:xfrm>
-          <a:prstGeom prst="wedgeRoundRectCallout">
-            <a:avLst>
-              <a:gd name="adj1" fmla="val -61046"/>
-              <a:gd name="adj2" fmla="val -20824"/>
-              <a:gd name="adj3" fmla="val 16667"/>
-            </a:avLst>
-          </a:prstGeom>
-        </p:spPr>
-        <p:style>
-          <a:lnRef idx="2">
-            <a:schemeClr val="accent6"/>
-          </a:lnRef>
-          <a:fillRef idx="1">
-            <a:schemeClr val="lt1"/>
-          </a:fillRef>
-          <a:effectRef idx="0">
-            <a:schemeClr val="accent6"/>
-          </a:effectRef>
-          <a:fontRef idx="minor">
-            <a:schemeClr val="dk1"/>
-          </a:fontRef>
-        </p:style>
-        <p:txBody>
-          <a:bodyPr rtlCol="0" anchor="ctr"/>
-          <a:lstStyle/>
-          <a:p>
-            <a:pPr>
-              <a:lnSpc>
-                <a:spcPct val="150000"/>
-              </a:lnSpc>
-            </a:pPr>
-            <a:r>
-              <a:rPr lang="en-US" altLang="zh-CN" sz="1400" dirty="0" smtClean="0">
-                <a:latin typeface="微软雅黑" panose="020B0503020204020204" pitchFamily="34" charset="-122"/>
-                <a:ea typeface="微软雅黑" panose="020B0503020204020204" pitchFamily="34" charset="-122"/>
-              </a:rPr>
-              <a:t> </a:t>
-            </a:r>
-            <a:r>
-              <a:rPr lang="zh-CN" altLang="en-US" sz="1400" dirty="0" smtClean="0">
-                <a:latin typeface="微软雅黑" panose="020B0503020204020204" pitchFamily="34" charset="-122"/>
-                <a:ea typeface="微软雅黑" panose="020B0503020204020204" pitchFamily="34" charset="-122"/>
-              </a:rPr>
-              <a:t>表达整体为</a:t>
-            </a:r>
-            <a:r>
-              <a:rPr lang="en-US" altLang="zh-CN" sz="1400" dirty="0" smtClean="0">
-                <a:latin typeface="微软雅黑" panose="020B0503020204020204" pitchFamily="34" charset="-122"/>
-                <a:ea typeface="微软雅黑" panose="020B0503020204020204" pitchFamily="34" charset="-122"/>
-              </a:rPr>
-              <a:t>false</a:t>
-            </a:r>
-            <a:r>
-              <a:rPr lang="zh-CN" altLang="en-US" sz="1400" dirty="0" smtClean="0">
-                <a:latin typeface="微软雅黑" panose="020B0503020204020204" pitchFamily="34" charset="-122"/>
-                <a:ea typeface="微软雅黑" panose="020B0503020204020204" pitchFamily="34" charset="-122"/>
-              </a:rPr>
-              <a:t>，</a:t>
-            </a:r>
-            <a:r>
-              <a:rPr lang="en-US" altLang="zh-CN" sz="1400" dirty="0" smtClean="0">
-                <a:latin typeface="微软雅黑" panose="020B0503020204020204" pitchFamily="34" charset="-122"/>
-                <a:ea typeface="微软雅黑" panose="020B0503020204020204" pitchFamily="34" charset="-122"/>
-              </a:rPr>
-              <a:t>a</a:t>
-            </a:r>
-            <a:r>
-              <a:rPr lang="zh-CN" altLang="en-US" sz="1400" dirty="0" smtClean="0">
-                <a:latin typeface="微软雅黑" panose="020B0503020204020204" pitchFamily="34" charset="-122"/>
-                <a:ea typeface="微软雅黑" panose="020B0503020204020204" pitchFamily="34" charset="-122"/>
-              </a:rPr>
-              <a:t>的值是</a:t>
-            </a:r>
-            <a:r>
-              <a:rPr lang="zh-CN" altLang="en-US" sz="1400" dirty="0">
-                <a:latin typeface="微软雅黑" panose="020B0503020204020204" pitchFamily="34" charset="-122"/>
-                <a:ea typeface="微软雅黑" panose="020B0503020204020204" pitchFamily="34" charset="-122"/>
-              </a:rPr>
-              <a:t>第一</a:t>
-            </a:r>
-            <a:r>
-              <a:rPr lang="zh-CN" altLang="en-US" sz="1400" dirty="0" smtClean="0">
-                <a:latin typeface="微软雅黑" panose="020B0503020204020204" pitchFamily="34" charset="-122"/>
-                <a:ea typeface="微软雅黑" panose="020B0503020204020204" pitchFamily="34" charset="-122"/>
-              </a:rPr>
-              <a:t>个</a:t>
-            </a:r>
-            <a:r>
-              <a:rPr lang="en-US" altLang="zh-CN" sz="1400" dirty="0" smtClean="0">
-                <a:latin typeface="微软雅黑" panose="020B0503020204020204" pitchFamily="34" charset="-122"/>
-                <a:ea typeface="微软雅黑" panose="020B0503020204020204" pitchFamily="34" charset="-122"/>
-              </a:rPr>
-              <a:t>false</a:t>
-            </a:r>
-            <a:r>
-              <a:rPr lang="zh-CN" altLang="en-US" sz="1400" dirty="0" smtClean="0">
-                <a:latin typeface="微软雅黑" panose="020B0503020204020204" pitchFamily="34" charset="-122"/>
-                <a:ea typeface="微软雅黑" panose="020B0503020204020204" pitchFamily="34" charset="-122"/>
-              </a:rPr>
-              <a:t>的自表达式值，也就是</a:t>
-            </a:r>
-            <a:r>
-              <a:rPr lang="en-US" altLang="zh-CN" sz="1400" dirty="0" smtClean="0">
-                <a:latin typeface="微软雅黑" panose="020B0503020204020204" pitchFamily="34" charset="-122"/>
-                <a:ea typeface="微软雅黑" panose="020B0503020204020204" pitchFamily="34" charset="-122"/>
-              </a:rPr>
-              <a:t>false</a:t>
-            </a:r>
-            <a:endParaRPr lang="zh-CN" altLang="en-US" sz="1400" dirty="0">
-              <a:latin typeface="微软雅黑" panose="020B0503020204020204" pitchFamily="34" charset="-122"/>
-              <a:ea typeface="微软雅黑" panose="020B0503020204020204" pitchFamily="34" charset="-122"/>
-            </a:endParaRPr>
+            <a:pPr algn="ctr"/>
+            <a:endParaRPr lang="zh-CN" altLang="en-US"/>
           </a:p>
         </p:txBody>
       </p:sp>
     </p:spTree>
     <p:extLst>
       <p:ext uri="{BB962C8B-B14F-4D97-AF65-F5344CB8AC3E}">
-        <p14:creationId xmlns:p14="http://schemas.microsoft.com/office/powerpoint/2010/main" val="3965008186"/>
+        <p14:creationId xmlns:p14="http://schemas.microsoft.com/office/powerpoint/2010/main" val="4216880744"/>
       </p:ext>
     </p:extLst>
   </p:cSld>
   <p:clrMapOvr>
     <a:masterClrMapping/>
   </p:clrMapOvr>
+  <p:timing>
+    <p:tnLst>
+      <p:par>
+        <p:cTn id="1" dur="indefinite" restart="never" nodeType="tmRoot"/>
+      </p:par>
+    </p:tnLst>
+  </p:timing>
+</p:sld>
+</file>
+
+<file path=ppt/slides/slide8.xml><?xml version="1.0" encoding="utf-8"?>
+<p:sld xmlns:a="http://schemas.openxmlformats.org/drawingml/2006/main" xmlns:r="http://schemas.openxmlformats.org/officeDocument/2006/relationships" xmlns:p="http://schemas.openxmlformats.org/presentationml/2006/main">
+  <p:cSld>
+    <p:spTree>
+      <p:nvGrpSpPr>
+        <p:cNvPr id="1" name=""/>
+        <p:cNvGrpSpPr/>
+        <p:nvPr/>
+      </p:nvGrpSpPr>
+      <p:grpSpPr>
+        <a:xfrm>
+          <a:off x="0" y="0"/>
+          <a:ext cx="0" cy="0"/>
+          <a:chOff x="0" y="0"/>
+          <a:chExt cx="0" cy="0"/>
+        </a:xfrm>
+      </p:grpSpPr>
+      <p:sp>
+        <p:nvSpPr>
+          <p:cNvPr id="4" name="TextBox 3"/>
+          <p:cNvSpPr txBox="1"/>
+          <p:nvPr/>
+        </p:nvSpPr>
+        <p:spPr>
+          <a:xfrm>
+            <a:off x="467544" y="476672"/>
+            <a:ext cx="7200800" cy="662554"/>
+          </a:xfrm>
+          <a:prstGeom prst="rect">
+            <a:avLst/>
+          </a:prstGeom>
+          <a:noFill/>
+        </p:spPr>
+        <p:txBody>
+          <a:bodyPr wrap="square" rtlCol="0">
+            <a:spAutoFit/>
+          </a:bodyPr>
+          <a:lstStyle/>
+          <a:p>
+            <a:pPr>
+              <a:lnSpc>
+                <a:spcPct val="150000"/>
+              </a:lnSpc>
+            </a:pPr>
+            <a:r>
+              <a:rPr lang="en-US" altLang="zh-CN" sz="2800" dirty="0" smtClean="0">
+                <a:solidFill>
+                  <a:schemeClr val="tx1">
+                    <a:lumMod val="75000"/>
+                    <a:lumOff val="25000"/>
+                  </a:schemeClr>
+                </a:solidFill>
+                <a:latin typeface="微软雅黑" pitchFamily="34" charset="-122"/>
+                <a:ea typeface="微软雅黑" pitchFamily="34" charset="-122"/>
+              </a:rPr>
+              <a:t>6.</a:t>
+            </a:r>
+            <a:r>
+              <a:rPr lang="zh-CN" altLang="en-US" sz="2800" dirty="0" smtClean="0">
+                <a:solidFill>
+                  <a:schemeClr val="tx1">
+                    <a:lumMod val="75000"/>
+                    <a:lumOff val="25000"/>
+                  </a:schemeClr>
+                </a:solidFill>
+                <a:latin typeface="微软雅黑" pitchFamily="34" charset="-122"/>
+                <a:ea typeface="微软雅黑" pitchFamily="34" charset="-122"/>
+              </a:rPr>
+              <a:t>翻折样式</a:t>
+            </a:r>
+            <a:endParaRPr lang="zh-CN" altLang="en-US" sz="2800" dirty="0">
+              <a:solidFill>
+                <a:schemeClr val="tx1">
+                  <a:lumMod val="75000"/>
+                  <a:lumOff val="25000"/>
+                </a:schemeClr>
+              </a:solidFill>
+              <a:latin typeface="微软雅黑" pitchFamily="34" charset="-122"/>
+              <a:ea typeface="微软雅黑" pitchFamily="34" charset="-122"/>
+            </a:endParaRPr>
+          </a:p>
+        </p:txBody>
+      </p:sp>
+      <p:sp>
+        <p:nvSpPr>
+          <p:cNvPr id="5" name="TextBox 4"/>
+          <p:cNvSpPr txBox="1"/>
+          <p:nvPr/>
+        </p:nvSpPr>
+        <p:spPr>
+          <a:xfrm>
+            <a:off x="467544" y="1379721"/>
+            <a:ext cx="7992888" cy="874407"/>
+          </a:xfrm>
+          <a:prstGeom prst="rect">
+            <a:avLst/>
+          </a:prstGeom>
+          <a:noFill/>
+        </p:spPr>
+        <p:txBody>
+          <a:bodyPr wrap="square" rtlCol="0">
+            <a:spAutoFit/>
+          </a:bodyPr>
+          <a:lstStyle/>
+          <a:p>
+            <a:pPr>
+              <a:lnSpc>
+                <a:spcPct val="150000"/>
+              </a:lnSpc>
+            </a:pPr>
+            <a:r>
+              <a:rPr lang="zh-CN" altLang="en-US" dirty="0" smtClean="0">
+                <a:solidFill>
+                  <a:schemeClr val="tx1">
+                    <a:lumMod val="75000"/>
+                    <a:lumOff val="25000"/>
+                  </a:schemeClr>
+                </a:solidFill>
+                <a:latin typeface="微软雅黑" pitchFamily="34" charset="-122"/>
+                <a:ea typeface="微软雅黑" pitchFamily="34" charset="-122"/>
+              </a:rPr>
+              <a:t>我们需要为每个字母设置</a:t>
+            </a:r>
+            <a:r>
+              <a:rPr lang="en-US" altLang="zh-CN" dirty="0" smtClean="0">
+                <a:solidFill>
+                  <a:schemeClr val="tx1">
+                    <a:lumMod val="75000"/>
+                    <a:lumOff val="25000"/>
+                  </a:schemeClr>
+                </a:solidFill>
+                <a:latin typeface="微软雅黑" pitchFamily="34" charset="-122"/>
+                <a:ea typeface="微软雅黑" pitchFamily="34" charset="-122"/>
+              </a:rPr>
+              <a:t>3</a:t>
+            </a:r>
+            <a:r>
+              <a:rPr lang="zh-CN" altLang="en-US" dirty="0" smtClean="0">
+                <a:solidFill>
+                  <a:schemeClr val="tx1">
+                    <a:lumMod val="75000"/>
+                    <a:lumOff val="25000"/>
+                  </a:schemeClr>
+                </a:solidFill>
+                <a:latin typeface="微软雅黑" pitchFamily="34" charset="-122"/>
+                <a:ea typeface="微软雅黑" pitchFamily="34" charset="-122"/>
+              </a:rPr>
+              <a:t>层，一层翻折，一层是镂空部分，一层是投影。</a:t>
+            </a:r>
+            <a:endParaRPr lang="en-US" altLang="zh-CN" dirty="0" smtClean="0">
+              <a:solidFill>
+                <a:schemeClr val="tx1">
+                  <a:lumMod val="75000"/>
+                  <a:lumOff val="25000"/>
+                </a:schemeClr>
+              </a:solidFill>
+              <a:latin typeface="微软雅黑" pitchFamily="34" charset="-122"/>
+              <a:ea typeface="微软雅黑" pitchFamily="34" charset="-122"/>
+            </a:endParaRPr>
+          </a:p>
+          <a:p>
+            <a:pPr>
+              <a:lnSpc>
+                <a:spcPct val="150000"/>
+              </a:lnSpc>
+            </a:pPr>
+            <a:r>
+              <a:rPr lang="en-US" altLang="zh-CN" dirty="0" smtClean="0">
+                <a:solidFill>
+                  <a:schemeClr val="tx1">
+                    <a:lumMod val="75000"/>
+                    <a:lumOff val="25000"/>
+                  </a:schemeClr>
+                </a:solidFill>
+                <a:latin typeface="微软雅黑" pitchFamily="34" charset="-122"/>
+                <a:ea typeface="微软雅黑" pitchFamily="34" charset="-122"/>
+              </a:rPr>
+              <a:t>3</a:t>
+            </a:r>
+            <a:r>
+              <a:rPr lang="zh-CN" altLang="en-US" dirty="0" smtClean="0">
+                <a:solidFill>
+                  <a:schemeClr val="tx1">
+                    <a:lumMod val="75000"/>
+                    <a:lumOff val="25000"/>
+                  </a:schemeClr>
+                </a:solidFill>
+                <a:latin typeface="微软雅黑" pitchFamily="34" charset="-122"/>
+                <a:ea typeface="微软雅黑" pitchFamily="34" charset="-122"/>
+              </a:rPr>
+              <a:t>层字母需要完全重合，所以绝对定位即可！</a:t>
+            </a:r>
+            <a:endParaRPr lang="en-US" altLang="zh-CN" dirty="0" smtClean="0">
+              <a:solidFill>
+                <a:schemeClr val="tx1">
+                  <a:lumMod val="75000"/>
+                  <a:lumOff val="25000"/>
+                </a:schemeClr>
+              </a:solidFill>
+              <a:latin typeface="微软雅黑" pitchFamily="34" charset="-122"/>
+              <a:ea typeface="微软雅黑" pitchFamily="34" charset="-122"/>
+            </a:endParaRPr>
+          </a:p>
+        </p:txBody>
+      </p:sp>
+      <p:pic>
+        <p:nvPicPr>
+          <p:cNvPr id="12" name="图片 11" descr="屏幕剪辑"/>
+          <p:cNvPicPr>
+            <a:picLocks noChangeAspect="1"/>
+          </p:cNvPicPr>
+          <p:nvPr/>
+        </p:nvPicPr>
+        <p:blipFill>
+          <a:blip r:embed="rId2">
+            <a:duotone>
+              <a:prstClr val="black"/>
+              <a:schemeClr val="accent6">
+                <a:tint val="45000"/>
+                <a:satMod val="400000"/>
+              </a:schemeClr>
+            </a:duotone>
+            <a:extLst>
+              <a:ext uri="{BEBA8EAE-BF5A-486C-A8C5-ECC9F3942E4B}">
+                <a14:imgProps xmlns:a14="http://schemas.microsoft.com/office/drawing/2010/main">
+                  <a14:imgLayer r:embed="rId3">
+                    <a14:imgEffect>
+                      <a14:artisticGlowEdges/>
+                    </a14:imgEffect>
+                  </a14:imgLayer>
+                </a14:imgProps>
+              </a:ext>
+              <a:ext uri="{28A0092B-C50C-407E-A947-70E740481C1C}">
+                <a14:useLocalDpi xmlns:a14="http://schemas.microsoft.com/office/drawing/2010/main" val="0"/>
+              </a:ext>
+            </a:extLst>
+          </a:blip>
+          <a:stretch>
+            <a:fillRect/>
+          </a:stretch>
+        </p:blipFill>
+        <p:spPr>
+          <a:xfrm>
+            <a:off x="2587992" y="2624028"/>
+            <a:ext cx="1495634" cy="2029108"/>
+          </a:xfrm>
+          <a:prstGeom prst="rect">
+            <a:avLst/>
+          </a:prstGeom>
+          <a:scene3d>
+            <a:camera prst="isometricOffAxis2Top">
+              <a:rot lat="17256049" lon="972043" rev="20202401"/>
+            </a:camera>
+            <a:lightRig rig="threePt" dir="t"/>
+          </a:scene3d>
+        </p:spPr>
+      </p:pic>
+      <p:pic>
+        <p:nvPicPr>
+          <p:cNvPr id="14" name="图片 13" descr="屏幕剪辑"/>
+          <p:cNvPicPr>
+            <a:picLocks noChangeAspect="1"/>
+          </p:cNvPicPr>
+          <p:nvPr/>
+        </p:nvPicPr>
+        <p:blipFill>
+          <a:blip r:embed="rId4">
+            <a:duotone>
+              <a:prstClr val="black"/>
+              <a:schemeClr val="accent5">
+                <a:tint val="45000"/>
+                <a:satMod val="400000"/>
+              </a:schemeClr>
+            </a:duotone>
+            <a:extLst>
+              <a:ext uri="{28A0092B-C50C-407E-A947-70E740481C1C}">
+                <a14:useLocalDpi xmlns:a14="http://schemas.microsoft.com/office/drawing/2010/main" val="0"/>
+              </a:ext>
+            </a:extLst>
+          </a:blip>
+          <a:stretch>
+            <a:fillRect/>
+          </a:stretch>
+        </p:blipFill>
+        <p:spPr>
+          <a:xfrm>
+            <a:off x="2474225" y="2060848"/>
+            <a:ext cx="1495634" cy="2029108"/>
+          </a:xfrm>
+          <a:prstGeom prst="rect">
+            <a:avLst/>
+          </a:prstGeom>
+          <a:scene3d>
+            <a:camera prst="orthographicFront">
+              <a:rot lat="17850089" lon="3597419" rev="19945892"/>
+            </a:camera>
+            <a:lightRig rig="threePt" dir="t"/>
+          </a:scene3d>
+        </p:spPr>
+      </p:pic>
+      <p:sp>
+        <p:nvSpPr>
+          <p:cNvPr id="2" name="下弧形箭头 1"/>
+          <p:cNvSpPr/>
+          <p:nvPr/>
+        </p:nvSpPr>
+        <p:spPr>
+          <a:xfrm rot="15746910">
+            <a:off x="3873881" y="2784734"/>
+            <a:ext cx="1645850" cy="581337"/>
+          </a:xfrm>
+          <a:prstGeom prst="curvedUpArrow">
+            <a:avLst/>
+          </a:prstGeom>
+        </p:spPr>
+        <p:style>
+          <a:lnRef idx="1">
+            <a:schemeClr val="accent3"/>
+          </a:lnRef>
+          <a:fillRef idx="3">
+            <a:schemeClr val="accent3"/>
+          </a:fillRef>
+          <a:effectRef idx="2">
+            <a:schemeClr val="accent3"/>
+          </a:effectRef>
+          <a:fontRef idx="minor">
+            <a:schemeClr val="lt1"/>
+          </a:fontRef>
+        </p:style>
+        <p:txBody>
+          <a:bodyPr rtlCol="0" anchor="ctr"/>
+          <a:lstStyle/>
+          <a:p>
+            <a:pPr algn="ctr"/>
+            <a:endParaRPr lang="zh-CN" altLang="en-US">
+              <a:solidFill>
+                <a:schemeClr val="tx1"/>
+              </a:solidFill>
+            </a:endParaRPr>
+          </a:p>
+        </p:txBody>
+      </p:sp>
+      <p:sp>
+        <p:nvSpPr>
+          <p:cNvPr id="20" name="圆角矩形标注 19"/>
+          <p:cNvSpPr/>
+          <p:nvPr/>
+        </p:nvSpPr>
+        <p:spPr>
+          <a:xfrm>
+            <a:off x="5309125" y="2686854"/>
+            <a:ext cx="2592288" cy="432048"/>
+          </a:xfrm>
+          <a:prstGeom prst="wedgeRoundRectCallout">
+            <a:avLst>
+              <a:gd name="adj1" fmla="val -57596"/>
+              <a:gd name="adj2" fmla="val 22154"/>
+              <a:gd name="adj3" fmla="val 16667"/>
+            </a:avLst>
+          </a:prstGeom>
+        </p:spPr>
+        <p:style>
+          <a:lnRef idx="2">
+            <a:schemeClr val="accent5"/>
+          </a:lnRef>
+          <a:fillRef idx="1">
+            <a:schemeClr val="lt1"/>
+          </a:fillRef>
+          <a:effectRef idx="0">
+            <a:schemeClr val="accent5"/>
+          </a:effectRef>
+          <a:fontRef idx="minor">
+            <a:schemeClr val="dk1"/>
+          </a:fontRef>
+        </p:style>
+        <p:txBody>
+          <a:bodyPr rtlCol="0" anchor="ctr"/>
+          <a:lstStyle/>
+          <a:p>
+            <a:pPr>
+              <a:lnSpc>
+                <a:spcPct val="150000"/>
+              </a:lnSpc>
+            </a:pPr>
+            <a:r>
+              <a:rPr lang="zh-CN" altLang="en-US" sz="1400" dirty="0" smtClean="0">
+                <a:latin typeface="微软雅黑" panose="020B0503020204020204" pitchFamily="34" charset="-122"/>
+                <a:ea typeface="微软雅黑" panose="020B0503020204020204" pitchFamily="34" charset="-122"/>
+              </a:rPr>
+              <a:t>以左边缘为轴</a:t>
+            </a:r>
+            <a:r>
+              <a:rPr lang="en-US" altLang="zh-CN" sz="1400" dirty="0" smtClean="0">
+                <a:latin typeface="微软雅黑" panose="020B0503020204020204" pitchFamily="34" charset="-122"/>
+                <a:ea typeface="微软雅黑" panose="020B0503020204020204" pitchFamily="34" charset="-122"/>
+              </a:rPr>
+              <a:t>(y</a:t>
+            </a:r>
+            <a:r>
+              <a:rPr lang="zh-CN" altLang="en-US" sz="1400" dirty="0" smtClean="0">
+                <a:latin typeface="微软雅黑" panose="020B0503020204020204" pitchFamily="34" charset="-122"/>
+                <a:ea typeface="微软雅黑" panose="020B0503020204020204" pitchFamily="34" charset="-122"/>
+              </a:rPr>
+              <a:t>轴</a:t>
+            </a:r>
+            <a:r>
+              <a:rPr lang="en-US" altLang="zh-CN" sz="1400" dirty="0" smtClean="0">
+                <a:latin typeface="微软雅黑" panose="020B0503020204020204" pitchFamily="34" charset="-122"/>
+                <a:ea typeface="微软雅黑" panose="020B0503020204020204" pitchFamily="34" charset="-122"/>
+              </a:rPr>
+              <a:t>)</a:t>
+            </a:r>
+            <a:r>
+              <a:rPr lang="zh-CN" altLang="en-US" sz="1400" dirty="0" smtClean="0">
+                <a:latin typeface="微软雅黑" panose="020B0503020204020204" pitchFamily="34" charset="-122"/>
+                <a:ea typeface="微软雅黑" panose="020B0503020204020204" pitchFamily="34" charset="-122"/>
+              </a:rPr>
+              <a:t>，进行旋转</a:t>
+            </a:r>
+            <a:endParaRPr lang="zh-CN" altLang="en-US" sz="1400" dirty="0">
+              <a:latin typeface="微软雅黑" panose="020B0503020204020204" pitchFamily="34" charset="-122"/>
+              <a:ea typeface="微软雅黑" panose="020B0503020204020204" pitchFamily="34" charset="-122"/>
+            </a:endParaRPr>
+          </a:p>
+        </p:txBody>
+      </p:sp>
+      <p:cxnSp>
+        <p:nvCxnSpPr>
+          <p:cNvPr id="21" name="直接箭头连接符 20"/>
+          <p:cNvCxnSpPr/>
+          <p:nvPr/>
+        </p:nvCxnSpPr>
+        <p:spPr>
+          <a:xfrm>
+            <a:off x="1219801" y="2996719"/>
+            <a:ext cx="532494" cy="96052"/>
+          </a:xfrm>
+          <a:prstGeom prst="straightConnector1">
+            <a:avLst/>
+          </a:prstGeom>
+          <a:ln>
+            <a:tailEnd type="arrow"/>
+          </a:ln>
+        </p:spPr>
+        <p:style>
+          <a:lnRef idx="3">
+            <a:schemeClr val="accent3"/>
+          </a:lnRef>
+          <a:fillRef idx="0">
+            <a:schemeClr val="accent3"/>
+          </a:fillRef>
+          <a:effectRef idx="2">
+            <a:schemeClr val="accent3"/>
+          </a:effectRef>
+          <a:fontRef idx="minor">
+            <a:schemeClr val="tx1"/>
+          </a:fontRef>
+        </p:style>
+      </p:cxnSp>
+      <p:cxnSp>
+        <p:nvCxnSpPr>
+          <p:cNvPr id="22" name="直接箭头连接符 21"/>
+          <p:cNvCxnSpPr/>
+          <p:nvPr/>
+        </p:nvCxnSpPr>
+        <p:spPr>
+          <a:xfrm>
+            <a:off x="1229107" y="2996718"/>
+            <a:ext cx="0" cy="768170"/>
+          </a:xfrm>
+          <a:prstGeom prst="straightConnector1">
+            <a:avLst/>
+          </a:prstGeom>
+          <a:ln>
+            <a:tailEnd type="arrow"/>
+          </a:ln>
+        </p:spPr>
+        <p:style>
+          <a:lnRef idx="3">
+            <a:schemeClr val="accent2"/>
+          </a:lnRef>
+          <a:fillRef idx="0">
+            <a:schemeClr val="accent2"/>
+          </a:fillRef>
+          <a:effectRef idx="2">
+            <a:schemeClr val="accent2"/>
+          </a:effectRef>
+          <a:fontRef idx="minor">
+            <a:schemeClr val="tx1"/>
+          </a:fontRef>
+        </p:style>
+      </p:cxnSp>
+      <p:cxnSp>
+        <p:nvCxnSpPr>
+          <p:cNvPr id="23" name="直接箭头连接符 22"/>
+          <p:cNvCxnSpPr/>
+          <p:nvPr/>
+        </p:nvCxnSpPr>
+        <p:spPr>
+          <a:xfrm flipH="1">
+            <a:off x="856022" y="3015807"/>
+            <a:ext cx="373085" cy="385375"/>
+          </a:xfrm>
+          <a:prstGeom prst="straightConnector1">
+            <a:avLst/>
+          </a:prstGeom>
+          <a:ln>
+            <a:tailEnd type="arrow"/>
+          </a:ln>
+        </p:spPr>
+        <p:style>
+          <a:lnRef idx="3">
+            <a:schemeClr val="accent1"/>
+          </a:lnRef>
+          <a:fillRef idx="0">
+            <a:schemeClr val="accent1"/>
+          </a:fillRef>
+          <a:effectRef idx="2">
+            <a:schemeClr val="accent1"/>
+          </a:effectRef>
+          <a:fontRef idx="minor">
+            <a:schemeClr val="tx1"/>
+          </a:fontRef>
+        </p:style>
+      </p:cxnSp>
+      <p:sp>
+        <p:nvSpPr>
+          <p:cNvPr id="24" name="TextBox 23"/>
+          <p:cNvSpPr txBox="1"/>
+          <p:nvPr/>
+        </p:nvSpPr>
+        <p:spPr>
+          <a:xfrm>
+            <a:off x="1306802" y="3558239"/>
+            <a:ext cx="316470" cy="369332"/>
+          </a:xfrm>
+          <a:prstGeom prst="rect">
+            <a:avLst/>
+          </a:prstGeom>
+          <a:noFill/>
+        </p:spPr>
+        <p:txBody>
+          <a:bodyPr wrap="square" rtlCol="0">
+            <a:spAutoFit/>
+          </a:bodyPr>
+          <a:lstStyle/>
+          <a:p>
+            <a:r>
+              <a:rPr lang="en-US" altLang="zh-CN" dirty="0"/>
+              <a:t>y</a:t>
+            </a:r>
+            <a:endParaRPr lang="zh-CN" altLang="en-US" dirty="0"/>
+          </a:p>
+        </p:txBody>
+      </p:sp>
+      <p:sp>
+        <p:nvSpPr>
+          <p:cNvPr id="25" name="TextBox 24"/>
+          <p:cNvSpPr txBox="1"/>
+          <p:nvPr/>
+        </p:nvSpPr>
+        <p:spPr>
+          <a:xfrm>
+            <a:off x="1965493" y="2718212"/>
+            <a:ext cx="316470" cy="369332"/>
+          </a:xfrm>
+          <a:prstGeom prst="rect">
+            <a:avLst/>
+          </a:prstGeom>
+          <a:noFill/>
+        </p:spPr>
+        <p:txBody>
+          <a:bodyPr wrap="square" rtlCol="0">
+            <a:spAutoFit/>
+          </a:bodyPr>
+          <a:lstStyle/>
+          <a:p>
+            <a:r>
+              <a:rPr lang="en-US" altLang="zh-CN" dirty="0"/>
+              <a:t>x</a:t>
+            </a:r>
+            <a:endParaRPr lang="zh-CN" altLang="en-US" dirty="0"/>
+          </a:p>
+        </p:txBody>
+      </p:sp>
+      <p:sp>
+        <p:nvSpPr>
+          <p:cNvPr id="26" name="TextBox 25"/>
+          <p:cNvSpPr txBox="1"/>
+          <p:nvPr/>
+        </p:nvSpPr>
+        <p:spPr>
+          <a:xfrm>
+            <a:off x="683568" y="2812052"/>
+            <a:ext cx="316470" cy="369332"/>
+          </a:xfrm>
+          <a:prstGeom prst="rect">
+            <a:avLst/>
+          </a:prstGeom>
+          <a:noFill/>
+        </p:spPr>
+        <p:txBody>
+          <a:bodyPr wrap="square" rtlCol="0">
+            <a:spAutoFit/>
+          </a:bodyPr>
+          <a:lstStyle/>
+          <a:p>
+            <a:r>
+              <a:rPr lang="en-US" altLang="zh-CN" dirty="0" smtClean="0"/>
+              <a:t>z</a:t>
+            </a:r>
+            <a:endParaRPr lang="zh-CN" altLang="en-US" dirty="0"/>
+          </a:p>
+        </p:txBody>
+      </p:sp>
+      <p:pic>
+        <p:nvPicPr>
+          <p:cNvPr id="31" name="图片 30" descr="屏幕剪辑"/>
+          <p:cNvPicPr>
+            <a:picLocks noChangeAspect="1"/>
+          </p:cNvPicPr>
+          <p:nvPr/>
+        </p:nvPicPr>
+        <p:blipFill>
+          <a:blip r:embed="rId5">
+            <a:extLst>
+              <a:ext uri="{28A0092B-C50C-407E-A947-70E740481C1C}">
+                <a14:useLocalDpi xmlns:a14="http://schemas.microsoft.com/office/drawing/2010/main" val="0"/>
+              </a:ext>
+            </a:extLst>
+          </a:blip>
+          <a:stretch>
+            <a:fillRect/>
+          </a:stretch>
+        </p:blipFill>
+        <p:spPr>
+          <a:xfrm>
+            <a:off x="683568" y="4437112"/>
+            <a:ext cx="4153480" cy="1467055"/>
+          </a:xfrm>
+          <a:prstGeom prst="rect">
+            <a:avLst/>
+          </a:prstGeom>
+          <a:ln>
+            <a:noFill/>
+          </a:ln>
+          <a:effectLst>
+            <a:outerShdw blurRad="292100" dist="139700" dir="2700000" algn="tl" rotWithShape="0">
+              <a:srgbClr val="333333">
+                <a:alpha val="65000"/>
+              </a:srgbClr>
+            </a:outerShdw>
+          </a:effectLst>
+        </p:spPr>
+      </p:pic>
+      <p:sp>
+        <p:nvSpPr>
+          <p:cNvPr id="32" name="圆角矩形标注 31"/>
+          <p:cNvSpPr/>
+          <p:nvPr/>
+        </p:nvSpPr>
+        <p:spPr>
+          <a:xfrm>
+            <a:off x="5096653" y="4653136"/>
+            <a:ext cx="2804760" cy="432048"/>
+          </a:xfrm>
+          <a:prstGeom prst="wedgeRoundRectCallout">
+            <a:avLst>
+              <a:gd name="adj1" fmla="val -64049"/>
+              <a:gd name="adj2" fmla="val 9249"/>
+              <a:gd name="adj3" fmla="val 16667"/>
+            </a:avLst>
+          </a:prstGeom>
+        </p:spPr>
+        <p:style>
+          <a:lnRef idx="2">
+            <a:schemeClr val="accent5"/>
+          </a:lnRef>
+          <a:fillRef idx="1">
+            <a:schemeClr val="lt1"/>
+          </a:fillRef>
+          <a:effectRef idx="0">
+            <a:schemeClr val="accent5"/>
+          </a:effectRef>
+          <a:fontRef idx="minor">
+            <a:schemeClr val="dk1"/>
+          </a:fontRef>
+        </p:style>
+        <p:txBody>
+          <a:bodyPr rtlCol="0" anchor="ctr"/>
+          <a:lstStyle/>
+          <a:p>
+            <a:pPr>
+              <a:lnSpc>
+                <a:spcPct val="150000"/>
+              </a:lnSpc>
+            </a:pPr>
+            <a:r>
+              <a:rPr lang="zh-CN" altLang="en-US" sz="1400" dirty="0" smtClean="0">
+                <a:latin typeface="微软雅黑" panose="020B0503020204020204" pitchFamily="34" charset="-122"/>
+                <a:ea typeface="微软雅黑" panose="020B0503020204020204" pitchFamily="34" charset="-122"/>
+              </a:rPr>
+              <a:t>移动局部坐标原点到左边，中间</a:t>
+            </a:r>
+            <a:endParaRPr lang="zh-CN" altLang="en-US" sz="1400" dirty="0">
+              <a:latin typeface="微软雅黑" panose="020B0503020204020204" pitchFamily="34" charset="-122"/>
+              <a:ea typeface="微软雅黑" panose="020B0503020204020204" pitchFamily="34" charset="-122"/>
+            </a:endParaRPr>
+          </a:p>
+        </p:txBody>
+      </p:sp>
+      <p:sp>
+        <p:nvSpPr>
+          <p:cNvPr id="33" name="圆角矩形标注 32"/>
+          <p:cNvSpPr/>
+          <p:nvPr/>
+        </p:nvSpPr>
+        <p:spPr>
+          <a:xfrm>
+            <a:off x="4713761" y="5204321"/>
+            <a:ext cx="1891508" cy="432048"/>
+          </a:xfrm>
+          <a:prstGeom prst="wedgeRoundRectCallout">
+            <a:avLst>
+              <a:gd name="adj1" fmla="val -64049"/>
+              <a:gd name="adj2" fmla="val 9249"/>
+              <a:gd name="adj3" fmla="val 16667"/>
+            </a:avLst>
+          </a:prstGeom>
+        </p:spPr>
+        <p:style>
+          <a:lnRef idx="2">
+            <a:schemeClr val="accent5"/>
+          </a:lnRef>
+          <a:fillRef idx="1">
+            <a:schemeClr val="lt1"/>
+          </a:fillRef>
+          <a:effectRef idx="0">
+            <a:schemeClr val="accent5"/>
+          </a:effectRef>
+          <a:fontRef idx="minor">
+            <a:schemeClr val="dk1"/>
+          </a:fontRef>
+        </p:style>
+        <p:txBody>
+          <a:bodyPr rtlCol="0" anchor="ctr"/>
+          <a:lstStyle/>
+          <a:p>
+            <a:pPr>
+              <a:lnSpc>
+                <a:spcPct val="150000"/>
+              </a:lnSpc>
+            </a:pPr>
+            <a:r>
+              <a:rPr lang="zh-CN" altLang="en-US" sz="1400" dirty="0" smtClean="0">
+                <a:latin typeface="微软雅黑" panose="020B0503020204020204" pitchFamily="34" charset="-122"/>
+                <a:ea typeface="微软雅黑" panose="020B0503020204020204" pitchFamily="34" charset="-122"/>
+              </a:rPr>
+              <a:t>旋转</a:t>
+            </a:r>
+            <a:r>
+              <a:rPr lang="en-US" altLang="zh-CN" sz="1400" dirty="0" smtClean="0">
+                <a:latin typeface="微软雅黑" panose="020B0503020204020204" pitchFamily="34" charset="-122"/>
+                <a:ea typeface="微软雅黑" panose="020B0503020204020204" pitchFamily="34" charset="-122"/>
+              </a:rPr>
+              <a:t>20</a:t>
+            </a:r>
+            <a:r>
+              <a:rPr lang="zh-CN" altLang="en-US" sz="1400" dirty="0" smtClean="0">
+                <a:latin typeface="微软雅黑" panose="020B0503020204020204" pitchFamily="34" charset="-122"/>
+                <a:ea typeface="微软雅黑" panose="020B0503020204020204" pitchFamily="34" charset="-122"/>
+              </a:rPr>
+              <a:t>度，微微跷起</a:t>
+            </a:r>
+            <a:endParaRPr lang="zh-CN" altLang="en-US" sz="1400" dirty="0">
+              <a:latin typeface="微软雅黑" panose="020B0503020204020204" pitchFamily="34" charset="-122"/>
+              <a:ea typeface="微软雅黑" panose="020B0503020204020204" pitchFamily="34" charset="-122"/>
+            </a:endParaRPr>
+          </a:p>
+        </p:txBody>
+      </p:sp>
+    </p:spTree>
+    <p:extLst>
+      <p:ext uri="{BB962C8B-B14F-4D97-AF65-F5344CB8AC3E}">
+        <p14:creationId xmlns:p14="http://schemas.microsoft.com/office/powerpoint/2010/main" val="1447401872"/>
+      </p:ext>
+    </p:extLst>
+  </p:cSld>
+  <p:clrMapOvr>
+    <a:masterClrMapping/>
+  </p:clrMapOvr>
+  <p:timing>
+    <p:tnLst>
+      <p:par>
+        <p:cTn id="1" dur="indefinite" restart="never" nodeType="tmRoot"/>
+      </p:par>
+    </p:tnLst>
+  </p:timing>
 </p:sld>
 </file>
 
@@ -8364,101 +10678,9 @@
           <a:chExt cx="0" cy="0"/>
         </a:xfrm>
       </p:grpSpPr>
-      <p:sp>
-        <p:nvSpPr>
-          <p:cNvPr id="4" name="TextBox 3"/>
-          <p:cNvSpPr txBox="1"/>
-          <p:nvPr/>
-        </p:nvSpPr>
-        <p:spPr>
-          <a:xfrm>
-            <a:off x="467544" y="476672"/>
-            <a:ext cx="7200800" cy="662554"/>
-          </a:xfrm>
-          <a:prstGeom prst="rect">
-            <a:avLst/>
-          </a:prstGeom>
-          <a:noFill/>
-        </p:spPr>
-        <p:txBody>
-          <a:bodyPr wrap="square" rtlCol="0">
-            <a:spAutoFit/>
-          </a:bodyPr>
-          <a:lstStyle/>
-          <a:p>
-            <a:pPr>
-              <a:lnSpc>
-                <a:spcPct val="150000"/>
-              </a:lnSpc>
-            </a:pPr>
-            <a:r>
-              <a:rPr lang="en-US" altLang="zh-CN" sz="2800" dirty="0" smtClean="0">
-                <a:solidFill>
-                  <a:schemeClr val="tx1">
-                    <a:lumMod val="75000"/>
-                    <a:lumOff val="25000"/>
-                  </a:schemeClr>
-                </a:solidFill>
-                <a:latin typeface="微软雅黑" pitchFamily="34" charset="-122"/>
-                <a:ea typeface="微软雅黑" pitchFamily="34" charset="-122"/>
-              </a:rPr>
-              <a:t>5.</a:t>
-            </a:r>
-            <a:r>
-              <a:rPr lang="zh-CN" altLang="en-US" sz="2800" dirty="0" smtClean="0">
-                <a:solidFill>
-                  <a:schemeClr val="tx1">
-                    <a:lumMod val="75000"/>
-                    <a:lumOff val="25000"/>
-                  </a:schemeClr>
-                </a:solidFill>
-                <a:latin typeface="微软雅黑" pitchFamily="34" charset="-122"/>
-                <a:ea typeface="微软雅黑" pitchFamily="34" charset="-122"/>
-              </a:rPr>
-              <a:t>动画的开启</a:t>
-            </a:r>
-            <a:r>
-              <a:rPr lang="en-US" altLang="zh-CN" sz="2800" dirty="0" smtClean="0">
-                <a:solidFill>
-                  <a:schemeClr val="tx1">
-                    <a:lumMod val="75000"/>
-                    <a:lumOff val="25000"/>
-                  </a:schemeClr>
-                </a:solidFill>
-                <a:latin typeface="微软雅黑" pitchFamily="34" charset="-122"/>
-                <a:ea typeface="微软雅黑" pitchFamily="34" charset="-122"/>
-              </a:rPr>
-              <a:t>/</a:t>
-            </a:r>
-            <a:r>
-              <a:rPr lang="zh-CN" altLang="en-US" sz="2800" dirty="0" smtClean="0">
-                <a:solidFill>
-                  <a:schemeClr val="tx1">
-                    <a:lumMod val="75000"/>
-                    <a:lumOff val="25000"/>
-                  </a:schemeClr>
-                </a:solidFill>
-                <a:latin typeface="微软雅黑" pitchFamily="34" charset="-122"/>
-                <a:ea typeface="微软雅黑" pitchFamily="34" charset="-122"/>
-              </a:rPr>
-              <a:t>结束</a:t>
-            </a:r>
-            <a:endParaRPr lang="zh-CN" altLang="en-US" sz="2800" dirty="0">
-              <a:solidFill>
-                <a:schemeClr val="tx1">
-                  <a:lumMod val="75000"/>
-                  <a:lumOff val="25000"/>
-                </a:schemeClr>
-              </a:solidFill>
-              <a:latin typeface="微软雅黑" pitchFamily="34" charset="-122"/>
-              <a:ea typeface="微软雅黑" pitchFamily="34" charset="-122"/>
-            </a:endParaRPr>
-          </a:p>
-        </p:txBody>
-      </p:sp>
       <p:pic>
         <p:nvPicPr>
-          <p:cNvPr id="3" name="图片 2" descr="屏幕剪辑"/>
+          <p:cNvPr id="2" name="图片 1" descr="屏幕剪辑"/>
           <p:cNvPicPr>
             <a:picLocks noChangeAspect="1"/>
           </p:cNvPicPr>
@@ -8478,8 +10700,8 @@
         </p:blipFill>
         <p:spPr>
           <a:xfrm>
-            <a:off x="755576" y="1700808"/>
-            <a:ext cx="3057952" cy="352474"/>
+            <a:off x="683568" y="620688"/>
+            <a:ext cx="4039164" cy="1448002"/>
           </a:xfrm>
           <a:prstGeom prst="rect">
             <a:avLst/>
@@ -8496,9 +10718,93 @@
           </a:effectLst>
         </p:spPr>
       </p:pic>
+      <p:sp>
+        <p:nvSpPr>
+          <p:cNvPr id="3" name="圆角矩形标注 2"/>
+          <p:cNvSpPr/>
+          <p:nvPr/>
+        </p:nvSpPr>
+        <p:spPr>
+          <a:xfrm>
+            <a:off x="4860032" y="912640"/>
+            <a:ext cx="2232248" cy="716159"/>
+          </a:xfrm>
+          <a:prstGeom prst="wedgeRoundRectCallout">
+            <a:avLst>
+              <a:gd name="adj1" fmla="val -57596"/>
+              <a:gd name="adj2" fmla="val 22154"/>
+              <a:gd name="adj3" fmla="val 16667"/>
+            </a:avLst>
+          </a:prstGeom>
+        </p:spPr>
+        <p:style>
+          <a:lnRef idx="2">
+            <a:schemeClr val="accent5"/>
+          </a:lnRef>
+          <a:fillRef idx="1">
+            <a:schemeClr val="lt1"/>
+          </a:fillRef>
+          <a:effectRef idx="0">
+            <a:schemeClr val="accent5"/>
+          </a:effectRef>
+          <a:fontRef idx="minor">
+            <a:schemeClr val="dk1"/>
+          </a:fontRef>
+        </p:style>
+        <p:txBody>
+          <a:bodyPr rtlCol="0" anchor="ctr"/>
+          <a:lstStyle/>
+          <a:p>
+            <a:pPr>
+              <a:lnSpc>
+                <a:spcPct val="150000"/>
+              </a:lnSpc>
+            </a:pPr>
+            <a:r>
+              <a:rPr lang="zh-CN" altLang="en-US" sz="1400" dirty="0" smtClean="0">
+                <a:latin typeface="微软雅黑" panose="020B0503020204020204" pitchFamily="34" charset="-122"/>
+                <a:ea typeface="微软雅黑" panose="020B0503020204020204" pitchFamily="34" charset="-122"/>
+              </a:rPr>
+              <a:t>父元素需要设置</a:t>
+            </a:r>
+            <a:r>
+              <a:rPr lang="en-US" altLang="zh-CN" sz="1400" dirty="0" smtClean="0">
+                <a:latin typeface="微软雅黑" panose="020B0503020204020204" pitchFamily="34" charset="-122"/>
+                <a:ea typeface="微软雅黑" panose="020B0503020204020204" pitchFamily="34" charset="-122"/>
+              </a:rPr>
+              <a:t>3D</a:t>
+            </a:r>
+            <a:r>
+              <a:rPr lang="zh-CN" altLang="en-US" sz="1400" dirty="0" smtClean="0">
+                <a:latin typeface="微软雅黑" panose="020B0503020204020204" pitchFamily="34" charset="-122"/>
+                <a:ea typeface="微软雅黑" panose="020B0503020204020204" pitchFamily="34" charset="-122"/>
+              </a:rPr>
+              <a:t>属性，否则没有</a:t>
+            </a:r>
+            <a:r>
+              <a:rPr lang="en-US" altLang="zh-CN" sz="1400" dirty="0" smtClean="0">
+                <a:latin typeface="微软雅黑" panose="020B0503020204020204" pitchFamily="34" charset="-122"/>
+                <a:ea typeface="微软雅黑" panose="020B0503020204020204" pitchFamily="34" charset="-122"/>
+              </a:rPr>
+              <a:t>3D</a:t>
+            </a:r>
+            <a:r>
+              <a:rPr lang="zh-CN" altLang="en-US" sz="1400" dirty="0" smtClean="0">
+                <a:latin typeface="微软雅黑" panose="020B0503020204020204" pitchFamily="34" charset="-122"/>
+                <a:ea typeface="微软雅黑" panose="020B0503020204020204" pitchFamily="34" charset="-122"/>
+              </a:rPr>
+              <a:t>效果</a:t>
+            </a:r>
+            <a:endParaRPr lang="zh-CN" altLang="en-US" sz="1400" dirty="0">
+              <a:latin typeface="微软雅黑" panose="020B0503020204020204" pitchFamily="34" charset="-122"/>
+              <a:ea typeface="微软雅黑" panose="020B0503020204020204" pitchFamily="34" charset="-122"/>
+            </a:endParaRPr>
+          </a:p>
+        </p:txBody>
+      </p:sp>
       <p:pic>
         <p:nvPicPr>
-          <p:cNvPr id="5" name="图片 4" descr="屏幕剪辑"/>
+          <p:cNvPr id="4" name="图片 3" descr="屏幕剪辑"/>
           <p:cNvPicPr>
             <a:picLocks noChangeAspect="1"/>
           </p:cNvPicPr>
@@ -8518,8 +10824,8 @@
         </p:blipFill>
         <p:spPr>
           <a:xfrm>
-            <a:off x="755576" y="3527063"/>
-            <a:ext cx="3429479" cy="962159"/>
+            <a:off x="683568" y="2409682"/>
+            <a:ext cx="3848637" cy="1019317"/>
           </a:xfrm>
           <a:prstGeom prst="rect">
             <a:avLst/>
@@ -8538,19 +10844,19 @@
       </p:pic>
       <p:sp>
         <p:nvSpPr>
-          <p:cNvPr id="12" name="圆角矩形标注 11"/>
+          <p:cNvPr id="5" name="圆角矩形标注 4"/>
           <p:cNvSpPr/>
           <p:nvPr/>
         </p:nvSpPr>
         <p:spPr>
           <a:xfrm>
-            <a:off x="3563888" y="1170302"/>
-            <a:ext cx="2016224" cy="540958"/>
+            <a:off x="4692479" y="2287365"/>
+            <a:ext cx="2232248" cy="716159"/>
           </a:xfrm>
           <a:prstGeom prst="wedgeRoundRectCallout">
             <a:avLst>
-              <a:gd name="adj1" fmla="val -44438"/>
-              <a:gd name="adj2" fmla="val 86310"/>
+              <a:gd name="adj1" fmla="val -57596"/>
+              <a:gd name="adj2" fmla="val 22154"/>
               <a:gd name="adj3" fmla="val 16667"/>
             </a:avLst>
           </a:prstGeom>
@@ -8579,18 +10885,11 @@
               </a:lnSpc>
             </a:pPr>
             <a:r>
-              <a:rPr lang="en-US" altLang="zh-CN" sz="1400" dirty="0" smtClean="0">
-                <a:latin typeface="微软雅黑" panose="020B0503020204020204" pitchFamily="34" charset="-122"/>
-                <a:ea typeface="微软雅黑" panose="020B0503020204020204" pitchFamily="34" charset="-122"/>
-              </a:rPr>
-              <a:t> </a:t>
-            </a:r>
-            <a:r>
               <a:rPr lang="zh-CN" altLang="en-US" sz="1400" dirty="0" smtClean="0">
                 <a:latin typeface="微软雅黑" panose="020B0503020204020204" pitchFamily="34" charset="-122"/>
                 <a:ea typeface="微软雅黑" panose="020B0503020204020204" pitchFamily="34" charset="-122"/>
               </a:rPr>
-              <a:t>添加类，开始动画</a:t>
+              <a:t>鼠标悬浮是，增大旋转角度，翻折更多</a:t>
             </a:r>
             <a:endParaRPr lang="zh-CN" altLang="en-US" sz="1400" dirty="0">
               <a:latin typeface="微软雅黑" panose="020B0503020204020204" pitchFamily="34" charset="-122"/>
@@ -8599,72 +10898,9 @@
           </a:p>
         </p:txBody>
       </p:sp>
-      <p:sp>
-        <p:nvSpPr>
-          <p:cNvPr id="14" name="圆角矩形标注 13"/>
-          <p:cNvSpPr/>
-          <p:nvPr/>
-        </p:nvSpPr>
-        <p:spPr>
-          <a:xfrm>
-            <a:off x="3813528" y="3256584"/>
-            <a:ext cx="2486664" cy="540958"/>
-          </a:xfrm>
-          <a:prstGeom prst="wedgeRoundRectCallout">
-            <a:avLst>
-              <a:gd name="adj1" fmla="val -44438"/>
-              <a:gd name="adj2" fmla="val 86310"/>
-              <a:gd name="adj3" fmla="val 16667"/>
-            </a:avLst>
-          </a:prstGeom>
-        </p:spPr>
-        <p:style>
-          <a:lnRef idx="2">
-            <a:schemeClr val="accent5"/>
-          </a:lnRef>
-          <a:fillRef idx="1">
-            <a:schemeClr val="lt1"/>
-          </a:fillRef>
-          <a:effectRef idx="0">
-            <a:schemeClr val="accent5"/>
-          </a:effectRef>
-          <a:fontRef idx="minor">
-            <a:schemeClr val="dk1"/>
-          </a:fontRef>
-        </p:style>
-        <p:txBody>
-          <a:bodyPr rtlCol="0" anchor="ctr"/>
-          <a:lstStyle/>
-          <a:p>
-            <a:pPr>
-              <a:lnSpc>
-                <a:spcPct val="150000"/>
-              </a:lnSpc>
-            </a:pPr>
-            <a:r>
-              <a:rPr lang="en-US" altLang="zh-CN" sz="1400" dirty="0" smtClean="0">
-                <a:latin typeface="微软雅黑" panose="020B0503020204020204" pitchFamily="34" charset="-122"/>
-                <a:ea typeface="微软雅黑" panose="020B0503020204020204" pitchFamily="34" charset="-122"/>
-              </a:rPr>
-              <a:t> </a:t>
-            </a:r>
-            <a:r>
-              <a:rPr lang="zh-CN" altLang="en-US" sz="1400" dirty="0" smtClean="0">
-                <a:latin typeface="微软雅黑" panose="020B0503020204020204" pitchFamily="34" charset="-122"/>
-                <a:ea typeface="微软雅黑" panose="020B0503020204020204" pitchFamily="34" charset="-122"/>
-              </a:rPr>
-              <a:t>动画结束的时候，删除类</a:t>
-            </a:r>
-            <a:endParaRPr lang="zh-CN" altLang="en-US" sz="1400" dirty="0">
-              <a:latin typeface="微软雅黑" panose="020B0503020204020204" pitchFamily="34" charset="-122"/>
-              <a:ea typeface="微软雅黑" panose="020B0503020204020204" pitchFamily="34" charset="-122"/>
-            </a:endParaRPr>
-          </a:p>
-        </p:txBody>
-      </p:sp>
       <p:pic>
         <p:nvPicPr>
-          <p:cNvPr id="11" name="图片 10" descr="屏幕剪辑"/>
+          <p:cNvPr id="7" name="图片 6" descr="屏幕剪辑"/>
           <p:cNvPicPr>
             <a:picLocks noChangeAspect="1"/>
           </p:cNvPicPr>
@@ -8684,8 +10920,8 @@
         </p:blipFill>
         <p:spPr>
           <a:xfrm>
-            <a:off x="732092" y="2636912"/>
-            <a:ext cx="4201111" cy="276264"/>
+            <a:off x="682069" y="3645024"/>
+            <a:ext cx="4239217" cy="2029108"/>
           </a:xfrm>
           <a:prstGeom prst="rect">
             <a:avLst/>
@@ -8704,19 +10940,19 @@
       </p:pic>
       <p:sp>
         <p:nvSpPr>
-          <p:cNvPr id="17" name="圆角矩形标注 16"/>
+          <p:cNvPr id="8" name="圆角矩形标注 7"/>
           <p:cNvSpPr/>
           <p:nvPr/>
         </p:nvSpPr>
         <p:spPr>
           <a:xfrm>
-            <a:off x="4933203" y="1877045"/>
-            <a:ext cx="2486664" cy="717195"/>
+            <a:off x="4806329" y="3671172"/>
+            <a:ext cx="1474212" cy="716159"/>
           </a:xfrm>
           <a:prstGeom prst="wedgeRoundRectCallout">
             <a:avLst>
-              <a:gd name="adj1" fmla="val -44438"/>
-              <a:gd name="adj2" fmla="val 86310"/>
+              <a:gd name="adj1" fmla="val -57596"/>
+              <a:gd name="adj2" fmla="val 22154"/>
               <a:gd name="adj3" fmla="val 16667"/>
             </a:avLst>
           </a:prstGeom>
@@ -8745,18 +10981,11 @@
               </a:lnSpc>
             </a:pPr>
             <a:r>
-              <a:rPr lang="en-US" altLang="zh-CN" sz="1400" dirty="0" smtClean="0">
-                <a:latin typeface="微软雅黑" panose="020B0503020204020204" pitchFamily="34" charset="-122"/>
-                <a:ea typeface="微软雅黑" panose="020B0503020204020204" pitchFamily="34" charset="-122"/>
-              </a:rPr>
-              <a:t> </a:t>
-            </a:r>
-            <a:r>
               <a:rPr lang="zh-CN" altLang="en-US" sz="1400" dirty="0" smtClean="0">
                 <a:latin typeface="微软雅黑" panose="020B0503020204020204" pitchFamily="34" charset="-122"/>
                 <a:ea typeface="微软雅黑" panose="020B0503020204020204" pitchFamily="34" charset="-122"/>
               </a:rPr>
-              <a:t>动画结束事件，绑定处理函数，方便移除类</a:t>
+              <a:t>添加翻折动画</a:t>
             </a:r>
             <a:endParaRPr lang="zh-CN" altLang="en-US" sz="1400" dirty="0">
               <a:latin typeface="微软雅黑" panose="020B0503020204020204" pitchFamily="34" charset="-122"/>
@@ -8768,20 +10997,13 @@
     </p:spTree>
     <p:extLst>
       <p:ext uri="{BB962C8B-B14F-4D97-AF65-F5344CB8AC3E}">
-        <p14:creationId xmlns:p14="http://schemas.microsoft.com/office/powerpoint/2010/main" val="2033793772"/>
+        <p14:creationId xmlns:p14="http://schemas.microsoft.com/office/powerpoint/2010/main" val="2122933876"/>
       </p:ext>
     </p:extLst>
   </p:cSld>
   <p:clrMapOvr>
     <a:masterClrMapping/>
   </p:clrMapOvr>
-  <p:timing>
-    <p:tnLst>
-      <p:par>
-        <p:cTn id="1" dur="indefinite" restart="never" nodeType="tmRoot"/>
-      </p:par>
-    </p:tnLst>
-  </p:timing>
 </p:sld>
 </file>
 

--- a/5-3DLetter/3DLetter.pptx
+++ b/5-3DLetter/3DLetter.pptx
@@ -121,7 +121,7 @@
   </p:defaultTextStyle>
   <p:extLst>
     <p:ext uri="{EFAFB233-063F-42B5-8137-9DF3F51BA10A}">
-      <p15:sldGuideLst xmlns:p15="http://schemas.microsoft.com/office/powerpoint/2012/main" xmlns="">
+      <p15:sldGuideLst xmlns="" xmlns:p15="http://schemas.microsoft.com/office/powerpoint/2012/main">
         <p15:guide id="1" orient="horz" pos="2160">
           <p15:clr>
             <a:srgbClr val="A4A3A4"/>
@@ -3262,33 +3262,7 @@
                 <a:latin typeface="微软雅黑" pitchFamily="34" charset="-122"/>
                 <a:ea typeface="微软雅黑" pitchFamily="34" charset="-122"/>
               </a:rPr>
-              <a:t>讲  </a:t>
-            </a:r>
-            <a:r>
-              <a:rPr lang="zh-CN" altLang="en-US" sz="3200" dirty="0" smtClean="0">
-                <a:solidFill>
-                  <a:schemeClr val="tx1">
-                    <a:lumMod val="75000"/>
-                    <a:lumOff val="25000"/>
-                  </a:schemeClr>
-                </a:solidFill>
-                <a:latin typeface="微软雅黑" pitchFamily="34" charset="-122"/>
-                <a:ea typeface="微软雅黑" pitchFamily="34" charset="-122"/>
-              </a:rPr>
-              <a:t>翻折</a:t>
-            </a:r>
-            <a:r>
-              <a:rPr lang="zh-CN" altLang="en-US" sz="3200" dirty="0" smtClean="0">
-                <a:solidFill>
-                  <a:schemeClr val="tx1">
-                    <a:lumMod val="75000"/>
-                    <a:lumOff val="25000"/>
-                  </a:schemeClr>
-                </a:solidFill>
-                <a:latin typeface="微软雅黑" pitchFamily="34" charset="-122"/>
-                <a:ea typeface="微软雅黑" pitchFamily="34" charset="-122"/>
-              </a:rPr>
-              <a:t>的字母</a:t>
+              <a:t>讲  翻折的字母</a:t>
             </a:r>
             <a:r>
               <a:rPr lang="en-US" altLang="zh-CN" dirty="0" smtClean="0">
@@ -3750,20 +3724,7 @@
                 <a:latin typeface="微软雅黑" pitchFamily="34" charset="-122"/>
                 <a:ea typeface="微软雅黑" pitchFamily="34" charset="-122"/>
               </a:rPr>
-              <a:t>7</a:t>
-            </a:r>
-            <a:r>
-              <a:rPr lang="en-US" altLang="zh-CN" sz="2800" dirty="0" smtClean="0">
-                <a:solidFill>
-                  <a:schemeClr val="tx1">
-                    <a:lumMod val="75000"/>
-                    <a:lumOff val="25000"/>
-                  </a:schemeClr>
-                </a:solidFill>
-                <a:latin typeface="微软雅黑" pitchFamily="34" charset="-122"/>
-                <a:ea typeface="微软雅黑" pitchFamily="34" charset="-122"/>
-              </a:rPr>
-              <a:t>.</a:t>
+              <a:t>7.</a:t>
             </a:r>
             <a:r>
               <a:rPr lang="zh-CN" altLang="en-US" sz="2800" dirty="0" smtClean="0">
@@ -5619,14 +5580,7 @@
                 <a:latin typeface="微软雅黑" panose="020B0503020204020204" pitchFamily="34" charset="-122"/>
                 <a:ea typeface="微软雅黑" panose="020B0503020204020204" pitchFamily="34" charset="-122"/>
               </a:rPr>
-              <a:t>文本拆解</a:t>
-            </a:r>
-            <a:r>
-              <a:rPr lang="zh-CN" altLang="en-US" sz="1400" dirty="0" smtClean="0">
-                <a:latin typeface="微软雅黑" panose="020B0503020204020204" pitchFamily="34" charset="-122"/>
-                <a:ea typeface="微软雅黑" panose="020B0503020204020204" pitchFamily="34" charset="-122"/>
-              </a:rPr>
-              <a:t>后，变成一个字符数组</a:t>
+              <a:t>文本拆解后，变成一个字符数组</a:t>
             </a:r>
             <a:endParaRPr lang="zh-CN" altLang="en-US" sz="1400" dirty="0">
               <a:latin typeface="微软雅黑" panose="020B0503020204020204" pitchFamily="34" charset="-122"/>
@@ -6439,16 +6393,6 @@
               </a:rPr>
               <a:t> </a:t>
             </a:r>
-            <a:endParaRPr lang="en-US" altLang="zh-CN" dirty="0" smtClean="0">
-              <a:solidFill>
-                <a:schemeClr val="tx1">
-                  <a:lumMod val="75000"/>
-                  <a:lumOff val="25000"/>
-                </a:schemeClr>
-              </a:solidFill>
-              <a:latin typeface="微软雅黑" pitchFamily="34" charset="-122"/>
-              <a:ea typeface="微软雅黑" pitchFamily="34" charset="-122"/>
-            </a:endParaRPr>
           </a:p>
         </p:txBody>
       </p:sp>
@@ -6856,20 +6800,7 @@
                 <a:latin typeface="微软雅黑" pitchFamily="34" charset="-122"/>
                 <a:ea typeface="微软雅黑" pitchFamily="34" charset="-122"/>
               </a:rPr>
-              <a:t>字母</a:t>
-            </a:r>
-            <a:r>
-              <a:rPr lang="zh-CN" altLang="en-US" dirty="0" smtClean="0">
-                <a:solidFill>
-                  <a:schemeClr val="tx1">
-                    <a:lumMod val="75000"/>
-                    <a:lumOff val="25000"/>
-                  </a:schemeClr>
-                </a:solidFill>
-                <a:latin typeface="微软雅黑" pitchFamily="34" charset="-122"/>
-                <a:ea typeface="微软雅黑" pitchFamily="34" charset="-122"/>
-              </a:rPr>
-              <a:t>需要放在独立内联标签中</a:t>
+              <a:t>字母需要放在独立内联标签中</a:t>
             </a:r>
             <a:endParaRPr lang="en-US" altLang="zh-CN" dirty="0" smtClean="0">
               <a:solidFill>
@@ -6899,20 +6830,7 @@
                 <a:latin typeface="微软雅黑" pitchFamily="34" charset="-122"/>
                 <a:ea typeface="微软雅黑" pitchFamily="34" charset="-122"/>
               </a:rPr>
-              <a:t>翻折的是字母，而不是整段文本，所以需要将目标文本一个字母一个字母地放在单独的标签中，方便进行</a:t>
-            </a:r>
-            <a:r>
-              <a:rPr lang="zh-CN" altLang="en-US" dirty="0" smtClean="0">
-                <a:solidFill>
-                  <a:schemeClr val="tx1">
-                    <a:lumMod val="75000"/>
-                    <a:lumOff val="25000"/>
-                  </a:schemeClr>
-                </a:solidFill>
-                <a:latin typeface="微软雅黑" pitchFamily="34" charset="-122"/>
-                <a:ea typeface="微软雅黑" pitchFamily="34" charset="-122"/>
-              </a:rPr>
-              <a:t>操作。另外因为透视中心的问题，内敛标签也是首选</a:t>
+              <a:t>翻折的是字母，而不是整段文本，所以需要将目标文本一个字母一个字母地放在单独的标签中，方便进行操作。另外因为透视中心的问题，内敛标签也是首选</a:t>
             </a:r>
             <a:endParaRPr lang="en-US" altLang="zh-CN" dirty="0" smtClean="0">
               <a:solidFill>
@@ -7331,7 +7249,20 @@
                 <a:latin typeface="微软雅黑" pitchFamily="34" charset="-122"/>
                 <a:ea typeface="微软雅黑" pitchFamily="34" charset="-122"/>
               </a:rPr>
-              <a:t>分割文本，然后使用</a:t>
+              <a:t>分割文本，然后使用独立内联标签包裹，</a:t>
+            </a:r>
+            <a:r>
+              <a:rPr lang="zh-CN" altLang="en-US" dirty="0">
+                <a:solidFill>
+                  <a:schemeClr val="tx1">
+                    <a:lumMod val="75000"/>
+                    <a:lumOff val="25000"/>
+                  </a:schemeClr>
+                </a:solidFill>
+                <a:latin typeface="微软雅黑" pitchFamily="34" charset="-122"/>
+                <a:ea typeface="微软雅黑" pitchFamily="34" charset="-122"/>
+              </a:rPr>
+              <a:t>指定</a:t>
             </a:r>
             <a:r>
               <a:rPr lang="zh-CN" altLang="en-US" dirty="0" smtClean="0">
@@ -7344,72 +7275,7 @@
                 <a:latin typeface="微软雅黑" pitchFamily="34" charset="-122"/>
                 <a:ea typeface="微软雅黑" pitchFamily="34" charset="-122"/>
               </a:rPr>
-              <a:t>独立内联标签</a:t>
-            </a:r>
-            <a:r>
-              <a:rPr lang="zh-CN" altLang="en-US" dirty="0" smtClean="0">
-                <a:solidFill>
-                  <a:schemeClr val="tx1">
-                    <a:lumMod val="75000"/>
-                    <a:lumOff val="25000"/>
-                  </a:schemeClr>
-                </a:solidFill>
-                <a:latin typeface="微软雅黑" pitchFamily="34" charset="-122"/>
-                <a:ea typeface="微软雅黑" pitchFamily="34" charset="-122"/>
-              </a:rPr>
-              <a:t>包裹</a:t>
-            </a:r>
-            <a:r>
-              <a:rPr lang="zh-CN" altLang="en-US" dirty="0" smtClean="0">
-                <a:solidFill>
-                  <a:schemeClr val="tx1">
-                    <a:lumMod val="75000"/>
-                    <a:lumOff val="25000"/>
-                  </a:schemeClr>
-                </a:solidFill>
-                <a:latin typeface="微软雅黑" pitchFamily="34" charset="-122"/>
-                <a:ea typeface="微软雅黑" pitchFamily="34" charset="-122"/>
-              </a:rPr>
-              <a:t>，</a:t>
-            </a:r>
-            <a:r>
-              <a:rPr lang="zh-CN" altLang="en-US" dirty="0">
-                <a:solidFill>
-                  <a:schemeClr val="tx1">
-                    <a:lumMod val="75000"/>
-                    <a:lumOff val="25000"/>
-                  </a:schemeClr>
-                </a:solidFill>
-                <a:latin typeface="微软雅黑" pitchFamily="34" charset="-122"/>
-                <a:ea typeface="微软雅黑" pitchFamily="34" charset="-122"/>
-              </a:rPr>
-              <a:t>指定</a:t>
-            </a:r>
-            <a:r>
-              <a:rPr lang="zh-CN" altLang="en-US" dirty="0" smtClean="0">
-                <a:solidFill>
-                  <a:schemeClr val="tx1">
-                    <a:lumMod val="75000"/>
-                    <a:lumOff val="25000"/>
-                  </a:schemeClr>
-                </a:solidFill>
-                <a:latin typeface="微软雅黑" pitchFamily="34" charset="-122"/>
-                <a:ea typeface="微软雅黑" pitchFamily="34" charset="-122"/>
-              </a:rPr>
-              <a:t>类</a:t>
-            </a:r>
-            <a:r>
-              <a:rPr lang="zh-CN" altLang="en-US" dirty="0" smtClean="0">
-                <a:solidFill>
-                  <a:schemeClr val="tx1">
-                    <a:lumMod val="75000"/>
-                    <a:lumOff val="25000"/>
-                  </a:schemeClr>
-                </a:solidFill>
-                <a:latin typeface="微软雅黑" pitchFamily="34" charset="-122"/>
-                <a:ea typeface="微软雅黑" pitchFamily="34" charset="-122"/>
-              </a:rPr>
-              <a:t>和属性即可</a:t>
+              <a:t>类和属性即可</a:t>
             </a:r>
             <a:endParaRPr lang="en-US" altLang="zh-CN" dirty="0" smtClean="0">
               <a:solidFill>
@@ -7605,7 +7471,33 @@
                 <a:latin typeface="微软雅黑" pitchFamily="34" charset="-122"/>
                 <a:ea typeface="微软雅黑" pitchFamily="34" charset="-122"/>
               </a:rPr>
-              <a:t>文本需要包裹在独立的内</a:t>
+              <a:t>文本需要包裹在独立的</a:t>
+            </a:r>
+            <a:r>
+              <a:rPr lang="zh-CN" altLang="en-US" b="1" dirty="0">
+                <a:solidFill>
+                  <a:schemeClr val="tx1">
+                    <a:lumMod val="75000"/>
+                    <a:lumOff val="25000"/>
+                  </a:schemeClr>
+                </a:solidFill>
+                <a:latin typeface="微软雅黑" pitchFamily="34" charset="-122"/>
+                <a:ea typeface="微软雅黑" pitchFamily="34" charset="-122"/>
+              </a:rPr>
+              <a:t>内</a:t>
+            </a:r>
+            <a:r>
+              <a:rPr lang="zh-CN" altLang="en-US" b="1" dirty="0" smtClean="0">
+                <a:solidFill>
+                  <a:schemeClr val="tx1">
+                    <a:lumMod val="75000"/>
+                    <a:lumOff val="25000"/>
+                  </a:schemeClr>
+                </a:solidFill>
+                <a:latin typeface="微软雅黑" pitchFamily="34" charset="-122"/>
+                <a:ea typeface="微软雅黑" pitchFamily="34" charset="-122"/>
+              </a:rPr>
+              <a:t>联元素</a:t>
             </a:r>
             <a:r>
               <a:rPr lang="zh-CN" altLang="en-US" dirty="0" smtClean="0">
@@ -7618,7 +7510,7 @@
                 <a:latin typeface="微软雅黑" pitchFamily="34" charset="-122"/>
                 <a:ea typeface="微软雅黑" pitchFamily="34" charset="-122"/>
               </a:rPr>
-              <a:t>联元素中，因为块元素的宽度是父元素宽度的</a:t>
+              <a:t>中，因为块元素的宽度是父元素宽度的</a:t>
             </a:r>
             <a:r>
               <a:rPr lang="en-US" altLang="zh-CN" dirty="0" smtClean="0">
@@ -8138,14 +8030,7 @@
                 <a:latin typeface="微软雅黑" panose="020B0503020204020204" pitchFamily="34" charset="-122"/>
                 <a:ea typeface="微软雅黑" panose="020B0503020204020204" pitchFamily="34" charset="-122"/>
               </a:rPr>
-              <a:t>镂空部分用</a:t>
-            </a:r>
-            <a:r>
-              <a:rPr lang="zh-CN" altLang="en-US" sz="1400" dirty="0" smtClean="0">
-                <a:latin typeface="微软雅黑" panose="020B0503020204020204" pitchFamily="34" charset="-122"/>
-                <a:ea typeface="微软雅黑" panose="020B0503020204020204" pitchFamily="34" charset="-122"/>
-              </a:rPr>
-              <a:t>文本本身实现</a:t>
+              <a:t>镂空部分用文本本身实现</a:t>
             </a:r>
             <a:endParaRPr lang="zh-CN" altLang="en-US" sz="1400" dirty="0">
               <a:latin typeface="微软雅黑" panose="020B0503020204020204" pitchFamily="34" charset="-122"/>
@@ -9038,20 +8923,7 @@
                 <a:latin typeface="微软雅黑" pitchFamily="34" charset="-122"/>
                 <a:ea typeface="微软雅黑" pitchFamily="34" charset="-122"/>
               </a:rPr>
-              <a:t>5</a:t>
-            </a:r>
-            <a:r>
-              <a:rPr lang="en-US" altLang="zh-CN" sz="2800" dirty="0" smtClean="0">
-                <a:solidFill>
-                  <a:schemeClr val="tx1">
-                    <a:lumMod val="75000"/>
-                    <a:lumOff val="25000"/>
-                  </a:schemeClr>
-                </a:solidFill>
-                <a:latin typeface="微软雅黑" pitchFamily="34" charset="-122"/>
-                <a:ea typeface="微软雅黑" pitchFamily="34" charset="-122"/>
-              </a:rPr>
-              <a:t>.</a:t>
+              <a:t>5.</a:t>
             </a:r>
             <a:r>
               <a:rPr lang="zh-CN" altLang="en-US" sz="2800" dirty="0" smtClean="0">
